--- a/animalsClass/Deep History Of the field of Perception.pptx
+++ b/animalsClass/Deep History Of the field of Perception.pptx
@@ -5,15 +5,27 @@
     <p:sldMasterId id="2147483762" r:id="rId1"/>
   </p:sldMasterIdLst>
   <p:notesMasterIdLst>
-    <p:notesMasterId r:id="rId8"/>
+    <p:notesMasterId r:id="rId20"/>
   </p:notesMasterIdLst>
   <p:sldIdLst>
     <p:sldId id="256" r:id="rId2"/>
-    <p:sldId id="258" r:id="rId3"/>
-    <p:sldId id="259" r:id="rId4"/>
-    <p:sldId id="257" r:id="rId5"/>
-    <p:sldId id="261" r:id="rId6"/>
-    <p:sldId id="260" r:id="rId7"/>
+    <p:sldId id="262" r:id="rId3"/>
+    <p:sldId id="263" r:id="rId4"/>
+    <p:sldId id="258" r:id="rId5"/>
+    <p:sldId id="259" r:id="rId6"/>
+    <p:sldId id="257" r:id="rId7"/>
+    <p:sldId id="261" r:id="rId8"/>
+    <p:sldId id="260" r:id="rId9"/>
+    <p:sldId id="270" r:id="rId10"/>
+    <p:sldId id="271" r:id="rId11"/>
+    <p:sldId id="272" r:id="rId12"/>
+    <p:sldId id="264" r:id="rId13"/>
+    <p:sldId id="273" r:id="rId14"/>
+    <p:sldId id="265" r:id="rId15"/>
+    <p:sldId id="274" r:id="rId16"/>
+    <p:sldId id="266" r:id="rId17"/>
+    <p:sldId id="275" r:id="rId18"/>
+    <p:sldId id="267" r:id="rId19"/>
   </p:sldIdLst>
   <p:sldSz cx="12192000" cy="6858000"/>
   <p:notesSz cx="6858000" cy="9144000"/>
@@ -202,7 +214,7 @@
           <a:p>
             <a:fld id="{35838E82-0035-4059-B301-DE84D32976C6}" type="datetimeFigureOut">
               <a:rPr lang="en-US" smtClean="0"/>
-              <a:t>10/25/2024</a:t>
+              <a:t>11/4/2024</a:t>
             </a:fld>
             <a:endParaRPr lang="en-US"/>
           </a:p>
@@ -561,21 +573,18 @@
               <a:t>I mainly work on </a:t>
             </a:r>
             <a:r>
-              <a:rPr lang="en-US" baseline="0" dirty="0" err="1" smtClean="0"/>
-              <a:t>hpatics</a:t>
-            </a:r>
-            <a:r>
               <a:rPr lang="en-US" baseline="0" dirty="0" smtClean="0"/>
-              <a:t> which means touch, I like to focus around the hands but I plan to study haptic perception across the body and perhaps around the lower </a:t>
-            </a:r>
-            <a:r>
-              <a:rPr lang="en-US" baseline="0" dirty="0" err="1" smtClean="0"/>
-              <a:t>appendges</a:t>
+              <a:t>haptics </a:t>
             </a:r>
             <a:r>
               <a:rPr lang="en-US" baseline="0" dirty="0" smtClean="0"/>
-              <a:t>.</a:t>
-            </a:r>
+              <a:t>which means touch, I like to focus around the hands but I plan to study haptic perception across the body and perhaps around the lower </a:t>
+            </a:r>
+            <a:r>
+              <a:rPr lang="en-US" baseline="0" dirty="0" smtClean="0"/>
+              <a:t>appendages (maybe).</a:t>
+            </a:r>
+            <a:endParaRPr lang="en-US" baseline="0" dirty="0" smtClean="0"/>
           </a:p>
           <a:p>
             <a:pPr marL="171450" indent="-171450">
@@ -587,12 +596,34 @@
               <a:t>The purpose of this work, for those who are curious is to develop better VR and AR </a:t>
             </a:r>
             <a:r>
+              <a:rPr lang="en-US" baseline="0" dirty="0" smtClean="0"/>
+              <a:t>experiences </a:t>
+            </a:r>
+            <a:r>
+              <a:rPr lang="en-US" baseline="0" dirty="0" smtClean="0"/>
+              <a:t>and make these systems for the future more refined and better suited for human use and exploration</a:t>
+            </a:r>
+            <a:r>
+              <a:rPr lang="en-US" baseline="0" dirty="0" smtClean="0"/>
+              <a:t>.</a:t>
+            </a:r>
+          </a:p>
+          <a:p>
+            <a:pPr marL="171450" indent="-171450">
+              <a:buFontTx/>
+              <a:buChar char="-"/>
+            </a:pPr>
+            <a:r>
+              <a:rPr lang="en-US" baseline="0" dirty="0" smtClean="0"/>
+              <a:t>Or if not applicable there, then we can at least develop treatments and more advanced methodologies in diagnosing diseases or better assessments of human ability for various hand based </a:t>
+            </a:r>
+            <a:r>
               <a:rPr lang="en-US" baseline="0" dirty="0" err="1" smtClean="0"/>
               <a:t>experinces</a:t>
             </a:r>
             <a:r>
               <a:rPr lang="en-US" baseline="0" dirty="0" smtClean="0"/>
-              <a:t> and make these systems for the future more refined and better suited for human use and exploration.</a:t>
+              <a:t>. Like, how well can your doctor place a robot arm at a specific point, to consider</a:t>
             </a:r>
             <a:endParaRPr lang="en-US" dirty="0"/>
           </a:p>
@@ -615,7 +646,7 @@
           <a:p>
             <a:fld id="{DCA2563F-DB87-4291-BC4C-84A32321EAED}" type="slidenum">
               <a:rPr lang="en-US" smtClean="0"/>
-              <a:t>3</a:t>
+              <a:t>5</a:t>
             </a:fld>
             <a:endParaRPr lang="en-US"/>
           </a:p>
@@ -625,6 +656,440 @@
     <p:extLst>
       <p:ext uri="{BB962C8B-B14F-4D97-AF65-F5344CB8AC3E}">
         <p14:creationId xmlns:p14="http://schemas.microsoft.com/office/powerpoint/2010/main" val="2620022585"/>
+      </p:ext>
+    </p:extLst>
+  </p:cSld>
+  <p:clrMapOvr>
+    <a:masterClrMapping/>
+  </p:clrMapOvr>
+</p:notes>
+</file>
+
+<file path=ppt/notesSlides/notesSlide2.xml><?xml version="1.0" encoding="utf-8"?>
+<p:notes xmlns:a="http://schemas.openxmlformats.org/drawingml/2006/main" xmlns:r="http://schemas.openxmlformats.org/officeDocument/2006/relationships" xmlns:p="http://schemas.openxmlformats.org/presentationml/2006/main">
+  <p:cSld>
+    <p:spTree>
+      <p:nvGrpSpPr>
+        <p:cNvPr id="1" name=""/>
+        <p:cNvGrpSpPr/>
+        <p:nvPr/>
+      </p:nvGrpSpPr>
+      <p:grpSpPr>
+        <a:xfrm>
+          <a:off x="0" y="0"/>
+          <a:ext cx="0" cy="0"/>
+          <a:chOff x="0" y="0"/>
+          <a:chExt cx="0" cy="0"/>
+        </a:xfrm>
+      </p:grpSpPr>
+      <p:sp>
+        <p:nvSpPr>
+          <p:cNvPr id="2" name="Slide Image Placeholder 1"/>
+          <p:cNvSpPr>
+            <a:spLocks noGrp="1" noRot="1" noChangeAspect="1"/>
+          </p:cNvSpPr>
+          <p:nvPr>
+            <p:ph type="sldImg"/>
+          </p:nvPr>
+        </p:nvSpPr>
+        <p:spPr/>
+      </p:sp>
+      <p:sp>
+        <p:nvSpPr>
+          <p:cNvPr id="3" name="Notes Placeholder 2"/>
+          <p:cNvSpPr>
+            <a:spLocks noGrp="1"/>
+          </p:cNvSpPr>
+          <p:nvPr>
+            <p:ph type="body" idx="1"/>
+          </p:nvPr>
+        </p:nvSpPr>
+        <p:spPr/>
+        <p:txBody>
+          <a:bodyPr/>
+          <a:lstStyle/>
+          <a:p>
+            <a:r>
+              <a:rPr lang="en-US" dirty="0" smtClean="0">
+                <a:solidFill>
+                  <a:schemeClr val="bg1"/>
+                </a:solidFill>
+              </a:rPr>
+              <a:t>- go over and study these ideas </a:t>
+            </a:r>
+          </a:p>
+          <a:p>
+            <a:pPr lvl="1"/>
+            <a:r>
+              <a:rPr lang="en-US" dirty="0" smtClean="0">
+                <a:solidFill>
+                  <a:schemeClr val="bg1"/>
+                </a:solidFill>
+              </a:rPr>
+              <a:t>Theory of forms (we cant see real reality)</a:t>
+            </a:r>
+          </a:p>
+          <a:p>
+            <a:pPr lvl="1"/>
+            <a:r>
+              <a:rPr lang="en-US" dirty="0" smtClean="0">
+                <a:solidFill>
+                  <a:schemeClr val="bg1"/>
+                </a:solidFill>
+              </a:rPr>
+              <a:t>Empiricism -&gt; sensory knowledge is what we have to study reality </a:t>
+            </a:r>
+          </a:p>
+          <a:p>
+            <a:endParaRPr lang="en-US" dirty="0" smtClean="0"/>
+          </a:p>
+          <a:p>
+            <a:r>
+              <a:rPr lang="en-US" dirty="0" smtClean="0"/>
+              <a:t>-- </a:t>
+            </a:r>
+            <a:r>
+              <a:rPr lang="en-US" dirty="0" err="1" smtClean="0"/>
+              <a:t>plato</a:t>
+            </a:r>
+            <a:r>
+              <a:rPr lang="en-US" dirty="0" smtClean="0"/>
+              <a:t> was basically like, </a:t>
+            </a:r>
+            <a:r>
+              <a:rPr lang="en-US" dirty="0" err="1" smtClean="0"/>
+              <a:t>wahat</a:t>
+            </a:r>
+            <a:r>
+              <a:rPr lang="en-US" dirty="0" smtClean="0"/>
+              <a:t> is senses, what is perception, what does it mean to have knowledge of the world.</a:t>
+            </a:r>
+            <a:endParaRPr lang="en-US" dirty="0"/>
+          </a:p>
+        </p:txBody>
+      </p:sp>
+      <p:sp>
+        <p:nvSpPr>
+          <p:cNvPr id="4" name="Slide Number Placeholder 3"/>
+          <p:cNvSpPr>
+            <a:spLocks noGrp="1"/>
+          </p:cNvSpPr>
+          <p:nvPr>
+            <p:ph type="sldNum" sz="quarter" idx="10"/>
+          </p:nvPr>
+        </p:nvSpPr>
+        <p:spPr/>
+        <p:txBody>
+          <a:bodyPr/>
+          <a:lstStyle/>
+          <a:p>
+            <a:fld id="{DCA2563F-DB87-4291-BC4C-84A32321EAED}" type="slidenum">
+              <a:rPr lang="en-US" smtClean="0"/>
+              <a:t>6</a:t>
+            </a:fld>
+            <a:endParaRPr lang="en-US"/>
+          </a:p>
+        </p:txBody>
+      </p:sp>
+    </p:spTree>
+    <p:extLst>
+      <p:ext uri="{BB962C8B-B14F-4D97-AF65-F5344CB8AC3E}">
+        <p14:creationId xmlns:p14="http://schemas.microsoft.com/office/powerpoint/2010/main" val="1021265767"/>
+      </p:ext>
+    </p:extLst>
+  </p:cSld>
+  <p:clrMapOvr>
+    <a:masterClrMapping/>
+  </p:clrMapOvr>
+</p:notes>
+</file>
+
+<file path=ppt/notesSlides/notesSlide3.xml><?xml version="1.0" encoding="utf-8"?>
+<p:notes xmlns:a="http://schemas.openxmlformats.org/drawingml/2006/main" xmlns:r="http://schemas.openxmlformats.org/officeDocument/2006/relationships" xmlns:p="http://schemas.openxmlformats.org/presentationml/2006/main">
+  <p:cSld>
+    <p:spTree>
+      <p:nvGrpSpPr>
+        <p:cNvPr id="1" name=""/>
+        <p:cNvGrpSpPr/>
+        <p:nvPr/>
+      </p:nvGrpSpPr>
+      <p:grpSpPr>
+        <a:xfrm>
+          <a:off x="0" y="0"/>
+          <a:ext cx="0" cy="0"/>
+          <a:chOff x="0" y="0"/>
+          <a:chExt cx="0" cy="0"/>
+        </a:xfrm>
+      </p:grpSpPr>
+      <p:sp>
+        <p:nvSpPr>
+          <p:cNvPr id="2" name="Slide Image Placeholder 1"/>
+          <p:cNvSpPr>
+            <a:spLocks noGrp="1" noRot="1" noChangeAspect="1"/>
+          </p:cNvSpPr>
+          <p:nvPr>
+            <p:ph type="sldImg"/>
+          </p:nvPr>
+        </p:nvSpPr>
+        <p:spPr/>
+      </p:sp>
+      <p:sp>
+        <p:nvSpPr>
+          <p:cNvPr id="3" name="Notes Placeholder 2"/>
+          <p:cNvSpPr>
+            <a:spLocks noGrp="1"/>
+          </p:cNvSpPr>
+          <p:nvPr>
+            <p:ph type="body" idx="1"/>
+          </p:nvPr>
+        </p:nvSpPr>
+        <p:spPr/>
+        <p:txBody>
+          <a:bodyPr/>
+          <a:lstStyle/>
+          <a:p>
+            <a:pPr marL="171450" indent="-171450">
+              <a:buFontTx/>
+              <a:buChar char="-"/>
+            </a:pPr>
+            <a:r>
+              <a:rPr lang="en-US" dirty="0" smtClean="0"/>
+              <a:t>Next we have Euclid, and </a:t>
+            </a:r>
+            <a:r>
+              <a:rPr lang="en-US" dirty="0" err="1" smtClean="0"/>
+              <a:t>im</a:t>
+            </a:r>
+            <a:r>
+              <a:rPr lang="en-US" dirty="0" smtClean="0"/>
+              <a:t> only covering</a:t>
+            </a:r>
+            <a:r>
+              <a:rPr lang="en-US" baseline="0" dirty="0" smtClean="0"/>
+              <a:t> really important people and ideas, or people who will be reference a lot later on, </a:t>
+            </a:r>
+          </a:p>
+          <a:p>
+            <a:pPr marL="171450" indent="-171450">
+              <a:buFontTx/>
+              <a:buChar char="-"/>
+            </a:pPr>
+            <a:r>
+              <a:rPr lang="en-US" baseline="0" dirty="0" err="1" smtClean="0"/>
+              <a:t>Eculid</a:t>
+            </a:r>
+            <a:r>
+              <a:rPr lang="en-US" baseline="0" dirty="0" smtClean="0"/>
+              <a:t> is the most amazing </a:t>
+            </a:r>
+            <a:r>
+              <a:rPr lang="en-US" baseline="0" dirty="0" err="1" smtClean="0"/>
+              <a:t>vcuz</a:t>
+            </a:r>
+            <a:r>
+              <a:rPr lang="en-US" baseline="0" dirty="0" smtClean="0"/>
+              <a:t> he </a:t>
+            </a:r>
+            <a:r>
+              <a:rPr lang="en-US" baseline="0" dirty="0" err="1" smtClean="0"/>
+              <a:t>defineid</a:t>
+            </a:r>
+            <a:r>
+              <a:rPr lang="en-US" baseline="0" dirty="0" smtClean="0"/>
+              <a:t> and made the concept of </a:t>
+            </a:r>
+            <a:r>
+              <a:rPr lang="en-US" baseline="0" dirty="0" err="1" smtClean="0"/>
+              <a:t>euclidan</a:t>
+            </a:r>
+            <a:r>
+              <a:rPr lang="en-US" baseline="0" dirty="0" smtClean="0"/>
+              <a:t> space real, and something that we can discuss and work around / with </a:t>
+            </a:r>
+          </a:p>
+          <a:p>
+            <a:pPr marL="171450" indent="-171450">
+              <a:buFontTx/>
+              <a:buChar char="-"/>
+            </a:pPr>
+            <a:endParaRPr lang="en-US" baseline="0" dirty="0" smtClean="0"/>
+          </a:p>
+          <a:p>
+            <a:pPr marL="171450" indent="-171450">
+              <a:buFontTx/>
+              <a:buChar char="-"/>
+            </a:pPr>
+            <a:r>
+              <a:rPr lang="en-US" baseline="0" dirty="0" smtClean="0"/>
+              <a:t>Ibn </a:t>
+            </a:r>
+            <a:r>
+              <a:rPr lang="en-US" baseline="0" dirty="0" err="1" smtClean="0"/>
+              <a:t>al-haytham</a:t>
+            </a:r>
+            <a:r>
+              <a:rPr lang="en-US" baseline="0" dirty="0" smtClean="0"/>
+              <a:t>, he came almost 1000 years later but was the first studier of optics, geometrically and also of human vision and biology, showing here the optic chasm </a:t>
+            </a:r>
+            <a:endParaRPr lang="en-US" dirty="0"/>
+          </a:p>
+        </p:txBody>
+      </p:sp>
+      <p:sp>
+        <p:nvSpPr>
+          <p:cNvPr id="4" name="Slide Number Placeholder 3"/>
+          <p:cNvSpPr>
+            <a:spLocks noGrp="1"/>
+          </p:cNvSpPr>
+          <p:nvPr>
+            <p:ph type="sldNum" sz="quarter" idx="10"/>
+          </p:nvPr>
+        </p:nvSpPr>
+        <p:spPr/>
+        <p:txBody>
+          <a:bodyPr/>
+          <a:lstStyle/>
+          <a:p>
+            <a:fld id="{DCA2563F-DB87-4291-BC4C-84A32321EAED}" type="slidenum">
+              <a:rPr lang="en-US" smtClean="0"/>
+              <a:t>7</a:t>
+            </a:fld>
+            <a:endParaRPr lang="en-US"/>
+          </a:p>
+        </p:txBody>
+      </p:sp>
+    </p:spTree>
+    <p:extLst>
+      <p:ext uri="{BB962C8B-B14F-4D97-AF65-F5344CB8AC3E}">
+        <p14:creationId xmlns:p14="http://schemas.microsoft.com/office/powerpoint/2010/main" val="569383100"/>
+      </p:ext>
+    </p:extLst>
+  </p:cSld>
+  <p:clrMapOvr>
+    <a:masterClrMapping/>
+  </p:clrMapOvr>
+</p:notes>
+</file>
+
+<file path=ppt/notesSlides/notesSlide4.xml><?xml version="1.0" encoding="utf-8"?>
+<p:notes xmlns:a="http://schemas.openxmlformats.org/drawingml/2006/main" xmlns:r="http://schemas.openxmlformats.org/officeDocument/2006/relationships" xmlns:p="http://schemas.openxmlformats.org/presentationml/2006/main">
+  <p:cSld>
+    <p:spTree>
+      <p:nvGrpSpPr>
+        <p:cNvPr id="1" name=""/>
+        <p:cNvGrpSpPr/>
+        <p:nvPr/>
+      </p:nvGrpSpPr>
+      <p:grpSpPr>
+        <a:xfrm>
+          <a:off x="0" y="0"/>
+          <a:ext cx="0" cy="0"/>
+          <a:chOff x="0" y="0"/>
+          <a:chExt cx="0" cy="0"/>
+        </a:xfrm>
+      </p:grpSpPr>
+      <p:sp>
+        <p:nvSpPr>
+          <p:cNvPr id="2" name="Slide Image Placeholder 1"/>
+          <p:cNvSpPr>
+            <a:spLocks noGrp="1" noRot="1" noChangeAspect="1"/>
+          </p:cNvSpPr>
+          <p:nvPr>
+            <p:ph type="sldImg"/>
+          </p:nvPr>
+        </p:nvSpPr>
+        <p:spPr/>
+      </p:sp>
+      <p:sp>
+        <p:nvSpPr>
+          <p:cNvPr id="3" name="Notes Placeholder 2"/>
+          <p:cNvSpPr>
+            <a:spLocks noGrp="1"/>
+          </p:cNvSpPr>
+          <p:nvPr>
+            <p:ph type="body" idx="1"/>
+          </p:nvPr>
+        </p:nvSpPr>
+        <p:spPr/>
+        <p:txBody>
+          <a:bodyPr/>
+          <a:lstStyle/>
+          <a:p>
+            <a:r>
+              <a:rPr lang="en-US" dirty="0" smtClean="0"/>
+              <a:t>- The older </a:t>
+            </a:r>
+            <a:r>
+              <a:rPr lang="en-US" dirty="0" err="1" smtClean="0"/>
+              <a:t>guyt</a:t>
+            </a:r>
+            <a:r>
+              <a:rPr lang="en-US" dirty="0" smtClean="0"/>
+              <a:t>, </a:t>
+            </a:r>
+            <a:r>
+              <a:rPr lang="en-US" dirty="0" err="1" smtClean="0"/>
+              <a:t>david</a:t>
+            </a:r>
+            <a:r>
+              <a:rPr lang="en-US" baseline="0" dirty="0" smtClean="0"/>
+              <a:t> </a:t>
+            </a:r>
+            <a:r>
+              <a:rPr lang="en-US" baseline="0" dirty="0" err="1" smtClean="0"/>
+              <a:t>hubel</a:t>
+            </a:r>
+            <a:r>
+              <a:rPr lang="en-US" baseline="0" dirty="0" smtClean="0"/>
+              <a:t>, </a:t>
+            </a:r>
+            <a:r>
+              <a:rPr lang="en-US" baseline="0" dirty="0" err="1" smtClean="0"/>
+              <a:t>acc</a:t>
+            </a:r>
+            <a:r>
+              <a:rPr lang="en-US" baseline="0" dirty="0" smtClean="0"/>
+              <a:t> made the tungsten </a:t>
+            </a:r>
+            <a:r>
+              <a:rPr lang="en-US" baseline="0" dirty="0" err="1" smtClean="0"/>
+              <a:t>electonde</a:t>
+            </a:r>
+            <a:r>
+              <a:rPr lang="en-US" baseline="0" dirty="0" smtClean="0"/>
+              <a:t> </a:t>
+            </a:r>
+            <a:endParaRPr lang="en-US" dirty="0"/>
+          </a:p>
+        </p:txBody>
+      </p:sp>
+      <p:sp>
+        <p:nvSpPr>
+          <p:cNvPr id="4" name="Slide Number Placeholder 3"/>
+          <p:cNvSpPr>
+            <a:spLocks noGrp="1"/>
+          </p:cNvSpPr>
+          <p:nvPr>
+            <p:ph type="sldNum" sz="quarter" idx="10"/>
+          </p:nvPr>
+        </p:nvSpPr>
+        <p:spPr/>
+        <p:txBody>
+          <a:bodyPr/>
+          <a:lstStyle/>
+          <a:p>
+            <a:fld id="{DCA2563F-DB87-4291-BC4C-84A32321EAED}" type="slidenum">
+              <a:rPr lang="en-US" smtClean="0"/>
+              <a:t>14</a:t>
+            </a:fld>
+            <a:endParaRPr lang="en-US"/>
+          </a:p>
+        </p:txBody>
+      </p:sp>
+    </p:spTree>
+    <p:extLst>
+      <p:ext uri="{BB962C8B-B14F-4D97-AF65-F5344CB8AC3E}">
+        <p14:creationId xmlns:p14="http://schemas.microsoft.com/office/powerpoint/2010/main" val="2102318599"/>
       </p:ext>
     </p:extLst>
   </p:cSld>
@@ -786,7 +1251,7 @@
           <a:p>
             <a:fld id="{D87EE853-6FD6-458F-A715-DA8EAD8FF2A7}" type="datetimeFigureOut">
               <a:rPr lang="en-US" smtClean="0"/>
-              <a:t>10/25/2024</a:t>
+              <a:t>11/4/2024</a:t>
             </a:fld>
             <a:endParaRPr lang="en-US"/>
           </a:p>
@@ -1039,7 +1504,7 @@
           <a:p>
             <a:fld id="{D87EE853-6FD6-458F-A715-DA8EAD8FF2A7}" type="datetimeFigureOut">
               <a:rPr lang="en-US" smtClean="0"/>
-              <a:t>10/25/2024</a:t>
+              <a:t>11/4/2024</a:t>
             </a:fld>
             <a:endParaRPr lang="en-US"/>
           </a:p>
@@ -1219,7 +1684,7 @@
           <a:p>
             <a:fld id="{D87EE853-6FD6-458F-A715-DA8EAD8FF2A7}" type="datetimeFigureOut">
               <a:rPr lang="en-US" smtClean="0"/>
-              <a:t>10/25/2024</a:t>
+              <a:t>11/4/2024</a:t>
             </a:fld>
             <a:endParaRPr lang="en-US"/>
           </a:p>
@@ -1424,7 +1889,7 @@
           <a:p>
             <a:fld id="{D87EE853-6FD6-458F-A715-DA8EAD8FF2A7}" type="datetimeFigureOut">
               <a:rPr lang="en-US" smtClean="0"/>
-              <a:t>10/25/2024</a:t>
+              <a:t>11/4/2024</a:t>
             </a:fld>
             <a:endParaRPr lang="en-US"/>
           </a:p>
@@ -1681,7 +2146,7 @@
           <a:p>
             <a:fld id="{D87EE853-6FD6-458F-A715-DA8EAD8FF2A7}" type="datetimeFigureOut">
               <a:rPr lang="en-US" smtClean="0"/>
-              <a:t>10/25/2024</a:t>
+              <a:t>11/4/2024</a:t>
             </a:fld>
             <a:endParaRPr lang="en-US"/>
           </a:p>
@@ -2003,7 +2468,7 @@
           <a:p>
             <a:fld id="{D87EE853-6FD6-458F-A715-DA8EAD8FF2A7}" type="datetimeFigureOut">
               <a:rPr lang="en-US" smtClean="0"/>
-              <a:t>10/25/2024</a:t>
+              <a:t>11/4/2024</a:t>
             </a:fld>
             <a:endParaRPr lang="en-US"/>
           </a:p>
@@ -2401,7 +2866,7 @@
           <a:p>
             <a:fld id="{D87EE853-6FD6-458F-A715-DA8EAD8FF2A7}" type="datetimeFigureOut">
               <a:rPr lang="en-US" smtClean="0"/>
-              <a:t>10/25/2024</a:t>
+              <a:t>11/4/2024</a:t>
             </a:fld>
             <a:endParaRPr lang="en-US"/>
           </a:p>
@@ -2519,7 +2984,7 @@
           <a:p>
             <a:fld id="{D87EE853-6FD6-458F-A715-DA8EAD8FF2A7}" type="datetimeFigureOut">
               <a:rPr lang="en-US" smtClean="0"/>
-              <a:t>10/25/2024</a:t>
+              <a:t>11/4/2024</a:t>
             </a:fld>
             <a:endParaRPr lang="en-US"/>
           </a:p>
@@ -2614,7 +3079,7 @@
           <a:p>
             <a:fld id="{D87EE853-6FD6-458F-A715-DA8EAD8FF2A7}" type="datetimeFigureOut">
               <a:rPr lang="en-US" smtClean="0"/>
-              <a:t>10/25/2024</a:t>
+              <a:t>11/4/2024</a:t>
             </a:fld>
             <a:endParaRPr lang="en-US"/>
           </a:p>
@@ -2904,7 +3369,7 @@
           <a:p>
             <a:fld id="{D87EE853-6FD6-458F-A715-DA8EAD8FF2A7}" type="datetimeFigureOut">
               <a:rPr lang="en-US" smtClean="0"/>
-              <a:t>10/25/2024</a:t>
+              <a:t>11/4/2024</a:t>
             </a:fld>
             <a:endParaRPr lang="en-US"/>
           </a:p>
@@ -3184,7 +3649,7 @@
           <a:p>
             <a:fld id="{D87EE853-6FD6-458F-A715-DA8EAD8FF2A7}" type="datetimeFigureOut">
               <a:rPr lang="en-US" smtClean="0"/>
-              <a:t>10/25/2024</a:t>
+              <a:t>11/4/2024</a:t>
             </a:fld>
             <a:endParaRPr lang="en-US"/>
           </a:p>
@@ -3434,7 +3899,7 @@
           <a:p>
             <a:fld id="{D87EE853-6FD6-458F-A715-DA8EAD8FF2A7}" type="datetimeFigureOut">
               <a:rPr lang="en-US" smtClean="0"/>
-              <a:t>10/25/2024</a:t>
+              <a:t>11/4/2024</a:t>
             </a:fld>
             <a:endParaRPr lang="en-US"/>
           </a:p>
@@ -4008,882 +4473,7 @@
 </p:sld>
 </file>
 
-<file path=ppt/slides/slide2.xml><?xml version="1.0" encoding="utf-8"?>
-<p:sld xmlns:a="http://schemas.openxmlformats.org/drawingml/2006/main" xmlns:r="http://schemas.openxmlformats.org/officeDocument/2006/relationships" xmlns:p="http://schemas.openxmlformats.org/presentationml/2006/main">
-  <p:cSld>
-    <p:bg>
-      <p:bgPr>
-        <a:solidFill>
-          <a:srgbClr val="7030A0"/>
-        </a:solidFill>
-        <a:effectLst/>
-      </p:bgPr>
-    </p:bg>
-    <p:spTree>
-      <p:nvGrpSpPr>
-        <p:cNvPr id="1" name=""/>
-        <p:cNvGrpSpPr/>
-        <p:nvPr/>
-      </p:nvGrpSpPr>
-      <p:grpSpPr>
-        <a:xfrm>
-          <a:off x="0" y="0"/>
-          <a:ext cx="0" cy="0"/>
-          <a:chOff x="0" y="0"/>
-          <a:chExt cx="0" cy="0"/>
-        </a:xfrm>
-      </p:grpSpPr>
-      <p:sp>
-        <p:nvSpPr>
-          <p:cNvPr id="2" name="Title 1"/>
-          <p:cNvSpPr>
-            <a:spLocks noGrp="1"/>
-          </p:cNvSpPr>
-          <p:nvPr>
-            <p:ph type="title"/>
-          </p:nvPr>
-        </p:nvSpPr>
-        <p:spPr/>
-        <p:txBody>
-          <a:bodyPr/>
-          <a:lstStyle/>
-          <a:p>
-            <a:r>
-              <a:rPr lang="en-US" b="1" dirty="0" smtClean="0">
-                <a:solidFill>
-                  <a:srgbClr val="FFFF00"/>
-                </a:solidFill>
-              </a:rPr>
-              <a:t>Warning</a:t>
-            </a:r>
-            <a:endParaRPr lang="en-US" b="1" dirty="0">
-              <a:solidFill>
-                <a:srgbClr val="FFFF00"/>
-              </a:solidFill>
-            </a:endParaRPr>
-          </a:p>
-        </p:txBody>
-      </p:sp>
-      <p:sp>
-        <p:nvSpPr>
-          <p:cNvPr id="3" name="Content Placeholder 2"/>
-          <p:cNvSpPr>
-            <a:spLocks noGrp="1"/>
-          </p:cNvSpPr>
-          <p:nvPr>
-            <p:ph idx="1"/>
-          </p:nvPr>
-        </p:nvSpPr>
-        <p:spPr>
-          <a:solidFill>
-            <a:srgbClr val="7030A0"/>
-          </a:solidFill>
-        </p:spPr>
-        <p:txBody>
-          <a:bodyPr>
-            <a:normAutofit/>
-          </a:bodyPr>
-          <a:lstStyle/>
-          <a:p>
-            <a:r>
-              <a:rPr lang="en-US" sz="3200" b="1" dirty="0" smtClean="0">
-                <a:solidFill>
-                  <a:srgbClr val="FFFF00"/>
-                </a:solidFill>
-              </a:rPr>
-              <a:t>- Background Color indicates progression through time </a:t>
-            </a:r>
-          </a:p>
-          <a:p>
-            <a:endParaRPr lang="en-US" sz="3200" b="1" dirty="0">
-              <a:solidFill>
-                <a:srgbClr val="FFFF00"/>
-              </a:solidFill>
-            </a:endParaRPr>
-          </a:p>
-        </p:txBody>
-      </p:sp>
-      <p:sp>
-        <p:nvSpPr>
-          <p:cNvPr id="4" name="Rectangle 3"/>
-          <p:cNvSpPr/>
-          <p:nvPr/>
-        </p:nvSpPr>
-        <p:spPr>
-          <a:xfrm>
-            <a:off x="1024128" y="3605349"/>
-            <a:ext cx="3038421" cy="2704011"/>
-          </a:xfrm>
-          <a:prstGeom prst="rect">
-            <a:avLst/>
-          </a:prstGeom>
-        </p:spPr>
-        <p:style>
-          <a:lnRef idx="2">
-            <a:schemeClr val="dk1">
-              <a:shade val="50000"/>
-            </a:schemeClr>
-          </a:lnRef>
-          <a:fillRef idx="1">
-            <a:schemeClr val="dk1"/>
-          </a:fillRef>
-          <a:effectRef idx="0">
-            <a:schemeClr val="dk1"/>
-          </a:effectRef>
-          <a:fontRef idx="minor">
-            <a:schemeClr val="lt1"/>
-          </a:fontRef>
-        </p:style>
-        <p:txBody>
-          <a:bodyPr rtlCol="0" anchor="ctr"/>
-          <a:lstStyle/>
-          <a:p>
-            <a:pPr algn="ctr"/>
-            <a:r>
-              <a:rPr lang="en-US" sz="2800" b="1" dirty="0" smtClean="0">
-                <a:solidFill>
-                  <a:schemeClr val="bg2"/>
-                </a:solidFill>
-              </a:rPr>
-              <a:t>BCE and Middle ages</a:t>
-            </a:r>
-            <a:endParaRPr lang="en-US" sz="2800" b="1" dirty="0">
-              <a:solidFill>
-                <a:schemeClr val="bg2"/>
-              </a:solidFill>
-            </a:endParaRPr>
-          </a:p>
-        </p:txBody>
-      </p:sp>
-      <p:sp>
-        <p:nvSpPr>
-          <p:cNvPr id="5" name="Rectangle 4"/>
-          <p:cNvSpPr/>
-          <p:nvPr/>
-        </p:nvSpPr>
-        <p:spPr>
-          <a:xfrm>
-            <a:off x="4364953" y="3605346"/>
-            <a:ext cx="3038421" cy="2704011"/>
-          </a:xfrm>
-          <a:prstGeom prst="rect">
-            <a:avLst/>
-          </a:prstGeom>
-        </p:spPr>
-        <p:style>
-          <a:lnRef idx="2">
-            <a:schemeClr val="accent2">
-              <a:shade val="50000"/>
-            </a:schemeClr>
-          </a:lnRef>
-          <a:fillRef idx="1">
-            <a:schemeClr val="accent2"/>
-          </a:fillRef>
-          <a:effectRef idx="0">
-            <a:schemeClr val="accent2"/>
-          </a:effectRef>
-          <a:fontRef idx="minor">
-            <a:schemeClr val="lt1"/>
-          </a:fontRef>
-        </p:style>
-        <p:txBody>
-          <a:bodyPr rtlCol="0" anchor="ctr"/>
-          <a:lstStyle/>
-          <a:p>
-            <a:pPr algn="ctr"/>
-            <a:r>
-              <a:rPr lang="en-US" sz="2800" b="1" dirty="0" smtClean="0">
-                <a:solidFill>
-                  <a:schemeClr val="tx2"/>
-                </a:solidFill>
-              </a:rPr>
-              <a:t>Recent History</a:t>
-            </a:r>
-            <a:endParaRPr lang="en-US" sz="2800" b="1" dirty="0">
-              <a:solidFill>
-                <a:schemeClr val="tx2"/>
-              </a:solidFill>
-            </a:endParaRPr>
-          </a:p>
-        </p:txBody>
-      </p:sp>
-      <p:sp>
-        <p:nvSpPr>
-          <p:cNvPr id="6" name="Rectangle 5"/>
-          <p:cNvSpPr/>
-          <p:nvPr/>
-        </p:nvSpPr>
-        <p:spPr>
-          <a:xfrm>
-            <a:off x="7705779" y="3605346"/>
-            <a:ext cx="3038421" cy="2704011"/>
-          </a:xfrm>
-          <a:prstGeom prst="rect">
-            <a:avLst/>
-          </a:prstGeom>
-        </p:spPr>
-        <p:style>
-          <a:lnRef idx="2">
-            <a:schemeClr val="accent5"/>
-          </a:lnRef>
-          <a:fillRef idx="1">
-            <a:schemeClr val="lt1"/>
-          </a:fillRef>
-          <a:effectRef idx="0">
-            <a:schemeClr val="accent5"/>
-          </a:effectRef>
-          <a:fontRef idx="minor">
-            <a:schemeClr val="dk1"/>
-          </a:fontRef>
-        </p:style>
-        <p:txBody>
-          <a:bodyPr rtlCol="0" anchor="ctr"/>
-          <a:lstStyle/>
-          <a:p>
-            <a:pPr algn="ctr"/>
-            <a:r>
-              <a:rPr lang="en-US" sz="2800" b="1" dirty="0" smtClean="0">
-                <a:solidFill>
-                  <a:schemeClr val="tx2"/>
-                </a:solidFill>
-              </a:rPr>
-              <a:t>Present Day</a:t>
-            </a:r>
-            <a:endParaRPr lang="en-US" sz="2800" b="1" dirty="0">
-              <a:solidFill>
-                <a:schemeClr val="tx2"/>
-              </a:solidFill>
-            </a:endParaRPr>
-          </a:p>
-        </p:txBody>
-      </p:sp>
-    </p:spTree>
-    <p:extLst>
-      <p:ext uri="{BB962C8B-B14F-4D97-AF65-F5344CB8AC3E}">
-        <p14:creationId xmlns:p14="http://schemas.microsoft.com/office/powerpoint/2010/main" val="3043040996"/>
-      </p:ext>
-    </p:extLst>
-  </p:cSld>
-  <p:clrMapOvr>
-    <a:masterClrMapping/>
-  </p:clrMapOvr>
-  <p:transition spd="med">
-    <p:pull/>
-  </p:transition>
-  <p:timing>
-    <p:tnLst>
-      <p:par>
-        <p:cTn id="1" dur="indefinite" restart="never" nodeType="tmRoot"/>
-      </p:par>
-    </p:tnLst>
-  </p:timing>
-</p:sld>
-</file>
-
-<file path=ppt/slides/slide3.xml><?xml version="1.0" encoding="utf-8"?>
-<p:sld xmlns:a="http://schemas.openxmlformats.org/drawingml/2006/main" xmlns:r="http://schemas.openxmlformats.org/officeDocument/2006/relationships" xmlns:p="http://schemas.openxmlformats.org/presentationml/2006/main">
-  <p:cSld>
-    <p:bg>
-      <p:bgPr>
-        <a:solidFill>
-          <a:srgbClr val="002060"/>
-        </a:solidFill>
-        <a:effectLst/>
-      </p:bgPr>
-    </p:bg>
-    <p:spTree>
-      <p:nvGrpSpPr>
-        <p:cNvPr id="1" name=""/>
-        <p:cNvGrpSpPr/>
-        <p:nvPr/>
-      </p:nvGrpSpPr>
-      <p:grpSpPr>
-        <a:xfrm>
-          <a:off x="0" y="0"/>
-          <a:ext cx="0" cy="0"/>
-          <a:chOff x="0" y="0"/>
-          <a:chExt cx="0" cy="0"/>
-        </a:xfrm>
-      </p:grpSpPr>
-      <p:sp>
-        <p:nvSpPr>
-          <p:cNvPr id="2" name="Title 1"/>
-          <p:cNvSpPr>
-            <a:spLocks noGrp="1"/>
-          </p:cNvSpPr>
-          <p:nvPr>
-            <p:ph type="title"/>
-          </p:nvPr>
-        </p:nvSpPr>
-        <p:spPr/>
-        <p:txBody>
-          <a:bodyPr>
-            <a:normAutofit/>
-          </a:bodyPr>
-          <a:lstStyle/>
-          <a:p>
-            <a:r>
-              <a:rPr lang="en-US" sz="4400" b="1" dirty="0" smtClean="0">
-                <a:solidFill>
-                  <a:srgbClr val="FFFF00"/>
-                </a:solidFill>
-              </a:rPr>
-              <a:t>Content / Biological Topic</a:t>
-            </a:r>
-            <a:endParaRPr lang="en-US" sz="4400" b="1" dirty="0">
-              <a:solidFill>
-                <a:srgbClr val="FFFF00"/>
-              </a:solidFill>
-            </a:endParaRPr>
-          </a:p>
-        </p:txBody>
-      </p:sp>
-      <p:sp>
-        <p:nvSpPr>
-          <p:cNvPr id="7" name="TextBox 6"/>
-          <p:cNvSpPr txBox="1"/>
-          <p:nvPr/>
-        </p:nvSpPr>
-        <p:spPr>
-          <a:xfrm>
-            <a:off x="849086" y="2338251"/>
-            <a:ext cx="10567851" cy="707886"/>
-          </a:xfrm>
-          <a:prstGeom prst="rect">
-            <a:avLst/>
-          </a:prstGeom>
-          <a:noFill/>
-        </p:spPr>
-        <p:txBody>
-          <a:bodyPr wrap="square" rtlCol="0">
-            <a:spAutoFit/>
-          </a:bodyPr>
-          <a:lstStyle/>
-          <a:p>
-            <a:r>
-              <a:rPr lang="en-US" sz="4000" dirty="0" smtClean="0">
-                <a:solidFill>
-                  <a:srgbClr val="FFFF00"/>
-                </a:solidFill>
-              </a:rPr>
-              <a:t>Before we begin</a:t>
-            </a:r>
-            <a:endParaRPr lang="en-US" sz="4000" dirty="0">
-              <a:solidFill>
-                <a:srgbClr val="FFFF00"/>
-              </a:solidFill>
-            </a:endParaRPr>
-          </a:p>
-        </p:txBody>
-      </p:sp>
-      <p:pic>
-        <p:nvPicPr>
-          <p:cNvPr id="2050" name="Picture 2" descr="harrislab logo"/>
-          <p:cNvPicPr>
-            <a:picLocks noChangeAspect="1" noChangeArrowheads="1"/>
-          </p:cNvPicPr>
-          <p:nvPr/>
-        </p:nvPicPr>
-        <p:blipFill>
-          <a:blip r:embed="rId3" cstate="print">
-            <a:extLst>
-              <a:ext uri="{28A0092B-C50C-407E-A947-70E740481C1C}">
-                <a14:useLocalDpi xmlns:a14="http://schemas.microsoft.com/office/drawing/2010/main" val="0"/>
-              </a:ext>
-            </a:extLst>
-          </a:blip>
-          <a:srcRect/>
-          <a:stretch>
-            <a:fillRect/>
-          </a:stretch>
-        </p:blipFill>
-        <p:spPr bwMode="auto">
-          <a:xfrm>
-            <a:off x="849086" y="3299556"/>
-            <a:ext cx="3980196" cy="2974244"/>
-          </a:xfrm>
-          <a:prstGeom prst="rect">
-            <a:avLst/>
-          </a:prstGeom>
-          <a:noFill/>
-          <a:extLst>
-            <a:ext uri="{909E8E84-426E-40DD-AFC4-6F175D3DCCD1}">
-              <a14:hiddenFill xmlns:a14="http://schemas.microsoft.com/office/drawing/2010/main">
-                <a:solidFill>
-                  <a:srgbClr val="FFFFFF"/>
-                </a:solidFill>
-              </a14:hiddenFill>
-            </a:ext>
-          </a:extLst>
-        </p:spPr>
-      </p:pic>
-      <p:pic>
-        <p:nvPicPr>
-          <p:cNvPr id="2052" name="Picture 4" descr="Multisensory Research Volume 36 Issue 1 (2023)"/>
-          <p:cNvPicPr>
-            <a:picLocks noChangeAspect="1" noChangeArrowheads="1"/>
-          </p:cNvPicPr>
-          <p:nvPr/>
-        </p:nvPicPr>
-        <p:blipFill>
-          <a:blip r:embed="rId4">
-            <a:extLst>
-              <a:ext uri="{28A0092B-C50C-407E-A947-70E740481C1C}">
-                <a14:useLocalDpi xmlns:a14="http://schemas.microsoft.com/office/drawing/2010/main" val="0"/>
-              </a:ext>
-            </a:extLst>
-          </a:blip>
-          <a:srcRect/>
-          <a:stretch>
-            <a:fillRect/>
-          </a:stretch>
-        </p:blipFill>
-        <p:spPr bwMode="auto">
-          <a:xfrm>
-            <a:off x="7855299" y="1689100"/>
-            <a:ext cx="2888901" cy="4381500"/>
-          </a:xfrm>
-          <a:prstGeom prst="rect">
-            <a:avLst/>
-          </a:prstGeom>
-          <a:noFill/>
-          <a:extLst>
-            <a:ext uri="{909E8E84-426E-40DD-AFC4-6F175D3DCCD1}">
-              <a14:hiddenFill xmlns:a14="http://schemas.microsoft.com/office/drawing/2010/main">
-                <a:solidFill>
-                  <a:srgbClr val="FFFFFF"/>
-                </a:solidFill>
-              </a14:hiddenFill>
-            </a:ext>
-          </a:extLst>
-        </p:spPr>
-      </p:pic>
-    </p:spTree>
-    <p:extLst>
-      <p:ext uri="{BB962C8B-B14F-4D97-AF65-F5344CB8AC3E}">
-        <p14:creationId xmlns:p14="http://schemas.microsoft.com/office/powerpoint/2010/main" val="1423809368"/>
-      </p:ext>
-    </p:extLst>
-  </p:cSld>
-  <p:clrMapOvr>
-    <a:masterClrMapping/>
-  </p:clrMapOvr>
-  <p:transition spd="med">
-    <p:pull/>
-  </p:transition>
-  <p:timing>
-    <p:tnLst>
-      <p:par>
-        <p:cTn id="1" dur="indefinite" restart="never" nodeType="tmRoot"/>
-      </p:par>
-    </p:tnLst>
-  </p:timing>
-</p:sld>
-</file>
-
-<file path=ppt/slides/slide4.xml><?xml version="1.0" encoding="utf-8"?>
-<p:sld xmlns:a="http://schemas.openxmlformats.org/drawingml/2006/main" xmlns:r="http://schemas.openxmlformats.org/officeDocument/2006/relationships" xmlns:p="http://schemas.openxmlformats.org/presentationml/2006/main">
-  <p:cSld>
-    <p:bg>
-      <p:bgPr>
-        <a:solidFill>
-          <a:schemeClr val="tx1"/>
-        </a:solidFill>
-        <a:effectLst/>
-      </p:bgPr>
-    </p:bg>
-    <p:spTree>
-      <p:nvGrpSpPr>
-        <p:cNvPr id="1" name=""/>
-        <p:cNvGrpSpPr/>
-        <p:nvPr/>
-      </p:nvGrpSpPr>
-      <p:grpSpPr>
-        <a:xfrm>
-          <a:off x="0" y="0"/>
-          <a:ext cx="0" cy="0"/>
-          <a:chOff x="0" y="0"/>
-          <a:chExt cx="0" cy="0"/>
-        </a:xfrm>
-      </p:grpSpPr>
-      <p:sp>
-        <p:nvSpPr>
-          <p:cNvPr id="2" name="Title 1"/>
-          <p:cNvSpPr>
-            <a:spLocks noGrp="1"/>
-          </p:cNvSpPr>
-          <p:nvPr>
-            <p:ph type="title"/>
-          </p:nvPr>
-        </p:nvSpPr>
-        <p:spPr/>
-        <p:txBody>
-          <a:bodyPr/>
-          <a:lstStyle/>
-          <a:p>
-            <a:r>
-              <a:rPr lang="en-US" dirty="0" smtClean="0">
-                <a:solidFill>
-                  <a:schemeClr val="bg1"/>
-                </a:solidFill>
-              </a:rPr>
-              <a:t>Ancient Philosophers</a:t>
-            </a:r>
-            <a:endParaRPr lang="en-US" dirty="0">
-              <a:solidFill>
-                <a:schemeClr val="bg1"/>
-              </a:solidFill>
-            </a:endParaRPr>
-          </a:p>
-        </p:txBody>
-      </p:sp>
-      <p:sp>
-        <p:nvSpPr>
-          <p:cNvPr id="3" name="Content Placeholder 2"/>
-          <p:cNvSpPr>
-            <a:spLocks noGrp="1"/>
-          </p:cNvSpPr>
-          <p:nvPr>
-            <p:ph idx="1"/>
-          </p:nvPr>
-        </p:nvSpPr>
-        <p:spPr/>
-        <p:txBody>
-          <a:bodyPr/>
-          <a:lstStyle/>
-          <a:p>
-            <a:r>
-              <a:rPr lang="en-US" dirty="0" smtClean="0">
-                <a:solidFill>
-                  <a:schemeClr val="bg1"/>
-                </a:solidFill>
-              </a:rPr>
-              <a:t>- go over and study these ideas </a:t>
-            </a:r>
-          </a:p>
-          <a:p>
-            <a:pPr lvl="1"/>
-            <a:r>
-              <a:rPr lang="en-US" dirty="0" smtClean="0">
-                <a:solidFill>
-                  <a:schemeClr val="bg1"/>
-                </a:solidFill>
-              </a:rPr>
-              <a:t>Theory of forms (we cant see real reality)</a:t>
-            </a:r>
-          </a:p>
-          <a:p>
-            <a:pPr lvl="1"/>
-            <a:r>
-              <a:rPr lang="en-US" dirty="0" smtClean="0">
-                <a:solidFill>
-                  <a:schemeClr val="bg1"/>
-                </a:solidFill>
-              </a:rPr>
-              <a:t>Empiricism -&gt; sensory knowledge is what we have to study reality </a:t>
-            </a:r>
-          </a:p>
-        </p:txBody>
-      </p:sp>
-      <p:pic>
-        <p:nvPicPr>
-          <p:cNvPr id="1026" name="Picture 2" descr="undefined"/>
-          <p:cNvPicPr>
-            <a:picLocks noChangeAspect="1" noChangeArrowheads="1"/>
-          </p:cNvPicPr>
-          <p:nvPr/>
-        </p:nvPicPr>
-        <p:blipFill>
-          <a:blip r:embed="rId2" cstate="print">
-            <a:extLst>
-              <a:ext uri="{28A0092B-C50C-407E-A947-70E740481C1C}">
-                <a14:useLocalDpi xmlns:a14="http://schemas.microsoft.com/office/drawing/2010/main" val="0"/>
-              </a:ext>
-            </a:extLst>
-          </a:blip>
-          <a:srcRect/>
-          <a:stretch>
-            <a:fillRect/>
-          </a:stretch>
-        </p:blipFill>
-        <p:spPr bwMode="auto">
-          <a:xfrm>
-            <a:off x="9659393" y="1901529"/>
-            <a:ext cx="2169613" cy="3254418"/>
-          </a:xfrm>
-          <a:prstGeom prst="rect">
-            <a:avLst/>
-          </a:prstGeom>
-          <a:noFill/>
-          <a:extLst>
-            <a:ext uri="{909E8E84-426E-40DD-AFC4-6F175D3DCCD1}">
-              <a14:hiddenFill xmlns:a14="http://schemas.microsoft.com/office/drawing/2010/main">
-                <a:solidFill>
-                  <a:srgbClr val="FFFFFF"/>
-                </a:solidFill>
-              </a14:hiddenFill>
-            </a:ext>
-          </a:extLst>
-        </p:spPr>
-      </p:pic>
-      <p:pic>
-        <p:nvPicPr>
-          <p:cNvPr id="1028" name="Picture 4" descr="undefined"/>
-          <p:cNvPicPr>
-            <a:picLocks noChangeAspect="1" noChangeArrowheads="1"/>
-          </p:cNvPicPr>
-          <p:nvPr/>
-        </p:nvPicPr>
-        <p:blipFill>
-          <a:blip r:embed="rId3" cstate="print">
-            <a:extLst>
-              <a:ext uri="{28A0092B-C50C-407E-A947-70E740481C1C}">
-                <a14:useLocalDpi xmlns:a14="http://schemas.microsoft.com/office/drawing/2010/main" val="0"/>
-              </a:ext>
-            </a:extLst>
-          </a:blip>
-          <a:srcRect/>
-          <a:stretch>
-            <a:fillRect/>
-          </a:stretch>
-        </p:blipFill>
-        <p:spPr bwMode="auto">
-          <a:xfrm>
-            <a:off x="7461037" y="2977039"/>
-            <a:ext cx="2778098" cy="3716792"/>
-          </a:xfrm>
-          <a:prstGeom prst="rect">
-            <a:avLst/>
-          </a:prstGeom>
-          <a:noFill/>
-          <a:extLst>
-            <a:ext uri="{909E8E84-426E-40DD-AFC4-6F175D3DCCD1}">
-              <a14:hiddenFill xmlns:a14="http://schemas.microsoft.com/office/drawing/2010/main">
-                <a:solidFill>
-                  <a:srgbClr val="FFFFFF"/>
-                </a:solidFill>
-              </a14:hiddenFill>
-            </a:ext>
-          </a:extLst>
-        </p:spPr>
-      </p:pic>
-    </p:spTree>
-    <p:extLst>
-      <p:ext uri="{BB962C8B-B14F-4D97-AF65-F5344CB8AC3E}">
-        <p14:creationId xmlns:p14="http://schemas.microsoft.com/office/powerpoint/2010/main" val="562928844"/>
-      </p:ext>
-    </p:extLst>
-  </p:cSld>
-  <p:clrMapOvr>
-    <a:masterClrMapping/>
-  </p:clrMapOvr>
-  <p:transition spd="med">
-    <p:pull/>
-  </p:transition>
-  <p:timing>
-    <p:tnLst>
-      <p:par>
-        <p:cTn id="1" dur="indefinite" restart="never" nodeType="tmRoot"/>
-      </p:par>
-    </p:tnLst>
-  </p:timing>
-</p:sld>
-</file>
-
-<file path=ppt/slides/slide5.xml><?xml version="1.0" encoding="utf-8"?>
-<p:sld xmlns:a="http://schemas.openxmlformats.org/drawingml/2006/main" xmlns:r="http://schemas.openxmlformats.org/officeDocument/2006/relationships" xmlns:p="http://schemas.openxmlformats.org/presentationml/2006/main">
-  <p:cSld>
-    <p:bg>
-      <p:bgPr>
-        <a:solidFill>
-          <a:schemeClr val="tx1"/>
-        </a:solidFill>
-        <a:effectLst/>
-      </p:bgPr>
-    </p:bg>
-    <p:spTree>
-      <p:nvGrpSpPr>
-        <p:cNvPr id="1" name=""/>
-        <p:cNvGrpSpPr/>
-        <p:nvPr/>
-      </p:nvGrpSpPr>
-      <p:grpSpPr>
-        <a:xfrm>
-          <a:off x="0" y="0"/>
-          <a:ext cx="0" cy="0"/>
-          <a:chOff x="0" y="0"/>
-          <a:chExt cx="0" cy="0"/>
-        </a:xfrm>
-      </p:grpSpPr>
-      <p:sp>
-        <p:nvSpPr>
-          <p:cNvPr id="2" name="Title 1"/>
-          <p:cNvSpPr>
-            <a:spLocks noGrp="1"/>
-          </p:cNvSpPr>
-          <p:nvPr>
-            <p:ph type="title"/>
-          </p:nvPr>
-        </p:nvSpPr>
-        <p:spPr/>
-        <p:txBody>
-          <a:bodyPr/>
-          <a:lstStyle/>
-          <a:p>
-            <a:r>
-              <a:rPr lang="en-US" dirty="0" smtClean="0">
-                <a:solidFill>
-                  <a:schemeClr val="bg1"/>
-                </a:solidFill>
-              </a:rPr>
-              <a:t>Ancient </a:t>
-            </a:r>
-            <a:r>
-              <a:rPr lang="en-US" dirty="0" smtClean="0">
-                <a:solidFill>
-                  <a:schemeClr val="bg1"/>
-                </a:solidFill>
-              </a:rPr>
-              <a:t>Philosophers PT.2</a:t>
-            </a:r>
-            <a:endParaRPr lang="en-US" dirty="0">
-              <a:solidFill>
-                <a:schemeClr val="bg1"/>
-              </a:solidFill>
-            </a:endParaRPr>
-          </a:p>
-        </p:txBody>
-      </p:sp>
-      <p:sp>
-        <p:nvSpPr>
-          <p:cNvPr id="3" name="Content Placeholder 2"/>
-          <p:cNvSpPr>
-            <a:spLocks noGrp="1"/>
-          </p:cNvSpPr>
-          <p:nvPr>
-            <p:ph idx="1"/>
-          </p:nvPr>
-        </p:nvSpPr>
-        <p:spPr/>
-        <p:txBody>
-          <a:bodyPr/>
-          <a:lstStyle/>
-          <a:p>
-            <a:r>
-              <a:rPr lang="en-US" dirty="0" smtClean="0">
-                <a:solidFill>
-                  <a:schemeClr val="bg1"/>
-                </a:solidFill>
-              </a:rPr>
-              <a:t>- Euclid (physics) </a:t>
-            </a:r>
-          </a:p>
-          <a:p>
-            <a:endParaRPr lang="en-US" dirty="0">
-              <a:solidFill>
-                <a:schemeClr val="bg1"/>
-              </a:solidFill>
-            </a:endParaRPr>
-          </a:p>
-          <a:p>
-            <a:r>
-              <a:rPr lang="fr-FR" dirty="0" err="1">
-                <a:solidFill>
-                  <a:schemeClr val="bg1"/>
-                </a:solidFill>
-              </a:rPr>
-              <a:t>herophilus</a:t>
-            </a:r>
-            <a:r>
-              <a:rPr lang="fr-FR" dirty="0">
-                <a:solidFill>
-                  <a:schemeClr val="bg1"/>
-                </a:solidFill>
-              </a:rPr>
-              <a:t> (300 SC)</a:t>
-            </a:r>
-          </a:p>
-          <a:p>
-            <a:r>
-              <a:rPr lang="fr-FR" dirty="0" err="1">
-                <a:solidFill>
-                  <a:schemeClr val="bg1"/>
-                </a:solidFill>
-              </a:rPr>
-              <a:t>Aelius</a:t>
-            </a:r>
-            <a:r>
-              <a:rPr lang="fr-FR" dirty="0">
-                <a:solidFill>
-                  <a:schemeClr val="bg1"/>
-                </a:solidFill>
-              </a:rPr>
-              <a:t> </a:t>
-            </a:r>
-            <a:r>
-              <a:rPr lang="fr-FR" dirty="0" err="1">
-                <a:solidFill>
-                  <a:schemeClr val="bg1"/>
-                </a:solidFill>
-              </a:rPr>
-              <a:t>Galenus</a:t>
-            </a:r>
-            <a:r>
-              <a:rPr lang="fr-FR" dirty="0">
-                <a:solidFill>
-                  <a:schemeClr val="bg1"/>
-                </a:solidFill>
-              </a:rPr>
-              <a:t> or Claudius </a:t>
-            </a:r>
-            <a:r>
-              <a:rPr lang="fr-FR" dirty="0" err="1">
-                <a:solidFill>
-                  <a:schemeClr val="bg1"/>
-                </a:solidFill>
-              </a:rPr>
-              <a:t>Galenus</a:t>
-            </a:r>
-            <a:r>
-              <a:rPr lang="fr-FR" dirty="0">
-                <a:solidFill>
-                  <a:schemeClr val="bg1"/>
-                </a:solidFill>
-              </a:rPr>
-              <a:t> (200 BCE)</a:t>
-            </a:r>
-            <a:endParaRPr lang="en-US" dirty="0" smtClean="0">
-              <a:solidFill>
-                <a:schemeClr val="bg1"/>
-              </a:solidFill>
-            </a:endParaRPr>
-          </a:p>
-        </p:txBody>
-      </p:sp>
-    </p:spTree>
-    <p:extLst>
-      <p:ext uri="{BB962C8B-B14F-4D97-AF65-F5344CB8AC3E}">
-        <p14:creationId xmlns:p14="http://schemas.microsoft.com/office/powerpoint/2010/main" val="3726489836"/>
-      </p:ext>
-    </p:extLst>
-  </p:cSld>
-  <p:clrMapOvr>
-    <a:masterClrMapping/>
-  </p:clrMapOvr>
-  <p:transition spd="med">
-    <p:pull/>
-  </p:transition>
-  <p:timing>
-    <p:tnLst>
-      <p:par>
-        <p:cTn id="1" dur="indefinite" restart="never" nodeType="tmRoot"/>
-      </p:par>
-    </p:tnLst>
-  </p:timing>
-</p:sld>
-</file>
-
-<file path=ppt/slides/slide6.xml><?xml version="1.0" encoding="utf-8"?>
+<file path=ppt/slides/slide10.xml><?xml version="1.0" encoding="utf-8"?>
 <p:sld xmlns:a="http://schemas.openxmlformats.org/drawingml/2006/main" xmlns:r="http://schemas.openxmlformats.org/officeDocument/2006/relationships" xmlns:p="http://schemas.openxmlformats.org/presentationml/2006/main">
   <p:cSld>
     <p:bg>
@@ -4933,6 +4523,14 @@
               </a:rPr>
               <a:t>Pre Scientific revolution </a:t>
             </a:r>
+            <a:r>
+              <a:rPr lang="en-US" dirty="0" smtClean="0">
+                <a:solidFill>
+                  <a:schemeClr val="bg2"/>
+                </a:solidFill>
+              </a:rPr>
+              <a:t>– 1800 </a:t>
+            </a:r>
             <a:endParaRPr lang="en-US" dirty="0">
               <a:solidFill>
                 <a:schemeClr val="bg2"/>
@@ -4941,14 +4539,184 @@
           </a:p>
         </p:txBody>
       </p:sp>
-      <p:sp>
-        <p:nvSpPr>
-          <p:cNvPr id="3" name="Content Placeholder 2"/>
+      <p:pic>
+        <p:nvPicPr>
+          <p:cNvPr id="7170" name="Picture 2" descr="Ernst Heinrich Weber - Wikipedia"/>
+          <p:cNvPicPr>
+            <a:picLocks noChangeAspect="1" noChangeArrowheads="1"/>
+          </p:cNvPicPr>
+          <p:nvPr/>
+        </p:nvPicPr>
+        <p:blipFill>
+          <a:blip r:embed="rId2">
+            <a:extLst>
+              <a:ext uri="{28A0092B-C50C-407E-A947-70E740481C1C}">
+                <a14:useLocalDpi xmlns:a14="http://schemas.microsoft.com/office/drawing/2010/main" val="0"/>
+              </a:ext>
+            </a:extLst>
+          </a:blip>
+          <a:srcRect/>
+          <a:stretch>
+            <a:fillRect/>
+          </a:stretch>
+        </p:blipFill>
+        <p:spPr bwMode="auto">
+          <a:xfrm>
+            <a:off x="-101600" y="2363713"/>
+            <a:ext cx="3483429" cy="4558896"/>
+          </a:xfrm>
+          <a:prstGeom prst="rect">
+            <a:avLst/>
+          </a:prstGeom>
+          <a:noFill/>
+          <a:extLst>
+            <a:ext uri="{909E8E84-426E-40DD-AFC4-6F175D3DCCD1}">
+              <a14:hiddenFill xmlns:a14="http://schemas.microsoft.com/office/drawing/2010/main">
+                <a:solidFill>
+                  <a:srgbClr val="FFFFFF"/>
+                </a:solidFill>
+              </a14:hiddenFill>
+            </a:ext>
+          </a:extLst>
+        </p:spPr>
+      </p:pic>
+      <p:pic>
+        <p:nvPicPr>
+          <p:cNvPr id="7176" name="Picture 8" descr="File:CrumeyFig3.pdf"/>
+          <p:cNvPicPr>
+            <a:picLocks noChangeAspect="1" noChangeArrowheads="1"/>
+          </p:cNvPicPr>
+          <p:nvPr/>
+        </p:nvPicPr>
+        <p:blipFill>
+          <a:blip r:embed="rId3">
+            <a:extLst>
+              <a:ext uri="{28A0092B-C50C-407E-A947-70E740481C1C}">
+                <a14:useLocalDpi xmlns:a14="http://schemas.microsoft.com/office/drawing/2010/main" val="0"/>
+              </a:ext>
+            </a:extLst>
+          </a:blip>
+          <a:srcRect/>
+          <a:stretch>
+            <a:fillRect/>
+          </a:stretch>
+        </p:blipFill>
+        <p:spPr bwMode="auto">
+          <a:xfrm>
+            <a:off x="3251200" y="3147209"/>
+            <a:ext cx="4949372" cy="3906028"/>
+          </a:xfrm>
+          <a:prstGeom prst="rect">
+            <a:avLst/>
+          </a:prstGeom>
+          <a:noFill/>
+          <a:extLst>
+            <a:ext uri="{909E8E84-426E-40DD-AFC4-6F175D3DCCD1}">
+              <a14:hiddenFill xmlns:a14="http://schemas.microsoft.com/office/drawing/2010/main">
+                <a:solidFill>
+                  <a:srgbClr val="FFFFFF"/>
+                </a:solidFill>
+              </a14:hiddenFill>
+            </a:ext>
+          </a:extLst>
+        </p:spPr>
+      </p:pic>
+      <p:pic>
+        <p:nvPicPr>
+          <p:cNvPr id="7178" name="Picture 10" descr="Gustav Fechner - Founder of psychophysics – Genvive"/>
+          <p:cNvPicPr>
+            <a:picLocks noChangeAspect="1" noChangeArrowheads="1"/>
+          </p:cNvPicPr>
+          <p:nvPr/>
+        </p:nvPicPr>
+        <p:blipFill>
+          <a:blip r:embed="rId4">
+            <a:extLst>
+              <a:ext uri="{28A0092B-C50C-407E-A947-70E740481C1C}">
+                <a14:useLocalDpi xmlns:a14="http://schemas.microsoft.com/office/drawing/2010/main" val="0"/>
+              </a:ext>
+            </a:extLst>
+          </a:blip>
+          <a:srcRect/>
+          <a:stretch>
+            <a:fillRect/>
+          </a:stretch>
+        </p:blipFill>
+        <p:spPr bwMode="auto">
+          <a:xfrm>
+            <a:off x="8548915" y="2255099"/>
+            <a:ext cx="3643086" cy="4553858"/>
+          </a:xfrm>
+          <a:prstGeom prst="rect">
+            <a:avLst/>
+          </a:prstGeom>
+          <a:noFill/>
+          <a:extLst>
+            <a:ext uri="{909E8E84-426E-40DD-AFC4-6F175D3DCCD1}">
+              <a14:hiddenFill xmlns:a14="http://schemas.microsoft.com/office/drawing/2010/main">
+                <a:solidFill>
+                  <a:srgbClr val="FFFFFF"/>
+                </a:solidFill>
+              </a14:hiddenFill>
+            </a:ext>
+          </a:extLst>
+        </p:spPr>
+      </p:pic>
+    </p:spTree>
+    <p:extLst>
+      <p:ext uri="{BB962C8B-B14F-4D97-AF65-F5344CB8AC3E}">
+        <p14:creationId xmlns:p14="http://schemas.microsoft.com/office/powerpoint/2010/main" val="3628038987"/>
+      </p:ext>
+    </p:extLst>
+  </p:cSld>
+  <p:clrMapOvr>
+    <a:masterClrMapping/>
+  </p:clrMapOvr>
+  <p:timing>
+    <p:tnLst>
+      <p:par>
+        <p:cTn id="1" dur="indefinite" restart="never" nodeType="tmRoot"/>
+      </p:par>
+    </p:tnLst>
+  </p:timing>
+</p:sld>
+</file>
+
+<file path=ppt/slides/slide11.xml><?xml version="1.0" encoding="utf-8"?>
+<p:sld xmlns:a="http://schemas.openxmlformats.org/drawingml/2006/main" xmlns:r="http://schemas.openxmlformats.org/officeDocument/2006/relationships" xmlns:p="http://schemas.openxmlformats.org/presentationml/2006/main">
+  <p:cSld>
+    <p:bg>
+      <p:bgPr>
+        <a:solidFill>
+          <a:schemeClr val="tx2">
+            <a:lumMod val="75000"/>
+          </a:schemeClr>
+        </a:solidFill>
+        <a:effectLst/>
+      </p:bgPr>
+    </p:bg>
+    <p:spTree>
+      <p:nvGrpSpPr>
+        <p:cNvPr id="1" name=""/>
+        <p:cNvGrpSpPr/>
+        <p:nvPr/>
+      </p:nvGrpSpPr>
+      <p:grpSpPr>
+        <a:xfrm>
+          <a:off x="0" y="0"/>
+          <a:ext cx="0" cy="0"/>
+          <a:chOff x="0" y="0"/>
+          <a:chExt cx="0" cy="0"/>
+        </a:xfrm>
+      </p:grpSpPr>
+      <p:sp>
+        <p:nvSpPr>
+          <p:cNvPr id="2" name="Title 1"/>
           <p:cNvSpPr>
             <a:spLocks noGrp="1"/>
           </p:cNvSpPr>
           <p:nvPr>
-            <p:ph idx="1"/>
+            <p:ph type="title"/>
           </p:nvPr>
         </p:nvSpPr>
         <p:spPr/>
@@ -4956,7 +4724,23 @@
           <a:bodyPr/>
           <a:lstStyle/>
           <a:p>
-            <a:endParaRPr lang="en-US">
+            <a:r>
+              <a:rPr lang="en-US" dirty="0" smtClean="0">
+                <a:solidFill>
+                  <a:schemeClr val="bg2"/>
+                </a:solidFill>
+              </a:rPr>
+              <a:t>Pre Scientific revolution </a:t>
+            </a:r>
+            <a:r>
+              <a:rPr lang="en-US" dirty="0" smtClean="0">
+                <a:solidFill>
+                  <a:schemeClr val="bg2"/>
+                </a:solidFill>
+              </a:rPr>
+              <a:t>– 1800 </a:t>
+            </a:r>
+            <a:endParaRPr lang="en-US" dirty="0">
               <a:solidFill>
                 <a:schemeClr val="bg2"/>
               </a:solidFill>
@@ -4964,6 +4748,3999 @@
           </a:p>
         </p:txBody>
       </p:sp>
+      <p:pic>
+        <p:nvPicPr>
+          <p:cNvPr id="7178" name="Picture 10" descr="Gustav Fechner - Founder of psychophysics – Genvive"/>
+          <p:cNvPicPr>
+            <a:picLocks noChangeAspect="1" noChangeArrowheads="1"/>
+          </p:cNvPicPr>
+          <p:nvPr/>
+        </p:nvPicPr>
+        <p:blipFill>
+          <a:blip r:embed="rId2">
+            <a:extLst>
+              <a:ext uri="{28A0092B-C50C-407E-A947-70E740481C1C}">
+                <a14:useLocalDpi xmlns:a14="http://schemas.microsoft.com/office/drawing/2010/main" val="0"/>
+              </a:ext>
+            </a:extLst>
+          </a:blip>
+          <a:srcRect/>
+          <a:stretch>
+            <a:fillRect/>
+          </a:stretch>
+        </p:blipFill>
+        <p:spPr bwMode="auto">
+          <a:xfrm>
+            <a:off x="8847858" y="2418408"/>
+            <a:ext cx="3155457" cy="3944322"/>
+          </a:xfrm>
+          <a:prstGeom prst="rect">
+            <a:avLst/>
+          </a:prstGeom>
+          <a:noFill/>
+          <a:extLst>
+            <a:ext uri="{909E8E84-426E-40DD-AFC4-6F175D3DCCD1}">
+              <a14:hiddenFill xmlns:a14="http://schemas.microsoft.com/office/drawing/2010/main">
+                <a:solidFill>
+                  <a:srgbClr val="FFFFFF"/>
+                </a:solidFill>
+              </a14:hiddenFill>
+            </a:ext>
+          </a:extLst>
+        </p:spPr>
+      </p:pic>
+      <p:pic>
+        <p:nvPicPr>
+          <p:cNvPr id="8194" name="Picture 2" descr="Psychophysics | in Chapter 04: Senses"/>
+          <p:cNvPicPr>
+            <a:picLocks noChangeAspect="1" noChangeArrowheads="1"/>
+          </p:cNvPicPr>
+          <p:nvPr/>
+        </p:nvPicPr>
+        <p:blipFill>
+          <a:blip r:embed="rId3">
+            <a:extLst>
+              <a:ext uri="{28A0092B-C50C-407E-A947-70E740481C1C}">
+                <a14:useLocalDpi xmlns:a14="http://schemas.microsoft.com/office/drawing/2010/main" val="0"/>
+              </a:ext>
+            </a:extLst>
+          </a:blip>
+          <a:srcRect/>
+          <a:stretch>
+            <a:fillRect/>
+          </a:stretch>
+        </p:blipFill>
+        <p:spPr bwMode="auto">
+          <a:xfrm>
+            <a:off x="141452" y="2537387"/>
+            <a:ext cx="3510801" cy="3625008"/>
+          </a:xfrm>
+          <a:prstGeom prst="rect">
+            <a:avLst/>
+          </a:prstGeom>
+          <a:noFill/>
+          <a:extLst>
+            <a:ext uri="{909E8E84-426E-40DD-AFC4-6F175D3DCCD1}">
+              <a14:hiddenFill xmlns:a14="http://schemas.microsoft.com/office/drawing/2010/main">
+                <a:solidFill>
+                  <a:srgbClr val="FFFFFF"/>
+                </a:solidFill>
+              </a14:hiddenFill>
+            </a:ext>
+          </a:extLst>
+        </p:spPr>
+      </p:pic>
+      <p:pic>
+        <p:nvPicPr>
+          <p:cNvPr id="3" name="Picture 2"/>
+          <p:cNvPicPr>
+            <a:picLocks noChangeAspect="1"/>
+          </p:cNvPicPr>
+          <p:nvPr/>
+        </p:nvPicPr>
+        <p:blipFill>
+          <a:blip r:embed="rId4"/>
+          <a:stretch>
+            <a:fillRect/>
+          </a:stretch>
+        </p:blipFill>
+        <p:spPr>
+          <a:xfrm>
+            <a:off x="3746342" y="2440001"/>
+            <a:ext cx="5007427" cy="3901135"/>
+          </a:xfrm>
+          <a:prstGeom prst="rect">
+            <a:avLst/>
+          </a:prstGeom>
+        </p:spPr>
+      </p:pic>
+    </p:spTree>
+    <p:extLst>
+      <p:ext uri="{BB962C8B-B14F-4D97-AF65-F5344CB8AC3E}">
+        <p14:creationId xmlns:p14="http://schemas.microsoft.com/office/powerpoint/2010/main" val="2251601830"/>
+      </p:ext>
+    </p:extLst>
+  </p:cSld>
+  <p:clrMapOvr>
+    <a:masterClrMapping/>
+  </p:clrMapOvr>
+  <p:timing>
+    <p:tnLst>
+      <p:par>
+        <p:cTn id="1" dur="indefinite" restart="never" nodeType="tmRoot"/>
+      </p:par>
+    </p:tnLst>
+  </p:timing>
+</p:sld>
+</file>
+
+<file path=ppt/slides/slide12.xml><?xml version="1.0" encoding="utf-8"?>
+<p:sld xmlns:a="http://schemas.openxmlformats.org/drawingml/2006/main" xmlns:r="http://schemas.openxmlformats.org/officeDocument/2006/relationships" xmlns:p="http://schemas.openxmlformats.org/presentationml/2006/main">
+  <p:cSld>
+    <p:bg>
+      <p:bgPr>
+        <a:solidFill>
+          <a:schemeClr val="accent3">
+            <a:lumMod val="75000"/>
+          </a:schemeClr>
+        </a:solidFill>
+        <a:effectLst/>
+      </p:bgPr>
+    </p:bg>
+    <p:spTree>
+      <p:nvGrpSpPr>
+        <p:cNvPr id="1" name=""/>
+        <p:cNvGrpSpPr/>
+        <p:nvPr/>
+      </p:nvGrpSpPr>
+      <p:grpSpPr>
+        <a:xfrm>
+          <a:off x="0" y="0"/>
+          <a:ext cx="0" cy="0"/>
+          <a:chOff x="0" y="0"/>
+          <a:chExt cx="0" cy="0"/>
+        </a:xfrm>
+      </p:grpSpPr>
+      <p:sp>
+        <p:nvSpPr>
+          <p:cNvPr id="2" name="Title 1"/>
+          <p:cNvSpPr>
+            <a:spLocks noGrp="1"/>
+          </p:cNvSpPr>
+          <p:nvPr>
+            <p:ph type="title"/>
+          </p:nvPr>
+        </p:nvSpPr>
+        <p:spPr/>
+        <p:txBody>
+          <a:bodyPr/>
+          <a:lstStyle/>
+          <a:p>
+            <a:r>
+              <a:rPr lang="en-US" dirty="0" smtClean="0">
+                <a:solidFill>
+                  <a:schemeClr val="bg2"/>
+                </a:solidFill>
+              </a:rPr>
+              <a:t>1800s onwards</a:t>
+            </a:r>
+            <a:endParaRPr lang="en-US" dirty="0">
+              <a:solidFill>
+                <a:schemeClr val="bg2"/>
+              </a:solidFill>
+            </a:endParaRPr>
+          </a:p>
+        </p:txBody>
+      </p:sp>
+      <p:pic>
+        <p:nvPicPr>
+          <p:cNvPr id="9218" name="Picture 2" descr="Wilhelm Wundt - Wikipedia"/>
+          <p:cNvPicPr>
+            <a:picLocks noChangeAspect="1" noChangeArrowheads="1"/>
+          </p:cNvPicPr>
+          <p:nvPr/>
+        </p:nvPicPr>
+        <p:blipFill>
+          <a:blip r:embed="rId2">
+            <a:extLst>
+              <a:ext uri="{28A0092B-C50C-407E-A947-70E740481C1C}">
+                <a14:useLocalDpi xmlns:a14="http://schemas.microsoft.com/office/drawing/2010/main" val="0"/>
+              </a:ext>
+            </a:extLst>
+          </a:blip>
+          <a:srcRect/>
+          <a:stretch>
+            <a:fillRect/>
+          </a:stretch>
+        </p:blipFill>
+        <p:spPr bwMode="auto">
+          <a:xfrm>
+            <a:off x="0" y="3020321"/>
+            <a:ext cx="2931886" cy="3944721"/>
+          </a:xfrm>
+          <a:prstGeom prst="rect">
+            <a:avLst/>
+          </a:prstGeom>
+          <a:noFill/>
+          <a:extLst>
+            <a:ext uri="{909E8E84-426E-40DD-AFC4-6F175D3DCCD1}">
+              <a14:hiddenFill xmlns:a14="http://schemas.microsoft.com/office/drawing/2010/main">
+                <a:solidFill>
+                  <a:srgbClr val="FFFFFF"/>
+                </a:solidFill>
+              </a14:hiddenFill>
+            </a:ext>
+          </a:extLst>
+        </p:spPr>
+      </p:pic>
+      <p:pic>
+        <p:nvPicPr>
+          <p:cNvPr id="9220" name="Picture 4" descr="The First Experimental Psychology Laboratory"/>
+          <p:cNvPicPr>
+            <a:picLocks noChangeAspect="1" noChangeArrowheads="1"/>
+          </p:cNvPicPr>
+          <p:nvPr/>
+        </p:nvPicPr>
+        <p:blipFill>
+          <a:blip r:embed="rId3">
+            <a:extLst>
+              <a:ext uri="{28A0092B-C50C-407E-A947-70E740481C1C}">
+                <a14:useLocalDpi xmlns:a14="http://schemas.microsoft.com/office/drawing/2010/main" val="0"/>
+              </a:ext>
+            </a:extLst>
+          </a:blip>
+          <a:srcRect/>
+          <a:stretch>
+            <a:fillRect/>
+          </a:stretch>
+        </p:blipFill>
+        <p:spPr bwMode="auto">
+          <a:xfrm>
+            <a:off x="4803358" y="2974263"/>
+            <a:ext cx="7388642" cy="3990779"/>
+          </a:xfrm>
+          <a:prstGeom prst="rect">
+            <a:avLst/>
+          </a:prstGeom>
+          <a:noFill/>
+          <a:extLst>
+            <a:ext uri="{909E8E84-426E-40DD-AFC4-6F175D3DCCD1}">
+              <a14:hiddenFill xmlns:a14="http://schemas.microsoft.com/office/drawing/2010/main">
+                <a:solidFill>
+                  <a:srgbClr val="FFFFFF"/>
+                </a:solidFill>
+              </a14:hiddenFill>
+            </a:ext>
+          </a:extLst>
+        </p:spPr>
+      </p:pic>
+    </p:spTree>
+    <p:extLst>
+      <p:ext uri="{BB962C8B-B14F-4D97-AF65-F5344CB8AC3E}">
+        <p14:creationId xmlns:p14="http://schemas.microsoft.com/office/powerpoint/2010/main" val="4249897497"/>
+      </p:ext>
+    </p:extLst>
+  </p:cSld>
+  <p:clrMapOvr>
+    <a:masterClrMapping/>
+  </p:clrMapOvr>
+  <p:timing>
+    <p:tnLst>
+      <p:par>
+        <p:cTn id="1" dur="indefinite" restart="never" nodeType="tmRoot"/>
+      </p:par>
+    </p:tnLst>
+  </p:timing>
+</p:sld>
+</file>
+
+<file path=ppt/slides/slide13.xml><?xml version="1.0" encoding="utf-8"?>
+<p:sld xmlns:a="http://schemas.openxmlformats.org/drawingml/2006/main" xmlns:r="http://schemas.openxmlformats.org/officeDocument/2006/relationships" xmlns:p="http://schemas.openxmlformats.org/presentationml/2006/main">
+  <p:cSld>
+    <p:bg>
+      <p:bgPr>
+        <a:solidFill>
+          <a:schemeClr val="accent3">
+            <a:lumMod val="75000"/>
+          </a:schemeClr>
+        </a:solidFill>
+        <a:effectLst/>
+      </p:bgPr>
+    </p:bg>
+    <p:spTree>
+      <p:nvGrpSpPr>
+        <p:cNvPr id="1" name=""/>
+        <p:cNvGrpSpPr/>
+        <p:nvPr/>
+      </p:nvGrpSpPr>
+      <p:grpSpPr>
+        <a:xfrm>
+          <a:off x="0" y="0"/>
+          <a:ext cx="0" cy="0"/>
+          <a:chOff x="0" y="0"/>
+          <a:chExt cx="0" cy="0"/>
+        </a:xfrm>
+      </p:grpSpPr>
+      <p:sp>
+        <p:nvSpPr>
+          <p:cNvPr id="2" name="Title 1"/>
+          <p:cNvSpPr>
+            <a:spLocks noGrp="1"/>
+          </p:cNvSpPr>
+          <p:nvPr>
+            <p:ph type="title"/>
+          </p:nvPr>
+        </p:nvSpPr>
+        <p:spPr/>
+        <p:txBody>
+          <a:bodyPr/>
+          <a:lstStyle/>
+          <a:p>
+            <a:r>
+              <a:rPr lang="en-US" dirty="0" smtClean="0">
+                <a:solidFill>
+                  <a:schemeClr val="bg2"/>
+                </a:solidFill>
+              </a:rPr>
+              <a:t>1800s onwards</a:t>
+            </a:r>
+            <a:endParaRPr lang="en-US" dirty="0">
+              <a:solidFill>
+                <a:schemeClr val="bg2"/>
+              </a:solidFill>
+            </a:endParaRPr>
+          </a:p>
+        </p:txBody>
+      </p:sp>
+      <p:pic>
+        <p:nvPicPr>
+          <p:cNvPr id="10242" name="Picture 2" descr="A black and white photograph of James"/>
+          <p:cNvPicPr>
+            <a:picLocks noChangeAspect="1" noChangeArrowheads="1"/>
+          </p:cNvPicPr>
+          <p:nvPr/>
+        </p:nvPicPr>
+        <p:blipFill>
+          <a:blip r:embed="rId2">
+            <a:extLst>
+              <a:ext uri="{28A0092B-C50C-407E-A947-70E740481C1C}">
+                <a14:useLocalDpi xmlns:a14="http://schemas.microsoft.com/office/drawing/2010/main" val="0"/>
+              </a:ext>
+            </a:extLst>
+          </a:blip>
+          <a:srcRect/>
+          <a:stretch>
+            <a:fillRect/>
+          </a:stretch>
+        </p:blipFill>
+        <p:spPr bwMode="auto">
+          <a:xfrm>
+            <a:off x="0" y="2377712"/>
+            <a:ext cx="3497943" cy="4480288"/>
+          </a:xfrm>
+          <a:prstGeom prst="rect">
+            <a:avLst/>
+          </a:prstGeom>
+          <a:noFill/>
+          <a:extLst>
+            <a:ext uri="{909E8E84-426E-40DD-AFC4-6F175D3DCCD1}">
+              <a14:hiddenFill xmlns:a14="http://schemas.microsoft.com/office/drawing/2010/main">
+                <a:solidFill>
+                  <a:srgbClr val="FFFFFF"/>
+                </a:solidFill>
+              </a14:hiddenFill>
+            </a:ext>
+          </a:extLst>
+        </p:spPr>
+      </p:pic>
+      <p:pic>
+        <p:nvPicPr>
+          <p:cNvPr id="10244" name="Picture 4" descr="undefined"/>
+          <p:cNvPicPr>
+            <a:picLocks noChangeAspect="1" noChangeArrowheads="1"/>
+          </p:cNvPicPr>
+          <p:nvPr/>
+        </p:nvPicPr>
+        <p:blipFill>
+          <a:blip r:embed="rId3" cstate="print">
+            <a:extLst>
+              <a:ext uri="{28A0092B-C50C-407E-A947-70E740481C1C}">
+                <a14:useLocalDpi xmlns:a14="http://schemas.microsoft.com/office/drawing/2010/main" val="0"/>
+              </a:ext>
+            </a:extLst>
+          </a:blip>
+          <a:srcRect/>
+          <a:stretch>
+            <a:fillRect/>
+          </a:stretch>
+        </p:blipFill>
+        <p:spPr bwMode="auto">
+          <a:xfrm>
+            <a:off x="3497943" y="1638250"/>
+            <a:ext cx="3188607" cy="5219749"/>
+          </a:xfrm>
+          <a:prstGeom prst="rect">
+            <a:avLst/>
+          </a:prstGeom>
+          <a:noFill/>
+          <a:extLst>
+            <a:ext uri="{909E8E84-426E-40DD-AFC4-6F175D3DCCD1}">
+              <a14:hiddenFill xmlns:a14="http://schemas.microsoft.com/office/drawing/2010/main">
+                <a:solidFill>
+                  <a:srgbClr val="FFFFFF"/>
+                </a:solidFill>
+              </a14:hiddenFill>
+            </a:ext>
+          </a:extLst>
+        </p:spPr>
+      </p:pic>
+      <p:pic>
+        <p:nvPicPr>
+          <p:cNvPr id="10248" name="Picture 8" descr="Baby used in notorious fear experiment is lost no more | New Scientist"/>
+          <p:cNvPicPr>
+            <a:picLocks noChangeAspect="1" noChangeArrowheads="1"/>
+          </p:cNvPicPr>
+          <p:nvPr/>
+        </p:nvPicPr>
+        <p:blipFill>
+          <a:blip r:embed="rId4">
+            <a:extLst>
+              <a:ext uri="{28A0092B-C50C-407E-A947-70E740481C1C}">
+                <a14:useLocalDpi xmlns:a14="http://schemas.microsoft.com/office/drawing/2010/main" val="0"/>
+              </a:ext>
+            </a:extLst>
+          </a:blip>
+          <a:srcRect/>
+          <a:stretch>
+            <a:fillRect/>
+          </a:stretch>
+        </p:blipFill>
+        <p:spPr bwMode="auto">
+          <a:xfrm>
+            <a:off x="8229599" y="3984891"/>
+            <a:ext cx="4295775" cy="3291638"/>
+          </a:xfrm>
+          <a:prstGeom prst="rect">
+            <a:avLst/>
+          </a:prstGeom>
+          <a:noFill/>
+          <a:extLst>
+            <a:ext uri="{909E8E84-426E-40DD-AFC4-6F175D3DCCD1}">
+              <a14:hiddenFill xmlns:a14="http://schemas.microsoft.com/office/drawing/2010/main">
+                <a:solidFill>
+                  <a:srgbClr val="FFFFFF"/>
+                </a:solidFill>
+              </a14:hiddenFill>
+            </a:ext>
+          </a:extLst>
+        </p:spPr>
+      </p:pic>
+      <p:pic>
+        <p:nvPicPr>
+          <p:cNvPr id="10246" name="Picture 6" descr="John B. Watson - Wikipedia"/>
+          <p:cNvPicPr>
+            <a:picLocks noChangeAspect="1" noChangeArrowheads="1"/>
+          </p:cNvPicPr>
+          <p:nvPr/>
+        </p:nvPicPr>
+        <p:blipFill>
+          <a:blip r:embed="rId5">
+            <a:extLst>
+              <a:ext uri="{28A0092B-C50C-407E-A947-70E740481C1C}">
+                <a14:useLocalDpi xmlns:a14="http://schemas.microsoft.com/office/drawing/2010/main" val="0"/>
+              </a:ext>
+            </a:extLst>
+          </a:blip>
+          <a:srcRect/>
+          <a:stretch>
+            <a:fillRect/>
+          </a:stretch>
+        </p:blipFill>
+        <p:spPr bwMode="auto">
+          <a:xfrm>
+            <a:off x="6686550" y="2261061"/>
+            <a:ext cx="3200400" cy="4596940"/>
+          </a:xfrm>
+          <a:prstGeom prst="rect">
+            <a:avLst/>
+          </a:prstGeom>
+          <a:noFill/>
+          <a:extLst>
+            <a:ext uri="{909E8E84-426E-40DD-AFC4-6F175D3DCCD1}">
+              <a14:hiddenFill xmlns:a14="http://schemas.microsoft.com/office/drawing/2010/main">
+                <a:solidFill>
+                  <a:srgbClr val="FFFFFF"/>
+                </a:solidFill>
+              </a14:hiddenFill>
+            </a:ext>
+          </a:extLst>
+        </p:spPr>
+      </p:pic>
+    </p:spTree>
+    <p:extLst>
+      <p:ext uri="{BB962C8B-B14F-4D97-AF65-F5344CB8AC3E}">
+        <p14:creationId xmlns:p14="http://schemas.microsoft.com/office/powerpoint/2010/main" val="3762368158"/>
+      </p:ext>
+    </p:extLst>
+  </p:cSld>
+  <p:clrMapOvr>
+    <a:masterClrMapping/>
+  </p:clrMapOvr>
+  <p:timing>
+    <p:tnLst>
+      <p:par>
+        <p:cTn id="1" dur="indefinite" restart="never" nodeType="tmRoot"/>
+      </p:par>
+    </p:tnLst>
+  </p:timing>
+</p:sld>
+</file>
+
+<file path=ppt/slides/slide14.xml><?xml version="1.0" encoding="utf-8"?>
+<p:sld xmlns:a="http://schemas.openxmlformats.org/drawingml/2006/main" xmlns:r="http://schemas.openxmlformats.org/officeDocument/2006/relationships" xmlns:p="http://schemas.openxmlformats.org/presentationml/2006/main">
+  <p:cSld>
+    <p:bg>
+      <p:bgPr>
+        <a:solidFill>
+          <a:schemeClr val="accent3">
+            <a:lumMod val="40000"/>
+            <a:lumOff val="60000"/>
+          </a:schemeClr>
+        </a:solidFill>
+        <a:effectLst/>
+      </p:bgPr>
+    </p:bg>
+    <p:spTree>
+      <p:nvGrpSpPr>
+        <p:cNvPr id="1" name=""/>
+        <p:cNvGrpSpPr/>
+        <p:nvPr/>
+      </p:nvGrpSpPr>
+      <p:grpSpPr>
+        <a:xfrm>
+          <a:off x="0" y="0"/>
+          <a:ext cx="0" cy="0"/>
+          <a:chOff x="0" y="0"/>
+          <a:chExt cx="0" cy="0"/>
+        </a:xfrm>
+      </p:grpSpPr>
+      <p:sp>
+        <p:nvSpPr>
+          <p:cNvPr id="2" name="Title 1"/>
+          <p:cNvSpPr>
+            <a:spLocks noGrp="1"/>
+          </p:cNvSpPr>
+          <p:nvPr>
+            <p:ph type="title"/>
+          </p:nvPr>
+        </p:nvSpPr>
+        <p:spPr/>
+        <p:txBody>
+          <a:bodyPr/>
+          <a:lstStyle/>
+          <a:p>
+            <a:r>
+              <a:rPr lang="en-US" dirty="0" smtClean="0">
+                <a:solidFill>
+                  <a:schemeClr val="tx2"/>
+                </a:solidFill>
+              </a:rPr>
+              <a:t>1900s-1950s onwards</a:t>
+            </a:r>
+            <a:endParaRPr lang="en-US" dirty="0">
+              <a:solidFill>
+                <a:schemeClr val="tx2"/>
+              </a:solidFill>
+            </a:endParaRPr>
+          </a:p>
+        </p:txBody>
+      </p:sp>
+      <p:sp>
+        <p:nvSpPr>
+          <p:cNvPr id="5" name="TextBox 4"/>
+          <p:cNvSpPr txBox="1"/>
+          <p:nvPr/>
+        </p:nvSpPr>
+        <p:spPr>
+          <a:xfrm>
+            <a:off x="216789" y="2014730"/>
+            <a:ext cx="5829300" cy="646331"/>
+          </a:xfrm>
+          <a:prstGeom prst="rect">
+            <a:avLst/>
+          </a:prstGeom>
+          <a:noFill/>
+        </p:spPr>
+        <p:txBody>
+          <a:bodyPr wrap="square" rtlCol="0">
+            <a:spAutoFit/>
+          </a:bodyPr>
+          <a:lstStyle/>
+          <a:p>
+            <a:r>
+              <a:rPr lang="en-US" sz="3600" dirty="0" smtClean="0"/>
+              <a:t>Behaviorism/Psychology  </a:t>
+            </a:r>
+            <a:endParaRPr lang="en-US" sz="3600" dirty="0"/>
+          </a:p>
+        </p:txBody>
+      </p:sp>
+      <p:sp>
+        <p:nvSpPr>
+          <p:cNvPr id="6" name="TextBox 5"/>
+          <p:cNvSpPr txBox="1"/>
+          <p:nvPr/>
+        </p:nvSpPr>
+        <p:spPr>
+          <a:xfrm>
+            <a:off x="216789" y="3696878"/>
+            <a:ext cx="4597400" cy="646331"/>
+          </a:xfrm>
+          <a:prstGeom prst="rect">
+            <a:avLst/>
+          </a:prstGeom>
+          <a:noFill/>
+        </p:spPr>
+        <p:txBody>
+          <a:bodyPr wrap="square" rtlCol="0">
+            <a:spAutoFit/>
+          </a:bodyPr>
+          <a:lstStyle/>
+          <a:p>
+            <a:r>
+              <a:rPr lang="en-US" sz="3600" dirty="0" smtClean="0"/>
+              <a:t>Philosophy/Math</a:t>
+            </a:r>
+            <a:endParaRPr lang="en-US" sz="3600" dirty="0"/>
+          </a:p>
+        </p:txBody>
+      </p:sp>
+      <p:sp>
+        <p:nvSpPr>
+          <p:cNvPr id="7" name="TextBox 6"/>
+          <p:cNvSpPr txBox="1"/>
+          <p:nvPr/>
+        </p:nvSpPr>
+        <p:spPr>
+          <a:xfrm>
+            <a:off x="216789" y="5238307"/>
+            <a:ext cx="3543300" cy="646331"/>
+          </a:xfrm>
+          <a:prstGeom prst="rect">
+            <a:avLst/>
+          </a:prstGeom>
+          <a:noFill/>
+        </p:spPr>
+        <p:txBody>
+          <a:bodyPr wrap="square" rtlCol="0">
+            <a:spAutoFit/>
+          </a:bodyPr>
+          <a:lstStyle/>
+          <a:p>
+            <a:r>
+              <a:rPr lang="en-US" sz="3600" dirty="0" smtClean="0"/>
+              <a:t>Physiology?</a:t>
+            </a:r>
+            <a:endParaRPr lang="en-US" sz="3600" dirty="0"/>
+          </a:p>
+        </p:txBody>
+      </p:sp>
+      <p:pic>
+        <p:nvPicPr>
+          <p:cNvPr id="11266" name="Picture 2" descr="David Hubel: The Scientist – Defining Moments Canada"/>
+          <p:cNvPicPr>
+            <a:picLocks noChangeAspect="1" noChangeArrowheads="1"/>
+          </p:cNvPicPr>
+          <p:nvPr/>
+        </p:nvPicPr>
+        <p:blipFill>
+          <a:blip r:embed="rId3">
+            <a:extLst>
+              <a:ext uri="{28A0092B-C50C-407E-A947-70E740481C1C}">
+                <a14:useLocalDpi xmlns:a14="http://schemas.microsoft.com/office/drawing/2010/main" val="0"/>
+              </a:ext>
+            </a:extLst>
+          </a:blip>
+          <a:srcRect/>
+          <a:stretch>
+            <a:fillRect/>
+          </a:stretch>
+        </p:blipFill>
+        <p:spPr bwMode="auto">
+          <a:xfrm>
+            <a:off x="6489405" y="0"/>
+            <a:ext cx="5702595" cy="3210640"/>
+          </a:xfrm>
+          <a:prstGeom prst="rect">
+            <a:avLst/>
+          </a:prstGeom>
+          <a:noFill/>
+          <a:extLst>
+            <a:ext uri="{909E8E84-426E-40DD-AFC4-6F175D3DCCD1}">
+              <a14:hiddenFill xmlns:a14="http://schemas.microsoft.com/office/drawing/2010/main">
+                <a:solidFill>
+                  <a:srgbClr val="FFFFFF"/>
+                </a:solidFill>
+              </a14:hiddenFill>
+            </a:ext>
+          </a:extLst>
+        </p:spPr>
+      </p:pic>
+      <p:pic>
+        <p:nvPicPr>
+          <p:cNvPr id="8" name="Picture 7"/>
+          <p:cNvPicPr>
+            <a:picLocks noChangeAspect="1"/>
+          </p:cNvPicPr>
+          <p:nvPr/>
+        </p:nvPicPr>
+        <p:blipFill>
+          <a:blip r:embed="rId4"/>
+          <a:stretch>
+            <a:fillRect/>
+          </a:stretch>
+        </p:blipFill>
+        <p:spPr>
+          <a:xfrm>
+            <a:off x="3906467" y="4596273"/>
+            <a:ext cx="8285533" cy="2261727"/>
+          </a:xfrm>
+          <a:prstGeom prst="rect">
+            <a:avLst/>
+          </a:prstGeom>
+        </p:spPr>
+      </p:pic>
+      <p:pic>
+        <p:nvPicPr>
+          <p:cNvPr id="11268" name="Picture 4" descr="YouTube"/>
+          <p:cNvPicPr>
+            <a:picLocks noChangeAspect="1" noChangeArrowheads="1"/>
+          </p:cNvPicPr>
+          <p:nvPr/>
+        </p:nvPicPr>
+        <p:blipFill rotWithShape="1">
+          <a:blip r:embed="rId5">
+            <a:extLst>
+              <a:ext uri="{28A0092B-C50C-407E-A947-70E740481C1C}">
+                <a14:useLocalDpi xmlns:a14="http://schemas.microsoft.com/office/drawing/2010/main" val="0"/>
+              </a:ext>
+            </a:extLst>
+          </a:blip>
+          <a:srcRect l="18044" t="1646" r="36296" b="31296"/>
+          <a:stretch/>
+        </p:blipFill>
+        <p:spPr bwMode="auto">
+          <a:xfrm>
+            <a:off x="8448147" y="3210640"/>
+            <a:ext cx="3743853" cy="3658442"/>
+          </a:xfrm>
+          <a:prstGeom prst="rect">
+            <a:avLst/>
+          </a:prstGeom>
+          <a:noFill/>
+          <a:extLst>
+            <a:ext uri="{909E8E84-426E-40DD-AFC4-6F175D3DCCD1}">
+              <a14:hiddenFill xmlns:a14="http://schemas.microsoft.com/office/drawing/2010/main">
+                <a:solidFill>
+                  <a:srgbClr val="FFFFFF"/>
+                </a:solidFill>
+              </a14:hiddenFill>
+            </a:ext>
+          </a:extLst>
+        </p:spPr>
+      </p:pic>
+    </p:spTree>
+    <p:extLst>
+      <p:ext uri="{BB962C8B-B14F-4D97-AF65-F5344CB8AC3E}">
+        <p14:creationId xmlns:p14="http://schemas.microsoft.com/office/powerpoint/2010/main" val="723889483"/>
+      </p:ext>
+    </p:extLst>
+  </p:cSld>
+  <p:clrMapOvr>
+    <a:masterClrMapping/>
+  </p:clrMapOvr>
+  <p:timing>
+    <p:tnLst>
+      <p:par>
+        <p:cTn id="1" dur="indefinite" restart="never" nodeType="tmRoot"/>
+      </p:par>
+    </p:tnLst>
+  </p:timing>
+</p:sld>
+</file>
+
+<file path=ppt/slides/slide15.xml><?xml version="1.0" encoding="utf-8"?>
+<p:sld xmlns:a="http://schemas.openxmlformats.org/drawingml/2006/main" xmlns:r="http://schemas.openxmlformats.org/officeDocument/2006/relationships" xmlns:p="http://schemas.openxmlformats.org/presentationml/2006/main">
+  <p:cSld>
+    <p:bg>
+      <p:bgPr>
+        <a:solidFill>
+          <a:schemeClr val="accent3">
+            <a:lumMod val="40000"/>
+            <a:lumOff val="60000"/>
+          </a:schemeClr>
+        </a:solidFill>
+        <a:effectLst/>
+      </p:bgPr>
+    </p:bg>
+    <p:spTree>
+      <p:nvGrpSpPr>
+        <p:cNvPr id="1" name=""/>
+        <p:cNvGrpSpPr/>
+        <p:nvPr/>
+      </p:nvGrpSpPr>
+      <p:grpSpPr>
+        <a:xfrm>
+          <a:off x="0" y="0"/>
+          <a:ext cx="0" cy="0"/>
+          <a:chOff x="0" y="0"/>
+          <a:chExt cx="0" cy="0"/>
+        </a:xfrm>
+      </p:grpSpPr>
+      <p:sp>
+        <p:nvSpPr>
+          <p:cNvPr id="2" name="Title 1"/>
+          <p:cNvSpPr>
+            <a:spLocks noGrp="1"/>
+          </p:cNvSpPr>
+          <p:nvPr>
+            <p:ph type="title"/>
+          </p:nvPr>
+        </p:nvSpPr>
+        <p:spPr/>
+        <p:txBody>
+          <a:bodyPr/>
+          <a:lstStyle/>
+          <a:p>
+            <a:r>
+              <a:rPr lang="en-US" dirty="0" smtClean="0">
+                <a:solidFill>
+                  <a:schemeClr val="tx2"/>
+                </a:solidFill>
+              </a:rPr>
+              <a:t>1900s-1950s onwards</a:t>
+            </a:r>
+            <a:endParaRPr lang="en-US" dirty="0">
+              <a:solidFill>
+                <a:schemeClr val="tx2"/>
+              </a:solidFill>
+            </a:endParaRPr>
+          </a:p>
+        </p:txBody>
+      </p:sp>
+      <p:sp>
+        <p:nvSpPr>
+          <p:cNvPr id="11" name="TextBox 10"/>
+          <p:cNvSpPr txBox="1"/>
+          <p:nvPr/>
+        </p:nvSpPr>
+        <p:spPr>
+          <a:xfrm>
+            <a:off x="216789" y="2014730"/>
+            <a:ext cx="5829300" cy="646331"/>
+          </a:xfrm>
+          <a:prstGeom prst="rect">
+            <a:avLst/>
+          </a:prstGeom>
+          <a:noFill/>
+        </p:spPr>
+        <p:txBody>
+          <a:bodyPr wrap="square" rtlCol="0">
+            <a:spAutoFit/>
+          </a:bodyPr>
+          <a:lstStyle/>
+          <a:p>
+            <a:r>
+              <a:rPr lang="en-US" sz="3600" dirty="0" smtClean="0"/>
+              <a:t>Behaviorism/Psychology  </a:t>
+            </a:r>
+            <a:endParaRPr lang="en-US" sz="3600" dirty="0"/>
+          </a:p>
+        </p:txBody>
+      </p:sp>
+      <p:sp>
+        <p:nvSpPr>
+          <p:cNvPr id="12" name="TextBox 11"/>
+          <p:cNvSpPr txBox="1"/>
+          <p:nvPr/>
+        </p:nvSpPr>
+        <p:spPr>
+          <a:xfrm>
+            <a:off x="216789" y="3696878"/>
+            <a:ext cx="4597400" cy="646331"/>
+          </a:xfrm>
+          <a:prstGeom prst="rect">
+            <a:avLst/>
+          </a:prstGeom>
+          <a:noFill/>
+        </p:spPr>
+        <p:txBody>
+          <a:bodyPr wrap="square" rtlCol="0">
+            <a:spAutoFit/>
+          </a:bodyPr>
+          <a:lstStyle/>
+          <a:p>
+            <a:r>
+              <a:rPr lang="en-US" sz="3600" dirty="0" smtClean="0"/>
+              <a:t>Philosophy/Math</a:t>
+            </a:r>
+            <a:endParaRPr lang="en-US" sz="3600" dirty="0"/>
+          </a:p>
+        </p:txBody>
+      </p:sp>
+      <p:sp>
+        <p:nvSpPr>
+          <p:cNvPr id="13" name="TextBox 12"/>
+          <p:cNvSpPr txBox="1"/>
+          <p:nvPr/>
+        </p:nvSpPr>
+        <p:spPr>
+          <a:xfrm>
+            <a:off x="216789" y="5238307"/>
+            <a:ext cx="3543300" cy="646331"/>
+          </a:xfrm>
+          <a:prstGeom prst="rect">
+            <a:avLst/>
+          </a:prstGeom>
+          <a:noFill/>
+        </p:spPr>
+        <p:txBody>
+          <a:bodyPr wrap="square" rtlCol="0">
+            <a:spAutoFit/>
+          </a:bodyPr>
+          <a:lstStyle/>
+          <a:p>
+            <a:r>
+              <a:rPr lang="en-US" sz="3600" dirty="0" smtClean="0"/>
+              <a:t>Physiology?</a:t>
+            </a:r>
+            <a:endParaRPr lang="en-US" sz="3600" dirty="0"/>
+          </a:p>
+        </p:txBody>
+      </p:sp>
+    </p:spTree>
+    <p:extLst>
+      <p:ext uri="{BB962C8B-B14F-4D97-AF65-F5344CB8AC3E}">
+        <p14:creationId xmlns:p14="http://schemas.microsoft.com/office/powerpoint/2010/main" val="665554601"/>
+      </p:ext>
+    </p:extLst>
+  </p:cSld>
+  <p:clrMapOvr>
+    <a:masterClrMapping/>
+  </p:clrMapOvr>
+  <p:timing>
+    <p:tnLst>
+      <p:par>
+        <p:cTn id="1" dur="indefinite" restart="never" nodeType="tmRoot"/>
+      </p:par>
+    </p:tnLst>
+  </p:timing>
+</p:sld>
+</file>
+
+<file path=ppt/slides/slide16.xml><?xml version="1.0" encoding="utf-8"?>
+<p:sld xmlns:a="http://schemas.openxmlformats.org/drawingml/2006/main" xmlns:r="http://schemas.openxmlformats.org/officeDocument/2006/relationships" xmlns:p="http://schemas.openxmlformats.org/presentationml/2006/main">
+  <p:cSld>
+    <p:bg>
+      <p:bgPr>
+        <a:solidFill>
+          <a:schemeClr val="accent3">
+            <a:lumMod val="20000"/>
+            <a:lumOff val="80000"/>
+          </a:schemeClr>
+        </a:solidFill>
+        <a:effectLst/>
+      </p:bgPr>
+    </p:bg>
+    <p:spTree>
+      <p:nvGrpSpPr>
+        <p:cNvPr id="1" name=""/>
+        <p:cNvGrpSpPr/>
+        <p:nvPr/>
+      </p:nvGrpSpPr>
+      <p:grpSpPr>
+        <a:xfrm>
+          <a:off x="0" y="0"/>
+          <a:ext cx="0" cy="0"/>
+          <a:chOff x="0" y="0"/>
+          <a:chExt cx="0" cy="0"/>
+        </a:xfrm>
+      </p:grpSpPr>
+      <p:sp>
+        <p:nvSpPr>
+          <p:cNvPr id="2" name="Title 1"/>
+          <p:cNvSpPr>
+            <a:spLocks noGrp="1"/>
+          </p:cNvSpPr>
+          <p:nvPr>
+            <p:ph type="title"/>
+          </p:nvPr>
+        </p:nvSpPr>
+        <p:spPr/>
+        <p:txBody>
+          <a:bodyPr/>
+          <a:lstStyle/>
+          <a:p>
+            <a:r>
+              <a:rPr lang="en-US" dirty="0" smtClean="0">
+                <a:solidFill>
+                  <a:schemeClr val="tx2"/>
+                </a:solidFill>
+              </a:rPr>
+              <a:t>1950s-1999</a:t>
+            </a:r>
+            <a:endParaRPr lang="en-US" dirty="0">
+              <a:solidFill>
+                <a:schemeClr val="tx2"/>
+              </a:solidFill>
+            </a:endParaRPr>
+          </a:p>
+        </p:txBody>
+      </p:sp>
+      <p:sp>
+        <p:nvSpPr>
+          <p:cNvPr id="5" name="TextBox 4"/>
+          <p:cNvSpPr txBox="1"/>
+          <p:nvPr/>
+        </p:nvSpPr>
+        <p:spPr>
+          <a:xfrm>
+            <a:off x="216789" y="2014730"/>
+            <a:ext cx="6269736" cy="646331"/>
+          </a:xfrm>
+          <a:prstGeom prst="rect">
+            <a:avLst/>
+          </a:prstGeom>
+          <a:noFill/>
+        </p:spPr>
+        <p:txBody>
+          <a:bodyPr wrap="square" rtlCol="0">
+            <a:spAutoFit/>
+          </a:bodyPr>
+          <a:lstStyle/>
+          <a:p>
+            <a:r>
+              <a:rPr lang="en-US" sz="3600" dirty="0" smtClean="0"/>
+              <a:t>Behaviorism / Psychology  </a:t>
+            </a:r>
+            <a:endParaRPr lang="en-US" sz="3600" dirty="0"/>
+          </a:p>
+        </p:txBody>
+      </p:sp>
+      <p:sp>
+        <p:nvSpPr>
+          <p:cNvPr id="6" name="TextBox 5"/>
+          <p:cNvSpPr txBox="1"/>
+          <p:nvPr/>
+        </p:nvSpPr>
+        <p:spPr>
+          <a:xfrm>
+            <a:off x="216789" y="3696878"/>
+            <a:ext cx="4597400" cy="646331"/>
+          </a:xfrm>
+          <a:prstGeom prst="rect">
+            <a:avLst/>
+          </a:prstGeom>
+          <a:noFill/>
+        </p:spPr>
+        <p:txBody>
+          <a:bodyPr wrap="square" rtlCol="0">
+            <a:spAutoFit/>
+          </a:bodyPr>
+          <a:lstStyle/>
+          <a:p>
+            <a:r>
+              <a:rPr lang="en-US" sz="3600" dirty="0" smtClean="0"/>
+              <a:t>Philosophy / Math</a:t>
+            </a:r>
+            <a:endParaRPr lang="en-US" sz="3600" dirty="0"/>
+          </a:p>
+        </p:txBody>
+      </p:sp>
+      <p:sp>
+        <p:nvSpPr>
+          <p:cNvPr id="7" name="TextBox 6"/>
+          <p:cNvSpPr txBox="1"/>
+          <p:nvPr/>
+        </p:nvSpPr>
+        <p:spPr>
+          <a:xfrm>
+            <a:off x="216789" y="5238307"/>
+            <a:ext cx="3543300" cy="646331"/>
+          </a:xfrm>
+          <a:prstGeom prst="rect">
+            <a:avLst/>
+          </a:prstGeom>
+          <a:noFill/>
+        </p:spPr>
+        <p:txBody>
+          <a:bodyPr wrap="square" rtlCol="0">
+            <a:spAutoFit/>
+          </a:bodyPr>
+          <a:lstStyle/>
+          <a:p>
+            <a:r>
+              <a:rPr lang="en-US" sz="3600" dirty="0" smtClean="0"/>
+              <a:t>Physiology?</a:t>
+            </a:r>
+            <a:endParaRPr lang="en-US" sz="3600" dirty="0"/>
+          </a:p>
+        </p:txBody>
+      </p:sp>
+      <p:sp>
+        <p:nvSpPr>
+          <p:cNvPr id="12" name="Rounded Rectangle 11"/>
+          <p:cNvSpPr/>
+          <p:nvPr/>
+        </p:nvSpPr>
+        <p:spPr>
+          <a:xfrm>
+            <a:off x="216789" y="3505313"/>
+            <a:ext cx="2631186" cy="1013727"/>
+          </a:xfrm>
+          <a:prstGeom prst="roundRect">
+            <a:avLst/>
+          </a:prstGeom>
+          <a:solidFill>
+            <a:srgbClr val="92D050">
+              <a:alpha val="30196"/>
+            </a:srgbClr>
+          </a:solidFill>
+        </p:spPr>
+        <p:style>
+          <a:lnRef idx="2">
+            <a:schemeClr val="accent1">
+              <a:shade val="50000"/>
+            </a:schemeClr>
+          </a:lnRef>
+          <a:fillRef idx="1">
+            <a:schemeClr val="accent1"/>
+          </a:fillRef>
+          <a:effectRef idx="0">
+            <a:schemeClr val="accent1"/>
+          </a:effectRef>
+          <a:fontRef idx="minor">
+            <a:schemeClr val="lt1"/>
+          </a:fontRef>
+        </p:style>
+        <p:txBody>
+          <a:bodyPr rtlCol="0" anchor="ctr"/>
+          <a:lstStyle/>
+          <a:p>
+            <a:pPr algn="ctr"/>
+            <a:endParaRPr lang="en-US"/>
+          </a:p>
+        </p:txBody>
+      </p:sp>
+      <p:sp>
+        <p:nvSpPr>
+          <p:cNvPr id="13" name="Rounded Rectangle 12"/>
+          <p:cNvSpPr/>
+          <p:nvPr/>
+        </p:nvSpPr>
+        <p:spPr>
+          <a:xfrm>
+            <a:off x="216788" y="1816654"/>
+            <a:ext cx="2926461" cy="1013727"/>
+          </a:xfrm>
+          <a:prstGeom prst="roundRect">
+            <a:avLst/>
+          </a:prstGeom>
+          <a:solidFill>
+            <a:srgbClr val="92D050">
+              <a:alpha val="30196"/>
+            </a:srgbClr>
+          </a:solidFill>
+        </p:spPr>
+        <p:style>
+          <a:lnRef idx="2">
+            <a:schemeClr val="accent1">
+              <a:shade val="50000"/>
+            </a:schemeClr>
+          </a:lnRef>
+          <a:fillRef idx="1">
+            <a:schemeClr val="accent1"/>
+          </a:fillRef>
+          <a:effectRef idx="0">
+            <a:schemeClr val="accent1"/>
+          </a:effectRef>
+          <a:fontRef idx="minor">
+            <a:schemeClr val="lt1"/>
+          </a:fontRef>
+        </p:style>
+        <p:txBody>
+          <a:bodyPr rtlCol="0" anchor="ctr"/>
+          <a:lstStyle/>
+          <a:p>
+            <a:pPr algn="ctr"/>
+            <a:endParaRPr lang="en-US"/>
+          </a:p>
+        </p:txBody>
+      </p:sp>
+      <p:sp>
+        <p:nvSpPr>
+          <p:cNvPr id="14" name="Rounded Rectangle 13"/>
+          <p:cNvSpPr/>
+          <p:nvPr/>
+        </p:nvSpPr>
+        <p:spPr>
+          <a:xfrm>
+            <a:off x="3453923" y="1806341"/>
+            <a:ext cx="2603977" cy="940112"/>
+          </a:xfrm>
+          <a:prstGeom prst="roundRect">
+            <a:avLst/>
+          </a:prstGeom>
+          <a:solidFill>
+            <a:srgbClr val="92D050">
+              <a:alpha val="30196"/>
+            </a:srgbClr>
+          </a:solidFill>
+        </p:spPr>
+        <p:style>
+          <a:lnRef idx="2">
+            <a:schemeClr val="accent1">
+              <a:shade val="50000"/>
+            </a:schemeClr>
+          </a:lnRef>
+          <a:fillRef idx="1">
+            <a:schemeClr val="accent1"/>
+          </a:fillRef>
+          <a:effectRef idx="0">
+            <a:schemeClr val="accent1"/>
+          </a:effectRef>
+          <a:fontRef idx="minor">
+            <a:schemeClr val="lt1"/>
+          </a:fontRef>
+        </p:style>
+        <p:txBody>
+          <a:bodyPr rtlCol="0" anchor="ctr"/>
+          <a:lstStyle/>
+          <a:p>
+            <a:pPr algn="ctr"/>
+            <a:endParaRPr lang="en-US"/>
+          </a:p>
+        </p:txBody>
+      </p:sp>
+      <p:sp>
+        <p:nvSpPr>
+          <p:cNvPr id="15" name="Rounded Rectangle 14"/>
+          <p:cNvSpPr/>
+          <p:nvPr/>
+        </p:nvSpPr>
+        <p:spPr>
+          <a:xfrm>
+            <a:off x="3143249" y="3549648"/>
+            <a:ext cx="1362076" cy="858764"/>
+          </a:xfrm>
+          <a:prstGeom prst="roundRect">
+            <a:avLst/>
+          </a:prstGeom>
+          <a:solidFill>
+            <a:srgbClr val="7030A0">
+              <a:alpha val="30196"/>
+            </a:srgbClr>
+          </a:solidFill>
+        </p:spPr>
+        <p:style>
+          <a:lnRef idx="2">
+            <a:schemeClr val="accent1">
+              <a:shade val="50000"/>
+            </a:schemeClr>
+          </a:lnRef>
+          <a:fillRef idx="1">
+            <a:schemeClr val="accent1"/>
+          </a:fillRef>
+          <a:effectRef idx="0">
+            <a:schemeClr val="accent1"/>
+          </a:effectRef>
+          <a:fontRef idx="minor">
+            <a:schemeClr val="lt1"/>
+          </a:fontRef>
+        </p:style>
+        <p:txBody>
+          <a:bodyPr rtlCol="0" anchor="ctr"/>
+          <a:lstStyle/>
+          <a:p>
+            <a:pPr algn="ctr"/>
+            <a:endParaRPr lang="en-US"/>
+          </a:p>
+        </p:txBody>
+      </p:sp>
+      <p:sp>
+        <p:nvSpPr>
+          <p:cNvPr id="16" name="Rounded Rectangle 15"/>
+          <p:cNvSpPr/>
+          <p:nvPr/>
+        </p:nvSpPr>
+        <p:spPr>
+          <a:xfrm>
+            <a:off x="170305" y="5132090"/>
+            <a:ext cx="2830069" cy="858764"/>
+          </a:xfrm>
+          <a:prstGeom prst="roundRect">
+            <a:avLst/>
+          </a:prstGeom>
+          <a:solidFill>
+            <a:srgbClr val="7030A0">
+              <a:alpha val="30196"/>
+            </a:srgbClr>
+          </a:solidFill>
+        </p:spPr>
+        <p:style>
+          <a:lnRef idx="2">
+            <a:schemeClr val="accent1">
+              <a:shade val="50000"/>
+            </a:schemeClr>
+          </a:lnRef>
+          <a:fillRef idx="1">
+            <a:schemeClr val="accent1"/>
+          </a:fillRef>
+          <a:effectRef idx="0">
+            <a:schemeClr val="accent1"/>
+          </a:effectRef>
+          <a:fontRef idx="minor">
+            <a:schemeClr val="lt1"/>
+          </a:fontRef>
+        </p:style>
+        <p:txBody>
+          <a:bodyPr rtlCol="0" anchor="ctr"/>
+          <a:lstStyle/>
+          <a:p>
+            <a:pPr algn="ctr"/>
+            <a:endParaRPr lang="en-US"/>
+          </a:p>
+        </p:txBody>
+      </p:sp>
+      <p:sp>
+        <p:nvSpPr>
+          <p:cNvPr id="17" name="Rounded Rectangle 16"/>
+          <p:cNvSpPr/>
+          <p:nvPr/>
+        </p:nvSpPr>
+        <p:spPr>
+          <a:xfrm>
+            <a:off x="6949598" y="2559262"/>
+            <a:ext cx="2603977" cy="940112"/>
+          </a:xfrm>
+          <a:prstGeom prst="roundRect">
+            <a:avLst/>
+          </a:prstGeom>
+          <a:solidFill>
+            <a:srgbClr val="92D050">
+              <a:alpha val="30196"/>
+            </a:srgbClr>
+          </a:solidFill>
+        </p:spPr>
+        <p:style>
+          <a:lnRef idx="2">
+            <a:schemeClr val="accent1">
+              <a:shade val="50000"/>
+            </a:schemeClr>
+          </a:lnRef>
+          <a:fillRef idx="1">
+            <a:schemeClr val="accent1"/>
+          </a:fillRef>
+          <a:effectRef idx="0">
+            <a:schemeClr val="accent1"/>
+          </a:effectRef>
+          <a:fontRef idx="minor">
+            <a:schemeClr val="lt1"/>
+          </a:fontRef>
+        </p:style>
+        <p:txBody>
+          <a:bodyPr rtlCol="0" anchor="ctr"/>
+          <a:lstStyle/>
+          <a:p>
+            <a:pPr algn="ctr"/>
+            <a:r>
+              <a:rPr lang="en-US" dirty="0" smtClean="0">
+                <a:solidFill>
+                  <a:sysClr val="windowText" lastClr="000000"/>
+                </a:solidFill>
+              </a:rPr>
+              <a:t>Biology</a:t>
+            </a:r>
+            <a:endParaRPr lang="en-US" dirty="0">
+              <a:solidFill>
+                <a:sysClr val="windowText" lastClr="000000"/>
+              </a:solidFill>
+            </a:endParaRPr>
+          </a:p>
+        </p:txBody>
+      </p:sp>
+      <p:sp>
+        <p:nvSpPr>
+          <p:cNvPr id="18" name="Rounded Rectangle 17"/>
+          <p:cNvSpPr/>
+          <p:nvPr/>
+        </p:nvSpPr>
+        <p:spPr>
+          <a:xfrm>
+            <a:off x="6891892" y="4808925"/>
+            <a:ext cx="2719388" cy="858764"/>
+          </a:xfrm>
+          <a:prstGeom prst="roundRect">
+            <a:avLst/>
+          </a:prstGeom>
+          <a:solidFill>
+            <a:srgbClr val="7030A0">
+              <a:alpha val="30196"/>
+            </a:srgbClr>
+          </a:solidFill>
+        </p:spPr>
+        <p:style>
+          <a:lnRef idx="2">
+            <a:schemeClr val="accent1">
+              <a:shade val="50000"/>
+            </a:schemeClr>
+          </a:lnRef>
+          <a:fillRef idx="1">
+            <a:schemeClr val="accent1"/>
+          </a:fillRef>
+          <a:effectRef idx="0">
+            <a:schemeClr val="accent1"/>
+          </a:effectRef>
+          <a:fontRef idx="minor">
+            <a:schemeClr val="lt1"/>
+          </a:fontRef>
+        </p:style>
+        <p:txBody>
+          <a:bodyPr rtlCol="0" anchor="ctr"/>
+          <a:lstStyle/>
+          <a:p>
+            <a:pPr algn="ctr"/>
+            <a:r>
+              <a:rPr lang="en-US" dirty="0" smtClean="0">
+                <a:solidFill>
+                  <a:sysClr val="windowText" lastClr="000000"/>
+                </a:solidFill>
+              </a:rPr>
+              <a:t>Computers</a:t>
+            </a:r>
+            <a:endParaRPr lang="en-US" dirty="0">
+              <a:solidFill>
+                <a:sysClr val="windowText" lastClr="000000"/>
+              </a:solidFill>
+            </a:endParaRPr>
+          </a:p>
+        </p:txBody>
+      </p:sp>
+    </p:spTree>
+    <p:extLst>
+      <p:ext uri="{BB962C8B-B14F-4D97-AF65-F5344CB8AC3E}">
+        <p14:creationId xmlns:p14="http://schemas.microsoft.com/office/powerpoint/2010/main" val="3356885097"/>
+      </p:ext>
+    </p:extLst>
+  </p:cSld>
+  <p:clrMapOvr>
+    <a:masterClrMapping/>
+  </p:clrMapOvr>
+  <p:timing>
+    <p:tnLst>
+      <p:par>
+        <p:cTn id="1" dur="indefinite" restart="never" nodeType="tmRoot"/>
+      </p:par>
+    </p:tnLst>
+  </p:timing>
+</p:sld>
+</file>
+
+<file path=ppt/slides/slide17.xml><?xml version="1.0" encoding="utf-8"?>
+<p:sld xmlns:a="http://schemas.openxmlformats.org/drawingml/2006/main" xmlns:r="http://schemas.openxmlformats.org/officeDocument/2006/relationships" xmlns:p="http://schemas.openxmlformats.org/presentationml/2006/main">
+  <p:cSld>
+    <p:bg>
+      <p:bgPr>
+        <a:solidFill>
+          <a:schemeClr val="accent3">
+            <a:lumMod val="20000"/>
+            <a:lumOff val="80000"/>
+          </a:schemeClr>
+        </a:solidFill>
+        <a:effectLst/>
+      </p:bgPr>
+    </p:bg>
+    <p:spTree>
+      <p:nvGrpSpPr>
+        <p:cNvPr id="1" name=""/>
+        <p:cNvGrpSpPr/>
+        <p:nvPr/>
+      </p:nvGrpSpPr>
+      <p:grpSpPr>
+        <a:xfrm>
+          <a:off x="0" y="0"/>
+          <a:ext cx="0" cy="0"/>
+          <a:chOff x="0" y="0"/>
+          <a:chExt cx="0" cy="0"/>
+        </a:xfrm>
+      </p:grpSpPr>
+      <p:sp>
+        <p:nvSpPr>
+          <p:cNvPr id="2" name="Title 1"/>
+          <p:cNvSpPr>
+            <a:spLocks noGrp="1"/>
+          </p:cNvSpPr>
+          <p:nvPr>
+            <p:ph type="title"/>
+          </p:nvPr>
+        </p:nvSpPr>
+        <p:spPr/>
+        <p:txBody>
+          <a:bodyPr/>
+          <a:lstStyle/>
+          <a:p>
+            <a:r>
+              <a:rPr lang="en-US" dirty="0" smtClean="0">
+                <a:solidFill>
+                  <a:schemeClr val="tx2"/>
+                </a:solidFill>
+              </a:rPr>
+              <a:t>1950s-1999</a:t>
+            </a:r>
+            <a:endParaRPr lang="en-US" dirty="0">
+              <a:solidFill>
+                <a:schemeClr val="tx2"/>
+              </a:solidFill>
+            </a:endParaRPr>
+          </a:p>
+        </p:txBody>
+      </p:sp>
+      <p:sp>
+        <p:nvSpPr>
+          <p:cNvPr id="3" name="Content Placeholder 2"/>
+          <p:cNvSpPr>
+            <a:spLocks noGrp="1"/>
+          </p:cNvSpPr>
+          <p:nvPr>
+            <p:ph idx="1"/>
+          </p:nvPr>
+        </p:nvSpPr>
+        <p:spPr/>
+        <p:txBody>
+          <a:bodyPr/>
+          <a:lstStyle/>
+          <a:p>
+            <a:r>
+              <a:rPr lang="en-US" dirty="0" smtClean="0">
+                <a:solidFill>
+                  <a:schemeClr val="tx2"/>
+                </a:solidFill>
+              </a:rPr>
+              <a:t>- Gibson  - ecological optics </a:t>
+            </a:r>
+          </a:p>
+          <a:p>
+            <a:r>
+              <a:rPr lang="en-US" dirty="0" err="1" smtClean="0">
+                <a:solidFill>
+                  <a:schemeClr val="tx2"/>
+                </a:solidFill>
+              </a:rPr>
+              <a:t>Daivid</a:t>
+            </a:r>
+            <a:r>
+              <a:rPr lang="en-US" dirty="0" smtClean="0">
+                <a:solidFill>
+                  <a:schemeClr val="tx2"/>
+                </a:solidFill>
+              </a:rPr>
+              <a:t> </a:t>
+            </a:r>
+            <a:r>
+              <a:rPr lang="en-US" dirty="0" err="1" smtClean="0">
+                <a:solidFill>
+                  <a:schemeClr val="tx2"/>
+                </a:solidFill>
+              </a:rPr>
+              <a:t>marr</a:t>
+            </a:r>
+            <a:r>
+              <a:rPr lang="en-US" dirty="0" smtClean="0">
+                <a:solidFill>
+                  <a:schemeClr val="tx2"/>
+                </a:solidFill>
+              </a:rPr>
+              <a:t> – </a:t>
+            </a:r>
+            <a:r>
+              <a:rPr lang="en-US" dirty="0" err="1" smtClean="0">
+                <a:solidFill>
+                  <a:schemeClr val="tx2"/>
+                </a:solidFill>
+              </a:rPr>
+              <a:t>computatiooal</a:t>
+            </a:r>
+            <a:r>
+              <a:rPr lang="en-US" dirty="0" smtClean="0">
+                <a:solidFill>
+                  <a:schemeClr val="tx2"/>
+                </a:solidFill>
+              </a:rPr>
+              <a:t> neuroscience and vision </a:t>
+            </a:r>
+          </a:p>
+          <a:p>
+            <a:r>
+              <a:rPr lang="en-US" dirty="0" err="1" smtClean="0">
+                <a:solidFill>
+                  <a:schemeClr val="tx2"/>
+                </a:solidFill>
+              </a:rPr>
+              <a:t>Melyvn</a:t>
+            </a:r>
+            <a:r>
+              <a:rPr lang="en-US" dirty="0" smtClean="0">
+                <a:solidFill>
+                  <a:schemeClr val="tx2"/>
+                </a:solidFill>
+              </a:rPr>
+              <a:t> </a:t>
+            </a:r>
+            <a:r>
+              <a:rPr lang="en-US" dirty="0" err="1" smtClean="0">
+                <a:solidFill>
+                  <a:schemeClr val="tx2"/>
+                </a:solidFill>
+              </a:rPr>
+              <a:t>goodale</a:t>
+            </a:r>
+            <a:r>
+              <a:rPr lang="en-US" dirty="0" smtClean="0">
+                <a:solidFill>
+                  <a:schemeClr val="tx2"/>
+                </a:solidFill>
+              </a:rPr>
+              <a:t> -&gt; visual </a:t>
+            </a:r>
+            <a:r>
+              <a:rPr lang="en-US" dirty="0" err="1" smtClean="0">
+                <a:solidFill>
+                  <a:schemeClr val="tx2"/>
+                </a:solidFill>
+              </a:rPr>
+              <a:t>strea</a:t>
+            </a:r>
+            <a:r>
+              <a:rPr lang="en-US" dirty="0" smtClean="0">
+                <a:solidFill>
+                  <a:schemeClr val="tx2"/>
+                </a:solidFill>
+              </a:rPr>
+              <a:t> </a:t>
+            </a:r>
+            <a:r>
+              <a:rPr lang="en-US" dirty="0" err="1" smtClean="0">
+                <a:solidFill>
+                  <a:schemeClr val="tx2"/>
+                </a:solidFill>
+              </a:rPr>
+              <a:t>hpyothsisis</a:t>
+            </a:r>
+            <a:r>
+              <a:rPr lang="en-US" dirty="0" smtClean="0">
+                <a:solidFill>
+                  <a:schemeClr val="tx2"/>
+                </a:solidFill>
+              </a:rPr>
+              <a:t> </a:t>
+            </a:r>
+          </a:p>
+          <a:p>
+            <a:r>
+              <a:rPr lang="en-US" dirty="0" smtClean="0">
+                <a:solidFill>
+                  <a:schemeClr val="tx2"/>
+                </a:solidFill>
+              </a:rPr>
+              <a:t>Ian P </a:t>
+            </a:r>
+            <a:r>
+              <a:rPr lang="en-US" dirty="0" err="1" smtClean="0">
+                <a:solidFill>
+                  <a:schemeClr val="tx2"/>
+                </a:solidFill>
+              </a:rPr>
+              <a:t>howard</a:t>
+            </a:r>
+            <a:r>
+              <a:rPr lang="en-US" dirty="0" smtClean="0">
+                <a:solidFill>
+                  <a:schemeClr val="tx2"/>
+                </a:solidFill>
+              </a:rPr>
+              <a:t> </a:t>
+            </a:r>
+          </a:p>
+          <a:p>
+            <a:r>
+              <a:rPr lang="en-US" b="1" dirty="0"/>
+              <a:t>Susan Lederman</a:t>
+            </a:r>
+            <a:r>
+              <a:rPr lang="en-US" dirty="0"/>
+              <a:t> (born 1944) and </a:t>
+            </a:r>
+            <a:r>
+              <a:rPr lang="en-US" b="1" dirty="0"/>
+              <a:t>Roberta </a:t>
+            </a:r>
+            <a:r>
+              <a:rPr lang="en-US" b="1" dirty="0" err="1"/>
+              <a:t>Klatzky</a:t>
+            </a:r>
+            <a:r>
+              <a:rPr lang="en-US" dirty="0"/>
+              <a:t> (born 1947): Their collaborative work on haptic perception and object recognition has been prominent since the 1980s and continues to influence the field.</a:t>
+            </a:r>
+            <a:endParaRPr lang="en-US" dirty="0" smtClean="0">
+              <a:solidFill>
+                <a:schemeClr val="tx2"/>
+              </a:solidFill>
+            </a:endParaRPr>
+          </a:p>
+          <a:p>
+            <a:r>
+              <a:rPr lang="en-US" dirty="0" smtClean="0">
+                <a:solidFill>
+                  <a:schemeClr val="tx2"/>
+                </a:solidFill>
+              </a:rPr>
+              <a:t> </a:t>
+            </a:r>
+            <a:endParaRPr lang="en-US" dirty="0">
+              <a:solidFill>
+                <a:schemeClr val="tx2"/>
+              </a:solidFill>
+            </a:endParaRPr>
+          </a:p>
+        </p:txBody>
+      </p:sp>
+    </p:spTree>
+    <p:extLst>
+      <p:ext uri="{BB962C8B-B14F-4D97-AF65-F5344CB8AC3E}">
+        <p14:creationId xmlns:p14="http://schemas.microsoft.com/office/powerpoint/2010/main" val="154185759"/>
+      </p:ext>
+    </p:extLst>
+  </p:cSld>
+  <p:clrMapOvr>
+    <a:masterClrMapping/>
+  </p:clrMapOvr>
+  <p:timing>
+    <p:tnLst>
+      <p:par>
+        <p:cTn id="1" dur="indefinite" restart="never" nodeType="tmRoot"/>
+      </p:par>
+    </p:tnLst>
+  </p:timing>
+</p:sld>
+</file>
+
+<file path=ppt/slides/slide18.xml><?xml version="1.0" encoding="utf-8"?>
+<p:sld xmlns:a="http://schemas.openxmlformats.org/drawingml/2006/main" xmlns:r="http://schemas.openxmlformats.org/officeDocument/2006/relationships" xmlns:p="http://schemas.openxmlformats.org/presentationml/2006/main">
+  <p:cSld>
+    <p:spTree>
+      <p:nvGrpSpPr>
+        <p:cNvPr id="1" name=""/>
+        <p:cNvGrpSpPr/>
+        <p:nvPr/>
+      </p:nvGrpSpPr>
+      <p:grpSpPr>
+        <a:xfrm>
+          <a:off x="0" y="0"/>
+          <a:ext cx="0" cy="0"/>
+          <a:chOff x="0" y="0"/>
+          <a:chExt cx="0" cy="0"/>
+        </a:xfrm>
+      </p:grpSpPr>
+      <p:sp>
+        <p:nvSpPr>
+          <p:cNvPr id="2" name="Title 1"/>
+          <p:cNvSpPr>
+            <a:spLocks noGrp="1"/>
+          </p:cNvSpPr>
+          <p:nvPr>
+            <p:ph type="title"/>
+          </p:nvPr>
+        </p:nvSpPr>
+        <p:spPr/>
+        <p:txBody>
+          <a:bodyPr/>
+          <a:lstStyle/>
+          <a:p>
+            <a:r>
+              <a:rPr lang="en-US" dirty="0" smtClean="0">
+                <a:solidFill>
+                  <a:schemeClr val="tx2"/>
+                </a:solidFill>
+              </a:rPr>
+              <a:t>2000s-Present</a:t>
+            </a:r>
+            <a:endParaRPr lang="en-US" dirty="0">
+              <a:solidFill>
+                <a:schemeClr val="tx2"/>
+              </a:solidFill>
+            </a:endParaRPr>
+          </a:p>
+        </p:txBody>
+      </p:sp>
+      <p:sp>
+        <p:nvSpPr>
+          <p:cNvPr id="3" name="Content Placeholder 2"/>
+          <p:cNvSpPr>
+            <a:spLocks noGrp="1"/>
+          </p:cNvSpPr>
+          <p:nvPr>
+            <p:ph idx="1"/>
+          </p:nvPr>
+        </p:nvSpPr>
+        <p:spPr/>
+        <p:txBody>
+          <a:bodyPr/>
+          <a:lstStyle/>
+          <a:p>
+            <a:r>
+              <a:rPr lang="en-US" dirty="0" smtClean="0">
+                <a:solidFill>
+                  <a:schemeClr val="tx2"/>
+                </a:solidFill>
+              </a:rPr>
+              <a:t>- ml </a:t>
+            </a:r>
+            <a:r>
+              <a:rPr lang="en-US" dirty="0" err="1" smtClean="0">
+                <a:solidFill>
+                  <a:schemeClr val="tx2"/>
+                </a:solidFill>
+              </a:rPr>
+              <a:t>kappers</a:t>
+            </a:r>
+            <a:r>
+              <a:rPr lang="en-US" dirty="0" smtClean="0">
+                <a:solidFill>
+                  <a:schemeClr val="tx2"/>
+                </a:solidFill>
+              </a:rPr>
+              <a:t> </a:t>
+            </a:r>
+          </a:p>
+          <a:p>
+            <a:r>
+              <a:rPr lang="en-US" dirty="0" smtClean="0">
+                <a:solidFill>
+                  <a:schemeClr val="tx2"/>
+                </a:solidFill>
+              </a:rPr>
+              <a:t>- </a:t>
+            </a:r>
+            <a:r>
+              <a:rPr lang="en-US" dirty="0" err="1" smtClean="0">
+                <a:solidFill>
+                  <a:schemeClr val="tx2"/>
+                </a:solidFill>
+              </a:rPr>
+              <a:t>harris</a:t>
+            </a:r>
+            <a:r>
+              <a:rPr lang="en-US" dirty="0" smtClean="0">
+                <a:solidFill>
+                  <a:schemeClr val="tx2"/>
+                </a:solidFill>
+              </a:rPr>
+              <a:t> </a:t>
+            </a:r>
+            <a:endParaRPr lang="en-US" dirty="0">
+              <a:solidFill>
+                <a:schemeClr val="tx2"/>
+              </a:solidFill>
+            </a:endParaRPr>
+          </a:p>
+        </p:txBody>
+      </p:sp>
+    </p:spTree>
+    <p:extLst>
+      <p:ext uri="{BB962C8B-B14F-4D97-AF65-F5344CB8AC3E}">
+        <p14:creationId xmlns:p14="http://schemas.microsoft.com/office/powerpoint/2010/main" val="167036000"/>
+      </p:ext>
+    </p:extLst>
+  </p:cSld>
+  <p:clrMapOvr>
+    <a:masterClrMapping/>
+  </p:clrMapOvr>
+  <p:timing>
+    <p:tnLst>
+      <p:par>
+        <p:cTn id="1" dur="indefinite" restart="never" nodeType="tmRoot"/>
+      </p:par>
+    </p:tnLst>
+  </p:timing>
+</p:sld>
+</file>
+
+<file path=ppt/slides/slide2.xml><?xml version="1.0" encoding="utf-8"?>
+<p:sld xmlns:a="http://schemas.openxmlformats.org/drawingml/2006/main" xmlns:r="http://schemas.openxmlformats.org/officeDocument/2006/relationships" xmlns:p="http://schemas.openxmlformats.org/presentationml/2006/main">
+  <p:cSld>
+    <p:bg>
+      <p:bgPr>
+        <a:solidFill>
+          <a:schemeClr val="tx1"/>
+        </a:solidFill>
+        <a:effectLst/>
+      </p:bgPr>
+    </p:bg>
+    <p:spTree>
+      <p:nvGrpSpPr>
+        <p:cNvPr id="1" name=""/>
+        <p:cNvGrpSpPr/>
+        <p:nvPr/>
+      </p:nvGrpSpPr>
+      <p:grpSpPr>
+        <a:xfrm>
+          <a:off x="0" y="0"/>
+          <a:ext cx="0" cy="0"/>
+          <a:chOff x="0" y="0"/>
+          <a:chExt cx="0" cy="0"/>
+        </a:xfrm>
+      </p:grpSpPr>
+      <p:pic>
+        <p:nvPicPr>
+          <p:cNvPr id="1026" name="Picture 2" descr="Eye Icon PNGs for Free Download"/>
+          <p:cNvPicPr>
+            <a:picLocks noChangeAspect="1" noChangeArrowheads="1"/>
+          </p:cNvPicPr>
+          <p:nvPr/>
+        </p:nvPicPr>
+        <p:blipFill>
+          <a:blip r:embed="rId2">
+            <a:extLst>
+              <a:ext uri="{BEBA8EAE-BF5A-486C-A8C5-ECC9F3942E4B}">
+                <a14:imgProps xmlns:a14="http://schemas.microsoft.com/office/drawing/2010/main">
+                  <a14:imgLayer r:embed="rId3">
+                    <a14:imgEffect>
+                      <a14:artisticPhotocopy/>
+                    </a14:imgEffect>
+                  </a14:imgLayer>
+                </a14:imgProps>
+              </a:ext>
+              <a:ext uri="{28A0092B-C50C-407E-A947-70E740481C1C}">
+                <a14:useLocalDpi xmlns:a14="http://schemas.microsoft.com/office/drawing/2010/main" val="0"/>
+              </a:ext>
+            </a:extLst>
+          </a:blip>
+          <a:srcRect/>
+          <a:stretch>
+            <a:fillRect/>
+          </a:stretch>
+        </p:blipFill>
+        <p:spPr bwMode="auto">
+          <a:xfrm>
+            <a:off x="4214495" y="1358900"/>
+            <a:ext cx="3810000" cy="3810000"/>
+          </a:xfrm>
+          <a:prstGeom prst="rect">
+            <a:avLst/>
+          </a:prstGeom>
+          <a:noFill/>
+          <a:extLst>
+            <a:ext uri="{909E8E84-426E-40DD-AFC4-6F175D3DCCD1}">
+              <a14:hiddenFill xmlns:a14="http://schemas.microsoft.com/office/drawing/2010/main">
+                <a:solidFill>
+                  <a:srgbClr val="FFFFFF"/>
+                </a:solidFill>
+              </a14:hiddenFill>
+            </a:ext>
+          </a:extLst>
+        </p:spPr>
+      </p:pic>
+    </p:spTree>
+    <p:extLst>
+      <p:ext uri="{BB962C8B-B14F-4D97-AF65-F5344CB8AC3E}">
+        <p14:creationId xmlns:p14="http://schemas.microsoft.com/office/powerpoint/2010/main" val="2919420605"/>
+      </p:ext>
+    </p:extLst>
+  </p:cSld>
+  <p:clrMapOvr>
+    <a:masterClrMapping/>
+  </p:clrMapOvr>
+  <p:timing>
+    <p:tnLst>
+      <p:par>
+        <p:cTn id="1" dur="indefinite" restart="never" nodeType="tmRoot"/>
+      </p:par>
+    </p:tnLst>
+  </p:timing>
+</p:sld>
+</file>
+
+<file path=ppt/slides/slide3.xml><?xml version="1.0" encoding="utf-8"?>
+<p:sld xmlns:a="http://schemas.openxmlformats.org/drawingml/2006/main" xmlns:r="http://schemas.openxmlformats.org/officeDocument/2006/relationships" xmlns:p="http://schemas.openxmlformats.org/presentationml/2006/main">
+  <p:cSld>
+    <p:bg>
+      <p:bgPr>
+        <a:solidFill>
+          <a:schemeClr val="tx1"/>
+        </a:solidFill>
+        <a:effectLst/>
+      </p:bgPr>
+    </p:bg>
+    <p:spTree>
+      <p:nvGrpSpPr>
+        <p:cNvPr id="1" name=""/>
+        <p:cNvGrpSpPr/>
+        <p:nvPr/>
+      </p:nvGrpSpPr>
+      <p:grpSpPr>
+        <a:xfrm>
+          <a:off x="0" y="0"/>
+          <a:ext cx="0" cy="0"/>
+          <a:chOff x="0" y="0"/>
+          <a:chExt cx="0" cy="0"/>
+        </a:xfrm>
+      </p:grpSpPr>
+      <p:pic>
+        <p:nvPicPr>
+          <p:cNvPr id="1030" name="Picture 6" descr="Closed Eye Icons - Free SVG &amp; PNG Closed Eye Images - Noun Project"/>
+          <p:cNvPicPr>
+            <a:picLocks noChangeAspect="1" noChangeArrowheads="1"/>
+          </p:cNvPicPr>
+          <p:nvPr/>
+        </p:nvPicPr>
+        <p:blipFill>
+          <a:blip r:embed="rId2">
+            <a:extLst>
+              <a:ext uri="{BEBA8EAE-BF5A-486C-A8C5-ECC9F3942E4B}">
+                <a14:imgProps xmlns:a14="http://schemas.microsoft.com/office/drawing/2010/main">
+                  <a14:imgLayer r:embed="rId3">
+                    <a14:imgEffect>
+                      <a14:artisticPhotocopy/>
+                    </a14:imgEffect>
+                  </a14:imgLayer>
+                </a14:imgProps>
+              </a:ext>
+              <a:ext uri="{28A0092B-C50C-407E-A947-70E740481C1C}">
+                <a14:useLocalDpi xmlns:a14="http://schemas.microsoft.com/office/drawing/2010/main" val="0"/>
+              </a:ext>
+            </a:extLst>
+          </a:blip>
+          <a:srcRect/>
+          <a:stretch>
+            <a:fillRect/>
+          </a:stretch>
+        </p:blipFill>
+        <p:spPr bwMode="auto">
+          <a:xfrm>
+            <a:off x="4561885" y="2328588"/>
+            <a:ext cx="3115220" cy="3115220"/>
+          </a:xfrm>
+          <a:prstGeom prst="rect">
+            <a:avLst/>
+          </a:prstGeom>
+          <a:noFill/>
+          <a:extLst>
+            <a:ext uri="{909E8E84-426E-40DD-AFC4-6F175D3DCCD1}">
+              <a14:hiddenFill xmlns:a14="http://schemas.microsoft.com/office/drawing/2010/main">
+                <a:solidFill>
+                  <a:srgbClr val="FFFFFF"/>
+                </a:solidFill>
+              </a14:hiddenFill>
+            </a:ext>
+          </a:extLst>
+        </p:spPr>
+      </p:pic>
+    </p:spTree>
+    <p:extLst>
+      <p:ext uri="{BB962C8B-B14F-4D97-AF65-F5344CB8AC3E}">
+        <p14:creationId xmlns:p14="http://schemas.microsoft.com/office/powerpoint/2010/main" val="2707208875"/>
+      </p:ext>
+    </p:extLst>
+  </p:cSld>
+  <p:clrMapOvr>
+    <a:masterClrMapping/>
+  </p:clrMapOvr>
+  <p:timing>
+    <p:tnLst>
+      <p:par>
+        <p:cTn id="1" dur="indefinite" restart="never" nodeType="tmRoot"/>
+      </p:par>
+    </p:tnLst>
+  </p:timing>
+</p:sld>
+</file>
+
+<file path=ppt/slides/slide4.xml><?xml version="1.0" encoding="utf-8"?>
+<p:sld xmlns:a="http://schemas.openxmlformats.org/drawingml/2006/main" xmlns:r="http://schemas.openxmlformats.org/officeDocument/2006/relationships" xmlns:p="http://schemas.openxmlformats.org/presentationml/2006/main">
+  <p:cSld>
+    <p:bg>
+      <p:bgPr>
+        <a:solidFill>
+          <a:srgbClr val="FFC000"/>
+        </a:solidFill>
+        <a:effectLst/>
+      </p:bgPr>
+    </p:bg>
+    <p:spTree>
+      <p:nvGrpSpPr>
+        <p:cNvPr id="1" name=""/>
+        <p:cNvGrpSpPr/>
+        <p:nvPr/>
+      </p:nvGrpSpPr>
+      <p:grpSpPr>
+        <a:xfrm>
+          <a:off x="0" y="0"/>
+          <a:ext cx="0" cy="0"/>
+          <a:chOff x="0" y="0"/>
+          <a:chExt cx="0" cy="0"/>
+        </a:xfrm>
+      </p:grpSpPr>
+      <p:sp>
+        <p:nvSpPr>
+          <p:cNvPr id="2" name="Title 1"/>
+          <p:cNvSpPr>
+            <a:spLocks noGrp="1"/>
+          </p:cNvSpPr>
+          <p:nvPr>
+            <p:ph type="title"/>
+          </p:nvPr>
+        </p:nvSpPr>
+        <p:spPr/>
+        <p:txBody>
+          <a:bodyPr/>
+          <a:lstStyle/>
+          <a:p>
+            <a:r>
+              <a:rPr lang="en-US" b="1" dirty="0" smtClean="0">
+                <a:solidFill>
+                  <a:srgbClr val="7030A0"/>
+                </a:solidFill>
+              </a:rPr>
+              <a:t>Warning</a:t>
+            </a:r>
+            <a:endParaRPr lang="en-US" b="1" dirty="0">
+              <a:solidFill>
+                <a:srgbClr val="7030A0"/>
+              </a:solidFill>
+            </a:endParaRPr>
+          </a:p>
+        </p:txBody>
+      </p:sp>
+      <p:sp>
+        <p:nvSpPr>
+          <p:cNvPr id="3" name="Content Placeholder 2"/>
+          <p:cNvSpPr>
+            <a:spLocks noGrp="1"/>
+          </p:cNvSpPr>
+          <p:nvPr>
+            <p:ph idx="1"/>
+          </p:nvPr>
+        </p:nvSpPr>
+        <p:spPr>
+          <a:xfrm>
+            <a:off x="1024128" y="1593666"/>
+            <a:ext cx="9720073" cy="4023360"/>
+          </a:xfrm>
+          <a:solidFill>
+            <a:srgbClr val="FFC000"/>
+          </a:solidFill>
+        </p:spPr>
+        <p:txBody>
+          <a:bodyPr>
+            <a:normAutofit/>
+          </a:bodyPr>
+          <a:lstStyle/>
+          <a:p>
+            <a:r>
+              <a:rPr lang="en-US" sz="3200" b="1" dirty="0" smtClean="0">
+                <a:solidFill>
+                  <a:srgbClr val="7030A0"/>
+                </a:solidFill>
+              </a:rPr>
+              <a:t>- Background Color indicates progression through time </a:t>
+            </a:r>
+            <a:endParaRPr lang="en-US" sz="3200" b="1" dirty="0">
+              <a:solidFill>
+                <a:srgbClr val="7030A0"/>
+              </a:solidFill>
+            </a:endParaRPr>
+          </a:p>
+          <a:p>
+            <a:r>
+              <a:rPr lang="en-US" sz="2000" b="1" dirty="0" smtClean="0">
+                <a:solidFill>
+                  <a:srgbClr val="7030A0"/>
+                </a:solidFill>
+              </a:rPr>
+              <a:t>- black = past</a:t>
+            </a:r>
+          </a:p>
+          <a:p>
+            <a:r>
+              <a:rPr lang="en-US" sz="2000" b="1" dirty="0" smtClean="0">
+                <a:solidFill>
+                  <a:srgbClr val="7030A0"/>
+                </a:solidFill>
+              </a:rPr>
+              <a:t>- shades of blue = recent history</a:t>
+            </a:r>
+          </a:p>
+          <a:p>
+            <a:r>
+              <a:rPr lang="en-US" sz="2000" b="1" dirty="0" smtClean="0">
+                <a:solidFill>
+                  <a:srgbClr val="7030A0"/>
+                </a:solidFill>
+              </a:rPr>
+              <a:t>- white = now</a:t>
+            </a:r>
+            <a:endParaRPr lang="en-US" sz="2000" b="1" dirty="0" smtClean="0">
+              <a:solidFill>
+                <a:srgbClr val="7030A0"/>
+              </a:solidFill>
+            </a:endParaRPr>
+          </a:p>
+          <a:p>
+            <a:endParaRPr lang="en-US" sz="2000" b="1" dirty="0">
+              <a:solidFill>
+                <a:srgbClr val="7030A0"/>
+              </a:solidFill>
+            </a:endParaRPr>
+          </a:p>
+        </p:txBody>
+      </p:sp>
+      <p:sp>
+        <p:nvSpPr>
+          <p:cNvPr id="4" name="Rectangle 3"/>
+          <p:cNvSpPr/>
+          <p:nvPr/>
+        </p:nvSpPr>
+        <p:spPr>
+          <a:xfrm>
+            <a:off x="1024128" y="4153992"/>
+            <a:ext cx="3038421" cy="2704011"/>
+          </a:xfrm>
+          <a:prstGeom prst="rect">
+            <a:avLst/>
+          </a:prstGeom>
+        </p:spPr>
+        <p:style>
+          <a:lnRef idx="2">
+            <a:schemeClr val="dk1">
+              <a:shade val="50000"/>
+            </a:schemeClr>
+          </a:lnRef>
+          <a:fillRef idx="1">
+            <a:schemeClr val="dk1"/>
+          </a:fillRef>
+          <a:effectRef idx="0">
+            <a:schemeClr val="dk1"/>
+          </a:effectRef>
+          <a:fontRef idx="minor">
+            <a:schemeClr val="lt1"/>
+          </a:fontRef>
+        </p:style>
+        <p:txBody>
+          <a:bodyPr rtlCol="0" anchor="ctr"/>
+          <a:lstStyle/>
+          <a:p>
+            <a:pPr algn="ctr"/>
+            <a:r>
+              <a:rPr lang="en-US" sz="2800" b="1" dirty="0" smtClean="0">
+                <a:solidFill>
+                  <a:schemeClr val="bg2"/>
+                </a:solidFill>
+              </a:rPr>
+              <a:t>BCE and Middle ages</a:t>
+            </a:r>
+            <a:endParaRPr lang="en-US" sz="2800" b="1" dirty="0">
+              <a:solidFill>
+                <a:schemeClr val="bg2"/>
+              </a:solidFill>
+            </a:endParaRPr>
+          </a:p>
+        </p:txBody>
+      </p:sp>
+      <p:sp>
+        <p:nvSpPr>
+          <p:cNvPr id="5" name="Rectangle 4"/>
+          <p:cNvSpPr/>
+          <p:nvPr/>
+        </p:nvSpPr>
+        <p:spPr>
+          <a:xfrm>
+            <a:off x="4364953" y="4153989"/>
+            <a:ext cx="3038421" cy="2704011"/>
+          </a:xfrm>
+          <a:prstGeom prst="rect">
+            <a:avLst/>
+          </a:prstGeom>
+        </p:spPr>
+        <p:style>
+          <a:lnRef idx="2">
+            <a:schemeClr val="accent2">
+              <a:shade val="50000"/>
+            </a:schemeClr>
+          </a:lnRef>
+          <a:fillRef idx="1">
+            <a:schemeClr val="accent2"/>
+          </a:fillRef>
+          <a:effectRef idx="0">
+            <a:schemeClr val="accent2"/>
+          </a:effectRef>
+          <a:fontRef idx="minor">
+            <a:schemeClr val="lt1"/>
+          </a:fontRef>
+        </p:style>
+        <p:txBody>
+          <a:bodyPr rtlCol="0" anchor="ctr"/>
+          <a:lstStyle/>
+          <a:p>
+            <a:pPr algn="ctr"/>
+            <a:r>
+              <a:rPr lang="en-US" sz="2800" b="1" dirty="0" smtClean="0">
+                <a:solidFill>
+                  <a:schemeClr val="tx2"/>
+                </a:solidFill>
+              </a:rPr>
+              <a:t>Recent History</a:t>
+            </a:r>
+            <a:endParaRPr lang="en-US" sz="2800" b="1" dirty="0">
+              <a:solidFill>
+                <a:schemeClr val="tx2"/>
+              </a:solidFill>
+            </a:endParaRPr>
+          </a:p>
+        </p:txBody>
+      </p:sp>
+      <p:sp>
+        <p:nvSpPr>
+          <p:cNvPr id="6" name="Rectangle 5"/>
+          <p:cNvSpPr/>
+          <p:nvPr/>
+        </p:nvSpPr>
+        <p:spPr>
+          <a:xfrm>
+            <a:off x="7705779" y="4153989"/>
+            <a:ext cx="3038421" cy="2704011"/>
+          </a:xfrm>
+          <a:prstGeom prst="rect">
+            <a:avLst/>
+          </a:prstGeom>
+        </p:spPr>
+        <p:style>
+          <a:lnRef idx="2">
+            <a:schemeClr val="accent5"/>
+          </a:lnRef>
+          <a:fillRef idx="1">
+            <a:schemeClr val="lt1"/>
+          </a:fillRef>
+          <a:effectRef idx="0">
+            <a:schemeClr val="accent5"/>
+          </a:effectRef>
+          <a:fontRef idx="minor">
+            <a:schemeClr val="dk1"/>
+          </a:fontRef>
+        </p:style>
+        <p:txBody>
+          <a:bodyPr rtlCol="0" anchor="ctr"/>
+          <a:lstStyle/>
+          <a:p>
+            <a:pPr algn="ctr"/>
+            <a:r>
+              <a:rPr lang="en-US" sz="2800" b="1" dirty="0" smtClean="0">
+                <a:solidFill>
+                  <a:schemeClr val="tx2"/>
+                </a:solidFill>
+              </a:rPr>
+              <a:t>Present Day</a:t>
+            </a:r>
+            <a:endParaRPr lang="en-US" sz="2800" b="1" dirty="0">
+              <a:solidFill>
+                <a:schemeClr val="tx2"/>
+              </a:solidFill>
+            </a:endParaRPr>
+          </a:p>
+        </p:txBody>
+      </p:sp>
+    </p:spTree>
+    <p:extLst>
+      <p:ext uri="{BB962C8B-B14F-4D97-AF65-F5344CB8AC3E}">
+        <p14:creationId xmlns:p14="http://schemas.microsoft.com/office/powerpoint/2010/main" val="3043040996"/>
+      </p:ext>
+    </p:extLst>
+  </p:cSld>
+  <p:clrMapOvr>
+    <a:masterClrMapping/>
+  </p:clrMapOvr>
+  <p:transition spd="med">
+    <p:pull/>
+  </p:transition>
+  <p:timing>
+    <p:tnLst>
+      <p:par>
+        <p:cTn id="1" dur="indefinite" restart="never" nodeType="tmRoot"/>
+      </p:par>
+    </p:tnLst>
+  </p:timing>
+</p:sld>
+</file>
+
+<file path=ppt/slides/slide5.xml><?xml version="1.0" encoding="utf-8"?>
+<p:sld xmlns:a="http://schemas.openxmlformats.org/drawingml/2006/main" xmlns:r="http://schemas.openxmlformats.org/officeDocument/2006/relationships" xmlns:p="http://schemas.openxmlformats.org/presentationml/2006/main">
+  <p:cSld>
+    <p:bg>
+      <p:bgPr>
+        <a:solidFill>
+          <a:srgbClr val="FFC000"/>
+        </a:solidFill>
+        <a:effectLst/>
+      </p:bgPr>
+    </p:bg>
+    <p:spTree>
+      <p:nvGrpSpPr>
+        <p:cNvPr id="1" name=""/>
+        <p:cNvGrpSpPr/>
+        <p:nvPr/>
+      </p:nvGrpSpPr>
+      <p:grpSpPr>
+        <a:xfrm>
+          <a:off x="0" y="0"/>
+          <a:ext cx="0" cy="0"/>
+          <a:chOff x="0" y="0"/>
+          <a:chExt cx="0" cy="0"/>
+        </a:xfrm>
+      </p:grpSpPr>
+      <p:sp>
+        <p:nvSpPr>
+          <p:cNvPr id="2" name="Title 1"/>
+          <p:cNvSpPr>
+            <a:spLocks noGrp="1"/>
+          </p:cNvSpPr>
+          <p:nvPr>
+            <p:ph type="title"/>
+          </p:nvPr>
+        </p:nvSpPr>
+        <p:spPr/>
+        <p:txBody>
+          <a:bodyPr>
+            <a:normAutofit/>
+          </a:bodyPr>
+          <a:lstStyle/>
+          <a:p>
+            <a:r>
+              <a:rPr lang="en-US" sz="4400" b="1" dirty="0" smtClean="0">
+                <a:solidFill>
+                  <a:srgbClr val="7030A0"/>
+                </a:solidFill>
+              </a:rPr>
+              <a:t>Content / Biological Topic</a:t>
+            </a:r>
+            <a:endParaRPr lang="en-US" sz="4400" b="1" dirty="0">
+              <a:solidFill>
+                <a:srgbClr val="7030A0"/>
+              </a:solidFill>
+            </a:endParaRPr>
+          </a:p>
+        </p:txBody>
+      </p:sp>
+      <p:sp>
+        <p:nvSpPr>
+          <p:cNvPr id="7" name="TextBox 6"/>
+          <p:cNvSpPr txBox="1"/>
+          <p:nvPr/>
+        </p:nvSpPr>
+        <p:spPr>
+          <a:xfrm>
+            <a:off x="849086" y="2338251"/>
+            <a:ext cx="10567851" cy="707886"/>
+          </a:xfrm>
+          <a:prstGeom prst="rect">
+            <a:avLst/>
+          </a:prstGeom>
+          <a:noFill/>
+        </p:spPr>
+        <p:txBody>
+          <a:bodyPr wrap="square" rtlCol="0">
+            <a:spAutoFit/>
+          </a:bodyPr>
+          <a:lstStyle/>
+          <a:p>
+            <a:r>
+              <a:rPr lang="en-US" sz="4000" dirty="0" smtClean="0">
+                <a:solidFill>
+                  <a:srgbClr val="7030A0"/>
+                </a:solidFill>
+              </a:rPr>
+              <a:t>Before we begin</a:t>
+            </a:r>
+            <a:endParaRPr lang="en-US" sz="4000" dirty="0">
+              <a:solidFill>
+                <a:srgbClr val="7030A0"/>
+              </a:solidFill>
+            </a:endParaRPr>
+          </a:p>
+        </p:txBody>
+      </p:sp>
+      <p:pic>
+        <p:nvPicPr>
+          <p:cNvPr id="2050" name="Picture 2" descr="harrislab logo"/>
+          <p:cNvPicPr>
+            <a:picLocks noChangeAspect="1" noChangeArrowheads="1"/>
+          </p:cNvPicPr>
+          <p:nvPr/>
+        </p:nvPicPr>
+        <p:blipFill>
+          <a:blip r:embed="rId3" cstate="print">
+            <a:extLst>
+              <a:ext uri="{28A0092B-C50C-407E-A947-70E740481C1C}">
+                <a14:useLocalDpi xmlns:a14="http://schemas.microsoft.com/office/drawing/2010/main" val="0"/>
+              </a:ext>
+            </a:extLst>
+          </a:blip>
+          <a:srcRect/>
+          <a:stretch>
+            <a:fillRect/>
+          </a:stretch>
+        </p:blipFill>
+        <p:spPr bwMode="auto">
+          <a:xfrm>
+            <a:off x="849086" y="3299556"/>
+            <a:ext cx="3980196" cy="2974244"/>
+          </a:xfrm>
+          <a:prstGeom prst="rect">
+            <a:avLst/>
+          </a:prstGeom>
+          <a:noFill/>
+          <a:extLst>
+            <a:ext uri="{909E8E84-426E-40DD-AFC4-6F175D3DCCD1}">
+              <a14:hiddenFill xmlns:a14="http://schemas.microsoft.com/office/drawing/2010/main">
+                <a:solidFill>
+                  <a:srgbClr val="FFFFFF"/>
+                </a:solidFill>
+              </a14:hiddenFill>
+            </a:ext>
+          </a:extLst>
+        </p:spPr>
+      </p:pic>
+      <p:pic>
+        <p:nvPicPr>
+          <p:cNvPr id="2052" name="Picture 4" descr="Multisensory Research Volume 36 Issue 1 (2023)"/>
+          <p:cNvPicPr>
+            <a:picLocks noChangeAspect="1" noChangeArrowheads="1"/>
+          </p:cNvPicPr>
+          <p:nvPr/>
+        </p:nvPicPr>
+        <p:blipFill>
+          <a:blip r:embed="rId4">
+            <a:extLst>
+              <a:ext uri="{28A0092B-C50C-407E-A947-70E740481C1C}">
+                <a14:useLocalDpi xmlns:a14="http://schemas.microsoft.com/office/drawing/2010/main" val="0"/>
+              </a:ext>
+            </a:extLst>
+          </a:blip>
+          <a:srcRect/>
+          <a:stretch>
+            <a:fillRect/>
+          </a:stretch>
+        </p:blipFill>
+        <p:spPr bwMode="auto">
+          <a:xfrm>
+            <a:off x="7855299" y="1689100"/>
+            <a:ext cx="2888901" cy="4381500"/>
+          </a:xfrm>
+          <a:prstGeom prst="rect">
+            <a:avLst/>
+          </a:prstGeom>
+          <a:noFill/>
+          <a:extLst>
+            <a:ext uri="{909E8E84-426E-40DD-AFC4-6F175D3DCCD1}">
+              <a14:hiddenFill xmlns:a14="http://schemas.microsoft.com/office/drawing/2010/main">
+                <a:solidFill>
+                  <a:srgbClr val="FFFFFF"/>
+                </a:solidFill>
+              </a14:hiddenFill>
+            </a:ext>
+          </a:extLst>
+        </p:spPr>
+      </p:pic>
+    </p:spTree>
+    <p:extLst>
+      <p:ext uri="{BB962C8B-B14F-4D97-AF65-F5344CB8AC3E}">
+        <p14:creationId xmlns:p14="http://schemas.microsoft.com/office/powerpoint/2010/main" val="1423809368"/>
+      </p:ext>
+    </p:extLst>
+  </p:cSld>
+  <p:clrMapOvr>
+    <a:masterClrMapping/>
+  </p:clrMapOvr>
+  <p:transition spd="med">
+    <p:pull/>
+  </p:transition>
+  <p:timing>
+    <p:tnLst>
+      <p:par>
+        <p:cTn id="1" dur="indefinite" restart="never" nodeType="tmRoot"/>
+      </p:par>
+    </p:tnLst>
+  </p:timing>
+</p:sld>
+</file>
+
+<file path=ppt/slides/slide6.xml><?xml version="1.0" encoding="utf-8"?>
+<p:sld xmlns:a="http://schemas.openxmlformats.org/drawingml/2006/main" xmlns:r="http://schemas.openxmlformats.org/officeDocument/2006/relationships" xmlns:p="http://schemas.openxmlformats.org/presentationml/2006/main">
+  <p:cSld>
+    <p:bg>
+      <p:bgPr>
+        <a:solidFill>
+          <a:schemeClr val="tx1"/>
+        </a:solidFill>
+        <a:effectLst/>
+      </p:bgPr>
+    </p:bg>
+    <p:spTree>
+      <p:nvGrpSpPr>
+        <p:cNvPr id="1" name=""/>
+        <p:cNvGrpSpPr/>
+        <p:nvPr/>
+      </p:nvGrpSpPr>
+      <p:grpSpPr>
+        <a:xfrm>
+          <a:off x="0" y="0"/>
+          <a:ext cx="0" cy="0"/>
+          <a:chOff x="0" y="0"/>
+          <a:chExt cx="0" cy="0"/>
+        </a:xfrm>
+      </p:grpSpPr>
+      <p:sp>
+        <p:nvSpPr>
+          <p:cNvPr id="2" name="Title 1"/>
+          <p:cNvSpPr>
+            <a:spLocks noGrp="1"/>
+          </p:cNvSpPr>
+          <p:nvPr>
+            <p:ph type="title"/>
+          </p:nvPr>
+        </p:nvSpPr>
+        <p:spPr/>
+        <p:txBody>
+          <a:bodyPr/>
+          <a:lstStyle/>
+          <a:p>
+            <a:r>
+              <a:rPr lang="en-US" dirty="0" smtClean="0">
+                <a:solidFill>
+                  <a:schemeClr val="bg1"/>
+                </a:solidFill>
+              </a:rPr>
+              <a:t>Ancient </a:t>
+            </a:r>
+            <a:r>
+              <a:rPr lang="en-US" dirty="0" smtClean="0">
+                <a:solidFill>
+                  <a:schemeClr val="bg1"/>
+                </a:solidFill>
+              </a:rPr>
+              <a:t>Philosophers - Sense</a:t>
+            </a:r>
+            <a:endParaRPr lang="en-US" dirty="0">
+              <a:solidFill>
+                <a:schemeClr val="bg1"/>
+              </a:solidFill>
+            </a:endParaRPr>
+          </a:p>
+        </p:txBody>
+      </p:sp>
+      <p:pic>
+        <p:nvPicPr>
+          <p:cNvPr id="1026" name="Picture 2" descr="undefined"/>
+          <p:cNvPicPr>
+            <a:picLocks noChangeAspect="1" noChangeArrowheads="1"/>
+          </p:cNvPicPr>
+          <p:nvPr/>
+        </p:nvPicPr>
+        <p:blipFill>
+          <a:blip r:embed="rId3" cstate="print">
+            <a:extLst>
+              <a:ext uri="{28A0092B-C50C-407E-A947-70E740481C1C}">
+                <a14:useLocalDpi xmlns:a14="http://schemas.microsoft.com/office/drawing/2010/main" val="0"/>
+              </a:ext>
+            </a:extLst>
+          </a:blip>
+          <a:srcRect/>
+          <a:stretch>
+            <a:fillRect/>
+          </a:stretch>
+        </p:blipFill>
+        <p:spPr bwMode="auto">
+          <a:xfrm>
+            <a:off x="0" y="3761232"/>
+            <a:ext cx="2169613" cy="3254418"/>
+          </a:xfrm>
+          <a:prstGeom prst="rect">
+            <a:avLst/>
+          </a:prstGeom>
+          <a:noFill/>
+          <a:extLst>
+            <a:ext uri="{909E8E84-426E-40DD-AFC4-6F175D3DCCD1}">
+              <a14:hiddenFill xmlns:a14="http://schemas.microsoft.com/office/drawing/2010/main">
+                <a:solidFill>
+                  <a:srgbClr val="FFFFFF"/>
+                </a:solidFill>
+              </a14:hiddenFill>
+            </a:ext>
+          </a:extLst>
+        </p:spPr>
+      </p:pic>
+      <p:pic>
+        <p:nvPicPr>
+          <p:cNvPr id="1028" name="Picture 4" descr="undefined"/>
+          <p:cNvPicPr>
+            <a:picLocks noChangeAspect="1" noChangeArrowheads="1"/>
+          </p:cNvPicPr>
+          <p:nvPr/>
+        </p:nvPicPr>
+        <p:blipFill>
+          <a:blip r:embed="rId4" cstate="print">
+            <a:extLst>
+              <a:ext uri="{28A0092B-C50C-407E-A947-70E740481C1C}">
+                <a14:useLocalDpi xmlns:a14="http://schemas.microsoft.com/office/drawing/2010/main" val="0"/>
+              </a:ext>
+            </a:extLst>
+          </a:blip>
+          <a:srcRect/>
+          <a:stretch>
+            <a:fillRect/>
+          </a:stretch>
+        </p:blipFill>
+        <p:spPr bwMode="auto">
+          <a:xfrm>
+            <a:off x="9443207" y="3267434"/>
+            <a:ext cx="2778098" cy="3716792"/>
+          </a:xfrm>
+          <a:prstGeom prst="rect">
+            <a:avLst/>
+          </a:prstGeom>
+          <a:noFill/>
+          <a:extLst>
+            <a:ext uri="{909E8E84-426E-40DD-AFC4-6F175D3DCCD1}">
+              <a14:hiddenFill xmlns:a14="http://schemas.microsoft.com/office/drawing/2010/main">
+                <a:solidFill>
+                  <a:srgbClr val="FFFFFF"/>
+                </a:solidFill>
+              </a14:hiddenFill>
+            </a:ext>
+          </a:extLst>
+        </p:spPr>
+      </p:pic>
+      <p:sp>
+        <p:nvSpPr>
+          <p:cNvPr id="4" name="TextBox 3"/>
+          <p:cNvSpPr txBox="1"/>
+          <p:nvPr/>
+        </p:nvSpPr>
+        <p:spPr>
+          <a:xfrm>
+            <a:off x="0" y="3267434"/>
+            <a:ext cx="2560320" cy="646331"/>
+          </a:xfrm>
+          <a:prstGeom prst="rect">
+            <a:avLst/>
+          </a:prstGeom>
+          <a:noFill/>
+        </p:spPr>
+        <p:txBody>
+          <a:bodyPr wrap="square" rtlCol="0">
+            <a:spAutoFit/>
+          </a:bodyPr>
+          <a:lstStyle/>
+          <a:p>
+            <a:r>
+              <a:rPr lang="en-US" sz="3600" dirty="0" smtClean="0">
+                <a:solidFill>
+                  <a:schemeClr val="bg1"/>
+                </a:solidFill>
+              </a:rPr>
+              <a:t>Plato</a:t>
+            </a:r>
+            <a:endParaRPr lang="en-US" sz="3600" dirty="0">
+              <a:solidFill>
+                <a:schemeClr val="bg1"/>
+              </a:solidFill>
+            </a:endParaRPr>
+          </a:p>
+        </p:txBody>
+      </p:sp>
+      <p:sp>
+        <p:nvSpPr>
+          <p:cNvPr id="7" name="TextBox 6"/>
+          <p:cNvSpPr txBox="1"/>
+          <p:nvPr/>
+        </p:nvSpPr>
+        <p:spPr>
+          <a:xfrm>
+            <a:off x="7285991" y="6211669"/>
+            <a:ext cx="2157216" cy="646331"/>
+          </a:xfrm>
+          <a:prstGeom prst="rect">
+            <a:avLst/>
+          </a:prstGeom>
+          <a:noFill/>
+        </p:spPr>
+        <p:txBody>
+          <a:bodyPr wrap="square" rtlCol="0">
+            <a:spAutoFit/>
+          </a:bodyPr>
+          <a:lstStyle/>
+          <a:p>
+            <a:r>
+              <a:rPr lang="en-US" sz="3600" dirty="0" smtClean="0">
+                <a:solidFill>
+                  <a:schemeClr val="bg1"/>
+                </a:solidFill>
+              </a:rPr>
+              <a:t>Aristotle</a:t>
+            </a:r>
+            <a:endParaRPr lang="en-US" sz="3600" dirty="0">
+              <a:solidFill>
+                <a:schemeClr val="bg1"/>
+              </a:solidFill>
+            </a:endParaRPr>
+          </a:p>
+        </p:txBody>
+      </p:sp>
+      <p:sp>
+        <p:nvSpPr>
+          <p:cNvPr id="5" name="Cloud 4"/>
+          <p:cNvSpPr/>
+          <p:nvPr/>
+        </p:nvSpPr>
+        <p:spPr>
+          <a:xfrm>
+            <a:off x="1347082" y="2131141"/>
+            <a:ext cx="4219956" cy="2773399"/>
+          </a:xfrm>
+          <a:prstGeom prst="cloud">
+            <a:avLst/>
+          </a:prstGeom>
+        </p:spPr>
+        <p:style>
+          <a:lnRef idx="2">
+            <a:schemeClr val="accent4"/>
+          </a:lnRef>
+          <a:fillRef idx="1">
+            <a:schemeClr val="lt1"/>
+          </a:fillRef>
+          <a:effectRef idx="0">
+            <a:schemeClr val="accent4"/>
+          </a:effectRef>
+          <a:fontRef idx="minor">
+            <a:schemeClr val="dk1"/>
+          </a:fontRef>
+        </p:style>
+        <p:txBody>
+          <a:bodyPr rtlCol="0" anchor="ctr"/>
+          <a:lstStyle/>
+          <a:p>
+            <a:pPr algn="ctr"/>
+            <a:endParaRPr lang="en-US"/>
+          </a:p>
+        </p:txBody>
+      </p:sp>
+      <p:sp>
+        <p:nvSpPr>
+          <p:cNvPr id="6" name="TextBox 5"/>
+          <p:cNvSpPr txBox="1"/>
+          <p:nvPr/>
+        </p:nvSpPr>
+        <p:spPr>
+          <a:xfrm rot="20092306">
+            <a:off x="1773784" y="2749415"/>
+            <a:ext cx="2072640" cy="369332"/>
+          </a:xfrm>
+          <a:prstGeom prst="rect">
+            <a:avLst/>
+          </a:prstGeom>
+          <a:noFill/>
+        </p:spPr>
+        <p:txBody>
+          <a:bodyPr wrap="square" rtlCol="0">
+            <a:spAutoFit/>
+          </a:bodyPr>
+          <a:lstStyle/>
+          <a:p>
+            <a:r>
+              <a:rPr lang="en-US" dirty="0" smtClean="0"/>
+              <a:t>Perception?</a:t>
+            </a:r>
+            <a:endParaRPr lang="en-US" dirty="0"/>
+          </a:p>
+        </p:txBody>
+      </p:sp>
+      <p:sp>
+        <p:nvSpPr>
+          <p:cNvPr id="10" name="TextBox 9"/>
+          <p:cNvSpPr txBox="1"/>
+          <p:nvPr/>
+        </p:nvSpPr>
+        <p:spPr>
+          <a:xfrm rot="2050430">
+            <a:off x="1911209" y="4048624"/>
+            <a:ext cx="2072640" cy="369332"/>
+          </a:xfrm>
+          <a:prstGeom prst="rect">
+            <a:avLst/>
+          </a:prstGeom>
+          <a:noFill/>
+        </p:spPr>
+        <p:txBody>
+          <a:bodyPr wrap="square" rtlCol="0">
+            <a:spAutoFit/>
+          </a:bodyPr>
+          <a:lstStyle/>
+          <a:p>
+            <a:r>
+              <a:rPr lang="en-US" dirty="0" smtClean="0"/>
+              <a:t>Knowledge?</a:t>
+            </a:r>
+            <a:endParaRPr lang="en-US" dirty="0"/>
+          </a:p>
+        </p:txBody>
+      </p:sp>
+      <p:sp>
+        <p:nvSpPr>
+          <p:cNvPr id="11" name="TextBox 10"/>
+          <p:cNvSpPr txBox="1"/>
+          <p:nvPr/>
+        </p:nvSpPr>
+        <p:spPr>
+          <a:xfrm rot="20092306">
+            <a:off x="2733630" y="2923901"/>
+            <a:ext cx="2072640" cy="369332"/>
+          </a:xfrm>
+          <a:prstGeom prst="rect">
+            <a:avLst/>
+          </a:prstGeom>
+          <a:noFill/>
+        </p:spPr>
+        <p:txBody>
+          <a:bodyPr wrap="square" rtlCol="0">
+            <a:spAutoFit/>
+          </a:bodyPr>
+          <a:lstStyle/>
+          <a:p>
+            <a:r>
+              <a:rPr lang="en-US" dirty="0" smtClean="0"/>
+              <a:t>Senses?</a:t>
+            </a:r>
+            <a:endParaRPr lang="en-US" dirty="0"/>
+          </a:p>
+        </p:txBody>
+      </p:sp>
+      <p:sp>
+        <p:nvSpPr>
+          <p:cNvPr id="12" name="TextBox 11"/>
+          <p:cNvSpPr txBox="1"/>
+          <p:nvPr/>
+        </p:nvSpPr>
+        <p:spPr>
+          <a:xfrm rot="20092306">
+            <a:off x="3286134" y="3315557"/>
+            <a:ext cx="2072640" cy="369332"/>
+          </a:xfrm>
+          <a:prstGeom prst="rect">
+            <a:avLst/>
+          </a:prstGeom>
+          <a:noFill/>
+        </p:spPr>
+        <p:txBody>
+          <a:bodyPr wrap="square" rtlCol="0">
+            <a:spAutoFit/>
+          </a:bodyPr>
+          <a:lstStyle/>
+          <a:p>
+            <a:r>
+              <a:rPr lang="en-US" b="1" dirty="0" smtClean="0"/>
+              <a:t>Theory of forms</a:t>
+            </a:r>
+            <a:endParaRPr lang="en-US" b="1" dirty="0"/>
+          </a:p>
+        </p:txBody>
+      </p:sp>
+      <p:sp>
+        <p:nvSpPr>
+          <p:cNvPr id="13" name="Cloud 12"/>
+          <p:cNvSpPr/>
+          <p:nvPr/>
+        </p:nvSpPr>
+        <p:spPr>
+          <a:xfrm>
+            <a:off x="5561373" y="1070555"/>
+            <a:ext cx="5545894" cy="3644819"/>
+          </a:xfrm>
+          <a:prstGeom prst="cloud">
+            <a:avLst/>
+          </a:prstGeom>
+        </p:spPr>
+        <p:style>
+          <a:lnRef idx="2">
+            <a:schemeClr val="accent4"/>
+          </a:lnRef>
+          <a:fillRef idx="1">
+            <a:schemeClr val="lt1"/>
+          </a:fillRef>
+          <a:effectRef idx="0">
+            <a:schemeClr val="accent4"/>
+          </a:effectRef>
+          <a:fontRef idx="minor">
+            <a:schemeClr val="dk1"/>
+          </a:fontRef>
+        </p:style>
+        <p:txBody>
+          <a:bodyPr rtlCol="0" anchor="ctr"/>
+          <a:lstStyle/>
+          <a:p>
+            <a:pPr algn="ctr"/>
+            <a:endParaRPr lang="en-US"/>
+          </a:p>
+        </p:txBody>
+      </p:sp>
+      <p:cxnSp>
+        <p:nvCxnSpPr>
+          <p:cNvPr id="9" name="Straight Arrow Connector 8"/>
+          <p:cNvCxnSpPr/>
+          <p:nvPr/>
+        </p:nvCxnSpPr>
+        <p:spPr>
+          <a:xfrm flipV="1">
+            <a:off x="3305794" y="2501309"/>
+            <a:ext cx="3392186" cy="241891"/>
+          </a:xfrm>
+          <a:prstGeom prst="straightConnector1">
+            <a:avLst/>
+          </a:prstGeom>
+          <a:ln w="76200">
+            <a:solidFill>
+              <a:srgbClr val="00B0F0"/>
+            </a:solidFill>
+            <a:tailEnd type="triangle"/>
+          </a:ln>
+        </p:spPr>
+        <p:style>
+          <a:lnRef idx="3">
+            <a:schemeClr val="accent6"/>
+          </a:lnRef>
+          <a:fillRef idx="0">
+            <a:schemeClr val="accent6"/>
+          </a:fillRef>
+          <a:effectRef idx="2">
+            <a:schemeClr val="accent6"/>
+          </a:effectRef>
+          <a:fontRef idx="minor">
+            <a:schemeClr val="tx1"/>
+          </a:fontRef>
+        </p:style>
+      </p:cxnSp>
+      <p:sp>
+        <p:nvSpPr>
+          <p:cNvPr id="16" name="TextBox 15"/>
+          <p:cNvSpPr txBox="1"/>
+          <p:nvPr/>
+        </p:nvSpPr>
+        <p:spPr>
+          <a:xfrm rot="21225809">
+            <a:off x="6556892" y="1626958"/>
+            <a:ext cx="3391563" cy="369332"/>
+          </a:xfrm>
+          <a:prstGeom prst="rect">
+            <a:avLst/>
+          </a:prstGeom>
+          <a:noFill/>
+        </p:spPr>
+        <p:txBody>
+          <a:bodyPr wrap="square" rtlCol="0">
+            <a:spAutoFit/>
+          </a:bodyPr>
+          <a:lstStyle/>
+          <a:p>
+            <a:r>
+              <a:rPr lang="en-US" dirty="0" smtClean="0"/>
+              <a:t>Intellect and perception?</a:t>
+            </a:r>
+            <a:endParaRPr lang="en-US" dirty="0"/>
+          </a:p>
+        </p:txBody>
+      </p:sp>
+      <p:cxnSp>
+        <p:nvCxnSpPr>
+          <p:cNvPr id="17" name="Straight Arrow Connector 16"/>
+          <p:cNvCxnSpPr/>
+          <p:nvPr/>
+        </p:nvCxnSpPr>
+        <p:spPr>
+          <a:xfrm>
+            <a:off x="9000902" y="1905756"/>
+            <a:ext cx="442305" cy="547724"/>
+          </a:xfrm>
+          <a:prstGeom prst="straightConnector1">
+            <a:avLst/>
+          </a:prstGeom>
+          <a:ln w="76200">
+            <a:solidFill>
+              <a:srgbClr val="00B0F0"/>
+            </a:solidFill>
+            <a:tailEnd type="triangle"/>
+          </a:ln>
+        </p:spPr>
+        <p:style>
+          <a:lnRef idx="3">
+            <a:schemeClr val="accent6"/>
+          </a:lnRef>
+          <a:fillRef idx="0">
+            <a:schemeClr val="accent6"/>
+          </a:fillRef>
+          <a:effectRef idx="2">
+            <a:schemeClr val="accent6"/>
+          </a:effectRef>
+          <a:fontRef idx="minor">
+            <a:schemeClr val="tx1"/>
+          </a:fontRef>
+        </p:style>
+      </p:cxnSp>
+      <p:sp>
+        <p:nvSpPr>
+          <p:cNvPr id="20" name="TextBox 19"/>
+          <p:cNvSpPr txBox="1"/>
+          <p:nvPr/>
+        </p:nvSpPr>
+        <p:spPr>
+          <a:xfrm rot="21225809">
+            <a:off x="8881323" y="2542433"/>
+            <a:ext cx="1522500" cy="369332"/>
+          </a:xfrm>
+          <a:prstGeom prst="rect">
+            <a:avLst/>
+          </a:prstGeom>
+          <a:noFill/>
+        </p:spPr>
+        <p:txBody>
+          <a:bodyPr wrap="square" rtlCol="0">
+            <a:spAutoFit/>
+          </a:bodyPr>
+          <a:lstStyle/>
+          <a:p>
+            <a:r>
+              <a:rPr lang="en-US" b="1" dirty="0" smtClean="0"/>
+              <a:t>Empiricism</a:t>
+            </a:r>
+            <a:endParaRPr lang="en-US" b="1" dirty="0"/>
+          </a:p>
+        </p:txBody>
+      </p:sp>
+    </p:spTree>
+    <p:extLst>
+      <p:ext uri="{BB962C8B-B14F-4D97-AF65-F5344CB8AC3E}">
+        <p14:creationId xmlns:p14="http://schemas.microsoft.com/office/powerpoint/2010/main" val="562928844"/>
+      </p:ext>
+    </p:extLst>
+  </p:cSld>
+  <p:clrMapOvr>
+    <a:masterClrMapping/>
+  </p:clrMapOvr>
+  <p:transition spd="med">
+    <p:pull/>
+  </p:transition>
+  <p:timing>
+    <p:tnLst>
+      <p:par>
+        <p:cTn id="1" dur="indefinite" restart="never" nodeType="tmRoot"/>
+      </p:par>
+    </p:tnLst>
+  </p:timing>
+</p:sld>
+</file>
+
+<file path=ppt/slides/slide7.xml><?xml version="1.0" encoding="utf-8"?>
+<p:sld xmlns:a="http://schemas.openxmlformats.org/drawingml/2006/main" xmlns:r="http://schemas.openxmlformats.org/officeDocument/2006/relationships" xmlns:p="http://schemas.openxmlformats.org/presentationml/2006/main">
+  <p:cSld>
+    <p:bg>
+      <p:bgPr>
+        <a:solidFill>
+          <a:schemeClr val="tx1"/>
+        </a:solidFill>
+        <a:effectLst/>
+      </p:bgPr>
+    </p:bg>
+    <p:spTree>
+      <p:nvGrpSpPr>
+        <p:cNvPr id="1" name=""/>
+        <p:cNvGrpSpPr/>
+        <p:nvPr/>
+      </p:nvGrpSpPr>
+      <p:grpSpPr>
+        <a:xfrm>
+          <a:off x="0" y="0"/>
+          <a:ext cx="0" cy="0"/>
+          <a:chOff x="0" y="0"/>
+          <a:chExt cx="0" cy="0"/>
+        </a:xfrm>
+      </p:grpSpPr>
+      <p:sp>
+        <p:nvSpPr>
+          <p:cNvPr id="2" name="Title 1"/>
+          <p:cNvSpPr>
+            <a:spLocks noGrp="1"/>
+          </p:cNvSpPr>
+          <p:nvPr>
+            <p:ph type="title"/>
+          </p:nvPr>
+        </p:nvSpPr>
+        <p:spPr/>
+        <p:txBody>
+          <a:bodyPr/>
+          <a:lstStyle/>
+          <a:p>
+            <a:r>
+              <a:rPr lang="en-US" dirty="0" smtClean="0">
+                <a:solidFill>
+                  <a:schemeClr val="bg1"/>
+                </a:solidFill>
+              </a:rPr>
+              <a:t>Ancient Philosophers PT.2</a:t>
+            </a:r>
+            <a:endParaRPr lang="en-US" dirty="0">
+              <a:solidFill>
+                <a:schemeClr val="bg1"/>
+              </a:solidFill>
+            </a:endParaRPr>
+          </a:p>
+        </p:txBody>
+      </p:sp>
+      <p:pic>
+        <p:nvPicPr>
+          <p:cNvPr id="4098" name="Picture 2" descr="Euclid | Biography, Contributions, Geometry, &amp; Facts | Britannica"/>
+          <p:cNvPicPr>
+            <a:picLocks noChangeAspect="1" noChangeArrowheads="1"/>
+          </p:cNvPicPr>
+          <p:nvPr/>
+        </p:nvPicPr>
+        <p:blipFill>
+          <a:blip r:embed="rId3" cstate="print">
+            <a:extLst>
+              <a:ext uri="{28A0092B-C50C-407E-A947-70E740481C1C}">
+                <a14:useLocalDpi xmlns:a14="http://schemas.microsoft.com/office/drawing/2010/main" val="0"/>
+              </a:ext>
+            </a:extLst>
+          </a:blip>
+          <a:srcRect/>
+          <a:stretch>
+            <a:fillRect/>
+          </a:stretch>
+        </p:blipFill>
+        <p:spPr bwMode="auto">
+          <a:xfrm>
+            <a:off x="0" y="3310963"/>
+            <a:ext cx="2359025" cy="3632762"/>
+          </a:xfrm>
+          <a:prstGeom prst="rect">
+            <a:avLst/>
+          </a:prstGeom>
+          <a:noFill/>
+          <a:extLst>
+            <a:ext uri="{909E8E84-426E-40DD-AFC4-6F175D3DCCD1}">
+              <a14:hiddenFill xmlns:a14="http://schemas.microsoft.com/office/drawing/2010/main">
+                <a:solidFill>
+                  <a:srgbClr val="FFFFFF"/>
+                </a:solidFill>
+              </a14:hiddenFill>
+            </a:ext>
+          </a:extLst>
+        </p:spPr>
+      </p:pic>
+      <p:pic>
+        <p:nvPicPr>
+          <p:cNvPr id="4100" name="Picture 4" descr="undefined"/>
+          <p:cNvPicPr>
+            <a:picLocks noChangeAspect="1" noChangeArrowheads="1"/>
+          </p:cNvPicPr>
+          <p:nvPr/>
+        </p:nvPicPr>
+        <p:blipFill>
+          <a:blip r:embed="rId4" cstate="print">
+            <a:extLst>
+              <a:ext uri="{28A0092B-C50C-407E-A947-70E740481C1C}">
+                <a14:useLocalDpi xmlns:a14="http://schemas.microsoft.com/office/drawing/2010/main" val="0"/>
+              </a:ext>
+            </a:extLst>
+          </a:blip>
+          <a:srcRect/>
+          <a:stretch>
+            <a:fillRect/>
+          </a:stretch>
+        </p:blipFill>
+        <p:spPr bwMode="auto">
+          <a:xfrm>
+            <a:off x="2543470" y="3432960"/>
+            <a:ext cx="3380595" cy="3272311"/>
+          </a:xfrm>
+          <a:prstGeom prst="rect">
+            <a:avLst/>
+          </a:prstGeom>
+          <a:noFill/>
+          <a:extLst>
+            <a:ext uri="{909E8E84-426E-40DD-AFC4-6F175D3DCCD1}">
+              <a14:hiddenFill xmlns:a14="http://schemas.microsoft.com/office/drawing/2010/main">
+                <a:solidFill>
+                  <a:srgbClr val="FFFFFF"/>
+                </a:solidFill>
+              </a14:hiddenFill>
+            </a:ext>
+          </a:extLst>
+        </p:spPr>
+      </p:pic>
+      <p:pic>
+        <p:nvPicPr>
+          <p:cNvPr id="4102" name="Picture 6" descr="undefined"/>
+          <p:cNvPicPr>
+            <a:picLocks noChangeAspect="1" noChangeArrowheads="1"/>
+          </p:cNvPicPr>
+          <p:nvPr/>
+        </p:nvPicPr>
+        <p:blipFill>
+          <a:blip r:embed="rId5">
+            <a:extLst>
+              <a:ext uri="{28A0092B-C50C-407E-A947-70E740481C1C}">
+                <a14:useLocalDpi xmlns:a14="http://schemas.microsoft.com/office/drawing/2010/main" val="0"/>
+              </a:ext>
+            </a:extLst>
+          </a:blip>
+          <a:srcRect/>
+          <a:stretch>
+            <a:fillRect/>
+          </a:stretch>
+        </p:blipFill>
+        <p:spPr bwMode="auto">
+          <a:xfrm>
+            <a:off x="1874714" y="1630897"/>
+            <a:ext cx="1542236" cy="1542236"/>
+          </a:xfrm>
+          <a:prstGeom prst="rect">
+            <a:avLst/>
+          </a:prstGeom>
+          <a:noFill/>
+          <a:extLst>
+            <a:ext uri="{909E8E84-426E-40DD-AFC4-6F175D3DCCD1}">
+              <a14:hiddenFill xmlns:a14="http://schemas.microsoft.com/office/drawing/2010/main">
+                <a:solidFill>
+                  <a:srgbClr val="FFFFFF"/>
+                </a:solidFill>
+              </a14:hiddenFill>
+            </a:ext>
+          </a:extLst>
+        </p:spPr>
+      </p:pic>
+      <p:pic>
+        <p:nvPicPr>
+          <p:cNvPr id="4104" name="Picture 8" descr="Ibn al-Haytham | Biography + Contributions + Facts |"/>
+          <p:cNvPicPr>
+            <a:picLocks noChangeAspect="1" noChangeArrowheads="1"/>
+          </p:cNvPicPr>
+          <p:nvPr/>
+        </p:nvPicPr>
+        <p:blipFill>
+          <a:blip r:embed="rId6">
+            <a:extLst>
+              <a:ext uri="{28A0092B-C50C-407E-A947-70E740481C1C}">
+                <a14:useLocalDpi xmlns:a14="http://schemas.microsoft.com/office/drawing/2010/main" val="0"/>
+              </a:ext>
+            </a:extLst>
+          </a:blip>
+          <a:srcRect/>
+          <a:stretch>
+            <a:fillRect/>
+          </a:stretch>
+        </p:blipFill>
+        <p:spPr bwMode="auto">
+          <a:xfrm>
+            <a:off x="6108510" y="2402015"/>
+            <a:ext cx="2971056" cy="3792083"/>
+          </a:xfrm>
+          <a:prstGeom prst="rect">
+            <a:avLst/>
+          </a:prstGeom>
+          <a:noFill/>
+          <a:extLst>
+            <a:ext uri="{909E8E84-426E-40DD-AFC4-6F175D3DCCD1}">
+              <a14:hiddenFill xmlns:a14="http://schemas.microsoft.com/office/drawing/2010/main">
+                <a:solidFill>
+                  <a:srgbClr val="FFFFFF"/>
+                </a:solidFill>
+              </a14:hiddenFill>
+            </a:ext>
+          </a:extLst>
+        </p:spPr>
+      </p:pic>
+      <p:sp>
+        <p:nvSpPr>
+          <p:cNvPr id="7" name="Rectangle 6"/>
+          <p:cNvSpPr/>
+          <p:nvPr/>
+        </p:nvSpPr>
+        <p:spPr>
+          <a:xfrm>
+            <a:off x="4567376" y="3244334"/>
+            <a:ext cx="184731" cy="369332"/>
+          </a:xfrm>
+          <a:prstGeom prst="rect">
+            <a:avLst/>
+          </a:prstGeom>
+        </p:spPr>
+        <p:txBody>
+          <a:bodyPr wrap="none">
+            <a:spAutoFit/>
+          </a:bodyPr>
+          <a:lstStyle/>
+          <a:p>
+            <a:endParaRPr lang="en-US" dirty="0"/>
+          </a:p>
+        </p:txBody>
+      </p:sp>
+      <p:sp>
+        <p:nvSpPr>
+          <p:cNvPr id="12" name="Rectangle 11"/>
+          <p:cNvSpPr/>
+          <p:nvPr/>
+        </p:nvSpPr>
+        <p:spPr>
+          <a:xfrm>
+            <a:off x="838" y="2786629"/>
+            <a:ext cx="1515158" cy="646331"/>
+          </a:xfrm>
+          <a:prstGeom prst="rect">
+            <a:avLst/>
+          </a:prstGeom>
+        </p:spPr>
+        <p:txBody>
+          <a:bodyPr wrap="none">
+            <a:spAutoFit/>
+          </a:bodyPr>
+          <a:lstStyle/>
+          <a:p>
+            <a:r>
+              <a:rPr lang="en-US" sz="3600" dirty="0">
+                <a:solidFill>
+                  <a:schemeClr val="bg1"/>
+                </a:solidFill>
+              </a:rPr>
+              <a:t>Euclid</a:t>
+            </a:r>
+            <a:endParaRPr lang="en-US" sz="3600" dirty="0"/>
+          </a:p>
+        </p:txBody>
+      </p:sp>
+      <p:sp>
+        <p:nvSpPr>
+          <p:cNvPr id="13" name="Rectangle 12"/>
+          <p:cNvSpPr/>
+          <p:nvPr/>
+        </p:nvSpPr>
+        <p:spPr>
+          <a:xfrm>
+            <a:off x="8450269" y="6211669"/>
+            <a:ext cx="3741730" cy="646331"/>
+          </a:xfrm>
+          <a:prstGeom prst="rect">
+            <a:avLst/>
+          </a:prstGeom>
+        </p:spPr>
+        <p:txBody>
+          <a:bodyPr wrap="none">
+            <a:spAutoFit/>
+          </a:bodyPr>
+          <a:lstStyle/>
+          <a:p>
+            <a:r>
+              <a:rPr lang="en-US" sz="3600" dirty="0" smtClean="0">
+                <a:solidFill>
+                  <a:schemeClr val="bg1"/>
+                </a:solidFill>
+              </a:rPr>
+              <a:t>Ibn Al-Haytham</a:t>
+            </a:r>
+            <a:endParaRPr lang="en-US" sz="3600" dirty="0"/>
+          </a:p>
+        </p:txBody>
+      </p:sp>
+      <p:pic>
+        <p:nvPicPr>
+          <p:cNvPr id="8" name="Picture 7"/>
+          <p:cNvPicPr>
+            <a:picLocks noChangeAspect="1"/>
+          </p:cNvPicPr>
+          <p:nvPr/>
+        </p:nvPicPr>
+        <p:blipFill>
+          <a:blip r:embed="rId7"/>
+          <a:stretch>
+            <a:fillRect/>
+          </a:stretch>
+        </p:blipFill>
+        <p:spPr>
+          <a:xfrm>
+            <a:off x="8277224" y="0"/>
+            <a:ext cx="3914775" cy="2326248"/>
+          </a:xfrm>
+          <a:prstGeom prst="rect">
+            <a:avLst/>
+          </a:prstGeom>
+        </p:spPr>
+      </p:pic>
+      <p:pic>
+        <p:nvPicPr>
+          <p:cNvPr id="4106" name="Picture 10" descr="undefined"/>
+          <p:cNvPicPr>
+            <a:picLocks noChangeAspect="1" noChangeArrowheads="1"/>
+          </p:cNvPicPr>
+          <p:nvPr/>
+        </p:nvPicPr>
+        <p:blipFill>
+          <a:blip r:embed="rId8">
+            <a:extLst>
+              <a:ext uri="{28A0092B-C50C-407E-A947-70E740481C1C}">
+                <a14:useLocalDpi xmlns:a14="http://schemas.microsoft.com/office/drawing/2010/main" val="0"/>
+              </a:ext>
+            </a:extLst>
+          </a:blip>
+          <a:srcRect/>
+          <a:stretch>
+            <a:fillRect/>
+          </a:stretch>
+        </p:blipFill>
+        <p:spPr bwMode="auto">
+          <a:xfrm>
+            <a:off x="9353681" y="2955031"/>
+            <a:ext cx="2417445" cy="2686050"/>
+          </a:xfrm>
+          <a:prstGeom prst="rect">
+            <a:avLst/>
+          </a:prstGeom>
+          <a:noFill/>
+          <a:extLst>
+            <a:ext uri="{909E8E84-426E-40DD-AFC4-6F175D3DCCD1}">
+              <a14:hiddenFill xmlns:a14="http://schemas.microsoft.com/office/drawing/2010/main">
+                <a:solidFill>
+                  <a:srgbClr val="FFFFFF"/>
+                </a:solidFill>
+              </a14:hiddenFill>
+            </a:ext>
+          </a:extLst>
+        </p:spPr>
+      </p:pic>
+    </p:spTree>
+    <p:extLst>
+      <p:ext uri="{BB962C8B-B14F-4D97-AF65-F5344CB8AC3E}">
+        <p14:creationId xmlns:p14="http://schemas.microsoft.com/office/powerpoint/2010/main" val="3726489836"/>
+      </p:ext>
+    </p:extLst>
+  </p:cSld>
+  <p:clrMapOvr>
+    <a:masterClrMapping/>
+  </p:clrMapOvr>
+  <p:transition spd="med">
+    <p:pull/>
+  </p:transition>
+  <p:timing>
+    <p:tnLst>
+      <p:par>
+        <p:cTn id="1" dur="indefinite" restart="never" nodeType="tmRoot"/>
+      </p:par>
+    </p:tnLst>
+  </p:timing>
+</p:sld>
+</file>
+
+<file path=ppt/slides/slide8.xml><?xml version="1.0" encoding="utf-8"?>
+<p:sld xmlns:a="http://schemas.openxmlformats.org/drawingml/2006/main" xmlns:r="http://schemas.openxmlformats.org/officeDocument/2006/relationships" xmlns:p="http://schemas.openxmlformats.org/presentationml/2006/main">
+  <p:cSld>
+    <p:bg>
+      <p:bgPr>
+        <a:solidFill>
+          <a:schemeClr val="tx2">
+            <a:lumMod val="75000"/>
+          </a:schemeClr>
+        </a:solidFill>
+        <a:effectLst/>
+      </p:bgPr>
+    </p:bg>
+    <p:spTree>
+      <p:nvGrpSpPr>
+        <p:cNvPr id="1" name=""/>
+        <p:cNvGrpSpPr/>
+        <p:nvPr/>
+      </p:nvGrpSpPr>
+      <p:grpSpPr>
+        <a:xfrm>
+          <a:off x="0" y="0"/>
+          <a:ext cx="0" cy="0"/>
+          <a:chOff x="0" y="0"/>
+          <a:chExt cx="0" cy="0"/>
+        </a:xfrm>
+      </p:grpSpPr>
+      <p:sp>
+        <p:nvSpPr>
+          <p:cNvPr id="2" name="Title 1"/>
+          <p:cNvSpPr>
+            <a:spLocks noGrp="1"/>
+          </p:cNvSpPr>
+          <p:nvPr>
+            <p:ph type="title"/>
+          </p:nvPr>
+        </p:nvSpPr>
+        <p:spPr/>
+        <p:txBody>
+          <a:bodyPr/>
+          <a:lstStyle/>
+          <a:p>
+            <a:r>
+              <a:rPr lang="en-US" dirty="0" smtClean="0">
+                <a:solidFill>
+                  <a:schemeClr val="bg2"/>
+                </a:solidFill>
+              </a:rPr>
+              <a:t>Pre Scientific revolution </a:t>
+            </a:r>
+            <a:r>
+              <a:rPr lang="en-US" dirty="0" smtClean="0">
+                <a:solidFill>
+                  <a:schemeClr val="bg2"/>
+                </a:solidFill>
+              </a:rPr>
+              <a:t>– 1800 </a:t>
+            </a:r>
+            <a:endParaRPr lang="en-US" dirty="0">
+              <a:solidFill>
+                <a:schemeClr val="bg2"/>
+              </a:solidFill>
+            </a:endParaRPr>
+          </a:p>
+        </p:txBody>
+      </p:sp>
+      <p:pic>
+        <p:nvPicPr>
+          <p:cNvPr id="5122" name="Picture 2" descr="René Descartes - Wikipedia"/>
+          <p:cNvPicPr>
+            <a:picLocks noGrp="1" noChangeAspect="1" noChangeArrowheads="1"/>
+          </p:cNvPicPr>
+          <p:nvPr>
+            <p:ph idx="1"/>
+          </p:nvPr>
+        </p:nvPicPr>
+        <p:blipFill>
+          <a:blip r:embed="rId2">
+            <a:extLst>
+              <a:ext uri="{28A0092B-C50C-407E-A947-70E740481C1C}">
+                <a14:useLocalDpi xmlns:a14="http://schemas.microsoft.com/office/drawing/2010/main" val="0"/>
+              </a:ext>
+            </a:extLst>
+          </a:blip>
+          <a:srcRect/>
+          <a:stretch>
+            <a:fillRect/>
+          </a:stretch>
+        </p:blipFill>
+        <p:spPr bwMode="auto">
+          <a:xfrm>
+            <a:off x="0" y="2835275"/>
+            <a:ext cx="3288051" cy="4022725"/>
+          </a:xfrm>
+          <a:prstGeom prst="rect">
+            <a:avLst/>
+          </a:prstGeom>
+          <a:noFill/>
+          <a:extLst>
+            <a:ext uri="{909E8E84-426E-40DD-AFC4-6F175D3DCCD1}">
+              <a14:hiddenFill xmlns:a14="http://schemas.microsoft.com/office/drawing/2010/main">
+                <a:solidFill>
+                  <a:srgbClr val="FFFFFF"/>
+                </a:solidFill>
+              </a14:hiddenFill>
+            </a:ext>
+          </a:extLst>
+        </p:spPr>
+      </p:pic>
+      <p:pic>
+        <p:nvPicPr>
+          <p:cNvPr id="6" name="Picture 4" descr="undefined"/>
+          <p:cNvPicPr>
+            <a:picLocks noChangeAspect="1" noChangeArrowheads="1"/>
+          </p:cNvPicPr>
+          <p:nvPr/>
+        </p:nvPicPr>
+        <p:blipFill>
+          <a:blip r:embed="rId3" cstate="print">
+            <a:extLst>
+              <a:ext uri="{28A0092B-C50C-407E-A947-70E740481C1C}">
+                <a14:useLocalDpi xmlns:a14="http://schemas.microsoft.com/office/drawing/2010/main" val="0"/>
+              </a:ext>
+            </a:extLst>
+          </a:blip>
+          <a:srcRect/>
+          <a:stretch>
+            <a:fillRect/>
+          </a:stretch>
+        </p:blipFill>
+        <p:spPr bwMode="auto">
+          <a:xfrm>
+            <a:off x="645746" y="2084832"/>
+            <a:ext cx="756763" cy="1012466"/>
+          </a:xfrm>
+          <a:prstGeom prst="rect">
+            <a:avLst/>
+          </a:prstGeom>
+          <a:noFill/>
+          <a:extLst>
+            <a:ext uri="{909E8E84-426E-40DD-AFC4-6F175D3DCCD1}">
+              <a14:hiddenFill xmlns:a14="http://schemas.microsoft.com/office/drawing/2010/main">
+                <a:solidFill>
+                  <a:srgbClr val="FFFFFF"/>
+                </a:solidFill>
+              </a14:hiddenFill>
+            </a:ext>
+          </a:extLst>
+        </p:spPr>
+      </p:pic>
+      <p:pic>
+        <p:nvPicPr>
+          <p:cNvPr id="7" name="Picture 2" descr="undefined"/>
+          <p:cNvPicPr>
+            <a:picLocks noChangeAspect="1" noChangeArrowheads="1"/>
+          </p:cNvPicPr>
+          <p:nvPr/>
+        </p:nvPicPr>
+        <p:blipFill>
+          <a:blip r:embed="rId4" cstate="print">
+            <a:extLst>
+              <a:ext uri="{28A0092B-C50C-407E-A947-70E740481C1C}">
+                <a14:useLocalDpi xmlns:a14="http://schemas.microsoft.com/office/drawing/2010/main" val="0"/>
+              </a:ext>
+            </a:extLst>
+          </a:blip>
+          <a:srcRect/>
+          <a:stretch>
+            <a:fillRect/>
+          </a:stretch>
+        </p:blipFill>
+        <p:spPr bwMode="auto">
+          <a:xfrm>
+            <a:off x="88901" y="2835275"/>
+            <a:ext cx="762000" cy="1142999"/>
+          </a:xfrm>
+          <a:prstGeom prst="rect">
+            <a:avLst/>
+          </a:prstGeom>
+          <a:noFill/>
+          <a:extLst>
+            <a:ext uri="{909E8E84-426E-40DD-AFC4-6F175D3DCCD1}">
+              <a14:hiddenFill xmlns:a14="http://schemas.microsoft.com/office/drawing/2010/main">
+                <a:solidFill>
+                  <a:srgbClr val="FFFFFF"/>
+                </a:solidFill>
+              </a14:hiddenFill>
+            </a:ext>
+          </a:extLst>
+        </p:spPr>
+      </p:pic>
+      <p:sp>
+        <p:nvSpPr>
+          <p:cNvPr id="4" name="Cloud 3"/>
+          <p:cNvSpPr/>
+          <p:nvPr/>
+        </p:nvSpPr>
+        <p:spPr>
+          <a:xfrm>
+            <a:off x="2216003" y="1581149"/>
+            <a:ext cx="4999973" cy="3403600"/>
+          </a:xfrm>
+          <a:prstGeom prst="cloud">
+            <a:avLst/>
+          </a:prstGeom>
+          <a:solidFill>
+            <a:schemeClr val="bg1"/>
+          </a:solidFill>
+        </p:spPr>
+        <p:style>
+          <a:lnRef idx="2">
+            <a:schemeClr val="accent1">
+              <a:shade val="50000"/>
+            </a:schemeClr>
+          </a:lnRef>
+          <a:fillRef idx="1">
+            <a:schemeClr val="accent1"/>
+          </a:fillRef>
+          <a:effectRef idx="0">
+            <a:schemeClr val="accent1"/>
+          </a:effectRef>
+          <a:fontRef idx="minor">
+            <a:schemeClr val="lt1"/>
+          </a:fontRef>
+        </p:style>
+        <p:txBody>
+          <a:bodyPr rtlCol="0" anchor="ctr"/>
+          <a:lstStyle/>
+          <a:p>
+            <a:pPr algn="ctr"/>
+            <a:endParaRPr lang="en-US"/>
+          </a:p>
+        </p:txBody>
+      </p:sp>
+      <p:sp>
+        <p:nvSpPr>
+          <p:cNvPr id="9" name="TextBox 8"/>
+          <p:cNvSpPr txBox="1"/>
+          <p:nvPr/>
+        </p:nvSpPr>
+        <p:spPr>
+          <a:xfrm rot="21225809">
+            <a:off x="2966297" y="2275387"/>
+            <a:ext cx="1522500" cy="369332"/>
+          </a:xfrm>
+          <a:prstGeom prst="rect">
+            <a:avLst/>
+          </a:prstGeom>
+          <a:noFill/>
+        </p:spPr>
+        <p:txBody>
+          <a:bodyPr wrap="square" rtlCol="0">
+            <a:spAutoFit/>
+          </a:bodyPr>
+          <a:lstStyle/>
+          <a:p>
+            <a:r>
+              <a:rPr lang="en-US" b="1" dirty="0" smtClean="0"/>
+              <a:t>Empiricism</a:t>
+            </a:r>
+            <a:endParaRPr lang="en-US" b="1" dirty="0"/>
+          </a:p>
+        </p:txBody>
+      </p:sp>
+      <p:sp>
+        <p:nvSpPr>
+          <p:cNvPr id="10" name="TextBox 9"/>
+          <p:cNvSpPr txBox="1"/>
+          <p:nvPr/>
+        </p:nvSpPr>
+        <p:spPr>
+          <a:xfrm rot="21225809">
+            <a:off x="2733282" y="2796904"/>
+            <a:ext cx="1522500" cy="923330"/>
+          </a:xfrm>
+          <a:prstGeom prst="rect">
+            <a:avLst/>
+          </a:prstGeom>
+          <a:noFill/>
+        </p:spPr>
+        <p:txBody>
+          <a:bodyPr wrap="square" rtlCol="0">
+            <a:spAutoFit/>
+          </a:bodyPr>
+          <a:lstStyle/>
+          <a:p>
+            <a:r>
+              <a:rPr lang="en-US" b="1" dirty="0" smtClean="0"/>
+              <a:t>Start of the </a:t>
+            </a:r>
+          </a:p>
+          <a:p>
+            <a:r>
+              <a:rPr lang="en-US" b="1" dirty="0" smtClean="0"/>
+              <a:t>Scientific method</a:t>
+            </a:r>
+            <a:endParaRPr lang="en-US" b="1" dirty="0"/>
+          </a:p>
+        </p:txBody>
+      </p:sp>
+      <p:pic>
+        <p:nvPicPr>
+          <p:cNvPr id="5126" name="Picture 6" descr="Mind–body dualism - Wikipedia"/>
+          <p:cNvPicPr>
+            <a:picLocks noChangeAspect="1" noChangeArrowheads="1"/>
+          </p:cNvPicPr>
+          <p:nvPr/>
+        </p:nvPicPr>
+        <p:blipFill>
+          <a:blip r:embed="rId5" cstate="print">
+            <a:extLst>
+              <a:ext uri="{28A0092B-C50C-407E-A947-70E740481C1C}">
+                <a14:useLocalDpi xmlns:a14="http://schemas.microsoft.com/office/drawing/2010/main" val="0"/>
+              </a:ext>
+            </a:extLst>
+          </a:blip>
+          <a:srcRect/>
+          <a:stretch>
+            <a:fillRect/>
+          </a:stretch>
+        </p:blipFill>
+        <p:spPr bwMode="auto">
+          <a:xfrm>
+            <a:off x="4504353" y="2024506"/>
+            <a:ext cx="1916710" cy="2367701"/>
+          </a:xfrm>
+          <a:prstGeom prst="rect">
+            <a:avLst/>
+          </a:prstGeom>
+          <a:noFill/>
+          <a:extLst>
+            <a:ext uri="{909E8E84-426E-40DD-AFC4-6F175D3DCCD1}">
+              <a14:hiddenFill xmlns:a14="http://schemas.microsoft.com/office/drawing/2010/main">
+                <a:solidFill>
+                  <a:srgbClr val="FFFFFF"/>
+                </a:solidFill>
+              </a14:hiddenFill>
+            </a:ext>
+          </a:extLst>
+        </p:spPr>
+      </p:pic>
+      <p:pic>
+        <p:nvPicPr>
+          <p:cNvPr id="5" name="Picture 4"/>
+          <p:cNvPicPr>
+            <a:picLocks noChangeAspect="1"/>
+          </p:cNvPicPr>
+          <p:nvPr/>
+        </p:nvPicPr>
+        <p:blipFill>
+          <a:blip r:embed="rId6"/>
+          <a:stretch>
+            <a:fillRect/>
+          </a:stretch>
+        </p:blipFill>
+        <p:spPr>
+          <a:xfrm>
+            <a:off x="6622574" y="4392207"/>
+            <a:ext cx="2537612" cy="2465793"/>
+          </a:xfrm>
+          <a:prstGeom prst="rect">
+            <a:avLst/>
+          </a:prstGeom>
+        </p:spPr>
+      </p:pic>
+      <p:pic>
+        <p:nvPicPr>
+          <p:cNvPr id="5124" name="Picture 4" descr="John Locke - Wikipedia"/>
+          <p:cNvPicPr>
+            <a:picLocks noChangeAspect="1" noChangeArrowheads="1"/>
+          </p:cNvPicPr>
+          <p:nvPr/>
+        </p:nvPicPr>
+        <p:blipFill>
+          <a:blip r:embed="rId7">
+            <a:extLst>
+              <a:ext uri="{28A0092B-C50C-407E-A947-70E740481C1C}">
+                <a14:useLocalDpi xmlns:a14="http://schemas.microsoft.com/office/drawing/2010/main" val="0"/>
+              </a:ext>
+            </a:extLst>
+          </a:blip>
+          <a:srcRect/>
+          <a:stretch>
+            <a:fillRect/>
+          </a:stretch>
+        </p:blipFill>
+        <p:spPr bwMode="auto">
+          <a:xfrm>
+            <a:off x="9132686" y="2552700"/>
+            <a:ext cx="3059314" cy="4292600"/>
+          </a:xfrm>
+          <a:prstGeom prst="rect">
+            <a:avLst/>
+          </a:prstGeom>
+          <a:noFill/>
+          <a:extLst>
+            <a:ext uri="{909E8E84-426E-40DD-AFC4-6F175D3DCCD1}">
+              <a14:hiddenFill xmlns:a14="http://schemas.microsoft.com/office/drawing/2010/main">
+                <a:solidFill>
+                  <a:srgbClr val="FFFFFF"/>
+                </a:solidFill>
+              </a14:hiddenFill>
+            </a:ext>
+          </a:extLst>
+        </p:spPr>
+      </p:pic>
     </p:spTree>
     <p:extLst>
       <p:ext uri="{BB962C8B-B14F-4D97-AF65-F5344CB8AC3E}">
@@ -4974,6 +8751,287 @@
   <p:clrMapOvr>
     <a:masterClrMapping/>
   </p:clrMapOvr>
+  <p:timing>
+    <p:tnLst>
+      <p:par>
+        <p:cTn id="1" dur="indefinite" restart="never" nodeType="tmRoot"/>
+      </p:par>
+    </p:tnLst>
+  </p:timing>
+</p:sld>
+</file>
+
+<file path=ppt/slides/slide9.xml><?xml version="1.0" encoding="utf-8"?>
+<p:sld xmlns:a="http://schemas.openxmlformats.org/drawingml/2006/main" xmlns:r="http://schemas.openxmlformats.org/officeDocument/2006/relationships" xmlns:p="http://schemas.openxmlformats.org/presentationml/2006/main">
+  <p:cSld>
+    <p:bg>
+      <p:bgPr>
+        <a:solidFill>
+          <a:schemeClr val="tx2">
+            <a:lumMod val="75000"/>
+          </a:schemeClr>
+        </a:solidFill>
+        <a:effectLst/>
+      </p:bgPr>
+    </p:bg>
+    <p:spTree>
+      <p:nvGrpSpPr>
+        <p:cNvPr id="1" name=""/>
+        <p:cNvGrpSpPr/>
+        <p:nvPr/>
+      </p:nvGrpSpPr>
+      <p:grpSpPr>
+        <a:xfrm>
+          <a:off x="0" y="0"/>
+          <a:ext cx="0" cy="0"/>
+          <a:chOff x="0" y="0"/>
+          <a:chExt cx="0" cy="0"/>
+        </a:xfrm>
+      </p:grpSpPr>
+      <p:sp>
+        <p:nvSpPr>
+          <p:cNvPr id="2" name="Title 1"/>
+          <p:cNvSpPr>
+            <a:spLocks noGrp="1"/>
+          </p:cNvSpPr>
+          <p:nvPr>
+            <p:ph type="title"/>
+          </p:nvPr>
+        </p:nvSpPr>
+        <p:spPr/>
+        <p:txBody>
+          <a:bodyPr/>
+          <a:lstStyle/>
+          <a:p>
+            <a:r>
+              <a:rPr lang="en-US" dirty="0" smtClean="0">
+                <a:solidFill>
+                  <a:schemeClr val="bg2"/>
+                </a:solidFill>
+              </a:rPr>
+              <a:t>Pre Scientific revolution </a:t>
+            </a:r>
+            <a:r>
+              <a:rPr lang="en-US" dirty="0" smtClean="0">
+                <a:solidFill>
+                  <a:schemeClr val="bg2"/>
+                </a:solidFill>
+              </a:rPr>
+              <a:t>– 1800 </a:t>
+            </a:r>
+            <a:endParaRPr lang="en-US" dirty="0">
+              <a:solidFill>
+                <a:schemeClr val="bg2"/>
+              </a:solidFill>
+            </a:endParaRPr>
+          </a:p>
+        </p:txBody>
+      </p:sp>
+      <p:pic>
+        <p:nvPicPr>
+          <p:cNvPr id="6146" name="Picture 2" descr="William Molyneux - Wikipedia"/>
+          <p:cNvPicPr>
+            <a:picLocks noChangeAspect="1" noChangeArrowheads="1"/>
+          </p:cNvPicPr>
+          <p:nvPr/>
+        </p:nvPicPr>
+        <p:blipFill>
+          <a:blip r:embed="rId2">
+            <a:extLst>
+              <a:ext uri="{28A0092B-C50C-407E-A947-70E740481C1C}">
+                <a14:useLocalDpi xmlns:a14="http://schemas.microsoft.com/office/drawing/2010/main" val="0"/>
+              </a:ext>
+            </a:extLst>
+          </a:blip>
+          <a:srcRect/>
+          <a:stretch>
+            <a:fillRect/>
+          </a:stretch>
+        </p:blipFill>
+        <p:spPr bwMode="auto">
+          <a:xfrm>
+            <a:off x="-98425" y="2396948"/>
+            <a:ext cx="3841750" cy="4567415"/>
+          </a:xfrm>
+          <a:prstGeom prst="rect">
+            <a:avLst/>
+          </a:prstGeom>
+          <a:noFill/>
+          <a:extLst>
+            <a:ext uri="{909E8E84-426E-40DD-AFC4-6F175D3DCCD1}">
+              <a14:hiddenFill xmlns:a14="http://schemas.microsoft.com/office/drawing/2010/main">
+                <a:solidFill>
+                  <a:srgbClr val="FFFFFF"/>
+                </a:solidFill>
+              </a14:hiddenFill>
+            </a:ext>
+          </a:extLst>
+        </p:spPr>
+      </p:pic>
+      <p:pic>
+        <p:nvPicPr>
+          <p:cNvPr id="6150" name="Picture 6" descr="Cubes - Intermediate Geometry"/>
+          <p:cNvPicPr>
+            <a:picLocks noChangeAspect="1" noChangeArrowheads="1"/>
+          </p:cNvPicPr>
+          <p:nvPr/>
+        </p:nvPicPr>
+        <p:blipFill>
+          <a:blip r:embed="rId3" cstate="print">
+            <a:extLst>
+              <a:ext uri="{28A0092B-C50C-407E-A947-70E740481C1C}">
+                <a14:useLocalDpi xmlns:a14="http://schemas.microsoft.com/office/drawing/2010/main" val="0"/>
+              </a:ext>
+            </a:extLst>
+          </a:blip>
+          <a:srcRect/>
+          <a:stretch>
+            <a:fillRect/>
+          </a:stretch>
+        </p:blipFill>
+        <p:spPr bwMode="auto">
+          <a:xfrm>
+            <a:off x="3743324" y="2396948"/>
+            <a:ext cx="2473325" cy="2389630"/>
+          </a:xfrm>
+          <a:prstGeom prst="rect">
+            <a:avLst/>
+          </a:prstGeom>
+          <a:noFill/>
+          <a:extLst>
+            <a:ext uri="{909E8E84-426E-40DD-AFC4-6F175D3DCCD1}">
+              <a14:hiddenFill xmlns:a14="http://schemas.microsoft.com/office/drawing/2010/main">
+                <a:solidFill>
+                  <a:srgbClr val="FFFFFF"/>
+                </a:solidFill>
+              </a14:hiddenFill>
+            </a:ext>
+          </a:extLst>
+        </p:spPr>
+      </p:pic>
+      <p:pic>
+        <p:nvPicPr>
+          <p:cNvPr id="5" name="Picture 4"/>
+          <p:cNvPicPr>
+            <a:picLocks noChangeAspect="1"/>
+          </p:cNvPicPr>
+          <p:nvPr/>
+        </p:nvPicPr>
+        <p:blipFill>
+          <a:blip r:embed="rId4"/>
+          <a:stretch>
+            <a:fillRect/>
+          </a:stretch>
+        </p:blipFill>
+        <p:spPr>
+          <a:xfrm>
+            <a:off x="3743325" y="4680655"/>
+            <a:ext cx="2473325" cy="2234671"/>
+          </a:xfrm>
+          <a:prstGeom prst="rect">
+            <a:avLst/>
+          </a:prstGeom>
+        </p:spPr>
+      </p:pic>
+      <p:pic>
+        <p:nvPicPr>
+          <p:cNvPr id="6154" name="Picture 10" descr="A Treatise of Human Nature: Hume, David: Amazon.com: Books"/>
+          <p:cNvPicPr>
+            <a:picLocks noChangeAspect="1" noChangeArrowheads="1"/>
+          </p:cNvPicPr>
+          <p:nvPr/>
+        </p:nvPicPr>
+        <p:blipFill>
+          <a:blip r:embed="rId5">
+            <a:extLst>
+              <a:ext uri="{28A0092B-C50C-407E-A947-70E740481C1C}">
+                <a14:useLocalDpi xmlns:a14="http://schemas.microsoft.com/office/drawing/2010/main" val="0"/>
+              </a:ext>
+            </a:extLst>
+          </a:blip>
+          <a:srcRect/>
+          <a:stretch>
+            <a:fillRect/>
+          </a:stretch>
+        </p:blipFill>
+        <p:spPr bwMode="auto">
+          <a:xfrm>
+            <a:off x="5045263" y="2422297"/>
+            <a:ext cx="3387536" cy="4516715"/>
+          </a:xfrm>
+          <a:prstGeom prst="rect">
+            <a:avLst/>
+          </a:prstGeom>
+          <a:noFill/>
+          <a:extLst>
+            <a:ext uri="{909E8E84-426E-40DD-AFC4-6F175D3DCCD1}">
+              <a14:hiddenFill xmlns:a14="http://schemas.microsoft.com/office/drawing/2010/main">
+                <a:solidFill>
+                  <a:srgbClr val="FFFFFF"/>
+                </a:solidFill>
+              </a14:hiddenFill>
+            </a:ext>
+          </a:extLst>
+        </p:spPr>
+      </p:pic>
+      <p:pic>
+        <p:nvPicPr>
+          <p:cNvPr id="6152" name="Picture 8" descr="David Hume - Wikipedia"/>
+          <p:cNvPicPr>
+            <a:picLocks noChangeAspect="1" noChangeArrowheads="1"/>
+          </p:cNvPicPr>
+          <p:nvPr/>
+        </p:nvPicPr>
+        <p:blipFill>
+          <a:blip r:embed="rId6">
+            <a:extLst>
+              <a:ext uri="{28A0092B-C50C-407E-A947-70E740481C1C}">
+                <a14:useLocalDpi xmlns:a14="http://schemas.microsoft.com/office/drawing/2010/main" val="0"/>
+              </a:ext>
+            </a:extLst>
+          </a:blip>
+          <a:srcRect/>
+          <a:stretch>
+            <a:fillRect/>
+          </a:stretch>
+        </p:blipFill>
+        <p:spPr bwMode="auto">
+          <a:xfrm>
+            <a:off x="8432800" y="2192514"/>
+            <a:ext cx="3891416" cy="4771849"/>
+          </a:xfrm>
+          <a:prstGeom prst="rect">
+            <a:avLst/>
+          </a:prstGeom>
+          <a:noFill/>
+          <a:extLst>
+            <a:ext uri="{909E8E84-426E-40DD-AFC4-6F175D3DCCD1}">
+              <a14:hiddenFill xmlns:a14="http://schemas.microsoft.com/office/drawing/2010/main">
+                <a:solidFill>
+                  <a:srgbClr val="FFFFFF"/>
+                </a:solidFill>
+              </a14:hiddenFill>
+            </a:ext>
+          </a:extLst>
+        </p:spPr>
+      </p:pic>
+    </p:spTree>
+    <p:extLst>
+      <p:ext uri="{BB962C8B-B14F-4D97-AF65-F5344CB8AC3E}">
+        <p14:creationId xmlns:p14="http://schemas.microsoft.com/office/powerpoint/2010/main" val="83559973"/>
+      </p:ext>
+    </p:extLst>
+  </p:cSld>
+  <p:clrMapOvr>
+    <a:masterClrMapping/>
+  </p:clrMapOvr>
+  <p:timing>
+    <p:tnLst>
+      <p:par>
+        <p:cTn id="1" dur="indefinite" restart="never" nodeType="tmRoot"/>
+      </p:par>
+    </p:tnLst>
+  </p:timing>
 </p:sld>
 </file>
 

--- a/animalsClass/Deep History Of the field of Perception.pptx
+++ b/animalsClass/Deep History Of the field of Perception.pptx
@@ -5,7 +5,7 @@
     <p:sldMasterId id="2147483762" r:id="rId1"/>
   </p:sldMasterIdLst>
   <p:notesMasterIdLst>
-    <p:notesMasterId r:id="rId20"/>
+    <p:notesMasterId r:id="rId21"/>
   </p:notesMasterIdLst>
   <p:sldIdLst>
     <p:sldId id="256" r:id="rId2"/>
@@ -16,16 +16,17 @@
     <p:sldId id="257" r:id="rId7"/>
     <p:sldId id="261" r:id="rId8"/>
     <p:sldId id="260" r:id="rId9"/>
-    <p:sldId id="270" r:id="rId10"/>
-    <p:sldId id="271" r:id="rId11"/>
-    <p:sldId id="272" r:id="rId12"/>
-    <p:sldId id="264" r:id="rId13"/>
-    <p:sldId id="273" r:id="rId14"/>
-    <p:sldId id="265" r:id="rId15"/>
-    <p:sldId id="274" r:id="rId16"/>
-    <p:sldId id="266" r:id="rId17"/>
-    <p:sldId id="275" r:id="rId18"/>
-    <p:sldId id="267" r:id="rId19"/>
+    <p:sldId id="276" r:id="rId10"/>
+    <p:sldId id="270" r:id="rId11"/>
+    <p:sldId id="277" r:id="rId12"/>
+    <p:sldId id="272" r:id="rId13"/>
+    <p:sldId id="264" r:id="rId14"/>
+    <p:sldId id="273" r:id="rId15"/>
+    <p:sldId id="265" r:id="rId16"/>
+    <p:sldId id="274" r:id="rId17"/>
+    <p:sldId id="266" r:id="rId18"/>
+    <p:sldId id="275" r:id="rId19"/>
+    <p:sldId id="267" r:id="rId20"/>
   </p:sldIdLst>
   <p:sldSz cx="12192000" cy="6858000"/>
   <p:notesSz cx="6858000" cy="9144000"/>
@@ -214,7 +215,7 @@
           <a:p>
             <a:fld id="{35838E82-0035-4059-B301-DE84D32976C6}" type="datetimeFigureOut">
               <a:rPr lang="en-US" smtClean="0"/>
-              <a:t>11/4/2024</a:t>
+              <a:t>11/5/2024</a:t>
             </a:fld>
             <a:endParaRPr lang="en-US"/>
           </a:p>
@@ -532,7 +533,11 @@
             </a:r>
             <a:r>
               <a:rPr lang="en-US" baseline="0" dirty="0" smtClean="0"/>
-              <a:t> who you are and what you do</a:t>
+              <a:t> who you are and what you </a:t>
+            </a:r>
+            <a:r>
+              <a:rPr lang="en-US" baseline="0" dirty="0" smtClean="0"/>
+              <a:t>do</a:t>
             </a:r>
           </a:p>
           <a:p>
@@ -542,8 +547,12 @@
             </a:pPr>
             <a:r>
               <a:rPr lang="en-US" baseline="0" dirty="0" smtClean="0"/>
-              <a:t>I study haptic sense perception</a:t>
-            </a:r>
+              <a:t>I study haptic sense perception at the Dr. Laurence Harris Lab (psych prof really)</a:t>
+            </a:r>
+            <a:br>
+              <a:rPr lang="en-US" baseline="0" dirty="0" smtClean="0"/>
+            </a:br>
+            <a:endParaRPr lang="en-US" baseline="0" dirty="0" smtClean="0"/>
           </a:p>
           <a:p>
             <a:pPr marL="171450" indent="-171450">
@@ -552,15 +561,15 @@
             </a:pPr>
             <a:r>
               <a:rPr lang="en-US" baseline="0" dirty="0" smtClean="0"/>
-              <a:t>This means I study a lot of, how do people understand and process what they see. Is what they see real/or is there a bias or misleading aspect in how human beings, how the homo </a:t>
-            </a:r>
-            <a:r>
-              <a:rPr lang="en-US" baseline="0" dirty="0" err="1" smtClean="0"/>
-              <a:t>sapien</a:t>
+              <a:t>This </a:t>
             </a:r>
             <a:r>
               <a:rPr lang="en-US" baseline="0" dirty="0" smtClean="0"/>
-              <a:t> species perceives the world. </a:t>
+              <a:t>means I study a lot of, how do people understand and process what they </a:t>
+            </a:r>
+            <a:r>
+              <a:rPr lang="en-US" baseline="0" dirty="0" smtClean="0"/>
+              <a:t>touch, and ONLY what they touch, not what they SEE and TOUCH. That isn’t me </a:t>
             </a:r>
           </a:p>
           <a:p>
@@ -568,22 +577,6 @@
               <a:buFontTx/>
               <a:buChar char="-"/>
             </a:pPr>
-            <a:r>
-              <a:rPr lang="en-US" baseline="0" dirty="0" smtClean="0"/>
-              <a:t>I mainly work on </a:t>
-            </a:r>
-            <a:r>
-              <a:rPr lang="en-US" baseline="0" dirty="0" smtClean="0"/>
-              <a:t>haptics </a:t>
-            </a:r>
-            <a:r>
-              <a:rPr lang="en-US" baseline="0" dirty="0" smtClean="0"/>
-              <a:t>which means touch, I like to focus around the hands but I plan to study haptic perception across the body and perhaps around the lower </a:t>
-            </a:r>
-            <a:r>
-              <a:rPr lang="en-US" baseline="0" dirty="0" smtClean="0"/>
-              <a:t>appendages (maybe).</a:t>
-            </a:r>
             <a:endParaRPr lang="en-US" baseline="0" dirty="0" smtClean="0"/>
           </a:p>
           <a:p>
@@ -593,20 +586,57 @@
             </a:pPr>
             <a:r>
               <a:rPr lang="en-US" baseline="0" dirty="0" smtClean="0"/>
-              <a:t>The purpose of this work, for those who are curious is to develop better VR and AR </a:t>
+              <a:t>I </a:t>
             </a:r>
             <a:r>
               <a:rPr lang="en-US" baseline="0" dirty="0" smtClean="0"/>
-              <a:t>experiences </a:t>
+              <a:t>plan to study haptic perception </a:t>
             </a:r>
             <a:r>
               <a:rPr lang="en-US" baseline="0" dirty="0" smtClean="0"/>
-              <a:t>and make these systems for the future more refined and better suited for human use and exploration</a:t>
+              <a:t>mainly in the hands, but I want to be able to study it across </a:t>
+            </a:r>
+            <a:r>
+              <a:rPr lang="en-US" baseline="0" dirty="0" smtClean="0"/>
+              <a:t>the body </a:t>
+            </a:r>
+            <a:r>
+              <a:rPr lang="en-US" baseline="0" dirty="0" smtClean="0"/>
+              <a:t>and across space and MAYBE lower </a:t>
+            </a:r>
+            <a:r>
+              <a:rPr lang="en-US" baseline="0" dirty="0" smtClean="0"/>
+              <a:t>appendages (maybe</a:t>
+            </a:r>
+            <a:r>
+              <a:rPr lang="en-US" baseline="0" dirty="0" smtClean="0"/>
+              <a:t>). -&gt; ill get back to this </a:t>
+            </a:r>
+          </a:p>
+          <a:p>
+            <a:pPr marL="0" indent="0">
+              <a:buFontTx/>
+              <a:buNone/>
+            </a:pPr>
+            <a:endParaRPr lang="en-US" baseline="0" dirty="0" smtClean="0"/>
+          </a:p>
+          <a:p>
+            <a:pPr marL="171450" indent="-171450">
+              <a:buFontTx/>
+              <a:buChar char="-"/>
+            </a:pPr>
+            <a:r>
+              <a:rPr lang="en-US" baseline="0" dirty="0" smtClean="0"/>
+              <a:t>The purpose of this work, for those who are curious is to develop better VR and AR experiences and make these systems for the future more refined and better suited for human use and exploration</a:t>
             </a:r>
             <a:r>
               <a:rPr lang="en-US" baseline="0" dirty="0" smtClean="0"/>
               <a:t>.</a:t>
             </a:r>
+            <a:br>
+              <a:rPr lang="en-US" baseline="0" dirty="0" smtClean="0"/>
+            </a:br>
+            <a:endParaRPr lang="en-US" baseline="0" dirty="0" smtClean="0"/>
           </a:p>
           <a:p>
             <a:pPr marL="171450" indent="-171450">
@@ -931,6 +961,108 @@
               <a:rPr lang="en-US" baseline="0" dirty="0" smtClean="0"/>
               <a:t>, he came almost 1000 years later but was the first studier of optics, geometrically and also of human vision and biology, showing here the optic chasm </a:t>
             </a:r>
+            <a:endParaRPr lang="en-US" baseline="0" dirty="0" smtClean="0"/>
+          </a:p>
+          <a:p>
+            <a:pPr marL="171450" indent="-171450">
+              <a:buFontTx/>
+              <a:buChar char="-"/>
+            </a:pPr>
+            <a:endParaRPr lang="en-US" baseline="0" dirty="0" smtClean="0"/>
+          </a:p>
+          <a:p>
+            <a:pPr marL="171450" indent="-171450">
+              <a:buFontTx/>
+              <a:buChar char="-"/>
+            </a:pPr>
+            <a:r>
+              <a:rPr lang="en-US" baseline="0" dirty="0" smtClean="0"/>
+              <a:t>The reason I skipped 1300 years is </a:t>
+            </a:r>
+            <a:r>
+              <a:rPr lang="en-US" baseline="0" dirty="0" err="1" smtClean="0"/>
+              <a:t>cuz</a:t>
+            </a:r>
+            <a:r>
+              <a:rPr lang="en-US" baseline="0" dirty="0" smtClean="0"/>
+              <a:t>, there isn’t much too important, even </a:t>
+            </a:r>
+            <a:r>
+              <a:rPr lang="en-US" baseline="0" dirty="0" err="1" smtClean="0"/>
+              <a:t>tho</a:t>
+            </a:r>
+            <a:r>
+              <a:rPr lang="en-US" baseline="0" dirty="0" smtClean="0"/>
+              <a:t> this is a deep </a:t>
+            </a:r>
+            <a:r>
+              <a:rPr lang="en-US" baseline="0" dirty="0" err="1" smtClean="0"/>
+              <a:t>histoy</a:t>
+            </a:r>
+            <a:r>
+              <a:rPr lang="en-US" baseline="0" dirty="0" smtClean="0"/>
+              <a:t>, a lot of the </a:t>
+            </a:r>
+            <a:r>
+              <a:rPr lang="en-US" baseline="0" dirty="0" err="1" smtClean="0"/>
+              <a:t>elemnts</a:t>
+            </a:r>
+            <a:r>
+              <a:rPr lang="en-US" baseline="0" dirty="0" smtClean="0"/>
+              <a:t> </a:t>
+            </a:r>
+            <a:r>
+              <a:rPr lang="en-US" baseline="0" dirty="0" err="1" smtClean="0"/>
+              <a:t>im</a:t>
+            </a:r>
+            <a:r>
+              <a:rPr lang="en-US" baseline="0" dirty="0" smtClean="0"/>
+              <a:t> </a:t>
+            </a:r>
+            <a:r>
+              <a:rPr lang="en-US" baseline="0" dirty="0" err="1" smtClean="0"/>
+              <a:t>explaning</a:t>
+            </a:r>
+            <a:r>
+              <a:rPr lang="en-US" baseline="0" dirty="0" smtClean="0"/>
+              <a:t> now are </a:t>
+            </a:r>
+            <a:r>
+              <a:rPr lang="en-US" baseline="0" dirty="0" err="1" smtClean="0"/>
+              <a:t>relelvant</a:t>
+            </a:r>
+            <a:r>
+              <a:rPr lang="en-US" baseline="0" dirty="0" smtClean="0"/>
+              <a:t> to what </a:t>
+            </a:r>
+            <a:r>
+              <a:rPr lang="en-US" baseline="0" dirty="0" err="1" smtClean="0"/>
+              <a:t>im</a:t>
+            </a:r>
+            <a:r>
+              <a:rPr lang="en-US" baseline="0" dirty="0" smtClean="0"/>
+              <a:t> going to say, instead of </a:t>
+            </a:r>
+            <a:r>
+              <a:rPr lang="en-US" baseline="0" dirty="0" err="1" smtClean="0"/>
+              <a:t>relelavnt</a:t>
+            </a:r>
+            <a:r>
+              <a:rPr lang="en-US" baseline="0" dirty="0" smtClean="0"/>
+              <a:t> to </a:t>
+            </a:r>
+            <a:r>
+              <a:rPr lang="en-US" baseline="0" dirty="0" err="1" smtClean="0"/>
+              <a:t>psyophysics</a:t>
+            </a:r>
+            <a:r>
+              <a:rPr lang="en-US" baseline="0" dirty="0" smtClean="0"/>
+              <a:t>, biological psychology </a:t>
+            </a:r>
+            <a:r>
+              <a:rPr lang="en-US" baseline="0" dirty="0" err="1" smtClean="0"/>
+              <a:t>etc</a:t>
+            </a:r>
             <a:endParaRPr lang="en-US" dirty="0"/>
           </a:p>
         </p:txBody>
@@ -1017,19 +1149,15 @@
           <a:p>
             <a:r>
               <a:rPr lang="en-US" dirty="0" smtClean="0"/>
-              <a:t>- The older </a:t>
-            </a:r>
-            <a:r>
-              <a:rPr lang="en-US" dirty="0" err="1" smtClean="0"/>
-              <a:t>guyt</a:t>
-            </a:r>
-            <a:r>
-              <a:rPr lang="en-US" dirty="0" smtClean="0"/>
-              <a:t>, </a:t>
-            </a:r>
-            <a:r>
-              <a:rPr lang="en-US" dirty="0" err="1" smtClean="0"/>
-              <a:t>david</a:t>
+              <a:t>Relate back to science please -&gt; scientific method</a:t>
+            </a:r>
+            <a:r>
+              <a:rPr lang="en-US" baseline="0" dirty="0" smtClean="0"/>
+              <a:t> started here + </a:t>
+            </a:r>
+            <a:r>
+              <a:rPr lang="en-US" baseline="0" dirty="0" err="1" smtClean="0"/>
+              <a:t>psychologyical</a:t>
             </a:r>
             <a:r>
               <a:rPr lang="en-US" baseline="0" dirty="0" smtClean="0"/>
@@ -1037,27 +1165,7 @@
             </a:r>
             <a:r>
               <a:rPr lang="en-US" baseline="0" dirty="0" err="1" smtClean="0"/>
-              <a:t>hubel</a:t>
-            </a:r>
-            <a:r>
-              <a:rPr lang="en-US" baseline="0" dirty="0" smtClean="0"/>
-              <a:t>, </a:t>
-            </a:r>
-            <a:r>
-              <a:rPr lang="en-US" baseline="0" dirty="0" err="1" smtClean="0"/>
-              <a:t>acc</a:t>
-            </a:r>
-            <a:r>
-              <a:rPr lang="en-US" baseline="0" dirty="0" smtClean="0"/>
-              <a:t> made the tungsten </a:t>
-            </a:r>
-            <a:r>
-              <a:rPr lang="en-US" baseline="0" dirty="0" err="1" smtClean="0"/>
-              <a:t>electonde</a:t>
-            </a:r>
-            <a:r>
-              <a:rPr lang="en-US" baseline="0" dirty="0" smtClean="0"/>
-              <a:t> </a:t>
+              <a:t>foundcations</a:t>
             </a:r>
             <a:endParaRPr lang="en-US" dirty="0"/>
           </a:p>
@@ -1080,7 +1188,335 @@
           <a:p>
             <a:fld id="{DCA2563F-DB87-4291-BC4C-84A32321EAED}" type="slidenum">
               <a:rPr lang="en-US" smtClean="0"/>
-              <a:t>14</a:t>
+              <a:t>8</a:t>
+            </a:fld>
+            <a:endParaRPr lang="en-US"/>
+          </a:p>
+        </p:txBody>
+      </p:sp>
+    </p:spTree>
+    <p:extLst>
+      <p:ext uri="{BB962C8B-B14F-4D97-AF65-F5344CB8AC3E}">
+        <p14:creationId xmlns:p14="http://schemas.microsoft.com/office/powerpoint/2010/main" val="1718830714"/>
+      </p:ext>
+    </p:extLst>
+  </p:cSld>
+  <p:clrMapOvr>
+    <a:masterClrMapping/>
+  </p:clrMapOvr>
+</p:notes>
+</file>
+
+<file path=ppt/notesSlides/notesSlide5.xml><?xml version="1.0" encoding="utf-8"?>
+<p:notes xmlns:a="http://schemas.openxmlformats.org/drawingml/2006/main" xmlns:r="http://schemas.openxmlformats.org/officeDocument/2006/relationships" xmlns:p="http://schemas.openxmlformats.org/presentationml/2006/main">
+  <p:cSld>
+    <p:spTree>
+      <p:nvGrpSpPr>
+        <p:cNvPr id="1" name=""/>
+        <p:cNvGrpSpPr/>
+        <p:nvPr/>
+      </p:nvGrpSpPr>
+      <p:grpSpPr>
+        <a:xfrm>
+          <a:off x="0" y="0"/>
+          <a:ext cx="0" cy="0"/>
+          <a:chOff x="0" y="0"/>
+          <a:chExt cx="0" cy="0"/>
+        </a:xfrm>
+      </p:grpSpPr>
+      <p:sp>
+        <p:nvSpPr>
+          <p:cNvPr id="2" name="Slide Image Placeholder 1"/>
+          <p:cNvSpPr>
+            <a:spLocks noGrp="1" noRot="1" noChangeAspect="1"/>
+          </p:cNvSpPr>
+          <p:nvPr>
+            <p:ph type="sldImg"/>
+          </p:nvPr>
+        </p:nvSpPr>
+        <p:spPr/>
+      </p:sp>
+      <p:sp>
+        <p:nvSpPr>
+          <p:cNvPr id="3" name="Notes Placeholder 2"/>
+          <p:cNvSpPr>
+            <a:spLocks noGrp="1"/>
+          </p:cNvSpPr>
+          <p:nvPr>
+            <p:ph type="body" idx="1"/>
+          </p:nvPr>
+        </p:nvSpPr>
+        <p:spPr/>
+        <p:txBody>
+          <a:bodyPr/>
+          <a:lstStyle/>
+          <a:p>
+            <a:r>
+              <a:rPr lang="en-US" dirty="0" smtClean="0"/>
+              <a:t>Relate back to science please -&gt; scientific method</a:t>
+            </a:r>
+            <a:r>
+              <a:rPr lang="en-US" baseline="0" dirty="0" smtClean="0"/>
+              <a:t> started here + </a:t>
+            </a:r>
+            <a:r>
+              <a:rPr lang="en-US" baseline="0" dirty="0" err="1" smtClean="0"/>
+              <a:t>psychologyical</a:t>
+            </a:r>
+            <a:r>
+              <a:rPr lang="en-US" baseline="0" dirty="0" smtClean="0"/>
+              <a:t> </a:t>
+            </a:r>
+            <a:r>
+              <a:rPr lang="en-US" baseline="0" dirty="0" err="1" smtClean="0"/>
+              <a:t>foundcations</a:t>
+            </a:r>
+            <a:endParaRPr lang="en-US" dirty="0"/>
+          </a:p>
+        </p:txBody>
+      </p:sp>
+      <p:sp>
+        <p:nvSpPr>
+          <p:cNvPr id="4" name="Slide Number Placeholder 3"/>
+          <p:cNvSpPr>
+            <a:spLocks noGrp="1"/>
+          </p:cNvSpPr>
+          <p:nvPr>
+            <p:ph type="sldNum" sz="quarter" idx="10"/>
+          </p:nvPr>
+        </p:nvSpPr>
+        <p:spPr/>
+        <p:txBody>
+          <a:bodyPr/>
+          <a:lstStyle/>
+          <a:p>
+            <a:fld id="{DCA2563F-DB87-4291-BC4C-84A32321EAED}" type="slidenum">
+              <a:rPr lang="en-US" smtClean="0"/>
+              <a:t>9</a:t>
+            </a:fld>
+            <a:endParaRPr lang="en-US"/>
+          </a:p>
+        </p:txBody>
+      </p:sp>
+    </p:spTree>
+    <p:extLst>
+      <p:ext uri="{BB962C8B-B14F-4D97-AF65-F5344CB8AC3E}">
+        <p14:creationId xmlns:p14="http://schemas.microsoft.com/office/powerpoint/2010/main" val="1978033991"/>
+      </p:ext>
+    </p:extLst>
+  </p:cSld>
+  <p:clrMapOvr>
+    <a:masterClrMapping/>
+  </p:clrMapOvr>
+</p:notes>
+</file>
+
+<file path=ppt/notesSlides/notesSlide6.xml><?xml version="1.0" encoding="utf-8"?>
+<p:notes xmlns:a="http://schemas.openxmlformats.org/drawingml/2006/main" xmlns:r="http://schemas.openxmlformats.org/officeDocument/2006/relationships" xmlns:p="http://schemas.openxmlformats.org/presentationml/2006/main">
+  <p:cSld>
+    <p:spTree>
+      <p:nvGrpSpPr>
+        <p:cNvPr id="1" name=""/>
+        <p:cNvGrpSpPr/>
+        <p:nvPr/>
+      </p:nvGrpSpPr>
+      <p:grpSpPr>
+        <a:xfrm>
+          <a:off x="0" y="0"/>
+          <a:ext cx="0" cy="0"/>
+          <a:chOff x="0" y="0"/>
+          <a:chExt cx="0" cy="0"/>
+        </a:xfrm>
+      </p:grpSpPr>
+      <p:sp>
+        <p:nvSpPr>
+          <p:cNvPr id="2" name="Slide Image Placeholder 1"/>
+          <p:cNvSpPr>
+            <a:spLocks noGrp="1" noRot="1" noChangeAspect="1"/>
+          </p:cNvSpPr>
+          <p:nvPr>
+            <p:ph type="sldImg"/>
+          </p:nvPr>
+        </p:nvSpPr>
+        <p:spPr/>
+      </p:sp>
+      <p:sp>
+        <p:nvSpPr>
+          <p:cNvPr id="3" name="Notes Placeholder 2"/>
+          <p:cNvSpPr>
+            <a:spLocks noGrp="1"/>
+          </p:cNvSpPr>
+          <p:nvPr>
+            <p:ph type="body" idx="1"/>
+          </p:nvPr>
+        </p:nvSpPr>
+        <p:spPr/>
+        <p:txBody>
+          <a:bodyPr/>
+          <a:lstStyle/>
+          <a:p>
+            <a:r>
+              <a:rPr lang="en-US" dirty="0" err="1" smtClean="0"/>
+              <a:t>Whilem</a:t>
+            </a:r>
+            <a:r>
+              <a:rPr lang="en-US" dirty="0" smtClean="0"/>
+              <a:t> </a:t>
+            </a:r>
+            <a:r>
+              <a:rPr lang="en-US" dirty="0" err="1" smtClean="0"/>
+              <a:t>Wudnt</a:t>
+            </a:r>
+            <a:endParaRPr lang="en-US" dirty="0"/>
+          </a:p>
+        </p:txBody>
+      </p:sp>
+      <p:sp>
+        <p:nvSpPr>
+          <p:cNvPr id="4" name="Slide Number Placeholder 3"/>
+          <p:cNvSpPr>
+            <a:spLocks noGrp="1"/>
+          </p:cNvSpPr>
+          <p:nvPr>
+            <p:ph type="sldNum" sz="quarter" idx="10"/>
+          </p:nvPr>
+        </p:nvSpPr>
+        <p:spPr/>
+        <p:txBody>
+          <a:bodyPr/>
+          <a:lstStyle/>
+          <a:p>
+            <a:fld id="{DCA2563F-DB87-4291-BC4C-84A32321EAED}" type="slidenum">
+              <a:rPr lang="en-US" smtClean="0"/>
+              <a:t>13</a:t>
+            </a:fld>
+            <a:endParaRPr lang="en-US"/>
+          </a:p>
+        </p:txBody>
+      </p:sp>
+    </p:spTree>
+    <p:extLst>
+      <p:ext uri="{BB962C8B-B14F-4D97-AF65-F5344CB8AC3E}">
+        <p14:creationId xmlns:p14="http://schemas.microsoft.com/office/powerpoint/2010/main" val="2673660321"/>
+      </p:ext>
+    </p:extLst>
+  </p:cSld>
+  <p:clrMapOvr>
+    <a:masterClrMapping/>
+  </p:clrMapOvr>
+</p:notes>
+</file>
+
+<file path=ppt/notesSlides/notesSlide7.xml><?xml version="1.0" encoding="utf-8"?>
+<p:notes xmlns:a="http://schemas.openxmlformats.org/drawingml/2006/main" xmlns:r="http://schemas.openxmlformats.org/officeDocument/2006/relationships" xmlns:p="http://schemas.openxmlformats.org/presentationml/2006/main">
+  <p:cSld>
+    <p:spTree>
+      <p:nvGrpSpPr>
+        <p:cNvPr id="1" name=""/>
+        <p:cNvGrpSpPr/>
+        <p:nvPr/>
+      </p:nvGrpSpPr>
+      <p:grpSpPr>
+        <a:xfrm>
+          <a:off x="0" y="0"/>
+          <a:ext cx="0" cy="0"/>
+          <a:chOff x="0" y="0"/>
+          <a:chExt cx="0" cy="0"/>
+        </a:xfrm>
+      </p:grpSpPr>
+      <p:sp>
+        <p:nvSpPr>
+          <p:cNvPr id="2" name="Slide Image Placeholder 1"/>
+          <p:cNvSpPr>
+            <a:spLocks noGrp="1" noRot="1" noChangeAspect="1"/>
+          </p:cNvSpPr>
+          <p:nvPr>
+            <p:ph type="sldImg"/>
+          </p:nvPr>
+        </p:nvSpPr>
+        <p:spPr/>
+      </p:sp>
+      <p:sp>
+        <p:nvSpPr>
+          <p:cNvPr id="3" name="Notes Placeholder 2"/>
+          <p:cNvSpPr>
+            <a:spLocks noGrp="1"/>
+          </p:cNvSpPr>
+          <p:nvPr>
+            <p:ph type="body" idx="1"/>
+          </p:nvPr>
+        </p:nvSpPr>
+        <p:spPr/>
+        <p:txBody>
+          <a:bodyPr/>
+          <a:lstStyle/>
+          <a:p>
+            <a:r>
+              <a:rPr lang="en-US" dirty="0" smtClean="0"/>
+              <a:t>- The older </a:t>
+            </a:r>
+            <a:r>
+              <a:rPr lang="en-US" dirty="0" err="1" smtClean="0"/>
+              <a:t>guyt</a:t>
+            </a:r>
+            <a:r>
+              <a:rPr lang="en-US" dirty="0" smtClean="0"/>
+              <a:t>, </a:t>
+            </a:r>
+            <a:r>
+              <a:rPr lang="en-US" dirty="0" err="1" smtClean="0"/>
+              <a:t>david</a:t>
+            </a:r>
+            <a:r>
+              <a:rPr lang="en-US" baseline="0" dirty="0" smtClean="0"/>
+              <a:t> </a:t>
+            </a:r>
+            <a:r>
+              <a:rPr lang="en-US" baseline="0" dirty="0" err="1" smtClean="0"/>
+              <a:t>hubel</a:t>
+            </a:r>
+            <a:r>
+              <a:rPr lang="en-US" baseline="0" dirty="0" smtClean="0"/>
+              <a:t>, </a:t>
+            </a:r>
+            <a:r>
+              <a:rPr lang="en-US" baseline="0" dirty="0" err="1" smtClean="0"/>
+              <a:t>acc</a:t>
+            </a:r>
+            <a:r>
+              <a:rPr lang="en-US" baseline="0" dirty="0" smtClean="0"/>
+              <a:t> made the tungsten </a:t>
+            </a:r>
+            <a:r>
+              <a:rPr lang="en-US" baseline="0" dirty="0" err="1" smtClean="0"/>
+              <a:t>electonde</a:t>
+            </a:r>
+            <a:r>
+              <a:rPr lang="en-US" baseline="0" dirty="0" smtClean="0"/>
+              <a:t> </a:t>
+            </a:r>
+            <a:endParaRPr lang="en-US" dirty="0"/>
+          </a:p>
+        </p:txBody>
+      </p:sp>
+      <p:sp>
+        <p:nvSpPr>
+          <p:cNvPr id="4" name="Slide Number Placeholder 3"/>
+          <p:cNvSpPr>
+            <a:spLocks noGrp="1"/>
+          </p:cNvSpPr>
+          <p:nvPr>
+            <p:ph type="sldNum" sz="quarter" idx="10"/>
+          </p:nvPr>
+        </p:nvSpPr>
+        <p:spPr/>
+        <p:txBody>
+          <a:bodyPr/>
+          <a:lstStyle/>
+          <a:p>
+            <a:fld id="{DCA2563F-DB87-4291-BC4C-84A32321EAED}" type="slidenum">
+              <a:rPr lang="en-US" smtClean="0"/>
+              <a:t>15</a:t>
             </a:fld>
             <a:endParaRPr lang="en-US"/>
           </a:p>
@@ -1251,7 +1687,7 @@
           <a:p>
             <a:fld id="{D87EE853-6FD6-458F-A715-DA8EAD8FF2A7}" type="datetimeFigureOut">
               <a:rPr lang="en-US" smtClean="0"/>
-              <a:t>11/4/2024</a:t>
+              <a:t>11/5/2024</a:t>
             </a:fld>
             <a:endParaRPr lang="en-US"/>
           </a:p>
@@ -1504,7 +1940,7 @@
           <a:p>
             <a:fld id="{D87EE853-6FD6-458F-A715-DA8EAD8FF2A7}" type="datetimeFigureOut">
               <a:rPr lang="en-US" smtClean="0"/>
-              <a:t>11/4/2024</a:t>
+              <a:t>11/5/2024</a:t>
             </a:fld>
             <a:endParaRPr lang="en-US"/>
           </a:p>
@@ -1684,7 +2120,7 @@
           <a:p>
             <a:fld id="{D87EE853-6FD6-458F-A715-DA8EAD8FF2A7}" type="datetimeFigureOut">
               <a:rPr lang="en-US" smtClean="0"/>
-              <a:t>11/4/2024</a:t>
+              <a:t>11/5/2024</a:t>
             </a:fld>
             <a:endParaRPr lang="en-US"/>
           </a:p>
@@ -1889,7 +2325,7 @@
           <a:p>
             <a:fld id="{D87EE853-6FD6-458F-A715-DA8EAD8FF2A7}" type="datetimeFigureOut">
               <a:rPr lang="en-US" smtClean="0"/>
-              <a:t>11/4/2024</a:t>
+              <a:t>11/5/2024</a:t>
             </a:fld>
             <a:endParaRPr lang="en-US"/>
           </a:p>
@@ -2146,7 +2582,7 @@
           <a:p>
             <a:fld id="{D87EE853-6FD6-458F-A715-DA8EAD8FF2A7}" type="datetimeFigureOut">
               <a:rPr lang="en-US" smtClean="0"/>
-              <a:t>11/4/2024</a:t>
+              <a:t>11/5/2024</a:t>
             </a:fld>
             <a:endParaRPr lang="en-US"/>
           </a:p>
@@ -2468,7 +2904,7 @@
           <a:p>
             <a:fld id="{D87EE853-6FD6-458F-A715-DA8EAD8FF2A7}" type="datetimeFigureOut">
               <a:rPr lang="en-US" smtClean="0"/>
-              <a:t>11/4/2024</a:t>
+              <a:t>11/5/2024</a:t>
             </a:fld>
             <a:endParaRPr lang="en-US"/>
           </a:p>
@@ -2866,7 +3302,7 @@
           <a:p>
             <a:fld id="{D87EE853-6FD6-458F-A715-DA8EAD8FF2A7}" type="datetimeFigureOut">
               <a:rPr lang="en-US" smtClean="0"/>
-              <a:t>11/4/2024</a:t>
+              <a:t>11/5/2024</a:t>
             </a:fld>
             <a:endParaRPr lang="en-US"/>
           </a:p>
@@ -2984,7 +3420,7 @@
           <a:p>
             <a:fld id="{D87EE853-6FD6-458F-A715-DA8EAD8FF2A7}" type="datetimeFigureOut">
               <a:rPr lang="en-US" smtClean="0"/>
-              <a:t>11/4/2024</a:t>
+              <a:t>11/5/2024</a:t>
             </a:fld>
             <a:endParaRPr lang="en-US"/>
           </a:p>
@@ -3079,7 +3515,7 @@
           <a:p>
             <a:fld id="{D87EE853-6FD6-458F-A715-DA8EAD8FF2A7}" type="datetimeFigureOut">
               <a:rPr lang="en-US" smtClean="0"/>
-              <a:t>11/4/2024</a:t>
+              <a:t>11/5/2024</a:t>
             </a:fld>
             <a:endParaRPr lang="en-US"/>
           </a:p>
@@ -3369,7 +3805,7 @@
           <a:p>
             <a:fld id="{D87EE853-6FD6-458F-A715-DA8EAD8FF2A7}" type="datetimeFigureOut">
               <a:rPr lang="en-US" smtClean="0"/>
-              <a:t>11/4/2024</a:t>
+              <a:t>11/5/2024</a:t>
             </a:fld>
             <a:endParaRPr lang="en-US"/>
           </a:p>
@@ -3649,7 +4085,7 @@
           <a:p>
             <a:fld id="{D87EE853-6FD6-458F-A715-DA8EAD8FF2A7}" type="datetimeFigureOut">
               <a:rPr lang="en-US" smtClean="0"/>
-              <a:t>11/4/2024</a:t>
+              <a:t>11/5/2024</a:t>
             </a:fld>
             <a:endParaRPr lang="en-US"/>
           </a:p>
@@ -3899,7 +4335,7 @@
           <a:p>
             <a:fld id="{D87EE853-6FD6-458F-A715-DA8EAD8FF2A7}" type="datetimeFigureOut">
               <a:rPr lang="en-US" smtClean="0"/>
-              <a:t>11/4/2024</a:t>
+              <a:t>11/5/2024</a:t>
             </a:fld>
             <a:endParaRPr lang="en-US"/>
           </a:p>
@@ -4423,10 +4859,24 @@
               <a:t>Deep History Of the Study of </a:t>
             </a:r>
             <a:r>
-              <a:rPr lang="en-US" b="1" dirty="0" smtClean="0"/>
-              <a:t>Perception </a:t>
-            </a:r>
-            <a:endParaRPr lang="en-US" b="1" dirty="0"/>
+              <a:rPr lang="en-US" b="1" cap="none" spc="0" dirty="0" smtClean="0">
+                <a:ln w="22225">
+                  <a:solidFill>
+                    <a:schemeClr val="accent2"/>
+                  </a:solidFill>
+                  <a:prstDash val="solid"/>
+                </a:ln>
+                <a:solidFill>
+                  <a:srgbClr val="002060"/>
+                </a:solidFill>
+              </a:rPr>
+              <a:t>Haptic Perception </a:t>
+            </a:r>
+            <a:endParaRPr lang="en-US" b="1" dirty="0">
+              <a:solidFill>
+                <a:srgbClr val="002060"/>
+              </a:solidFill>
+            </a:endParaRPr>
           </a:p>
         </p:txBody>
       </p:sp>
@@ -4521,15 +4971,785 @@
                   <a:schemeClr val="bg2"/>
                 </a:solidFill>
               </a:rPr>
-              <a:t>Pre Scientific revolution </a:t>
-            </a:r>
+              <a:t>Pre Scientific revolution – 1800 </a:t>
+            </a:r>
+            <a:endParaRPr lang="en-US" dirty="0">
+              <a:solidFill>
+                <a:schemeClr val="bg2"/>
+              </a:solidFill>
+            </a:endParaRPr>
+          </a:p>
+        </p:txBody>
+      </p:sp>
+      <p:pic>
+        <p:nvPicPr>
+          <p:cNvPr id="6146" name="Picture 2" descr="William Molyneux - Wikipedia"/>
+          <p:cNvPicPr>
+            <a:picLocks noChangeAspect="1" noChangeArrowheads="1"/>
+          </p:cNvPicPr>
+          <p:nvPr/>
+        </p:nvPicPr>
+        <p:blipFill>
+          <a:blip r:embed="rId2">
+            <a:extLst>
+              <a:ext uri="{28A0092B-C50C-407E-A947-70E740481C1C}">
+                <a14:useLocalDpi xmlns:a14="http://schemas.microsoft.com/office/drawing/2010/main" val="0"/>
+              </a:ext>
+            </a:extLst>
+          </a:blip>
+          <a:srcRect/>
+          <a:stretch>
+            <a:fillRect/>
+          </a:stretch>
+        </p:blipFill>
+        <p:spPr bwMode="auto">
+          <a:xfrm>
+            <a:off x="-98425" y="2396948"/>
+            <a:ext cx="3841750" cy="4567415"/>
+          </a:xfrm>
+          <a:prstGeom prst="rect">
+            <a:avLst/>
+          </a:prstGeom>
+          <a:noFill/>
+          <a:extLst>
+            <a:ext uri="{909E8E84-426E-40DD-AFC4-6F175D3DCCD1}">
+              <a14:hiddenFill xmlns:a14="http://schemas.microsoft.com/office/drawing/2010/main">
+                <a:solidFill>
+                  <a:srgbClr val="FFFFFF"/>
+                </a:solidFill>
+              </a14:hiddenFill>
+            </a:ext>
+          </a:extLst>
+        </p:spPr>
+      </p:pic>
+      <p:pic>
+        <p:nvPicPr>
+          <p:cNvPr id="6150" name="Picture 6" descr="Cubes - Intermediate Geometry"/>
+          <p:cNvPicPr>
+            <a:picLocks noChangeAspect="1" noChangeArrowheads="1"/>
+          </p:cNvPicPr>
+          <p:nvPr/>
+        </p:nvPicPr>
+        <p:blipFill>
+          <a:blip r:embed="rId3" cstate="print">
+            <a:extLst>
+              <a:ext uri="{28A0092B-C50C-407E-A947-70E740481C1C}">
+                <a14:useLocalDpi xmlns:a14="http://schemas.microsoft.com/office/drawing/2010/main" val="0"/>
+              </a:ext>
+            </a:extLst>
+          </a:blip>
+          <a:srcRect/>
+          <a:stretch>
+            <a:fillRect/>
+          </a:stretch>
+        </p:blipFill>
+        <p:spPr bwMode="auto">
+          <a:xfrm>
+            <a:off x="3743324" y="2396948"/>
+            <a:ext cx="2473325" cy="2389630"/>
+          </a:xfrm>
+          <a:prstGeom prst="rect">
+            <a:avLst/>
+          </a:prstGeom>
+          <a:noFill/>
+          <a:extLst>
+            <a:ext uri="{909E8E84-426E-40DD-AFC4-6F175D3DCCD1}">
+              <a14:hiddenFill xmlns:a14="http://schemas.microsoft.com/office/drawing/2010/main">
+                <a:solidFill>
+                  <a:srgbClr val="FFFFFF"/>
+                </a:solidFill>
+              </a14:hiddenFill>
+            </a:ext>
+          </a:extLst>
+        </p:spPr>
+      </p:pic>
+      <p:pic>
+        <p:nvPicPr>
+          <p:cNvPr id="5" name="Picture 4"/>
+          <p:cNvPicPr>
+            <a:picLocks noChangeAspect="1"/>
+          </p:cNvPicPr>
+          <p:nvPr/>
+        </p:nvPicPr>
+        <p:blipFill>
+          <a:blip r:embed="rId4"/>
+          <a:stretch>
+            <a:fillRect/>
+          </a:stretch>
+        </p:blipFill>
+        <p:spPr>
+          <a:xfrm>
+            <a:off x="3743325" y="4680655"/>
+            <a:ext cx="2473325" cy="2234671"/>
+          </a:xfrm>
+          <a:prstGeom prst="rect">
+            <a:avLst/>
+          </a:prstGeom>
+        </p:spPr>
+      </p:pic>
+      <p:pic>
+        <p:nvPicPr>
+          <p:cNvPr id="6154" name="Picture 10" descr="A Treatise of Human Nature: Hume, David: Amazon.com: Books"/>
+          <p:cNvPicPr>
+            <a:picLocks noChangeAspect="1" noChangeArrowheads="1"/>
+          </p:cNvPicPr>
+          <p:nvPr/>
+        </p:nvPicPr>
+        <p:blipFill>
+          <a:blip r:embed="rId5">
+            <a:extLst>
+              <a:ext uri="{28A0092B-C50C-407E-A947-70E740481C1C}">
+                <a14:useLocalDpi xmlns:a14="http://schemas.microsoft.com/office/drawing/2010/main" val="0"/>
+              </a:ext>
+            </a:extLst>
+          </a:blip>
+          <a:srcRect/>
+          <a:stretch>
+            <a:fillRect/>
+          </a:stretch>
+        </p:blipFill>
+        <p:spPr bwMode="auto">
+          <a:xfrm>
+            <a:off x="5045263" y="2422297"/>
+            <a:ext cx="3387536" cy="4516715"/>
+          </a:xfrm>
+          <a:prstGeom prst="rect">
+            <a:avLst/>
+          </a:prstGeom>
+          <a:noFill/>
+          <a:extLst>
+            <a:ext uri="{909E8E84-426E-40DD-AFC4-6F175D3DCCD1}">
+              <a14:hiddenFill xmlns:a14="http://schemas.microsoft.com/office/drawing/2010/main">
+                <a:solidFill>
+                  <a:srgbClr val="FFFFFF"/>
+                </a:solidFill>
+              </a14:hiddenFill>
+            </a:ext>
+          </a:extLst>
+        </p:spPr>
+      </p:pic>
+      <p:pic>
+        <p:nvPicPr>
+          <p:cNvPr id="6152" name="Picture 8" descr="David Hume - Wikipedia"/>
+          <p:cNvPicPr>
+            <a:picLocks noChangeAspect="1" noChangeArrowheads="1"/>
+          </p:cNvPicPr>
+          <p:nvPr/>
+        </p:nvPicPr>
+        <p:blipFill>
+          <a:blip r:embed="rId6">
+            <a:extLst>
+              <a:ext uri="{28A0092B-C50C-407E-A947-70E740481C1C}">
+                <a14:useLocalDpi xmlns:a14="http://schemas.microsoft.com/office/drawing/2010/main" val="0"/>
+              </a:ext>
+            </a:extLst>
+          </a:blip>
+          <a:srcRect/>
+          <a:stretch>
+            <a:fillRect/>
+          </a:stretch>
+        </p:blipFill>
+        <p:spPr bwMode="auto">
+          <a:xfrm>
+            <a:off x="8432799" y="2192514"/>
+            <a:ext cx="3891416" cy="4771849"/>
+          </a:xfrm>
+          <a:prstGeom prst="rect">
+            <a:avLst/>
+          </a:prstGeom>
+          <a:noFill/>
+          <a:extLst>
+            <a:ext uri="{909E8E84-426E-40DD-AFC4-6F175D3DCCD1}">
+              <a14:hiddenFill xmlns:a14="http://schemas.microsoft.com/office/drawing/2010/main">
+                <a:solidFill>
+                  <a:srgbClr val="FFFFFF"/>
+                </a:solidFill>
+              </a14:hiddenFill>
+            </a:ext>
+          </a:extLst>
+        </p:spPr>
+      </p:pic>
+      <p:sp>
+        <p:nvSpPr>
+          <p:cNvPr id="3" name="Rectangle 2"/>
+          <p:cNvSpPr/>
+          <p:nvPr/>
+        </p:nvSpPr>
+        <p:spPr>
+          <a:xfrm>
+            <a:off x="9610" y="1978579"/>
+            <a:ext cx="3733714" cy="369332"/>
+          </a:xfrm>
+          <a:prstGeom prst="rect">
+            <a:avLst/>
+          </a:prstGeom>
+        </p:spPr>
+        <p:txBody>
+          <a:bodyPr wrap="none">
+            <a:spAutoFit/>
+          </a:bodyPr>
+          <a:lstStyle/>
+          <a:p>
+            <a:r>
+              <a:rPr lang="en-US" b="1" dirty="0">
+                <a:solidFill>
+                  <a:schemeClr val="bg2"/>
+                </a:solidFill>
+              </a:rPr>
+              <a:t>William </a:t>
+            </a:r>
+            <a:r>
+              <a:rPr lang="en-US" b="1" dirty="0" err="1">
+                <a:solidFill>
+                  <a:schemeClr val="bg2"/>
+                </a:solidFill>
+              </a:rPr>
+              <a:t>Molyneux</a:t>
+            </a:r>
+            <a:r>
+              <a:rPr lang="en-US" b="1" dirty="0">
+                <a:solidFill>
+                  <a:schemeClr val="bg2"/>
+                </a:solidFill>
+              </a:rPr>
+              <a:t> (1656–1698</a:t>
+            </a:r>
+            <a:r>
+              <a:rPr lang="en-US" b="1" dirty="0" smtClean="0">
+                <a:solidFill>
+                  <a:schemeClr val="bg2"/>
+                </a:solidFill>
+              </a:rPr>
+              <a:t>)</a:t>
+            </a:r>
+            <a:endParaRPr lang="en-US" dirty="0">
+              <a:solidFill>
+                <a:schemeClr val="bg2"/>
+              </a:solidFill>
+            </a:endParaRPr>
+          </a:p>
+        </p:txBody>
+      </p:sp>
+      <p:sp>
+        <p:nvSpPr>
+          <p:cNvPr id="4" name="Rectangle 3"/>
+          <p:cNvSpPr/>
+          <p:nvPr/>
+        </p:nvSpPr>
+        <p:spPr>
+          <a:xfrm>
+            <a:off x="9061015" y="1871558"/>
+            <a:ext cx="3130985" cy="369332"/>
+          </a:xfrm>
+          <a:prstGeom prst="rect">
+            <a:avLst/>
+          </a:prstGeom>
+        </p:spPr>
+        <p:txBody>
+          <a:bodyPr wrap="none">
+            <a:spAutoFit/>
+          </a:bodyPr>
+          <a:lstStyle/>
+          <a:p>
+            <a:r>
+              <a:rPr lang="en-US" b="1" dirty="0">
+                <a:solidFill>
+                  <a:schemeClr val="bg2"/>
+                </a:solidFill>
+              </a:rPr>
+              <a:t>David Hume (1711–1776</a:t>
+            </a:r>
+            <a:r>
+              <a:rPr lang="en-US" b="1" dirty="0" smtClean="0">
+                <a:solidFill>
+                  <a:schemeClr val="bg2"/>
+                </a:solidFill>
+              </a:rPr>
+              <a:t>)</a:t>
+            </a:r>
+            <a:endParaRPr lang="en-US" dirty="0">
+              <a:solidFill>
+                <a:schemeClr val="bg2"/>
+              </a:solidFill>
+            </a:endParaRPr>
+          </a:p>
+        </p:txBody>
+      </p:sp>
+    </p:spTree>
+    <p:extLst>
+      <p:ext uri="{BB962C8B-B14F-4D97-AF65-F5344CB8AC3E}">
+        <p14:creationId xmlns:p14="http://schemas.microsoft.com/office/powerpoint/2010/main" val="83559973"/>
+      </p:ext>
+    </p:extLst>
+  </p:cSld>
+  <p:clrMapOvr>
+    <a:masterClrMapping/>
+  </p:clrMapOvr>
+  <p:timing>
+    <p:tnLst>
+      <p:par>
+        <p:cTn id="1" dur="indefinite" restart="never" nodeType="tmRoot">
+          <p:childTnLst>
+            <p:seq concurrent="1" nextAc="seek">
+              <p:cTn id="2" dur="indefinite" nodeType="mainSeq">
+                <p:childTnLst>
+                  <p:par>
+                    <p:cTn id="3" fill="hold">
+                      <p:stCondLst>
+                        <p:cond delay="indefinite"/>
+                      </p:stCondLst>
+                      <p:childTnLst>
+                        <p:par>
+                          <p:cTn id="4" fill="hold">
+                            <p:stCondLst>
+                              <p:cond delay="0"/>
+                            </p:stCondLst>
+                            <p:childTnLst>
+                              <p:par>
+                                <p:cTn id="5" presetID="10" presetClass="entr" presetSubtype="0" fill="hold" nodeType="clickEffect">
+                                  <p:stCondLst>
+                                    <p:cond delay="0"/>
+                                  </p:stCondLst>
+                                  <p:childTnLst>
+                                    <p:set>
+                                      <p:cBhvr>
+                                        <p:cTn id="6" dur="1" fill="hold">
+                                          <p:stCondLst>
+                                            <p:cond delay="0"/>
+                                          </p:stCondLst>
+                                        </p:cTn>
+                                        <p:tgtEl>
+                                          <p:spTgt spid="6146"/>
+                                        </p:tgtEl>
+                                        <p:attrNameLst>
+                                          <p:attrName>style.visibility</p:attrName>
+                                        </p:attrNameLst>
+                                      </p:cBhvr>
+                                      <p:to>
+                                        <p:strVal val="visible"/>
+                                      </p:to>
+                                    </p:set>
+                                    <p:animEffect transition="in" filter="fade">
+                                      <p:cBhvr>
+                                        <p:cTn id="7" dur="500"/>
+                                        <p:tgtEl>
+                                          <p:spTgt spid="6146"/>
+                                        </p:tgtEl>
+                                      </p:cBhvr>
+                                    </p:animEffect>
+                                  </p:childTnLst>
+                                </p:cTn>
+                              </p:par>
+                            </p:childTnLst>
+                          </p:cTn>
+                        </p:par>
+                      </p:childTnLst>
+                    </p:cTn>
+                  </p:par>
+                  <p:par>
+                    <p:cTn id="8" fill="hold">
+                      <p:stCondLst>
+                        <p:cond delay="indefinite"/>
+                      </p:stCondLst>
+                      <p:childTnLst>
+                        <p:par>
+                          <p:cTn id="9" fill="hold">
+                            <p:stCondLst>
+                              <p:cond delay="0"/>
+                            </p:stCondLst>
+                            <p:childTnLst>
+                              <p:par>
+                                <p:cTn id="10" presetID="10" presetClass="entr" presetSubtype="0" fill="hold" grpId="0" nodeType="clickEffect">
+                                  <p:stCondLst>
+                                    <p:cond delay="0"/>
+                                  </p:stCondLst>
+                                  <p:childTnLst>
+                                    <p:set>
+                                      <p:cBhvr>
+                                        <p:cTn id="11" dur="1" fill="hold">
+                                          <p:stCondLst>
+                                            <p:cond delay="0"/>
+                                          </p:stCondLst>
+                                        </p:cTn>
+                                        <p:tgtEl>
+                                          <p:spTgt spid="3"/>
+                                        </p:tgtEl>
+                                        <p:attrNameLst>
+                                          <p:attrName>style.visibility</p:attrName>
+                                        </p:attrNameLst>
+                                      </p:cBhvr>
+                                      <p:to>
+                                        <p:strVal val="visible"/>
+                                      </p:to>
+                                    </p:set>
+                                    <p:animEffect transition="in" filter="fade">
+                                      <p:cBhvr>
+                                        <p:cTn id="12" dur="500"/>
+                                        <p:tgtEl>
+                                          <p:spTgt spid="3"/>
+                                        </p:tgtEl>
+                                      </p:cBhvr>
+                                    </p:animEffect>
+                                  </p:childTnLst>
+                                </p:cTn>
+                              </p:par>
+                            </p:childTnLst>
+                          </p:cTn>
+                        </p:par>
+                      </p:childTnLst>
+                    </p:cTn>
+                  </p:par>
+                  <p:par>
+                    <p:cTn id="13" fill="hold">
+                      <p:stCondLst>
+                        <p:cond delay="indefinite"/>
+                      </p:stCondLst>
+                      <p:childTnLst>
+                        <p:par>
+                          <p:cTn id="14" fill="hold">
+                            <p:stCondLst>
+                              <p:cond delay="0"/>
+                            </p:stCondLst>
+                            <p:childTnLst>
+                              <p:par>
+                                <p:cTn id="15" presetID="10" presetClass="entr" presetSubtype="0" fill="hold" nodeType="clickEffect">
+                                  <p:stCondLst>
+                                    <p:cond delay="0"/>
+                                  </p:stCondLst>
+                                  <p:childTnLst>
+                                    <p:set>
+                                      <p:cBhvr>
+                                        <p:cTn id="16" dur="1" fill="hold">
+                                          <p:stCondLst>
+                                            <p:cond delay="0"/>
+                                          </p:stCondLst>
+                                        </p:cTn>
+                                        <p:tgtEl>
+                                          <p:spTgt spid="6150"/>
+                                        </p:tgtEl>
+                                        <p:attrNameLst>
+                                          <p:attrName>style.visibility</p:attrName>
+                                        </p:attrNameLst>
+                                      </p:cBhvr>
+                                      <p:to>
+                                        <p:strVal val="visible"/>
+                                      </p:to>
+                                    </p:set>
+                                    <p:animEffect transition="in" filter="fade">
+                                      <p:cBhvr>
+                                        <p:cTn id="17" dur="500"/>
+                                        <p:tgtEl>
+                                          <p:spTgt spid="6150"/>
+                                        </p:tgtEl>
+                                      </p:cBhvr>
+                                    </p:animEffect>
+                                  </p:childTnLst>
+                                </p:cTn>
+                              </p:par>
+                            </p:childTnLst>
+                          </p:cTn>
+                        </p:par>
+                      </p:childTnLst>
+                    </p:cTn>
+                  </p:par>
+                  <p:par>
+                    <p:cTn id="18" fill="hold">
+                      <p:stCondLst>
+                        <p:cond delay="indefinite"/>
+                      </p:stCondLst>
+                      <p:childTnLst>
+                        <p:par>
+                          <p:cTn id="19" fill="hold">
+                            <p:stCondLst>
+                              <p:cond delay="0"/>
+                            </p:stCondLst>
+                            <p:childTnLst>
+                              <p:par>
+                                <p:cTn id="20" presetID="10" presetClass="entr" presetSubtype="0" fill="hold" nodeType="clickEffect">
+                                  <p:stCondLst>
+                                    <p:cond delay="0"/>
+                                  </p:stCondLst>
+                                  <p:childTnLst>
+                                    <p:set>
+                                      <p:cBhvr>
+                                        <p:cTn id="21" dur="1" fill="hold">
+                                          <p:stCondLst>
+                                            <p:cond delay="0"/>
+                                          </p:stCondLst>
+                                        </p:cTn>
+                                        <p:tgtEl>
+                                          <p:spTgt spid="5"/>
+                                        </p:tgtEl>
+                                        <p:attrNameLst>
+                                          <p:attrName>style.visibility</p:attrName>
+                                        </p:attrNameLst>
+                                      </p:cBhvr>
+                                      <p:to>
+                                        <p:strVal val="visible"/>
+                                      </p:to>
+                                    </p:set>
+                                    <p:animEffect transition="in" filter="fade">
+                                      <p:cBhvr>
+                                        <p:cTn id="22" dur="500"/>
+                                        <p:tgtEl>
+                                          <p:spTgt spid="5"/>
+                                        </p:tgtEl>
+                                      </p:cBhvr>
+                                    </p:animEffect>
+                                  </p:childTnLst>
+                                </p:cTn>
+                              </p:par>
+                            </p:childTnLst>
+                          </p:cTn>
+                        </p:par>
+                      </p:childTnLst>
+                    </p:cTn>
+                  </p:par>
+                  <p:par>
+                    <p:cTn id="23" fill="hold">
+                      <p:stCondLst>
+                        <p:cond delay="indefinite"/>
+                      </p:stCondLst>
+                      <p:childTnLst>
+                        <p:par>
+                          <p:cTn id="24" fill="hold">
+                            <p:stCondLst>
+                              <p:cond delay="0"/>
+                            </p:stCondLst>
+                            <p:childTnLst>
+                              <p:par>
+                                <p:cTn id="25" presetID="10" presetClass="entr" presetSubtype="0" fill="hold" nodeType="clickEffect">
+                                  <p:stCondLst>
+                                    <p:cond delay="0"/>
+                                  </p:stCondLst>
+                                  <p:childTnLst>
+                                    <p:set>
+                                      <p:cBhvr>
+                                        <p:cTn id="26" dur="1" fill="hold">
+                                          <p:stCondLst>
+                                            <p:cond delay="0"/>
+                                          </p:stCondLst>
+                                        </p:cTn>
+                                        <p:tgtEl>
+                                          <p:spTgt spid="6152"/>
+                                        </p:tgtEl>
+                                        <p:attrNameLst>
+                                          <p:attrName>style.visibility</p:attrName>
+                                        </p:attrNameLst>
+                                      </p:cBhvr>
+                                      <p:to>
+                                        <p:strVal val="visible"/>
+                                      </p:to>
+                                    </p:set>
+                                    <p:animEffect transition="in" filter="fade">
+                                      <p:cBhvr>
+                                        <p:cTn id="27" dur="500"/>
+                                        <p:tgtEl>
+                                          <p:spTgt spid="6152"/>
+                                        </p:tgtEl>
+                                      </p:cBhvr>
+                                    </p:animEffect>
+                                  </p:childTnLst>
+                                </p:cTn>
+                              </p:par>
+                            </p:childTnLst>
+                          </p:cTn>
+                        </p:par>
+                      </p:childTnLst>
+                    </p:cTn>
+                  </p:par>
+                  <p:par>
+                    <p:cTn id="28" fill="hold">
+                      <p:stCondLst>
+                        <p:cond delay="indefinite"/>
+                      </p:stCondLst>
+                      <p:childTnLst>
+                        <p:par>
+                          <p:cTn id="29" fill="hold">
+                            <p:stCondLst>
+                              <p:cond delay="0"/>
+                            </p:stCondLst>
+                            <p:childTnLst>
+                              <p:par>
+                                <p:cTn id="30" presetID="10" presetClass="entr" presetSubtype="0" fill="hold" grpId="0" nodeType="clickEffect">
+                                  <p:stCondLst>
+                                    <p:cond delay="0"/>
+                                  </p:stCondLst>
+                                  <p:childTnLst>
+                                    <p:set>
+                                      <p:cBhvr>
+                                        <p:cTn id="31" dur="1" fill="hold">
+                                          <p:stCondLst>
+                                            <p:cond delay="0"/>
+                                          </p:stCondLst>
+                                        </p:cTn>
+                                        <p:tgtEl>
+                                          <p:spTgt spid="4"/>
+                                        </p:tgtEl>
+                                        <p:attrNameLst>
+                                          <p:attrName>style.visibility</p:attrName>
+                                        </p:attrNameLst>
+                                      </p:cBhvr>
+                                      <p:to>
+                                        <p:strVal val="visible"/>
+                                      </p:to>
+                                    </p:set>
+                                    <p:animEffect transition="in" filter="fade">
+                                      <p:cBhvr>
+                                        <p:cTn id="32" dur="500"/>
+                                        <p:tgtEl>
+                                          <p:spTgt spid="4"/>
+                                        </p:tgtEl>
+                                      </p:cBhvr>
+                                    </p:animEffect>
+                                  </p:childTnLst>
+                                </p:cTn>
+                              </p:par>
+                            </p:childTnLst>
+                          </p:cTn>
+                        </p:par>
+                      </p:childTnLst>
+                    </p:cTn>
+                  </p:par>
+                  <p:par>
+                    <p:cTn id="33" fill="hold">
+                      <p:stCondLst>
+                        <p:cond delay="indefinite"/>
+                      </p:stCondLst>
+                      <p:childTnLst>
+                        <p:par>
+                          <p:cTn id="34" fill="hold">
+                            <p:stCondLst>
+                              <p:cond delay="0"/>
+                            </p:stCondLst>
+                            <p:childTnLst>
+                              <p:par>
+                                <p:cTn id="35" presetID="10" presetClass="entr" presetSubtype="0" fill="hold" nodeType="clickEffect">
+                                  <p:stCondLst>
+                                    <p:cond delay="0"/>
+                                  </p:stCondLst>
+                                  <p:childTnLst>
+                                    <p:set>
+                                      <p:cBhvr>
+                                        <p:cTn id="36" dur="1" fill="hold">
+                                          <p:stCondLst>
+                                            <p:cond delay="0"/>
+                                          </p:stCondLst>
+                                        </p:cTn>
+                                        <p:tgtEl>
+                                          <p:spTgt spid="6154"/>
+                                        </p:tgtEl>
+                                        <p:attrNameLst>
+                                          <p:attrName>style.visibility</p:attrName>
+                                        </p:attrNameLst>
+                                      </p:cBhvr>
+                                      <p:to>
+                                        <p:strVal val="visible"/>
+                                      </p:to>
+                                    </p:set>
+                                    <p:animEffect transition="in" filter="fade">
+                                      <p:cBhvr>
+                                        <p:cTn id="37" dur="500"/>
+                                        <p:tgtEl>
+                                          <p:spTgt spid="6154"/>
+                                        </p:tgtEl>
+                                      </p:cBhvr>
+                                    </p:animEffect>
+                                  </p:childTnLst>
+                                </p:cTn>
+                              </p:par>
+                            </p:childTnLst>
+                          </p:cTn>
+                        </p:par>
+                      </p:childTnLst>
+                    </p:cTn>
+                  </p:par>
+                </p:childTnLst>
+              </p:cTn>
+              <p:prevCondLst>
+                <p:cond evt="onPrev" delay="0">
+                  <p:tgtEl>
+                    <p:sldTgt/>
+                  </p:tgtEl>
+                </p:cond>
+              </p:prevCondLst>
+              <p:nextCondLst>
+                <p:cond evt="onNext" delay="0">
+                  <p:tgtEl>
+                    <p:sldTgt/>
+                  </p:tgtEl>
+                </p:cond>
+              </p:nextCondLst>
+            </p:seq>
+          </p:childTnLst>
+        </p:cTn>
+      </p:par>
+    </p:tnLst>
+    <p:bldLst>
+      <p:bldP spid="3" grpId="0"/>
+      <p:bldP spid="4" grpId="0"/>
+    </p:bldLst>
+  </p:timing>
+</p:sld>
+</file>
+
+<file path=ppt/slides/slide11.xml><?xml version="1.0" encoding="utf-8"?>
+<p:sld xmlns:a="http://schemas.openxmlformats.org/drawingml/2006/main" xmlns:r="http://schemas.openxmlformats.org/officeDocument/2006/relationships" xmlns:p="http://schemas.openxmlformats.org/presentationml/2006/main">
+  <p:cSld>
+    <p:bg>
+      <p:bgPr>
+        <a:solidFill>
+          <a:schemeClr val="bg2">
+            <a:lumMod val="25000"/>
+          </a:schemeClr>
+        </a:solidFill>
+        <a:effectLst/>
+      </p:bgPr>
+    </p:bg>
+    <p:spTree>
+      <p:nvGrpSpPr>
+        <p:cNvPr id="1" name=""/>
+        <p:cNvGrpSpPr/>
+        <p:nvPr/>
+      </p:nvGrpSpPr>
+      <p:grpSpPr>
+        <a:xfrm>
+          <a:off x="0" y="0"/>
+          <a:ext cx="0" cy="0"/>
+          <a:chOff x="0" y="0"/>
+          <a:chExt cx="0" cy="0"/>
+        </a:xfrm>
+      </p:grpSpPr>
+      <p:sp>
+        <p:nvSpPr>
+          <p:cNvPr id="2" name="Title 1"/>
+          <p:cNvSpPr>
+            <a:spLocks noGrp="1"/>
+          </p:cNvSpPr>
+          <p:nvPr>
+            <p:ph type="title"/>
+          </p:nvPr>
+        </p:nvSpPr>
+        <p:spPr/>
+        <p:txBody>
+          <a:bodyPr/>
+          <a:lstStyle/>
+          <a:p>
             <a:r>
               <a:rPr lang="en-US" dirty="0" smtClean="0">
                 <a:solidFill>
                   <a:schemeClr val="bg2"/>
                 </a:solidFill>
               </a:rPr>
-              <a:t>– 1800 </a:t>
+              <a:t>Pre Scientific revolution – </a:t>
+            </a:r>
+            <a:r>
+              <a:rPr lang="en-US" dirty="0" smtClean="0">
+                <a:solidFill>
+                  <a:schemeClr val="bg2"/>
+                </a:solidFill>
+              </a:rPr>
+              <a:t>1800s </a:t>
             </a:r>
             <a:endParaRPr lang="en-US" dirty="0">
               <a:solidFill>
@@ -4562,8 +5782,8 @@
         </p:blipFill>
         <p:spPr bwMode="auto">
           <a:xfrm>
-            <a:off x="-101600" y="2363713"/>
-            <a:ext cx="3483429" cy="4558896"/>
+            <a:off x="9059160" y="2757932"/>
+            <a:ext cx="3132840" cy="4100068"/>
           </a:xfrm>
           <a:prstGeom prst="rect">
             <a:avLst/>
@@ -4603,8 +5823,113 @@
         </p:blipFill>
         <p:spPr bwMode="auto">
           <a:xfrm>
-            <a:off x="3251200" y="3147209"/>
-            <a:ext cx="4949372" cy="3906028"/>
+            <a:off x="5643008" y="2700490"/>
+            <a:ext cx="3416154" cy="2696018"/>
+          </a:xfrm>
+          <a:prstGeom prst="rect">
+            <a:avLst/>
+          </a:prstGeom>
+          <a:noFill/>
+          <a:extLst>
+            <a:ext uri="{909E8E84-426E-40DD-AFC4-6F175D3DCCD1}">
+              <a14:hiddenFill xmlns:a14="http://schemas.microsoft.com/office/drawing/2010/main">
+                <a:solidFill>
+                  <a:srgbClr val="FFFFFF"/>
+                </a:solidFill>
+              </a14:hiddenFill>
+            </a:ext>
+          </a:extLst>
+        </p:spPr>
+      </p:pic>
+      <p:sp>
+        <p:nvSpPr>
+          <p:cNvPr id="6" name="Rectangle 5"/>
+          <p:cNvSpPr/>
+          <p:nvPr/>
+        </p:nvSpPr>
+        <p:spPr>
+          <a:xfrm>
+            <a:off x="0" y="2476508"/>
+            <a:ext cx="3377848" cy="369332"/>
+          </a:xfrm>
+          <a:prstGeom prst="rect">
+            <a:avLst/>
+          </a:prstGeom>
+        </p:spPr>
+        <p:txBody>
+          <a:bodyPr wrap="none">
+            <a:spAutoFit/>
+          </a:bodyPr>
+          <a:lstStyle/>
+          <a:p>
+            <a:r>
+              <a:rPr lang="en-US" dirty="0">
+                <a:solidFill>
+                  <a:schemeClr val="bg2"/>
+                </a:solidFill>
+              </a:rPr>
+              <a:t>Immanuel Kant (1724–1804)</a:t>
+            </a:r>
+          </a:p>
+        </p:txBody>
+      </p:sp>
+      <p:sp>
+        <p:nvSpPr>
+          <p:cNvPr id="3" name="Rectangle 2"/>
+          <p:cNvSpPr/>
+          <p:nvPr/>
+        </p:nvSpPr>
+        <p:spPr>
+          <a:xfrm>
+            <a:off x="8161730" y="2291842"/>
+            <a:ext cx="4030270" cy="369332"/>
+          </a:xfrm>
+          <a:prstGeom prst="rect">
+            <a:avLst/>
+          </a:prstGeom>
+        </p:spPr>
+        <p:txBody>
+          <a:bodyPr wrap="none">
+            <a:spAutoFit/>
+          </a:bodyPr>
+          <a:lstStyle/>
+          <a:p>
+            <a:r>
+              <a:rPr lang="en-US" dirty="0">
+                <a:solidFill>
+                  <a:schemeClr val="bg2"/>
+                </a:solidFill>
+              </a:rPr>
+              <a:t>Ernst Heinrich Weber (1795–1878)</a:t>
+            </a:r>
+          </a:p>
+        </p:txBody>
+      </p:sp>
+      <p:pic>
+        <p:nvPicPr>
+          <p:cNvPr id="2050" name="Picture 2" descr="Immanuel Kant - Wikipedia"/>
+          <p:cNvPicPr>
+            <a:picLocks noChangeAspect="1" noChangeArrowheads="1"/>
+          </p:cNvPicPr>
+          <p:nvPr/>
+        </p:nvPicPr>
+        <p:blipFill>
+          <a:blip r:embed="rId4" cstate="print">
+            <a:extLst>
+              <a:ext uri="{28A0092B-C50C-407E-A947-70E740481C1C}">
+                <a14:useLocalDpi xmlns:a14="http://schemas.microsoft.com/office/drawing/2010/main" val="0"/>
+              </a:ext>
+            </a:extLst>
+          </a:blip>
+          <a:srcRect/>
+          <a:stretch>
+            <a:fillRect/>
+          </a:stretch>
+        </p:blipFill>
+        <p:spPr bwMode="auto">
+          <a:xfrm>
+            <a:off x="0" y="3149679"/>
+            <a:ext cx="2841625" cy="3708321"/>
           </a:xfrm>
           <a:prstGeom prst="rect">
             <a:avLst/>
@@ -4623,49 +5948,32 @@
       </p:pic>
       <p:pic>
         <p:nvPicPr>
-          <p:cNvPr id="7178" name="Picture 10" descr="Gustav Fechner - Founder of psychophysics – Genvive"/>
+          <p:cNvPr id="4" name="Picture 3"/>
           <p:cNvPicPr>
-            <a:picLocks noChangeAspect="1" noChangeArrowheads="1"/>
+            <a:picLocks noChangeAspect="1"/>
           </p:cNvPicPr>
           <p:nvPr/>
         </p:nvPicPr>
         <p:blipFill>
-          <a:blip r:embed="rId4">
-            <a:extLst>
-              <a:ext uri="{28A0092B-C50C-407E-A947-70E740481C1C}">
-                <a14:useLocalDpi xmlns:a14="http://schemas.microsoft.com/office/drawing/2010/main" val="0"/>
-              </a:ext>
-            </a:extLst>
-          </a:blip>
-          <a:srcRect/>
+          <a:blip r:embed="rId5"/>
           <a:stretch>
             <a:fillRect/>
           </a:stretch>
         </p:blipFill>
-        <p:spPr bwMode="auto">
+        <p:spPr>
           <a:xfrm>
-            <a:off x="8548915" y="2255099"/>
-            <a:ext cx="3643086" cy="4553858"/>
+            <a:off x="2801383" y="5334000"/>
+            <a:ext cx="6257778" cy="1577816"/>
           </a:xfrm>
           <a:prstGeom prst="rect">
             <a:avLst/>
           </a:prstGeom>
-          <a:noFill/>
-          <a:extLst>
-            <a:ext uri="{909E8E84-426E-40DD-AFC4-6F175D3DCCD1}">
-              <a14:hiddenFill xmlns:a14="http://schemas.microsoft.com/office/drawing/2010/main">
-                <a:solidFill>
-                  <a:srgbClr val="FFFFFF"/>
-                </a:solidFill>
-              </a14:hiddenFill>
-            </a:ext>
-          </a:extLst>
         </p:spPr>
       </p:pic>
     </p:spTree>
     <p:extLst>
       <p:ext uri="{BB962C8B-B14F-4D97-AF65-F5344CB8AC3E}">
-        <p14:creationId xmlns:p14="http://schemas.microsoft.com/office/powerpoint/2010/main" val="3628038987"/>
+        <p14:creationId xmlns:p14="http://schemas.microsoft.com/office/powerpoint/2010/main" val="1602044161"/>
       </p:ext>
     </p:extLst>
   </p:cSld>
@@ -4675,21 +5983,366 @@
   <p:timing>
     <p:tnLst>
       <p:par>
-        <p:cTn id="1" dur="indefinite" restart="never" nodeType="tmRoot"/>
+        <p:cTn id="1" dur="indefinite" restart="never" nodeType="tmRoot">
+          <p:childTnLst>
+            <p:seq concurrent="1" nextAc="seek">
+              <p:cTn id="2" dur="indefinite" nodeType="mainSeq">
+                <p:childTnLst>
+                  <p:par>
+                    <p:cTn id="3" fill="hold">
+                      <p:stCondLst>
+                        <p:cond delay="indefinite"/>
+                      </p:stCondLst>
+                      <p:childTnLst>
+                        <p:par>
+                          <p:cTn id="4" fill="hold">
+                            <p:stCondLst>
+                              <p:cond delay="0"/>
+                            </p:stCondLst>
+                            <p:childTnLst>
+                              <p:par>
+                                <p:cTn id="5" presetID="10" presetClass="entr" presetSubtype="0" fill="hold" nodeType="clickEffect">
+                                  <p:stCondLst>
+                                    <p:cond delay="0"/>
+                                  </p:stCondLst>
+                                  <p:childTnLst>
+                                    <p:set>
+                                      <p:cBhvr>
+                                        <p:cTn id="6" dur="1" fill="hold">
+                                          <p:stCondLst>
+                                            <p:cond delay="0"/>
+                                          </p:stCondLst>
+                                        </p:cTn>
+                                        <p:tgtEl>
+                                          <p:spTgt spid="2050"/>
+                                        </p:tgtEl>
+                                        <p:attrNameLst>
+                                          <p:attrName>style.visibility</p:attrName>
+                                        </p:attrNameLst>
+                                      </p:cBhvr>
+                                      <p:to>
+                                        <p:strVal val="visible"/>
+                                      </p:to>
+                                    </p:set>
+                                    <p:animEffect transition="in" filter="fade">
+                                      <p:cBhvr>
+                                        <p:cTn id="7" dur="500"/>
+                                        <p:tgtEl>
+                                          <p:spTgt spid="2050"/>
+                                        </p:tgtEl>
+                                      </p:cBhvr>
+                                    </p:animEffect>
+                                  </p:childTnLst>
+                                </p:cTn>
+                              </p:par>
+                            </p:childTnLst>
+                          </p:cTn>
+                        </p:par>
+                      </p:childTnLst>
+                    </p:cTn>
+                  </p:par>
+                  <p:par>
+                    <p:cTn id="8" fill="hold">
+                      <p:stCondLst>
+                        <p:cond delay="indefinite"/>
+                      </p:stCondLst>
+                      <p:childTnLst>
+                        <p:par>
+                          <p:cTn id="9" fill="hold">
+                            <p:stCondLst>
+                              <p:cond delay="0"/>
+                            </p:stCondLst>
+                            <p:childTnLst>
+                              <p:par>
+                                <p:cTn id="10" presetID="10" presetClass="entr" presetSubtype="0" fill="hold" grpId="0" nodeType="clickEffect">
+                                  <p:stCondLst>
+                                    <p:cond delay="0"/>
+                                  </p:stCondLst>
+                                  <p:childTnLst>
+                                    <p:set>
+                                      <p:cBhvr>
+                                        <p:cTn id="11" dur="1" fill="hold">
+                                          <p:stCondLst>
+                                            <p:cond delay="0"/>
+                                          </p:stCondLst>
+                                        </p:cTn>
+                                        <p:tgtEl>
+                                          <p:spTgt spid="6"/>
+                                        </p:tgtEl>
+                                        <p:attrNameLst>
+                                          <p:attrName>style.visibility</p:attrName>
+                                        </p:attrNameLst>
+                                      </p:cBhvr>
+                                      <p:to>
+                                        <p:strVal val="visible"/>
+                                      </p:to>
+                                    </p:set>
+                                    <p:animEffect transition="in" filter="fade">
+                                      <p:cBhvr>
+                                        <p:cTn id="12" dur="500"/>
+                                        <p:tgtEl>
+                                          <p:spTgt spid="6"/>
+                                        </p:tgtEl>
+                                      </p:cBhvr>
+                                    </p:animEffect>
+                                  </p:childTnLst>
+                                </p:cTn>
+                              </p:par>
+                            </p:childTnLst>
+                          </p:cTn>
+                        </p:par>
+                      </p:childTnLst>
+                    </p:cTn>
+                  </p:par>
+                  <p:par>
+                    <p:cTn id="13" fill="hold">
+                      <p:stCondLst>
+                        <p:cond delay="indefinite"/>
+                      </p:stCondLst>
+                      <p:childTnLst>
+                        <p:par>
+                          <p:cTn id="14" fill="hold">
+                            <p:stCondLst>
+                              <p:cond delay="0"/>
+                            </p:stCondLst>
+                            <p:childTnLst>
+                              <p:par>
+                                <p:cTn id="15" presetID="10" presetClass="entr" presetSubtype="0" fill="hold" nodeType="clickEffect">
+                                  <p:stCondLst>
+                                    <p:cond delay="0"/>
+                                  </p:stCondLst>
+                                  <p:childTnLst>
+                                    <p:set>
+                                      <p:cBhvr>
+                                        <p:cTn id="16" dur="1" fill="hold">
+                                          <p:stCondLst>
+                                            <p:cond delay="0"/>
+                                          </p:stCondLst>
+                                        </p:cTn>
+                                        <p:tgtEl>
+                                          <p:spTgt spid="4"/>
+                                        </p:tgtEl>
+                                        <p:attrNameLst>
+                                          <p:attrName>style.visibility</p:attrName>
+                                        </p:attrNameLst>
+                                      </p:cBhvr>
+                                      <p:to>
+                                        <p:strVal val="visible"/>
+                                      </p:to>
+                                    </p:set>
+                                    <p:animEffect transition="in" filter="fade">
+                                      <p:cBhvr>
+                                        <p:cTn id="17" dur="500"/>
+                                        <p:tgtEl>
+                                          <p:spTgt spid="4"/>
+                                        </p:tgtEl>
+                                      </p:cBhvr>
+                                    </p:animEffect>
+                                  </p:childTnLst>
+                                </p:cTn>
+                              </p:par>
+                            </p:childTnLst>
+                          </p:cTn>
+                        </p:par>
+                      </p:childTnLst>
+                    </p:cTn>
+                  </p:par>
+                  <p:par>
+                    <p:cTn id="18" fill="hold">
+                      <p:stCondLst>
+                        <p:cond delay="indefinite"/>
+                      </p:stCondLst>
+                      <p:childTnLst>
+                        <p:par>
+                          <p:cTn id="19" fill="hold">
+                            <p:stCondLst>
+                              <p:cond delay="0"/>
+                            </p:stCondLst>
+                            <p:childTnLst>
+                              <p:par>
+                                <p:cTn id="20" presetID="10" presetClass="entr" presetSubtype="0" fill="hold" nodeType="clickEffect">
+                                  <p:stCondLst>
+                                    <p:cond delay="0"/>
+                                  </p:stCondLst>
+                                  <p:childTnLst>
+                                    <p:set>
+                                      <p:cBhvr>
+                                        <p:cTn id="21" dur="1" fill="hold">
+                                          <p:stCondLst>
+                                            <p:cond delay="0"/>
+                                          </p:stCondLst>
+                                        </p:cTn>
+                                        <p:tgtEl>
+                                          <p:spTgt spid="7170"/>
+                                        </p:tgtEl>
+                                        <p:attrNameLst>
+                                          <p:attrName>style.visibility</p:attrName>
+                                        </p:attrNameLst>
+                                      </p:cBhvr>
+                                      <p:to>
+                                        <p:strVal val="visible"/>
+                                      </p:to>
+                                    </p:set>
+                                    <p:animEffect transition="in" filter="fade">
+                                      <p:cBhvr>
+                                        <p:cTn id="22" dur="500"/>
+                                        <p:tgtEl>
+                                          <p:spTgt spid="7170"/>
+                                        </p:tgtEl>
+                                      </p:cBhvr>
+                                    </p:animEffect>
+                                  </p:childTnLst>
+                                </p:cTn>
+                              </p:par>
+                            </p:childTnLst>
+                          </p:cTn>
+                        </p:par>
+                      </p:childTnLst>
+                    </p:cTn>
+                  </p:par>
+                  <p:par>
+                    <p:cTn id="23" fill="hold">
+                      <p:stCondLst>
+                        <p:cond delay="indefinite"/>
+                      </p:stCondLst>
+                      <p:childTnLst>
+                        <p:par>
+                          <p:cTn id="24" fill="hold">
+                            <p:stCondLst>
+                              <p:cond delay="0"/>
+                            </p:stCondLst>
+                            <p:childTnLst>
+                              <p:par>
+                                <p:cTn id="25" presetID="10" presetClass="entr" presetSubtype="0" fill="hold" grpId="0" nodeType="clickEffect">
+                                  <p:stCondLst>
+                                    <p:cond delay="0"/>
+                                  </p:stCondLst>
+                                  <p:childTnLst>
+                                    <p:set>
+                                      <p:cBhvr>
+                                        <p:cTn id="26" dur="1" fill="hold">
+                                          <p:stCondLst>
+                                            <p:cond delay="0"/>
+                                          </p:stCondLst>
+                                        </p:cTn>
+                                        <p:tgtEl>
+                                          <p:spTgt spid="3"/>
+                                        </p:tgtEl>
+                                        <p:attrNameLst>
+                                          <p:attrName>style.visibility</p:attrName>
+                                        </p:attrNameLst>
+                                      </p:cBhvr>
+                                      <p:to>
+                                        <p:strVal val="visible"/>
+                                      </p:to>
+                                    </p:set>
+                                    <p:animEffect transition="in" filter="fade">
+                                      <p:cBhvr>
+                                        <p:cTn id="27" dur="500"/>
+                                        <p:tgtEl>
+                                          <p:spTgt spid="3"/>
+                                        </p:tgtEl>
+                                      </p:cBhvr>
+                                    </p:animEffect>
+                                  </p:childTnLst>
+                                </p:cTn>
+                              </p:par>
+                            </p:childTnLst>
+                          </p:cTn>
+                        </p:par>
+                      </p:childTnLst>
+                    </p:cTn>
+                  </p:par>
+                  <p:par>
+                    <p:cTn id="28" fill="hold">
+                      <p:stCondLst>
+                        <p:cond delay="indefinite"/>
+                      </p:stCondLst>
+                      <p:childTnLst>
+                        <p:par>
+                          <p:cTn id="29" fill="hold">
+                            <p:stCondLst>
+                              <p:cond delay="0"/>
+                            </p:stCondLst>
+                            <p:childTnLst>
+                              <p:par>
+                                <p:cTn id="30" presetID="10" presetClass="entr" presetSubtype="0" fill="hold" nodeType="clickEffect">
+                                  <p:stCondLst>
+                                    <p:cond delay="0"/>
+                                  </p:stCondLst>
+                                  <p:childTnLst>
+                                    <p:set>
+                                      <p:cBhvr>
+                                        <p:cTn id="31" dur="1" fill="hold">
+                                          <p:stCondLst>
+                                            <p:cond delay="0"/>
+                                          </p:stCondLst>
+                                        </p:cTn>
+                                        <p:tgtEl>
+                                          <p:spTgt spid="7176"/>
+                                        </p:tgtEl>
+                                        <p:attrNameLst>
+                                          <p:attrName>style.visibility</p:attrName>
+                                        </p:attrNameLst>
+                                      </p:cBhvr>
+                                      <p:to>
+                                        <p:strVal val="visible"/>
+                                      </p:to>
+                                    </p:set>
+                                    <p:animEffect transition="in" filter="fade">
+                                      <p:cBhvr>
+                                        <p:cTn id="32" dur="500"/>
+                                        <p:tgtEl>
+                                          <p:spTgt spid="7176"/>
+                                        </p:tgtEl>
+                                      </p:cBhvr>
+                                    </p:animEffect>
+                                  </p:childTnLst>
+                                </p:cTn>
+                              </p:par>
+                            </p:childTnLst>
+                          </p:cTn>
+                        </p:par>
+                      </p:childTnLst>
+                    </p:cTn>
+                  </p:par>
+                </p:childTnLst>
+              </p:cTn>
+              <p:prevCondLst>
+                <p:cond evt="onPrev" delay="0">
+                  <p:tgtEl>
+                    <p:sldTgt/>
+                  </p:tgtEl>
+                </p:cond>
+              </p:prevCondLst>
+              <p:nextCondLst>
+                <p:cond evt="onNext" delay="0">
+                  <p:tgtEl>
+                    <p:sldTgt/>
+                  </p:tgtEl>
+                </p:cond>
+              </p:nextCondLst>
+            </p:seq>
+          </p:childTnLst>
+        </p:cTn>
       </p:par>
     </p:tnLst>
+    <p:bldLst>
+      <p:bldP spid="6" grpId="0"/>
+      <p:bldP spid="3" grpId="0"/>
+    </p:bldLst>
   </p:timing>
 </p:sld>
 </file>
 
-<file path=ppt/slides/slide11.xml><?xml version="1.0" encoding="utf-8"?>
+<file path=ppt/slides/slide12.xml><?xml version="1.0" encoding="utf-8"?>
 <p:sld xmlns:a="http://schemas.openxmlformats.org/drawingml/2006/main" xmlns:r="http://schemas.openxmlformats.org/officeDocument/2006/relationships" xmlns:p="http://schemas.openxmlformats.org/presentationml/2006/main">
   <p:cSld>
     <p:bg>
       <p:bgPr>
         <a:solidFill>
-          <a:schemeClr val="tx2">
-            <a:lumMod val="75000"/>
+          <a:schemeClr val="bg2">
+            <a:lumMod val="25000"/>
           </a:schemeClr>
         </a:solidFill>
         <a:effectLst/>
@@ -4730,7 +6383,7 @@
                   <a:schemeClr val="bg2"/>
                 </a:solidFill>
               </a:rPr>
-              <a:t>Pre Scientific revolution </a:t>
+              <a:t>Pre Scientific revolution – </a:t>
             </a:r>
             <a:r>
               <a:rPr lang="en-US" dirty="0" smtClean="0">
@@ -4738,7 +6391,7 @@
                   <a:schemeClr val="bg2"/>
                 </a:solidFill>
               </a:rPr>
-              <a:t>– 1800 </a:t>
+              <a:t>1800s</a:t>
             </a:r>
             <a:endParaRPr lang="en-US" dirty="0">
               <a:solidFill>
@@ -4854,6 +6507,38 @@
           </a:prstGeom>
         </p:spPr>
       </p:pic>
+      <p:sp>
+        <p:nvSpPr>
+          <p:cNvPr id="4" name="Rectangle 3"/>
+          <p:cNvSpPr/>
+          <p:nvPr/>
+        </p:nvSpPr>
+        <p:spPr>
+          <a:xfrm>
+            <a:off x="8723036" y="2049076"/>
+            <a:ext cx="3405099" cy="369332"/>
+          </a:xfrm>
+          <a:prstGeom prst="rect">
+            <a:avLst/>
+          </a:prstGeom>
+        </p:spPr>
+        <p:txBody>
+          <a:bodyPr wrap="none">
+            <a:spAutoFit/>
+          </a:bodyPr>
+          <a:lstStyle/>
+          <a:p>
+            <a:r>
+              <a:rPr lang="en-US" dirty="0">
+                <a:solidFill>
+                  <a:schemeClr val="bg2"/>
+                </a:solidFill>
+              </a:rPr>
+              <a:t>Gustav Fechner (1801–1887)</a:t>
+            </a:r>
+          </a:p>
+        </p:txBody>
+      </p:sp>
     </p:spTree>
     <p:extLst>
       <p:ext uri="{BB962C8B-B14F-4D97-AF65-F5344CB8AC3E}">
@@ -4867,14 +6552,252 @@
   <p:timing>
     <p:tnLst>
       <p:par>
-        <p:cTn id="1" dur="indefinite" restart="never" nodeType="tmRoot"/>
+        <p:cTn id="1" dur="indefinite" restart="never" nodeType="tmRoot">
+          <p:childTnLst>
+            <p:seq concurrent="1" nextAc="seek">
+              <p:cTn id="2" dur="indefinite" nodeType="mainSeq">
+                <p:childTnLst>
+                  <p:par>
+                    <p:cTn id="3" fill="hold">
+                      <p:stCondLst>
+                        <p:cond delay="indefinite"/>
+                      </p:stCondLst>
+                      <p:childTnLst>
+                        <p:par>
+                          <p:cTn id="4" fill="hold">
+                            <p:stCondLst>
+                              <p:cond delay="0"/>
+                            </p:stCondLst>
+                            <p:childTnLst>
+                              <p:par>
+                                <p:cTn id="5" presetID="10" presetClass="entr" presetSubtype="0" fill="hold" nodeType="clickEffect">
+                                  <p:stCondLst>
+                                    <p:cond delay="0"/>
+                                  </p:stCondLst>
+                                  <p:childTnLst>
+                                    <p:set>
+                                      <p:cBhvr>
+                                        <p:cTn id="6" dur="1" fill="hold">
+                                          <p:stCondLst>
+                                            <p:cond delay="0"/>
+                                          </p:stCondLst>
+                                        </p:cTn>
+                                        <p:tgtEl>
+                                          <p:spTgt spid="7178"/>
+                                        </p:tgtEl>
+                                        <p:attrNameLst>
+                                          <p:attrName>style.visibility</p:attrName>
+                                        </p:attrNameLst>
+                                      </p:cBhvr>
+                                      <p:to>
+                                        <p:strVal val="visible"/>
+                                      </p:to>
+                                    </p:set>
+                                    <p:animEffect transition="in" filter="fade">
+                                      <p:cBhvr>
+                                        <p:cTn id="7" dur="500"/>
+                                        <p:tgtEl>
+                                          <p:spTgt spid="7178"/>
+                                        </p:tgtEl>
+                                      </p:cBhvr>
+                                    </p:animEffect>
+                                  </p:childTnLst>
+                                </p:cTn>
+                              </p:par>
+                            </p:childTnLst>
+                          </p:cTn>
+                        </p:par>
+                      </p:childTnLst>
+                    </p:cTn>
+                  </p:par>
+                  <p:par>
+                    <p:cTn id="8" fill="hold">
+                      <p:stCondLst>
+                        <p:cond delay="indefinite"/>
+                      </p:stCondLst>
+                      <p:childTnLst>
+                        <p:par>
+                          <p:cTn id="9" fill="hold">
+                            <p:stCondLst>
+                              <p:cond delay="0"/>
+                            </p:stCondLst>
+                            <p:childTnLst>
+                              <p:par>
+                                <p:cTn id="10" presetID="10" presetClass="entr" presetSubtype="0" fill="hold" grpId="0" nodeType="clickEffect">
+                                  <p:stCondLst>
+                                    <p:cond delay="0"/>
+                                  </p:stCondLst>
+                                  <p:childTnLst>
+                                    <p:set>
+                                      <p:cBhvr>
+                                        <p:cTn id="11" dur="1" fill="hold">
+                                          <p:stCondLst>
+                                            <p:cond delay="0"/>
+                                          </p:stCondLst>
+                                        </p:cTn>
+                                        <p:tgtEl>
+                                          <p:spTgt spid="4"/>
+                                        </p:tgtEl>
+                                        <p:attrNameLst>
+                                          <p:attrName>style.visibility</p:attrName>
+                                        </p:attrNameLst>
+                                      </p:cBhvr>
+                                      <p:to>
+                                        <p:strVal val="visible"/>
+                                      </p:to>
+                                    </p:set>
+                                    <p:animEffect transition="in" filter="fade">
+                                      <p:cBhvr>
+                                        <p:cTn id="12" dur="500"/>
+                                        <p:tgtEl>
+                                          <p:spTgt spid="4"/>
+                                        </p:tgtEl>
+                                      </p:cBhvr>
+                                    </p:animEffect>
+                                  </p:childTnLst>
+                                </p:cTn>
+                              </p:par>
+                            </p:childTnLst>
+                          </p:cTn>
+                        </p:par>
+                      </p:childTnLst>
+                    </p:cTn>
+                  </p:par>
+                  <p:par>
+                    <p:cTn id="13" fill="hold">
+                      <p:stCondLst>
+                        <p:cond delay="indefinite"/>
+                      </p:stCondLst>
+                      <p:childTnLst>
+                        <p:par>
+                          <p:cTn id="14" fill="hold">
+                            <p:stCondLst>
+                              <p:cond delay="0"/>
+                            </p:stCondLst>
+                            <p:childTnLst>
+                              <p:par>
+                                <p:cTn id="15" presetID="10" presetClass="entr" presetSubtype="0" fill="hold" nodeType="clickEffect">
+                                  <p:stCondLst>
+                                    <p:cond delay="0"/>
+                                  </p:stCondLst>
+                                  <p:childTnLst>
+                                    <p:set>
+                                      <p:cBhvr>
+                                        <p:cTn id="16" dur="1" fill="hold">
+                                          <p:stCondLst>
+                                            <p:cond delay="0"/>
+                                          </p:stCondLst>
+                                        </p:cTn>
+                                        <p:tgtEl>
+                                          <p:spTgt spid="8194"/>
+                                        </p:tgtEl>
+                                        <p:attrNameLst>
+                                          <p:attrName>style.visibility</p:attrName>
+                                        </p:attrNameLst>
+                                      </p:cBhvr>
+                                      <p:to>
+                                        <p:strVal val="visible"/>
+                                      </p:to>
+                                    </p:set>
+                                    <p:animEffect transition="in" filter="fade">
+                                      <p:cBhvr>
+                                        <p:cTn id="17" dur="500"/>
+                                        <p:tgtEl>
+                                          <p:spTgt spid="8194"/>
+                                        </p:tgtEl>
+                                      </p:cBhvr>
+                                    </p:animEffect>
+                                  </p:childTnLst>
+                                </p:cTn>
+                              </p:par>
+                            </p:childTnLst>
+                          </p:cTn>
+                        </p:par>
+                      </p:childTnLst>
+                    </p:cTn>
+                  </p:par>
+                  <p:par>
+                    <p:cTn id="18" fill="hold">
+                      <p:stCondLst>
+                        <p:cond delay="indefinite"/>
+                      </p:stCondLst>
+                      <p:childTnLst>
+                        <p:par>
+                          <p:cTn id="19" fill="hold">
+                            <p:stCondLst>
+                              <p:cond delay="0"/>
+                            </p:stCondLst>
+                            <p:childTnLst>
+                              <p:par>
+                                <p:cTn id="20" presetID="10" presetClass="entr" presetSubtype="0" fill="hold" nodeType="clickEffect">
+                                  <p:stCondLst>
+                                    <p:cond delay="0"/>
+                                  </p:stCondLst>
+                                  <p:childTnLst>
+                                    <p:set>
+                                      <p:cBhvr>
+                                        <p:cTn id="21" dur="1" fill="hold">
+                                          <p:stCondLst>
+                                            <p:cond delay="0"/>
+                                          </p:stCondLst>
+                                        </p:cTn>
+                                        <p:tgtEl>
+                                          <p:spTgt spid="3"/>
+                                        </p:tgtEl>
+                                        <p:attrNameLst>
+                                          <p:attrName>style.visibility</p:attrName>
+                                        </p:attrNameLst>
+                                      </p:cBhvr>
+                                      <p:to>
+                                        <p:strVal val="visible"/>
+                                      </p:to>
+                                    </p:set>
+                                    <p:animEffect transition="in" filter="fade">
+                                      <p:cBhvr>
+                                        <p:cTn id="22" dur="500"/>
+                                        <p:tgtEl>
+                                          <p:spTgt spid="3"/>
+                                        </p:tgtEl>
+                                      </p:cBhvr>
+                                    </p:animEffect>
+                                  </p:childTnLst>
+                                </p:cTn>
+                              </p:par>
+                            </p:childTnLst>
+                          </p:cTn>
+                        </p:par>
+                      </p:childTnLst>
+                    </p:cTn>
+                  </p:par>
+                </p:childTnLst>
+              </p:cTn>
+              <p:prevCondLst>
+                <p:cond evt="onPrev" delay="0">
+                  <p:tgtEl>
+                    <p:sldTgt/>
+                  </p:tgtEl>
+                </p:cond>
+              </p:prevCondLst>
+              <p:nextCondLst>
+                <p:cond evt="onNext" delay="0">
+                  <p:tgtEl>
+                    <p:sldTgt/>
+                  </p:tgtEl>
+                </p:cond>
+              </p:nextCondLst>
+            </p:seq>
+          </p:childTnLst>
+        </p:cTn>
       </p:par>
     </p:tnLst>
+    <p:bldLst>
+      <p:bldP spid="4" grpId="0"/>
+    </p:bldLst>
   </p:timing>
 </p:sld>
 </file>
 
-<file path=ppt/slides/slide12.xml><?xml version="1.0" encoding="utf-8"?>
+<file path=ppt/slides/slide13.xml><?xml version="1.0" encoding="utf-8"?>
 <p:sld xmlns:a="http://schemas.openxmlformats.org/drawingml/2006/main" xmlns:r="http://schemas.openxmlformats.org/officeDocument/2006/relationships" xmlns:p="http://schemas.openxmlformats.org/presentationml/2006/main">
   <p:cSld>
     <p:bg>
@@ -4941,7 +6864,7 @@
           <p:nvPr/>
         </p:nvPicPr>
         <p:blipFill>
-          <a:blip r:embed="rId2">
+          <a:blip r:embed="rId3">
             <a:extLst>
               <a:ext uri="{28A0092B-C50C-407E-A947-70E740481C1C}">
                 <a14:useLocalDpi xmlns:a14="http://schemas.microsoft.com/office/drawing/2010/main" val="0"/>
@@ -4982,7 +6905,7 @@
           <p:nvPr/>
         </p:nvPicPr>
         <p:blipFill>
-          <a:blip r:embed="rId3">
+          <a:blip r:embed="rId4">
             <a:extLst>
               <a:ext uri="{28A0092B-C50C-407E-A947-70E740481C1C}">
                 <a14:useLocalDpi xmlns:a14="http://schemas.microsoft.com/office/drawing/2010/main" val="0"/>
@@ -5034,7 +6957,7 @@
 </p:sld>
 </file>
 
-<file path=ppt/slides/slide13.xml><?xml version="1.0" encoding="utf-8"?>
+<file path=ppt/slides/slide14.xml><?xml version="1.0" encoding="utf-8"?>
 <p:sld xmlns:a="http://schemas.openxmlformats.org/drawingml/2006/main" xmlns:r="http://schemas.openxmlformats.org/officeDocument/2006/relationships" xmlns:p="http://schemas.openxmlformats.org/presentationml/2006/main">
   <p:cSld>
     <p:bg>
@@ -5276,7 +7199,7 @@
 </p:sld>
 </file>
 
-<file path=ppt/slides/slide14.xml><?xml version="1.0" encoding="utf-8"?>
+<file path=ppt/slides/slide15.xml><?xml version="1.0" encoding="utf-8"?>
 <p:sld xmlns:a="http://schemas.openxmlformats.org/drawingml/2006/main" xmlns:r="http://schemas.openxmlformats.org/officeDocument/2006/relationships" xmlns:p="http://schemas.openxmlformats.org/presentationml/2006/main">
   <p:cSld>
     <p:bg>
@@ -5549,7 +7472,7 @@
 </p:sld>
 </file>
 
-<file path=ppt/slides/slide15.xml><?xml version="1.0" encoding="utf-8"?>
+<file path=ppt/slides/slide16.xml><?xml version="1.0" encoding="utf-8"?>
 <p:sld xmlns:a="http://schemas.openxmlformats.org/drawingml/2006/main" xmlns:r="http://schemas.openxmlformats.org/officeDocument/2006/relationships" xmlns:p="http://schemas.openxmlformats.org/presentationml/2006/main">
   <p:cSld>
     <p:bg>
@@ -5702,514 +7625,6 @@
     <p:extLst>
       <p:ext uri="{BB962C8B-B14F-4D97-AF65-F5344CB8AC3E}">
         <p14:creationId xmlns:p14="http://schemas.microsoft.com/office/powerpoint/2010/main" val="665554601"/>
-      </p:ext>
-    </p:extLst>
-  </p:cSld>
-  <p:clrMapOvr>
-    <a:masterClrMapping/>
-  </p:clrMapOvr>
-  <p:timing>
-    <p:tnLst>
-      <p:par>
-        <p:cTn id="1" dur="indefinite" restart="never" nodeType="tmRoot"/>
-      </p:par>
-    </p:tnLst>
-  </p:timing>
-</p:sld>
-</file>
-
-<file path=ppt/slides/slide16.xml><?xml version="1.0" encoding="utf-8"?>
-<p:sld xmlns:a="http://schemas.openxmlformats.org/drawingml/2006/main" xmlns:r="http://schemas.openxmlformats.org/officeDocument/2006/relationships" xmlns:p="http://schemas.openxmlformats.org/presentationml/2006/main">
-  <p:cSld>
-    <p:bg>
-      <p:bgPr>
-        <a:solidFill>
-          <a:schemeClr val="accent3">
-            <a:lumMod val="20000"/>
-            <a:lumOff val="80000"/>
-          </a:schemeClr>
-        </a:solidFill>
-        <a:effectLst/>
-      </p:bgPr>
-    </p:bg>
-    <p:spTree>
-      <p:nvGrpSpPr>
-        <p:cNvPr id="1" name=""/>
-        <p:cNvGrpSpPr/>
-        <p:nvPr/>
-      </p:nvGrpSpPr>
-      <p:grpSpPr>
-        <a:xfrm>
-          <a:off x="0" y="0"/>
-          <a:ext cx="0" cy="0"/>
-          <a:chOff x="0" y="0"/>
-          <a:chExt cx="0" cy="0"/>
-        </a:xfrm>
-      </p:grpSpPr>
-      <p:sp>
-        <p:nvSpPr>
-          <p:cNvPr id="2" name="Title 1"/>
-          <p:cNvSpPr>
-            <a:spLocks noGrp="1"/>
-          </p:cNvSpPr>
-          <p:nvPr>
-            <p:ph type="title"/>
-          </p:nvPr>
-        </p:nvSpPr>
-        <p:spPr/>
-        <p:txBody>
-          <a:bodyPr/>
-          <a:lstStyle/>
-          <a:p>
-            <a:r>
-              <a:rPr lang="en-US" dirty="0" smtClean="0">
-                <a:solidFill>
-                  <a:schemeClr val="tx2"/>
-                </a:solidFill>
-              </a:rPr>
-              <a:t>1950s-1999</a:t>
-            </a:r>
-            <a:endParaRPr lang="en-US" dirty="0">
-              <a:solidFill>
-                <a:schemeClr val="tx2"/>
-              </a:solidFill>
-            </a:endParaRPr>
-          </a:p>
-        </p:txBody>
-      </p:sp>
-      <p:sp>
-        <p:nvSpPr>
-          <p:cNvPr id="5" name="TextBox 4"/>
-          <p:cNvSpPr txBox="1"/>
-          <p:nvPr/>
-        </p:nvSpPr>
-        <p:spPr>
-          <a:xfrm>
-            <a:off x="216789" y="2014730"/>
-            <a:ext cx="6269736" cy="646331"/>
-          </a:xfrm>
-          <a:prstGeom prst="rect">
-            <a:avLst/>
-          </a:prstGeom>
-          <a:noFill/>
-        </p:spPr>
-        <p:txBody>
-          <a:bodyPr wrap="square" rtlCol="0">
-            <a:spAutoFit/>
-          </a:bodyPr>
-          <a:lstStyle/>
-          <a:p>
-            <a:r>
-              <a:rPr lang="en-US" sz="3600" dirty="0" smtClean="0"/>
-              <a:t>Behaviorism / Psychology  </a:t>
-            </a:r>
-            <a:endParaRPr lang="en-US" sz="3600" dirty="0"/>
-          </a:p>
-        </p:txBody>
-      </p:sp>
-      <p:sp>
-        <p:nvSpPr>
-          <p:cNvPr id="6" name="TextBox 5"/>
-          <p:cNvSpPr txBox="1"/>
-          <p:nvPr/>
-        </p:nvSpPr>
-        <p:spPr>
-          <a:xfrm>
-            <a:off x="216789" y="3696878"/>
-            <a:ext cx="4597400" cy="646331"/>
-          </a:xfrm>
-          <a:prstGeom prst="rect">
-            <a:avLst/>
-          </a:prstGeom>
-          <a:noFill/>
-        </p:spPr>
-        <p:txBody>
-          <a:bodyPr wrap="square" rtlCol="0">
-            <a:spAutoFit/>
-          </a:bodyPr>
-          <a:lstStyle/>
-          <a:p>
-            <a:r>
-              <a:rPr lang="en-US" sz="3600" dirty="0" smtClean="0"/>
-              <a:t>Philosophy / Math</a:t>
-            </a:r>
-            <a:endParaRPr lang="en-US" sz="3600" dirty="0"/>
-          </a:p>
-        </p:txBody>
-      </p:sp>
-      <p:sp>
-        <p:nvSpPr>
-          <p:cNvPr id="7" name="TextBox 6"/>
-          <p:cNvSpPr txBox="1"/>
-          <p:nvPr/>
-        </p:nvSpPr>
-        <p:spPr>
-          <a:xfrm>
-            <a:off x="216789" y="5238307"/>
-            <a:ext cx="3543300" cy="646331"/>
-          </a:xfrm>
-          <a:prstGeom prst="rect">
-            <a:avLst/>
-          </a:prstGeom>
-          <a:noFill/>
-        </p:spPr>
-        <p:txBody>
-          <a:bodyPr wrap="square" rtlCol="0">
-            <a:spAutoFit/>
-          </a:bodyPr>
-          <a:lstStyle/>
-          <a:p>
-            <a:r>
-              <a:rPr lang="en-US" sz="3600" dirty="0" smtClean="0"/>
-              <a:t>Physiology?</a:t>
-            </a:r>
-            <a:endParaRPr lang="en-US" sz="3600" dirty="0"/>
-          </a:p>
-        </p:txBody>
-      </p:sp>
-      <p:sp>
-        <p:nvSpPr>
-          <p:cNvPr id="12" name="Rounded Rectangle 11"/>
-          <p:cNvSpPr/>
-          <p:nvPr/>
-        </p:nvSpPr>
-        <p:spPr>
-          <a:xfrm>
-            <a:off x="216789" y="3505313"/>
-            <a:ext cx="2631186" cy="1013727"/>
-          </a:xfrm>
-          <a:prstGeom prst="roundRect">
-            <a:avLst/>
-          </a:prstGeom>
-          <a:solidFill>
-            <a:srgbClr val="92D050">
-              <a:alpha val="30196"/>
-            </a:srgbClr>
-          </a:solidFill>
-        </p:spPr>
-        <p:style>
-          <a:lnRef idx="2">
-            <a:schemeClr val="accent1">
-              <a:shade val="50000"/>
-            </a:schemeClr>
-          </a:lnRef>
-          <a:fillRef idx="1">
-            <a:schemeClr val="accent1"/>
-          </a:fillRef>
-          <a:effectRef idx="0">
-            <a:schemeClr val="accent1"/>
-          </a:effectRef>
-          <a:fontRef idx="minor">
-            <a:schemeClr val="lt1"/>
-          </a:fontRef>
-        </p:style>
-        <p:txBody>
-          <a:bodyPr rtlCol="0" anchor="ctr"/>
-          <a:lstStyle/>
-          <a:p>
-            <a:pPr algn="ctr"/>
-            <a:endParaRPr lang="en-US"/>
-          </a:p>
-        </p:txBody>
-      </p:sp>
-      <p:sp>
-        <p:nvSpPr>
-          <p:cNvPr id="13" name="Rounded Rectangle 12"/>
-          <p:cNvSpPr/>
-          <p:nvPr/>
-        </p:nvSpPr>
-        <p:spPr>
-          <a:xfrm>
-            <a:off x="216788" y="1816654"/>
-            <a:ext cx="2926461" cy="1013727"/>
-          </a:xfrm>
-          <a:prstGeom prst="roundRect">
-            <a:avLst/>
-          </a:prstGeom>
-          <a:solidFill>
-            <a:srgbClr val="92D050">
-              <a:alpha val="30196"/>
-            </a:srgbClr>
-          </a:solidFill>
-        </p:spPr>
-        <p:style>
-          <a:lnRef idx="2">
-            <a:schemeClr val="accent1">
-              <a:shade val="50000"/>
-            </a:schemeClr>
-          </a:lnRef>
-          <a:fillRef idx="1">
-            <a:schemeClr val="accent1"/>
-          </a:fillRef>
-          <a:effectRef idx="0">
-            <a:schemeClr val="accent1"/>
-          </a:effectRef>
-          <a:fontRef idx="minor">
-            <a:schemeClr val="lt1"/>
-          </a:fontRef>
-        </p:style>
-        <p:txBody>
-          <a:bodyPr rtlCol="0" anchor="ctr"/>
-          <a:lstStyle/>
-          <a:p>
-            <a:pPr algn="ctr"/>
-            <a:endParaRPr lang="en-US"/>
-          </a:p>
-        </p:txBody>
-      </p:sp>
-      <p:sp>
-        <p:nvSpPr>
-          <p:cNvPr id="14" name="Rounded Rectangle 13"/>
-          <p:cNvSpPr/>
-          <p:nvPr/>
-        </p:nvSpPr>
-        <p:spPr>
-          <a:xfrm>
-            <a:off x="3453923" y="1806341"/>
-            <a:ext cx="2603977" cy="940112"/>
-          </a:xfrm>
-          <a:prstGeom prst="roundRect">
-            <a:avLst/>
-          </a:prstGeom>
-          <a:solidFill>
-            <a:srgbClr val="92D050">
-              <a:alpha val="30196"/>
-            </a:srgbClr>
-          </a:solidFill>
-        </p:spPr>
-        <p:style>
-          <a:lnRef idx="2">
-            <a:schemeClr val="accent1">
-              <a:shade val="50000"/>
-            </a:schemeClr>
-          </a:lnRef>
-          <a:fillRef idx="1">
-            <a:schemeClr val="accent1"/>
-          </a:fillRef>
-          <a:effectRef idx="0">
-            <a:schemeClr val="accent1"/>
-          </a:effectRef>
-          <a:fontRef idx="minor">
-            <a:schemeClr val="lt1"/>
-          </a:fontRef>
-        </p:style>
-        <p:txBody>
-          <a:bodyPr rtlCol="0" anchor="ctr"/>
-          <a:lstStyle/>
-          <a:p>
-            <a:pPr algn="ctr"/>
-            <a:endParaRPr lang="en-US"/>
-          </a:p>
-        </p:txBody>
-      </p:sp>
-      <p:sp>
-        <p:nvSpPr>
-          <p:cNvPr id="15" name="Rounded Rectangle 14"/>
-          <p:cNvSpPr/>
-          <p:nvPr/>
-        </p:nvSpPr>
-        <p:spPr>
-          <a:xfrm>
-            <a:off x="3143249" y="3549648"/>
-            <a:ext cx="1362076" cy="858764"/>
-          </a:xfrm>
-          <a:prstGeom prst="roundRect">
-            <a:avLst/>
-          </a:prstGeom>
-          <a:solidFill>
-            <a:srgbClr val="7030A0">
-              <a:alpha val="30196"/>
-            </a:srgbClr>
-          </a:solidFill>
-        </p:spPr>
-        <p:style>
-          <a:lnRef idx="2">
-            <a:schemeClr val="accent1">
-              <a:shade val="50000"/>
-            </a:schemeClr>
-          </a:lnRef>
-          <a:fillRef idx="1">
-            <a:schemeClr val="accent1"/>
-          </a:fillRef>
-          <a:effectRef idx="0">
-            <a:schemeClr val="accent1"/>
-          </a:effectRef>
-          <a:fontRef idx="minor">
-            <a:schemeClr val="lt1"/>
-          </a:fontRef>
-        </p:style>
-        <p:txBody>
-          <a:bodyPr rtlCol="0" anchor="ctr"/>
-          <a:lstStyle/>
-          <a:p>
-            <a:pPr algn="ctr"/>
-            <a:endParaRPr lang="en-US"/>
-          </a:p>
-        </p:txBody>
-      </p:sp>
-      <p:sp>
-        <p:nvSpPr>
-          <p:cNvPr id="16" name="Rounded Rectangle 15"/>
-          <p:cNvSpPr/>
-          <p:nvPr/>
-        </p:nvSpPr>
-        <p:spPr>
-          <a:xfrm>
-            <a:off x="170305" y="5132090"/>
-            <a:ext cx="2830069" cy="858764"/>
-          </a:xfrm>
-          <a:prstGeom prst="roundRect">
-            <a:avLst/>
-          </a:prstGeom>
-          <a:solidFill>
-            <a:srgbClr val="7030A0">
-              <a:alpha val="30196"/>
-            </a:srgbClr>
-          </a:solidFill>
-        </p:spPr>
-        <p:style>
-          <a:lnRef idx="2">
-            <a:schemeClr val="accent1">
-              <a:shade val="50000"/>
-            </a:schemeClr>
-          </a:lnRef>
-          <a:fillRef idx="1">
-            <a:schemeClr val="accent1"/>
-          </a:fillRef>
-          <a:effectRef idx="0">
-            <a:schemeClr val="accent1"/>
-          </a:effectRef>
-          <a:fontRef idx="minor">
-            <a:schemeClr val="lt1"/>
-          </a:fontRef>
-        </p:style>
-        <p:txBody>
-          <a:bodyPr rtlCol="0" anchor="ctr"/>
-          <a:lstStyle/>
-          <a:p>
-            <a:pPr algn="ctr"/>
-            <a:endParaRPr lang="en-US"/>
-          </a:p>
-        </p:txBody>
-      </p:sp>
-      <p:sp>
-        <p:nvSpPr>
-          <p:cNvPr id="17" name="Rounded Rectangle 16"/>
-          <p:cNvSpPr/>
-          <p:nvPr/>
-        </p:nvSpPr>
-        <p:spPr>
-          <a:xfrm>
-            <a:off x="6949598" y="2559262"/>
-            <a:ext cx="2603977" cy="940112"/>
-          </a:xfrm>
-          <a:prstGeom prst="roundRect">
-            <a:avLst/>
-          </a:prstGeom>
-          <a:solidFill>
-            <a:srgbClr val="92D050">
-              <a:alpha val="30196"/>
-            </a:srgbClr>
-          </a:solidFill>
-        </p:spPr>
-        <p:style>
-          <a:lnRef idx="2">
-            <a:schemeClr val="accent1">
-              <a:shade val="50000"/>
-            </a:schemeClr>
-          </a:lnRef>
-          <a:fillRef idx="1">
-            <a:schemeClr val="accent1"/>
-          </a:fillRef>
-          <a:effectRef idx="0">
-            <a:schemeClr val="accent1"/>
-          </a:effectRef>
-          <a:fontRef idx="minor">
-            <a:schemeClr val="lt1"/>
-          </a:fontRef>
-        </p:style>
-        <p:txBody>
-          <a:bodyPr rtlCol="0" anchor="ctr"/>
-          <a:lstStyle/>
-          <a:p>
-            <a:pPr algn="ctr"/>
-            <a:r>
-              <a:rPr lang="en-US" dirty="0" smtClean="0">
-                <a:solidFill>
-                  <a:sysClr val="windowText" lastClr="000000"/>
-                </a:solidFill>
-              </a:rPr>
-              <a:t>Biology</a:t>
-            </a:r>
-            <a:endParaRPr lang="en-US" dirty="0">
-              <a:solidFill>
-                <a:sysClr val="windowText" lastClr="000000"/>
-              </a:solidFill>
-            </a:endParaRPr>
-          </a:p>
-        </p:txBody>
-      </p:sp>
-      <p:sp>
-        <p:nvSpPr>
-          <p:cNvPr id="18" name="Rounded Rectangle 17"/>
-          <p:cNvSpPr/>
-          <p:nvPr/>
-        </p:nvSpPr>
-        <p:spPr>
-          <a:xfrm>
-            <a:off x="6891892" y="4808925"/>
-            <a:ext cx="2719388" cy="858764"/>
-          </a:xfrm>
-          <a:prstGeom prst="roundRect">
-            <a:avLst/>
-          </a:prstGeom>
-          <a:solidFill>
-            <a:srgbClr val="7030A0">
-              <a:alpha val="30196"/>
-            </a:srgbClr>
-          </a:solidFill>
-        </p:spPr>
-        <p:style>
-          <a:lnRef idx="2">
-            <a:schemeClr val="accent1">
-              <a:shade val="50000"/>
-            </a:schemeClr>
-          </a:lnRef>
-          <a:fillRef idx="1">
-            <a:schemeClr val="accent1"/>
-          </a:fillRef>
-          <a:effectRef idx="0">
-            <a:schemeClr val="accent1"/>
-          </a:effectRef>
-          <a:fontRef idx="minor">
-            <a:schemeClr val="lt1"/>
-          </a:fontRef>
-        </p:style>
-        <p:txBody>
-          <a:bodyPr rtlCol="0" anchor="ctr"/>
-          <a:lstStyle/>
-          <a:p>
-            <a:pPr algn="ctr"/>
-            <a:r>
-              <a:rPr lang="en-US" dirty="0" smtClean="0">
-                <a:solidFill>
-                  <a:sysClr val="windowText" lastClr="000000"/>
-                </a:solidFill>
-              </a:rPr>
-              <a:t>Computers</a:t>
-            </a:r>
-            <a:endParaRPr lang="en-US" dirty="0">
-              <a:solidFill>
-                <a:sysClr val="windowText" lastClr="000000"/>
-              </a:solidFill>
-            </a:endParaRPr>
-          </a:p>
-        </p:txBody>
-      </p:sp>
-    </p:spTree>
-    <p:extLst>
-      <p:ext uri="{BB962C8B-B14F-4D97-AF65-F5344CB8AC3E}">
-        <p14:creationId xmlns:p14="http://schemas.microsoft.com/office/powerpoint/2010/main" val="3356885097"/>
       </p:ext>
     </p:extLst>
   </p:cSld>
@@ -6287,6 +7702,514 @@
       </p:sp>
       <p:sp>
         <p:nvSpPr>
+          <p:cNvPr id="5" name="TextBox 4"/>
+          <p:cNvSpPr txBox="1"/>
+          <p:nvPr/>
+        </p:nvSpPr>
+        <p:spPr>
+          <a:xfrm>
+            <a:off x="216789" y="2014730"/>
+            <a:ext cx="6269736" cy="646331"/>
+          </a:xfrm>
+          <a:prstGeom prst="rect">
+            <a:avLst/>
+          </a:prstGeom>
+          <a:noFill/>
+        </p:spPr>
+        <p:txBody>
+          <a:bodyPr wrap="square" rtlCol="0">
+            <a:spAutoFit/>
+          </a:bodyPr>
+          <a:lstStyle/>
+          <a:p>
+            <a:r>
+              <a:rPr lang="en-US" sz="3600" dirty="0" smtClean="0"/>
+              <a:t>Behaviorism / Psychology  </a:t>
+            </a:r>
+            <a:endParaRPr lang="en-US" sz="3600" dirty="0"/>
+          </a:p>
+        </p:txBody>
+      </p:sp>
+      <p:sp>
+        <p:nvSpPr>
+          <p:cNvPr id="6" name="TextBox 5"/>
+          <p:cNvSpPr txBox="1"/>
+          <p:nvPr/>
+        </p:nvSpPr>
+        <p:spPr>
+          <a:xfrm>
+            <a:off x="216789" y="3696878"/>
+            <a:ext cx="4597400" cy="646331"/>
+          </a:xfrm>
+          <a:prstGeom prst="rect">
+            <a:avLst/>
+          </a:prstGeom>
+          <a:noFill/>
+        </p:spPr>
+        <p:txBody>
+          <a:bodyPr wrap="square" rtlCol="0">
+            <a:spAutoFit/>
+          </a:bodyPr>
+          <a:lstStyle/>
+          <a:p>
+            <a:r>
+              <a:rPr lang="en-US" sz="3600" dirty="0" smtClean="0"/>
+              <a:t>Philosophy / Math</a:t>
+            </a:r>
+            <a:endParaRPr lang="en-US" sz="3600" dirty="0"/>
+          </a:p>
+        </p:txBody>
+      </p:sp>
+      <p:sp>
+        <p:nvSpPr>
+          <p:cNvPr id="7" name="TextBox 6"/>
+          <p:cNvSpPr txBox="1"/>
+          <p:nvPr/>
+        </p:nvSpPr>
+        <p:spPr>
+          <a:xfrm>
+            <a:off x="216789" y="5238307"/>
+            <a:ext cx="3543300" cy="646331"/>
+          </a:xfrm>
+          <a:prstGeom prst="rect">
+            <a:avLst/>
+          </a:prstGeom>
+          <a:noFill/>
+        </p:spPr>
+        <p:txBody>
+          <a:bodyPr wrap="square" rtlCol="0">
+            <a:spAutoFit/>
+          </a:bodyPr>
+          <a:lstStyle/>
+          <a:p>
+            <a:r>
+              <a:rPr lang="en-US" sz="3600" dirty="0" smtClean="0"/>
+              <a:t>Physiology?</a:t>
+            </a:r>
+            <a:endParaRPr lang="en-US" sz="3600" dirty="0"/>
+          </a:p>
+        </p:txBody>
+      </p:sp>
+      <p:sp>
+        <p:nvSpPr>
+          <p:cNvPr id="12" name="Rounded Rectangle 11"/>
+          <p:cNvSpPr/>
+          <p:nvPr/>
+        </p:nvSpPr>
+        <p:spPr>
+          <a:xfrm>
+            <a:off x="216789" y="3505313"/>
+            <a:ext cx="2631186" cy="1013727"/>
+          </a:xfrm>
+          <a:prstGeom prst="roundRect">
+            <a:avLst/>
+          </a:prstGeom>
+          <a:solidFill>
+            <a:srgbClr val="92D050">
+              <a:alpha val="30196"/>
+            </a:srgbClr>
+          </a:solidFill>
+        </p:spPr>
+        <p:style>
+          <a:lnRef idx="2">
+            <a:schemeClr val="accent1">
+              <a:shade val="50000"/>
+            </a:schemeClr>
+          </a:lnRef>
+          <a:fillRef idx="1">
+            <a:schemeClr val="accent1"/>
+          </a:fillRef>
+          <a:effectRef idx="0">
+            <a:schemeClr val="accent1"/>
+          </a:effectRef>
+          <a:fontRef idx="minor">
+            <a:schemeClr val="lt1"/>
+          </a:fontRef>
+        </p:style>
+        <p:txBody>
+          <a:bodyPr rtlCol="0" anchor="ctr"/>
+          <a:lstStyle/>
+          <a:p>
+            <a:pPr algn="ctr"/>
+            <a:endParaRPr lang="en-US"/>
+          </a:p>
+        </p:txBody>
+      </p:sp>
+      <p:sp>
+        <p:nvSpPr>
+          <p:cNvPr id="13" name="Rounded Rectangle 12"/>
+          <p:cNvSpPr/>
+          <p:nvPr/>
+        </p:nvSpPr>
+        <p:spPr>
+          <a:xfrm>
+            <a:off x="216788" y="1816654"/>
+            <a:ext cx="2926461" cy="1013727"/>
+          </a:xfrm>
+          <a:prstGeom prst="roundRect">
+            <a:avLst/>
+          </a:prstGeom>
+          <a:solidFill>
+            <a:srgbClr val="92D050">
+              <a:alpha val="30196"/>
+            </a:srgbClr>
+          </a:solidFill>
+        </p:spPr>
+        <p:style>
+          <a:lnRef idx="2">
+            <a:schemeClr val="accent1">
+              <a:shade val="50000"/>
+            </a:schemeClr>
+          </a:lnRef>
+          <a:fillRef idx="1">
+            <a:schemeClr val="accent1"/>
+          </a:fillRef>
+          <a:effectRef idx="0">
+            <a:schemeClr val="accent1"/>
+          </a:effectRef>
+          <a:fontRef idx="minor">
+            <a:schemeClr val="lt1"/>
+          </a:fontRef>
+        </p:style>
+        <p:txBody>
+          <a:bodyPr rtlCol="0" anchor="ctr"/>
+          <a:lstStyle/>
+          <a:p>
+            <a:pPr algn="ctr"/>
+            <a:endParaRPr lang="en-US"/>
+          </a:p>
+        </p:txBody>
+      </p:sp>
+      <p:sp>
+        <p:nvSpPr>
+          <p:cNvPr id="14" name="Rounded Rectangle 13"/>
+          <p:cNvSpPr/>
+          <p:nvPr/>
+        </p:nvSpPr>
+        <p:spPr>
+          <a:xfrm>
+            <a:off x="3453923" y="1806341"/>
+            <a:ext cx="2603977" cy="940112"/>
+          </a:xfrm>
+          <a:prstGeom prst="roundRect">
+            <a:avLst/>
+          </a:prstGeom>
+          <a:solidFill>
+            <a:srgbClr val="92D050">
+              <a:alpha val="30196"/>
+            </a:srgbClr>
+          </a:solidFill>
+        </p:spPr>
+        <p:style>
+          <a:lnRef idx="2">
+            <a:schemeClr val="accent1">
+              <a:shade val="50000"/>
+            </a:schemeClr>
+          </a:lnRef>
+          <a:fillRef idx="1">
+            <a:schemeClr val="accent1"/>
+          </a:fillRef>
+          <a:effectRef idx="0">
+            <a:schemeClr val="accent1"/>
+          </a:effectRef>
+          <a:fontRef idx="minor">
+            <a:schemeClr val="lt1"/>
+          </a:fontRef>
+        </p:style>
+        <p:txBody>
+          <a:bodyPr rtlCol="0" anchor="ctr"/>
+          <a:lstStyle/>
+          <a:p>
+            <a:pPr algn="ctr"/>
+            <a:endParaRPr lang="en-US"/>
+          </a:p>
+        </p:txBody>
+      </p:sp>
+      <p:sp>
+        <p:nvSpPr>
+          <p:cNvPr id="15" name="Rounded Rectangle 14"/>
+          <p:cNvSpPr/>
+          <p:nvPr/>
+        </p:nvSpPr>
+        <p:spPr>
+          <a:xfrm>
+            <a:off x="3143249" y="3549648"/>
+            <a:ext cx="1362076" cy="858764"/>
+          </a:xfrm>
+          <a:prstGeom prst="roundRect">
+            <a:avLst/>
+          </a:prstGeom>
+          <a:solidFill>
+            <a:srgbClr val="7030A0">
+              <a:alpha val="30196"/>
+            </a:srgbClr>
+          </a:solidFill>
+        </p:spPr>
+        <p:style>
+          <a:lnRef idx="2">
+            <a:schemeClr val="accent1">
+              <a:shade val="50000"/>
+            </a:schemeClr>
+          </a:lnRef>
+          <a:fillRef idx="1">
+            <a:schemeClr val="accent1"/>
+          </a:fillRef>
+          <a:effectRef idx="0">
+            <a:schemeClr val="accent1"/>
+          </a:effectRef>
+          <a:fontRef idx="minor">
+            <a:schemeClr val="lt1"/>
+          </a:fontRef>
+        </p:style>
+        <p:txBody>
+          <a:bodyPr rtlCol="0" anchor="ctr"/>
+          <a:lstStyle/>
+          <a:p>
+            <a:pPr algn="ctr"/>
+            <a:endParaRPr lang="en-US"/>
+          </a:p>
+        </p:txBody>
+      </p:sp>
+      <p:sp>
+        <p:nvSpPr>
+          <p:cNvPr id="16" name="Rounded Rectangle 15"/>
+          <p:cNvSpPr/>
+          <p:nvPr/>
+        </p:nvSpPr>
+        <p:spPr>
+          <a:xfrm>
+            <a:off x="170305" y="5132090"/>
+            <a:ext cx="2830069" cy="858764"/>
+          </a:xfrm>
+          <a:prstGeom prst="roundRect">
+            <a:avLst/>
+          </a:prstGeom>
+          <a:solidFill>
+            <a:srgbClr val="7030A0">
+              <a:alpha val="30196"/>
+            </a:srgbClr>
+          </a:solidFill>
+        </p:spPr>
+        <p:style>
+          <a:lnRef idx="2">
+            <a:schemeClr val="accent1">
+              <a:shade val="50000"/>
+            </a:schemeClr>
+          </a:lnRef>
+          <a:fillRef idx="1">
+            <a:schemeClr val="accent1"/>
+          </a:fillRef>
+          <a:effectRef idx="0">
+            <a:schemeClr val="accent1"/>
+          </a:effectRef>
+          <a:fontRef idx="minor">
+            <a:schemeClr val="lt1"/>
+          </a:fontRef>
+        </p:style>
+        <p:txBody>
+          <a:bodyPr rtlCol="0" anchor="ctr"/>
+          <a:lstStyle/>
+          <a:p>
+            <a:pPr algn="ctr"/>
+            <a:endParaRPr lang="en-US"/>
+          </a:p>
+        </p:txBody>
+      </p:sp>
+      <p:sp>
+        <p:nvSpPr>
+          <p:cNvPr id="17" name="Rounded Rectangle 16"/>
+          <p:cNvSpPr/>
+          <p:nvPr/>
+        </p:nvSpPr>
+        <p:spPr>
+          <a:xfrm>
+            <a:off x="6949598" y="2559262"/>
+            <a:ext cx="2603977" cy="940112"/>
+          </a:xfrm>
+          <a:prstGeom prst="roundRect">
+            <a:avLst/>
+          </a:prstGeom>
+          <a:solidFill>
+            <a:srgbClr val="92D050">
+              <a:alpha val="30196"/>
+            </a:srgbClr>
+          </a:solidFill>
+        </p:spPr>
+        <p:style>
+          <a:lnRef idx="2">
+            <a:schemeClr val="accent1">
+              <a:shade val="50000"/>
+            </a:schemeClr>
+          </a:lnRef>
+          <a:fillRef idx="1">
+            <a:schemeClr val="accent1"/>
+          </a:fillRef>
+          <a:effectRef idx="0">
+            <a:schemeClr val="accent1"/>
+          </a:effectRef>
+          <a:fontRef idx="minor">
+            <a:schemeClr val="lt1"/>
+          </a:fontRef>
+        </p:style>
+        <p:txBody>
+          <a:bodyPr rtlCol="0" anchor="ctr"/>
+          <a:lstStyle/>
+          <a:p>
+            <a:pPr algn="ctr"/>
+            <a:r>
+              <a:rPr lang="en-US" dirty="0" smtClean="0">
+                <a:solidFill>
+                  <a:sysClr val="windowText" lastClr="000000"/>
+                </a:solidFill>
+              </a:rPr>
+              <a:t>Biology</a:t>
+            </a:r>
+            <a:endParaRPr lang="en-US" dirty="0">
+              <a:solidFill>
+                <a:sysClr val="windowText" lastClr="000000"/>
+              </a:solidFill>
+            </a:endParaRPr>
+          </a:p>
+        </p:txBody>
+      </p:sp>
+      <p:sp>
+        <p:nvSpPr>
+          <p:cNvPr id="18" name="Rounded Rectangle 17"/>
+          <p:cNvSpPr/>
+          <p:nvPr/>
+        </p:nvSpPr>
+        <p:spPr>
+          <a:xfrm>
+            <a:off x="6891892" y="4808925"/>
+            <a:ext cx="2719388" cy="858764"/>
+          </a:xfrm>
+          <a:prstGeom prst="roundRect">
+            <a:avLst/>
+          </a:prstGeom>
+          <a:solidFill>
+            <a:srgbClr val="7030A0">
+              <a:alpha val="30196"/>
+            </a:srgbClr>
+          </a:solidFill>
+        </p:spPr>
+        <p:style>
+          <a:lnRef idx="2">
+            <a:schemeClr val="accent1">
+              <a:shade val="50000"/>
+            </a:schemeClr>
+          </a:lnRef>
+          <a:fillRef idx="1">
+            <a:schemeClr val="accent1"/>
+          </a:fillRef>
+          <a:effectRef idx="0">
+            <a:schemeClr val="accent1"/>
+          </a:effectRef>
+          <a:fontRef idx="minor">
+            <a:schemeClr val="lt1"/>
+          </a:fontRef>
+        </p:style>
+        <p:txBody>
+          <a:bodyPr rtlCol="0" anchor="ctr"/>
+          <a:lstStyle/>
+          <a:p>
+            <a:pPr algn="ctr"/>
+            <a:r>
+              <a:rPr lang="en-US" dirty="0" smtClean="0">
+                <a:solidFill>
+                  <a:sysClr val="windowText" lastClr="000000"/>
+                </a:solidFill>
+              </a:rPr>
+              <a:t>Computers</a:t>
+            </a:r>
+            <a:endParaRPr lang="en-US" dirty="0">
+              <a:solidFill>
+                <a:sysClr val="windowText" lastClr="000000"/>
+              </a:solidFill>
+            </a:endParaRPr>
+          </a:p>
+        </p:txBody>
+      </p:sp>
+    </p:spTree>
+    <p:extLst>
+      <p:ext uri="{BB962C8B-B14F-4D97-AF65-F5344CB8AC3E}">
+        <p14:creationId xmlns:p14="http://schemas.microsoft.com/office/powerpoint/2010/main" val="3356885097"/>
+      </p:ext>
+    </p:extLst>
+  </p:cSld>
+  <p:clrMapOvr>
+    <a:masterClrMapping/>
+  </p:clrMapOvr>
+  <p:timing>
+    <p:tnLst>
+      <p:par>
+        <p:cTn id="1" dur="indefinite" restart="never" nodeType="tmRoot"/>
+      </p:par>
+    </p:tnLst>
+  </p:timing>
+</p:sld>
+</file>
+
+<file path=ppt/slides/slide18.xml><?xml version="1.0" encoding="utf-8"?>
+<p:sld xmlns:a="http://schemas.openxmlformats.org/drawingml/2006/main" xmlns:r="http://schemas.openxmlformats.org/officeDocument/2006/relationships" xmlns:p="http://schemas.openxmlformats.org/presentationml/2006/main">
+  <p:cSld>
+    <p:bg>
+      <p:bgPr>
+        <a:solidFill>
+          <a:schemeClr val="accent3">
+            <a:lumMod val="20000"/>
+            <a:lumOff val="80000"/>
+          </a:schemeClr>
+        </a:solidFill>
+        <a:effectLst/>
+      </p:bgPr>
+    </p:bg>
+    <p:spTree>
+      <p:nvGrpSpPr>
+        <p:cNvPr id="1" name=""/>
+        <p:cNvGrpSpPr/>
+        <p:nvPr/>
+      </p:nvGrpSpPr>
+      <p:grpSpPr>
+        <a:xfrm>
+          <a:off x="0" y="0"/>
+          <a:ext cx="0" cy="0"/>
+          <a:chOff x="0" y="0"/>
+          <a:chExt cx="0" cy="0"/>
+        </a:xfrm>
+      </p:grpSpPr>
+      <p:sp>
+        <p:nvSpPr>
+          <p:cNvPr id="2" name="Title 1"/>
+          <p:cNvSpPr>
+            <a:spLocks noGrp="1"/>
+          </p:cNvSpPr>
+          <p:nvPr>
+            <p:ph type="title"/>
+          </p:nvPr>
+        </p:nvSpPr>
+        <p:spPr/>
+        <p:txBody>
+          <a:bodyPr/>
+          <a:lstStyle/>
+          <a:p>
+            <a:r>
+              <a:rPr lang="en-US" dirty="0" smtClean="0">
+                <a:solidFill>
+                  <a:schemeClr val="tx2"/>
+                </a:solidFill>
+              </a:rPr>
+              <a:t>1950s-1999</a:t>
+            </a:r>
+            <a:endParaRPr lang="en-US" dirty="0">
+              <a:solidFill>
+                <a:schemeClr val="tx2"/>
+              </a:solidFill>
+            </a:endParaRPr>
+          </a:p>
+        </p:txBody>
+      </p:sp>
+      <p:sp>
+        <p:nvSpPr>
           <p:cNvPr id="3" name="Content Placeholder 2"/>
           <p:cNvSpPr>
             <a:spLocks noGrp="1"/>
@@ -6515,7 +8438,7 @@
 </p:sld>
 </file>
 
-<file path=ppt/slides/slide18.xml><?xml version="1.0" encoding="utf-8"?>
+<file path=ppt/slides/slide19.xml><?xml version="1.0" encoding="utf-8"?>
 <p:sld xmlns:a="http://schemas.openxmlformats.org/drawingml/2006/main" xmlns:r="http://schemas.openxmlformats.org/officeDocument/2006/relationships" xmlns:p="http://schemas.openxmlformats.org/presentationml/2006/main">
   <p:cSld>
     <p:spTree>
@@ -6970,11 +8893,6 @@
               </a:rPr>
               <a:t>- white = now</a:t>
             </a:r>
-            <a:endParaRPr lang="en-US" sz="2000" b="1" dirty="0" smtClean="0">
-              <a:solidFill>
-                <a:srgbClr val="7030A0"/>
-              </a:solidFill>
-            </a:endParaRPr>
           </a:p>
           <a:p>
             <a:endParaRPr lang="en-US" sz="2000" b="1" dirty="0">
@@ -7155,9 +9073,196 @@
   <p:timing>
     <p:tnLst>
       <p:par>
-        <p:cTn id="1" dur="indefinite" restart="never" nodeType="tmRoot"/>
+        <p:cTn id="1" dur="indefinite" restart="never" nodeType="tmRoot">
+          <p:childTnLst>
+            <p:seq concurrent="1" nextAc="seek">
+              <p:cTn id="2" dur="indefinite" nodeType="mainSeq">
+                <p:childTnLst>
+                  <p:par>
+                    <p:cTn id="3" fill="hold">
+                      <p:stCondLst>
+                        <p:cond delay="indefinite"/>
+                      </p:stCondLst>
+                      <p:childTnLst>
+                        <p:par>
+                          <p:cTn id="4" fill="hold">
+                            <p:stCondLst>
+                              <p:cond delay="0"/>
+                            </p:stCondLst>
+                            <p:childTnLst>
+                              <p:par>
+                                <p:cTn id="5" presetID="10" presetClass="entr" presetSubtype="0" fill="hold" grpId="0" nodeType="clickEffect">
+                                  <p:stCondLst>
+                                    <p:cond delay="0"/>
+                                  </p:stCondLst>
+                                  <p:childTnLst>
+                                    <p:set>
+                                      <p:cBhvr>
+                                        <p:cTn id="6" dur="1" fill="hold">
+                                          <p:stCondLst>
+                                            <p:cond delay="0"/>
+                                          </p:stCondLst>
+                                        </p:cTn>
+                                        <p:tgtEl>
+                                          <p:spTgt spid="4"/>
+                                        </p:tgtEl>
+                                        <p:attrNameLst>
+                                          <p:attrName>style.visibility</p:attrName>
+                                        </p:attrNameLst>
+                                      </p:cBhvr>
+                                      <p:to>
+                                        <p:strVal val="visible"/>
+                                      </p:to>
+                                    </p:set>
+                                    <p:animEffect transition="in" filter="fade">
+                                      <p:cBhvr>
+                                        <p:cTn id="7" dur="500"/>
+                                        <p:tgtEl>
+                                          <p:spTgt spid="4"/>
+                                        </p:tgtEl>
+                                      </p:cBhvr>
+                                    </p:animEffect>
+                                  </p:childTnLst>
+                                </p:cTn>
+                              </p:par>
+                            </p:childTnLst>
+                          </p:cTn>
+                        </p:par>
+                      </p:childTnLst>
+                    </p:cTn>
+                  </p:par>
+                  <p:par>
+                    <p:cTn id="8" fill="hold">
+                      <p:stCondLst>
+                        <p:cond delay="indefinite"/>
+                      </p:stCondLst>
+                      <p:childTnLst>
+                        <p:par>
+                          <p:cTn id="9" fill="hold">
+                            <p:stCondLst>
+                              <p:cond delay="0"/>
+                            </p:stCondLst>
+                            <p:childTnLst>
+                              <p:par>
+                                <p:cTn id="10" presetID="10" presetClass="entr" presetSubtype="0" fill="hold" grpId="0" nodeType="clickEffect">
+                                  <p:stCondLst>
+                                    <p:cond delay="0"/>
+                                  </p:stCondLst>
+                                  <p:childTnLst>
+                                    <p:set>
+                                      <p:cBhvr>
+                                        <p:cTn id="11" dur="1" fill="hold">
+                                          <p:stCondLst>
+                                            <p:cond delay="0"/>
+                                          </p:stCondLst>
+                                        </p:cTn>
+                                        <p:tgtEl>
+                                          <p:spTgt spid="5"/>
+                                        </p:tgtEl>
+                                        <p:attrNameLst>
+                                          <p:attrName>style.visibility</p:attrName>
+                                        </p:attrNameLst>
+                                      </p:cBhvr>
+                                      <p:to>
+                                        <p:strVal val="visible"/>
+                                      </p:to>
+                                    </p:set>
+                                    <p:animEffect transition="in" filter="fade">
+                                      <p:cBhvr>
+                                        <p:cTn id="12" dur="500"/>
+                                        <p:tgtEl>
+                                          <p:spTgt spid="5"/>
+                                        </p:tgtEl>
+                                      </p:cBhvr>
+                                    </p:animEffect>
+                                  </p:childTnLst>
+                                </p:cTn>
+                              </p:par>
+                            </p:childTnLst>
+                          </p:cTn>
+                        </p:par>
+                      </p:childTnLst>
+                    </p:cTn>
+                  </p:par>
+                  <p:par>
+                    <p:cTn id="13" fill="hold">
+                      <p:stCondLst>
+                        <p:cond delay="indefinite"/>
+                      </p:stCondLst>
+                      <p:childTnLst>
+                        <p:par>
+                          <p:cTn id="14" fill="hold">
+                            <p:stCondLst>
+                              <p:cond delay="0"/>
+                            </p:stCondLst>
+                            <p:childTnLst>
+                              <p:par>
+                                <p:cTn id="15" presetID="10" presetClass="entr" presetSubtype="0" fill="hold" grpId="0" nodeType="clickEffect">
+                                  <p:stCondLst>
+                                    <p:cond delay="0"/>
+                                  </p:stCondLst>
+                                  <p:childTnLst>
+                                    <p:set>
+                                      <p:cBhvr>
+                                        <p:cTn id="16" dur="1" fill="hold">
+                                          <p:stCondLst>
+                                            <p:cond delay="0"/>
+                                          </p:stCondLst>
+                                        </p:cTn>
+                                        <p:tgtEl>
+                                          <p:spTgt spid="6"/>
+                                        </p:tgtEl>
+                                        <p:attrNameLst>
+                                          <p:attrName>style.visibility</p:attrName>
+                                        </p:attrNameLst>
+                                      </p:cBhvr>
+                                      <p:to>
+                                        <p:strVal val="visible"/>
+                                      </p:to>
+                                    </p:set>
+                                    <p:animEffect transition="in" filter="fade">
+                                      <p:cBhvr>
+                                        <p:cTn id="17" dur="500"/>
+                                        <p:tgtEl>
+                                          <p:spTgt spid="6"/>
+                                        </p:tgtEl>
+                                      </p:cBhvr>
+                                    </p:animEffect>
+                                  </p:childTnLst>
+                                </p:cTn>
+                              </p:par>
+                            </p:childTnLst>
+                          </p:cTn>
+                        </p:par>
+                      </p:childTnLst>
+                    </p:cTn>
+                  </p:par>
+                </p:childTnLst>
+              </p:cTn>
+              <p:prevCondLst>
+                <p:cond evt="onPrev" delay="0">
+                  <p:tgtEl>
+                    <p:sldTgt/>
+                  </p:tgtEl>
+                </p:cond>
+              </p:prevCondLst>
+              <p:nextCondLst>
+                <p:cond evt="onNext" delay="0">
+                  <p:tgtEl>
+                    <p:sldTgt/>
+                  </p:tgtEl>
+                </p:cond>
+              </p:nextCondLst>
+            </p:seq>
+          </p:childTnLst>
+        </p:cTn>
       </p:par>
     </p:tnLst>
+    <p:bldLst>
+      <p:bldP spid="4" grpId="0" animBg="1"/>
+      <p:bldP spid="5" grpId="0" animBg="1"/>
+      <p:bldP spid="6" grpId="0" animBg="1"/>
+    </p:bldLst>
   </p:timing>
 </p:sld>
 </file>
@@ -7281,8 +9386,8 @@
         </p:blipFill>
         <p:spPr bwMode="auto">
           <a:xfrm>
-            <a:off x="849086" y="3299556"/>
-            <a:ext cx="3980196" cy="2974244"/>
+            <a:off x="296182" y="3299556"/>
+            <a:ext cx="3463018" cy="2587777"/>
           </a:xfrm>
           <a:prstGeom prst="rect">
             <a:avLst/>
@@ -7301,14 +9406,14 @@
       </p:pic>
       <p:pic>
         <p:nvPicPr>
-          <p:cNvPr id="2052" name="Picture 4" descr="Multisensory Research Volume 36 Issue 1 (2023)"/>
+          <p:cNvPr id="1026" name="Picture 2" descr="person about to touch the calm water"/>
           <p:cNvPicPr>
             <a:picLocks noChangeAspect="1" noChangeArrowheads="1"/>
           </p:cNvPicPr>
           <p:nvPr/>
         </p:nvPicPr>
         <p:blipFill>
-          <a:blip r:embed="rId4">
+          <a:blip r:embed="rId4" cstate="print">
             <a:extLst>
               <a:ext uri="{28A0092B-C50C-407E-A947-70E740481C1C}">
                 <a14:useLocalDpi xmlns:a14="http://schemas.microsoft.com/office/drawing/2010/main" val="0"/>
@@ -7322,8 +9427,90 @@
         </p:blipFill>
         <p:spPr bwMode="auto">
           <a:xfrm>
-            <a:off x="7855299" y="1689100"/>
-            <a:ext cx="2888901" cy="4381500"/>
+            <a:off x="4044840" y="3299555"/>
+            <a:ext cx="3881667" cy="2587777"/>
+          </a:xfrm>
+          <a:prstGeom prst="rect">
+            <a:avLst/>
+          </a:prstGeom>
+          <a:noFill/>
+          <a:extLst>
+            <a:ext uri="{909E8E84-426E-40DD-AFC4-6F175D3DCCD1}">
+              <a14:hiddenFill xmlns:a14="http://schemas.microsoft.com/office/drawing/2010/main">
+                <a:solidFill>
+                  <a:srgbClr val="FFFFFF"/>
+                </a:solidFill>
+              </a14:hiddenFill>
+            </a:ext>
+          </a:extLst>
+        </p:spPr>
+      </p:pic>
+      <p:pic>
+        <p:nvPicPr>
+          <p:cNvPr id="1028" name="Picture 4" descr="man in black crew neck t-shirt wearing black sunglasses holding black smartphone"/>
+          <p:cNvPicPr>
+            <a:picLocks noChangeAspect="1" noChangeArrowheads="1"/>
+          </p:cNvPicPr>
+          <p:nvPr/>
+        </p:nvPicPr>
+        <p:blipFill>
+          <a:blip r:embed="rId5" cstate="print">
+            <a:extLst>
+              <a:ext uri="{28A0092B-C50C-407E-A947-70E740481C1C}">
+                <a14:useLocalDpi xmlns:a14="http://schemas.microsoft.com/office/drawing/2010/main" val="0"/>
+              </a:ext>
+            </a:extLst>
+          </a:blip>
+          <a:srcRect/>
+          <a:stretch>
+            <a:fillRect/>
+          </a:stretch>
+        </p:blipFill>
+        <p:spPr bwMode="auto">
+          <a:xfrm>
+            <a:off x="8519795" y="3237558"/>
+            <a:ext cx="3603625" cy="3620442"/>
+          </a:xfrm>
+          <a:prstGeom prst="rect">
+            <a:avLst/>
+          </a:prstGeom>
+          <a:noFill/>
+          <a:extLst>
+            <a:ext uri="{909E8E84-426E-40DD-AFC4-6F175D3DCCD1}">
+              <a14:hiddenFill xmlns:a14="http://schemas.microsoft.com/office/drawing/2010/main">
+                <a:solidFill>
+                  <a:srgbClr val="FFFFFF"/>
+                </a:solidFill>
+              </a14:hiddenFill>
+            </a:ext>
+          </a:extLst>
+        </p:spPr>
+      </p:pic>
+      <p:pic>
+        <p:nvPicPr>
+          <p:cNvPr id="1030" name="Picture 6" descr="person holding pink and white dumbbells"/>
+          <p:cNvPicPr>
+            <a:picLocks noChangeAspect="1" noChangeArrowheads="1"/>
+          </p:cNvPicPr>
+          <p:nvPr/>
+        </p:nvPicPr>
+        <p:blipFill>
+          <a:blip r:embed="rId6" cstate="print">
+            <a:extLst>
+              <a:ext uri="{28A0092B-C50C-407E-A947-70E740481C1C}">
+                <a14:useLocalDpi xmlns:a14="http://schemas.microsoft.com/office/drawing/2010/main" val="0"/>
+              </a:ext>
+            </a:extLst>
+          </a:blip>
+          <a:srcRect/>
+          <a:stretch>
+            <a:fillRect/>
+          </a:stretch>
+        </p:blipFill>
+        <p:spPr bwMode="auto">
+          <a:xfrm>
+            <a:off x="9284387" y="38733"/>
+            <a:ext cx="2132550" cy="3198825"/>
           </a:xfrm>
           <a:prstGeom prst="rect">
             <a:avLst/>
@@ -7356,7 +9543,242 @@
   <p:timing>
     <p:tnLst>
       <p:par>
-        <p:cTn id="1" dur="indefinite" restart="never" nodeType="tmRoot"/>
+        <p:cTn id="1" dur="indefinite" restart="never" nodeType="tmRoot">
+          <p:childTnLst>
+            <p:seq concurrent="1" nextAc="seek">
+              <p:cTn id="2" dur="indefinite" nodeType="mainSeq">
+                <p:childTnLst>
+                  <p:par>
+                    <p:cTn id="3" fill="hold">
+                      <p:stCondLst>
+                        <p:cond delay="indefinite"/>
+                      </p:stCondLst>
+                      <p:childTnLst>
+                        <p:par>
+                          <p:cTn id="4" fill="hold">
+                            <p:stCondLst>
+                              <p:cond delay="0"/>
+                            </p:stCondLst>
+                            <p:childTnLst>
+                              <p:par>
+                                <p:cTn id="5" presetID="10" presetClass="entr" presetSubtype="0" fill="hold" nodeType="clickEffect">
+                                  <p:stCondLst>
+                                    <p:cond delay="0"/>
+                                  </p:stCondLst>
+                                  <p:childTnLst>
+                                    <p:set>
+                                      <p:cBhvr>
+                                        <p:cTn id="6" dur="1" fill="hold">
+                                          <p:stCondLst>
+                                            <p:cond delay="0"/>
+                                          </p:stCondLst>
+                                        </p:cTn>
+                                        <p:tgtEl>
+                                          <p:spTgt spid="2050"/>
+                                        </p:tgtEl>
+                                        <p:attrNameLst>
+                                          <p:attrName>style.visibility</p:attrName>
+                                        </p:attrNameLst>
+                                      </p:cBhvr>
+                                      <p:to>
+                                        <p:strVal val="visible"/>
+                                      </p:to>
+                                    </p:set>
+                                    <p:animEffect transition="in" filter="fade">
+                                      <p:cBhvr>
+                                        <p:cTn id="7" dur="500"/>
+                                        <p:tgtEl>
+                                          <p:spTgt spid="2050"/>
+                                        </p:tgtEl>
+                                      </p:cBhvr>
+                                    </p:animEffect>
+                                  </p:childTnLst>
+                                </p:cTn>
+                              </p:par>
+                            </p:childTnLst>
+                          </p:cTn>
+                        </p:par>
+                      </p:childTnLst>
+                    </p:cTn>
+                  </p:par>
+                  <p:par>
+                    <p:cTn id="8" fill="hold">
+                      <p:stCondLst>
+                        <p:cond delay="indefinite"/>
+                      </p:stCondLst>
+                      <p:childTnLst>
+                        <p:par>
+                          <p:cTn id="9" fill="hold">
+                            <p:stCondLst>
+                              <p:cond delay="0"/>
+                            </p:stCondLst>
+                            <p:childTnLst>
+                              <p:par>
+                                <p:cTn id="10" presetID="10" presetClass="entr" presetSubtype="0" fill="hold" nodeType="clickEffect">
+                                  <p:stCondLst>
+                                    <p:cond delay="0"/>
+                                  </p:stCondLst>
+                                  <p:childTnLst>
+                                    <p:set>
+                                      <p:cBhvr>
+                                        <p:cTn id="11" dur="1" fill="hold">
+                                          <p:stCondLst>
+                                            <p:cond delay="0"/>
+                                          </p:stCondLst>
+                                        </p:cTn>
+                                        <p:tgtEl>
+                                          <p:spTgt spid="1026"/>
+                                        </p:tgtEl>
+                                        <p:attrNameLst>
+                                          <p:attrName>style.visibility</p:attrName>
+                                        </p:attrNameLst>
+                                      </p:cBhvr>
+                                      <p:to>
+                                        <p:strVal val="visible"/>
+                                      </p:to>
+                                    </p:set>
+                                    <p:animEffect transition="in" filter="fade">
+                                      <p:cBhvr>
+                                        <p:cTn id="12" dur="500"/>
+                                        <p:tgtEl>
+                                          <p:spTgt spid="1026"/>
+                                        </p:tgtEl>
+                                      </p:cBhvr>
+                                    </p:animEffect>
+                                  </p:childTnLst>
+                                </p:cTn>
+                              </p:par>
+                            </p:childTnLst>
+                          </p:cTn>
+                        </p:par>
+                      </p:childTnLst>
+                    </p:cTn>
+                  </p:par>
+                  <p:par>
+                    <p:cTn id="13" fill="hold">
+                      <p:stCondLst>
+                        <p:cond delay="indefinite"/>
+                      </p:stCondLst>
+                      <p:childTnLst>
+                        <p:par>
+                          <p:cTn id="14" fill="hold">
+                            <p:stCondLst>
+                              <p:cond delay="0"/>
+                            </p:stCondLst>
+                            <p:childTnLst>
+                              <p:par>
+                                <p:cTn id="15" presetID="10" presetClass="entr" presetSubtype="0" fill="hold" nodeType="clickEffect">
+                                  <p:stCondLst>
+                                    <p:cond delay="0"/>
+                                  </p:stCondLst>
+                                  <p:childTnLst>
+                                    <p:set>
+                                      <p:cBhvr>
+                                        <p:cTn id="16" dur="1" fill="hold">
+                                          <p:stCondLst>
+                                            <p:cond delay="0"/>
+                                          </p:stCondLst>
+                                        </p:cTn>
+                                        <p:tgtEl>
+                                          <p:spTgt spid="1028"/>
+                                        </p:tgtEl>
+                                        <p:attrNameLst>
+                                          <p:attrName>style.visibility</p:attrName>
+                                        </p:attrNameLst>
+                                      </p:cBhvr>
+                                      <p:to>
+                                        <p:strVal val="visible"/>
+                                      </p:to>
+                                    </p:set>
+                                    <p:animEffect transition="in" filter="fade">
+                                      <p:cBhvr>
+                                        <p:cTn id="17" dur="500"/>
+                                        <p:tgtEl>
+                                          <p:spTgt spid="1028"/>
+                                        </p:tgtEl>
+                                      </p:cBhvr>
+                                    </p:animEffect>
+                                  </p:childTnLst>
+                                </p:cTn>
+                              </p:par>
+                            </p:childTnLst>
+                          </p:cTn>
+                        </p:par>
+                      </p:childTnLst>
+                    </p:cTn>
+                  </p:par>
+                  <p:par>
+                    <p:cTn id="18" fill="hold">
+                      <p:stCondLst>
+                        <p:cond delay="indefinite"/>
+                      </p:stCondLst>
+                      <p:childTnLst>
+                        <p:par>
+                          <p:cTn id="19" fill="hold">
+                            <p:stCondLst>
+                              <p:cond delay="0"/>
+                            </p:stCondLst>
+                            <p:childTnLst>
+                              <p:par>
+                                <p:cTn id="20" presetID="10" presetClass="entr" presetSubtype="0" fill="hold" nodeType="clickEffect">
+                                  <p:stCondLst>
+                                    <p:cond delay="0"/>
+                                  </p:stCondLst>
+                                  <p:childTnLst>
+                                    <p:set>
+                                      <p:cBhvr>
+                                        <p:cTn id="21" dur="1" fill="hold">
+                                          <p:stCondLst>
+                                            <p:cond delay="0"/>
+                                          </p:stCondLst>
+                                        </p:cTn>
+                                        <p:tgtEl>
+                                          <p:spTgt spid="1030"/>
+                                        </p:tgtEl>
+                                        <p:attrNameLst>
+                                          <p:attrName>style.visibility</p:attrName>
+                                        </p:attrNameLst>
+                                      </p:cBhvr>
+                                      <p:to>
+                                        <p:strVal val="visible"/>
+                                      </p:to>
+                                    </p:set>
+                                    <p:animEffect transition="in" filter="fade">
+                                      <p:cBhvr>
+                                        <p:cTn id="22" dur="500"/>
+                                        <p:tgtEl>
+                                          <p:spTgt spid="1030"/>
+                                        </p:tgtEl>
+                                      </p:cBhvr>
+                                    </p:animEffect>
+                                  </p:childTnLst>
+                                </p:cTn>
+                              </p:par>
+                            </p:childTnLst>
+                          </p:cTn>
+                        </p:par>
+                      </p:childTnLst>
+                    </p:cTn>
+                  </p:par>
+                </p:childTnLst>
+              </p:cTn>
+              <p:prevCondLst>
+                <p:cond evt="onPrev" delay="0">
+                  <p:tgtEl>
+                    <p:sldTgt/>
+                  </p:tgtEl>
+                </p:cond>
+              </p:prevCondLst>
+              <p:nextCondLst>
+                <p:cond evt="onNext" delay="0">
+                  <p:tgtEl>
+                    <p:sldTgt/>
+                  </p:tgtEl>
+                </p:cond>
+              </p:nextCondLst>
+            </p:seq>
+          </p:childTnLst>
+        </p:cTn>
       </p:par>
     </p:tnLst>
   </p:timing>
@@ -7409,15 +9831,7 @@
                   <a:schemeClr val="bg1"/>
                 </a:solidFill>
               </a:rPr>
-              <a:t>Ancient </a:t>
-            </a:r>
-            <a:r>
-              <a:rPr lang="en-US" dirty="0" smtClean="0">
-                <a:solidFill>
-                  <a:schemeClr val="bg1"/>
-                </a:solidFill>
-              </a:rPr>
-              <a:t>Philosophers - Sense</a:t>
+              <a:t>Ancient Philosophers - Sense</a:t>
             </a:r>
             <a:endParaRPr lang="en-US" dirty="0">
               <a:solidFill>
@@ -7517,8 +9931,8 @@
         </p:nvSpPr>
         <p:spPr>
           <a:xfrm>
-            <a:off x="0" y="3267434"/>
-            <a:ext cx="2560320" cy="646331"/>
+            <a:off x="0" y="2275056"/>
+            <a:ext cx="2560320" cy="1508105"/>
           </a:xfrm>
           <a:prstGeom prst="rect">
             <a:avLst/>
@@ -7539,7 +9953,17 @@
               </a:rPr>
               <a:t>Plato</a:t>
             </a:r>
-            <a:endParaRPr lang="en-US" sz="3600" dirty="0">
+          </a:p>
+          <a:p>
+            <a:r>
+              <a:rPr lang="en-US" sz="2800" dirty="0" smtClean="0">
+                <a:solidFill>
+                  <a:schemeClr val="bg1"/>
+                </a:solidFill>
+              </a:rPr>
+              <a:t>(430 BCE – 350 BCE)</a:t>
+            </a:r>
+            <a:endParaRPr lang="en-US" sz="2800" dirty="0">
               <a:solidFill>
                 <a:schemeClr val="bg1"/>
               </a:solidFill>
@@ -7555,8 +9979,8 @@
         </p:nvSpPr>
         <p:spPr>
           <a:xfrm>
-            <a:off x="7285991" y="6211669"/>
-            <a:ext cx="2157216" cy="646331"/>
+            <a:off x="3792647" y="6211669"/>
+            <a:ext cx="5766557" cy="1200329"/>
           </a:xfrm>
           <a:prstGeom prst="rect">
             <a:avLst/>
@@ -7575,7 +9999,49 @@
                   <a:schemeClr val="bg1"/>
                 </a:solidFill>
               </a:rPr>
-              <a:t>Aristotle</a:t>
+              <a:t>Aristotle </a:t>
+            </a:r>
+            <a:r>
+              <a:rPr lang="en-US" sz="2800" dirty="0" smtClean="0">
+                <a:solidFill>
+                  <a:schemeClr val="bg1"/>
+                </a:solidFill>
+              </a:rPr>
+              <a:t>(380 </a:t>
+            </a:r>
+            <a:r>
+              <a:rPr lang="en-US" sz="2800" dirty="0">
+                <a:solidFill>
+                  <a:schemeClr val="bg1"/>
+                </a:solidFill>
+              </a:rPr>
+              <a:t>BCE – </a:t>
+            </a:r>
+            <a:r>
+              <a:rPr lang="en-US" sz="2800" dirty="0" smtClean="0">
+                <a:solidFill>
+                  <a:schemeClr val="bg1"/>
+                </a:solidFill>
+              </a:rPr>
+              <a:t>320 </a:t>
+            </a:r>
+            <a:r>
+              <a:rPr lang="en-US" sz="2800" dirty="0">
+                <a:solidFill>
+                  <a:schemeClr val="bg1"/>
+                </a:solidFill>
+              </a:rPr>
+              <a:t>BCE)</a:t>
+            </a:r>
+          </a:p>
+          <a:p>
+            <a:r>
+              <a:rPr lang="en-US" sz="3600" dirty="0" smtClean="0">
+                <a:solidFill>
+                  <a:schemeClr val="bg1"/>
+                </a:solidFill>
+              </a:rPr>
+              <a:t> </a:t>
             </a:r>
             <a:endParaRPr lang="en-US" sz="3600" dirty="0">
               <a:solidFill>
@@ -7593,7 +10059,7 @@
         </p:nvSpPr>
         <p:spPr>
           <a:xfrm>
-            <a:off x="1347082" y="2131141"/>
+            <a:off x="1729124" y="2161868"/>
             <a:ext cx="4219956" cy="2773399"/>
           </a:xfrm>
           <a:prstGeom prst="cloud">
@@ -7631,7 +10097,7 @@
         </p:nvSpPr>
         <p:spPr>
           <a:xfrm rot="20092306">
-            <a:off x="1773784" y="2749415"/>
+            <a:off x="1890461" y="2837893"/>
             <a:ext cx="2072640" cy="369332"/>
           </a:xfrm>
           <a:prstGeom prst="rect">
@@ -7913,6 +10379,73 @@
           </a:p>
         </p:txBody>
       </p:sp>
+      <p:sp>
+        <p:nvSpPr>
+          <p:cNvPr id="18" name="TextBox 17"/>
+          <p:cNvSpPr txBox="1"/>
+          <p:nvPr/>
+        </p:nvSpPr>
+        <p:spPr>
+          <a:xfrm rot="569256">
+            <a:off x="6478437" y="2850516"/>
+            <a:ext cx="2322488" cy="923330"/>
+          </a:xfrm>
+          <a:prstGeom prst="rect">
+            <a:avLst/>
+          </a:prstGeom>
+          <a:noFill/>
+        </p:spPr>
+        <p:txBody>
+          <a:bodyPr wrap="square" rtlCol="0">
+            <a:spAutoFit/>
+          </a:bodyPr>
+          <a:lstStyle/>
+          <a:p>
+            <a:pPr algn="ctr"/>
+            <a:r>
+              <a:rPr lang="en-US" b="1" dirty="0"/>
+              <a:t>Distinction Between Sensation and Perception</a:t>
+            </a:r>
+            <a:endParaRPr lang="en-US" b="1" dirty="0"/>
+          </a:p>
+        </p:txBody>
+      </p:sp>
+      <p:cxnSp>
+        <p:nvCxnSpPr>
+          <p:cNvPr id="19" name="Straight Arrow Connector 18"/>
+          <p:cNvCxnSpPr/>
+          <p:nvPr/>
+        </p:nvCxnSpPr>
+        <p:spPr>
+          <a:xfrm flipH="1">
+            <a:off x="7892115" y="2006037"/>
+            <a:ext cx="375866" cy="755934"/>
+          </a:xfrm>
+          <a:prstGeom prst="straightConnector1">
+            <a:avLst/>
+          </a:prstGeom>
+          <a:ln w="76200">
+            <a:solidFill>
+              <a:srgbClr val="00B0F0"/>
+            </a:solidFill>
+            <a:tailEnd type="triangle"/>
+          </a:ln>
+        </p:spPr>
+        <p:style>
+          <a:lnRef idx="3">
+            <a:schemeClr val="accent6"/>
+          </a:lnRef>
+          <a:fillRef idx="0">
+            <a:schemeClr val="accent6"/>
+          </a:fillRef>
+          <a:effectRef idx="2">
+            <a:schemeClr val="accent6"/>
+          </a:effectRef>
+          <a:fontRef idx="minor">
+            <a:schemeClr val="tx1"/>
+          </a:fontRef>
+        </p:style>
+      </p:cxnSp>
     </p:spTree>
     <p:extLst>
       <p:ext uri="{BB962C8B-B14F-4D97-AF65-F5344CB8AC3E}">
@@ -7929,9 +10462,822 @@
   <p:timing>
     <p:tnLst>
       <p:par>
-        <p:cTn id="1" dur="indefinite" restart="never" nodeType="tmRoot"/>
+        <p:cTn id="1" dur="indefinite" restart="never" nodeType="tmRoot">
+          <p:childTnLst>
+            <p:seq concurrent="1" nextAc="seek">
+              <p:cTn id="2" dur="indefinite" nodeType="mainSeq">
+                <p:childTnLst>
+                  <p:par>
+                    <p:cTn id="3" fill="hold">
+                      <p:stCondLst>
+                        <p:cond delay="indefinite"/>
+                      </p:stCondLst>
+                      <p:childTnLst>
+                        <p:par>
+                          <p:cTn id="4" fill="hold">
+                            <p:stCondLst>
+                              <p:cond delay="0"/>
+                            </p:stCondLst>
+                            <p:childTnLst>
+                              <p:par>
+                                <p:cTn id="5" presetID="10" presetClass="entr" presetSubtype="0" fill="hold" nodeType="clickEffect">
+                                  <p:stCondLst>
+                                    <p:cond delay="0"/>
+                                  </p:stCondLst>
+                                  <p:childTnLst>
+                                    <p:set>
+                                      <p:cBhvr>
+                                        <p:cTn id="6" dur="1" fill="hold">
+                                          <p:stCondLst>
+                                            <p:cond delay="0"/>
+                                          </p:stCondLst>
+                                        </p:cTn>
+                                        <p:tgtEl>
+                                          <p:spTgt spid="1026"/>
+                                        </p:tgtEl>
+                                        <p:attrNameLst>
+                                          <p:attrName>style.visibility</p:attrName>
+                                        </p:attrNameLst>
+                                      </p:cBhvr>
+                                      <p:to>
+                                        <p:strVal val="visible"/>
+                                      </p:to>
+                                    </p:set>
+                                    <p:animEffect transition="in" filter="fade">
+                                      <p:cBhvr>
+                                        <p:cTn id="7" dur="500"/>
+                                        <p:tgtEl>
+                                          <p:spTgt spid="1026"/>
+                                        </p:tgtEl>
+                                      </p:cBhvr>
+                                    </p:animEffect>
+                                  </p:childTnLst>
+                                </p:cTn>
+                              </p:par>
+                            </p:childTnLst>
+                          </p:cTn>
+                        </p:par>
+                      </p:childTnLst>
+                    </p:cTn>
+                  </p:par>
+                  <p:par>
+                    <p:cTn id="8" fill="hold">
+                      <p:stCondLst>
+                        <p:cond delay="indefinite"/>
+                      </p:stCondLst>
+                      <p:childTnLst>
+                        <p:par>
+                          <p:cTn id="9" fill="hold">
+                            <p:stCondLst>
+                              <p:cond delay="0"/>
+                            </p:stCondLst>
+                            <p:childTnLst>
+                              <p:par>
+                                <p:cTn id="10" presetID="10" presetClass="entr" presetSubtype="0" fill="hold" grpId="0" nodeType="clickEffect">
+                                  <p:stCondLst>
+                                    <p:cond delay="0"/>
+                                  </p:stCondLst>
+                                  <p:childTnLst>
+                                    <p:set>
+                                      <p:cBhvr>
+                                        <p:cTn id="11" dur="1" fill="hold">
+                                          <p:stCondLst>
+                                            <p:cond delay="0"/>
+                                          </p:stCondLst>
+                                        </p:cTn>
+                                        <p:tgtEl>
+                                          <p:spTgt spid="4"/>
+                                        </p:tgtEl>
+                                        <p:attrNameLst>
+                                          <p:attrName>style.visibility</p:attrName>
+                                        </p:attrNameLst>
+                                      </p:cBhvr>
+                                      <p:to>
+                                        <p:strVal val="visible"/>
+                                      </p:to>
+                                    </p:set>
+                                    <p:animEffect transition="in" filter="fade">
+                                      <p:cBhvr>
+                                        <p:cTn id="12" dur="500"/>
+                                        <p:tgtEl>
+                                          <p:spTgt spid="4"/>
+                                        </p:tgtEl>
+                                      </p:cBhvr>
+                                    </p:animEffect>
+                                  </p:childTnLst>
+                                </p:cTn>
+                              </p:par>
+                            </p:childTnLst>
+                          </p:cTn>
+                        </p:par>
+                      </p:childTnLst>
+                    </p:cTn>
+                  </p:par>
+                  <p:par>
+                    <p:cTn id="13" fill="hold">
+                      <p:stCondLst>
+                        <p:cond delay="indefinite"/>
+                      </p:stCondLst>
+                      <p:childTnLst>
+                        <p:par>
+                          <p:cTn id="14" fill="hold">
+                            <p:stCondLst>
+                              <p:cond delay="0"/>
+                            </p:stCondLst>
+                            <p:childTnLst>
+                              <p:par>
+                                <p:cTn id="15" presetID="10" presetClass="entr" presetSubtype="0" fill="hold" grpId="0" nodeType="clickEffect">
+                                  <p:stCondLst>
+                                    <p:cond delay="0"/>
+                                  </p:stCondLst>
+                                  <p:childTnLst>
+                                    <p:set>
+                                      <p:cBhvr>
+                                        <p:cTn id="16" dur="1" fill="hold">
+                                          <p:stCondLst>
+                                            <p:cond delay="0"/>
+                                          </p:stCondLst>
+                                        </p:cTn>
+                                        <p:tgtEl>
+                                          <p:spTgt spid="5"/>
+                                        </p:tgtEl>
+                                        <p:attrNameLst>
+                                          <p:attrName>style.visibility</p:attrName>
+                                        </p:attrNameLst>
+                                      </p:cBhvr>
+                                      <p:to>
+                                        <p:strVal val="visible"/>
+                                      </p:to>
+                                    </p:set>
+                                    <p:animEffect transition="in" filter="fade">
+                                      <p:cBhvr>
+                                        <p:cTn id="17" dur="500"/>
+                                        <p:tgtEl>
+                                          <p:spTgt spid="5"/>
+                                        </p:tgtEl>
+                                      </p:cBhvr>
+                                    </p:animEffect>
+                                  </p:childTnLst>
+                                </p:cTn>
+                              </p:par>
+                            </p:childTnLst>
+                          </p:cTn>
+                        </p:par>
+                      </p:childTnLst>
+                    </p:cTn>
+                  </p:par>
+                  <p:par>
+                    <p:cTn id="18" fill="hold">
+                      <p:stCondLst>
+                        <p:cond delay="indefinite"/>
+                      </p:stCondLst>
+                      <p:childTnLst>
+                        <p:par>
+                          <p:cTn id="19" fill="hold">
+                            <p:stCondLst>
+                              <p:cond delay="0"/>
+                            </p:stCondLst>
+                            <p:childTnLst>
+                              <p:par>
+                                <p:cTn id="20" presetID="10" presetClass="entr" presetSubtype="0" fill="hold" grpId="0" nodeType="clickEffect">
+                                  <p:stCondLst>
+                                    <p:cond delay="0"/>
+                                  </p:stCondLst>
+                                  <p:childTnLst>
+                                    <p:set>
+                                      <p:cBhvr>
+                                        <p:cTn id="21" dur="1" fill="hold">
+                                          <p:stCondLst>
+                                            <p:cond delay="0"/>
+                                          </p:stCondLst>
+                                        </p:cTn>
+                                        <p:tgtEl>
+                                          <p:spTgt spid="6"/>
+                                        </p:tgtEl>
+                                        <p:attrNameLst>
+                                          <p:attrName>style.visibility</p:attrName>
+                                        </p:attrNameLst>
+                                      </p:cBhvr>
+                                      <p:to>
+                                        <p:strVal val="visible"/>
+                                      </p:to>
+                                    </p:set>
+                                    <p:animEffect transition="in" filter="fade">
+                                      <p:cBhvr>
+                                        <p:cTn id="22" dur="500"/>
+                                        <p:tgtEl>
+                                          <p:spTgt spid="6"/>
+                                        </p:tgtEl>
+                                      </p:cBhvr>
+                                    </p:animEffect>
+                                  </p:childTnLst>
+                                </p:cTn>
+                              </p:par>
+                            </p:childTnLst>
+                          </p:cTn>
+                        </p:par>
+                      </p:childTnLst>
+                    </p:cTn>
+                  </p:par>
+                  <p:par>
+                    <p:cTn id="23" fill="hold">
+                      <p:stCondLst>
+                        <p:cond delay="indefinite"/>
+                      </p:stCondLst>
+                      <p:childTnLst>
+                        <p:par>
+                          <p:cTn id="24" fill="hold">
+                            <p:stCondLst>
+                              <p:cond delay="0"/>
+                            </p:stCondLst>
+                            <p:childTnLst>
+                              <p:par>
+                                <p:cTn id="25" presetID="10" presetClass="entr" presetSubtype="0" fill="hold" grpId="0" nodeType="clickEffect">
+                                  <p:stCondLst>
+                                    <p:cond delay="0"/>
+                                  </p:stCondLst>
+                                  <p:childTnLst>
+                                    <p:set>
+                                      <p:cBhvr>
+                                        <p:cTn id="26" dur="1" fill="hold">
+                                          <p:stCondLst>
+                                            <p:cond delay="0"/>
+                                          </p:stCondLst>
+                                        </p:cTn>
+                                        <p:tgtEl>
+                                          <p:spTgt spid="11"/>
+                                        </p:tgtEl>
+                                        <p:attrNameLst>
+                                          <p:attrName>style.visibility</p:attrName>
+                                        </p:attrNameLst>
+                                      </p:cBhvr>
+                                      <p:to>
+                                        <p:strVal val="visible"/>
+                                      </p:to>
+                                    </p:set>
+                                    <p:animEffect transition="in" filter="fade">
+                                      <p:cBhvr>
+                                        <p:cTn id="27" dur="500"/>
+                                        <p:tgtEl>
+                                          <p:spTgt spid="11"/>
+                                        </p:tgtEl>
+                                      </p:cBhvr>
+                                    </p:animEffect>
+                                  </p:childTnLst>
+                                </p:cTn>
+                              </p:par>
+                            </p:childTnLst>
+                          </p:cTn>
+                        </p:par>
+                      </p:childTnLst>
+                    </p:cTn>
+                  </p:par>
+                  <p:par>
+                    <p:cTn id="28" fill="hold">
+                      <p:stCondLst>
+                        <p:cond delay="indefinite"/>
+                      </p:stCondLst>
+                      <p:childTnLst>
+                        <p:par>
+                          <p:cTn id="29" fill="hold">
+                            <p:stCondLst>
+                              <p:cond delay="0"/>
+                            </p:stCondLst>
+                            <p:childTnLst>
+                              <p:par>
+                                <p:cTn id="30" presetID="10" presetClass="entr" presetSubtype="0" fill="hold" grpId="0" nodeType="clickEffect">
+                                  <p:stCondLst>
+                                    <p:cond delay="0"/>
+                                  </p:stCondLst>
+                                  <p:childTnLst>
+                                    <p:set>
+                                      <p:cBhvr>
+                                        <p:cTn id="31" dur="1" fill="hold">
+                                          <p:stCondLst>
+                                            <p:cond delay="0"/>
+                                          </p:stCondLst>
+                                        </p:cTn>
+                                        <p:tgtEl>
+                                          <p:spTgt spid="10"/>
+                                        </p:tgtEl>
+                                        <p:attrNameLst>
+                                          <p:attrName>style.visibility</p:attrName>
+                                        </p:attrNameLst>
+                                      </p:cBhvr>
+                                      <p:to>
+                                        <p:strVal val="visible"/>
+                                      </p:to>
+                                    </p:set>
+                                    <p:animEffect transition="in" filter="fade">
+                                      <p:cBhvr>
+                                        <p:cTn id="32" dur="500"/>
+                                        <p:tgtEl>
+                                          <p:spTgt spid="10"/>
+                                        </p:tgtEl>
+                                      </p:cBhvr>
+                                    </p:animEffect>
+                                  </p:childTnLst>
+                                </p:cTn>
+                              </p:par>
+                            </p:childTnLst>
+                          </p:cTn>
+                        </p:par>
+                      </p:childTnLst>
+                    </p:cTn>
+                  </p:par>
+                  <p:par>
+                    <p:cTn id="33" fill="hold">
+                      <p:stCondLst>
+                        <p:cond delay="indefinite"/>
+                      </p:stCondLst>
+                      <p:childTnLst>
+                        <p:par>
+                          <p:cTn id="34" fill="hold">
+                            <p:stCondLst>
+                              <p:cond delay="0"/>
+                            </p:stCondLst>
+                            <p:childTnLst>
+                              <p:par>
+                                <p:cTn id="35" presetID="10" presetClass="entr" presetSubtype="0" fill="hold" grpId="0" nodeType="clickEffect">
+                                  <p:stCondLst>
+                                    <p:cond delay="0"/>
+                                  </p:stCondLst>
+                                  <p:childTnLst>
+                                    <p:set>
+                                      <p:cBhvr>
+                                        <p:cTn id="36" dur="1" fill="hold">
+                                          <p:stCondLst>
+                                            <p:cond delay="0"/>
+                                          </p:stCondLst>
+                                        </p:cTn>
+                                        <p:tgtEl>
+                                          <p:spTgt spid="12"/>
+                                        </p:tgtEl>
+                                        <p:attrNameLst>
+                                          <p:attrName>style.visibility</p:attrName>
+                                        </p:attrNameLst>
+                                      </p:cBhvr>
+                                      <p:to>
+                                        <p:strVal val="visible"/>
+                                      </p:to>
+                                    </p:set>
+                                    <p:animEffect transition="in" filter="fade">
+                                      <p:cBhvr>
+                                        <p:cTn id="37" dur="500"/>
+                                        <p:tgtEl>
+                                          <p:spTgt spid="12"/>
+                                        </p:tgtEl>
+                                      </p:cBhvr>
+                                    </p:animEffect>
+                                  </p:childTnLst>
+                                </p:cTn>
+                              </p:par>
+                            </p:childTnLst>
+                          </p:cTn>
+                        </p:par>
+                      </p:childTnLst>
+                    </p:cTn>
+                  </p:par>
+                  <p:par>
+                    <p:cTn id="38" fill="hold">
+                      <p:stCondLst>
+                        <p:cond delay="indefinite"/>
+                      </p:stCondLst>
+                      <p:childTnLst>
+                        <p:par>
+                          <p:cTn id="39" fill="hold">
+                            <p:stCondLst>
+                              <p:cond delay="0"/>
+                            </p:stCondLst>
+                            <p:childTnLst>
+                              <p:par>
+                                <p:cTn id="40" presetID="10" presetClass="entr" presetSubtype="0" fill="hold" nodeType="clickEffect">
+                                  <p:stCondLst>
+                                    <p:cond delay="0"/>
+                                  </p:stCondLst>
+                                  <p:childTnLst>
+                                    <p:set>
+                                      <p:cBhvr>
+                                        <p:cTn id="41" dur="1" fill="hold">
+                                          <p:stCondLst>
+                                            <p:cond delay="0"/>
+                                          </p:stCondLst>
+                                        </p:cTn>
+                                        <p:tgtEl>
+                                          <p:spTgt spid="1028"/>
+                                        </p:tgtEl>
+                                        <p:attrNameLst>
+                                          <p:attrName>style.visibility</p:attrName>
+                                        </p:attrNameLst>
+                                      </p:cBhvr>
+                                      <p:to>
+                                        <p:strVal val="visible"/>
+                                      </p:to>
+                                    </p:set>
+                                    <p:animEffect transition="in" filter="fade">
+                                      <p:cBhvr>
+                                        <p:cTn id="42" dur="500"/>
+                                        <p:tgtEl>
+                                          <p:spTgt spid="1028"/>
+                                        </p:tgtEl>
+                                      </p:cBhvr>
+                                    </p:animEffect>
+                                  </p:childTnLst>
+                                </p:cTn>
+                              </p:par>
+                            </p:childTnLst>
+                          </p:cTn>
+                        </p:par>
+                      </p:childTnLst>
+                    </p:cTn>
+                  </p:par>
+                  <p:par>
+                    <p:cTn id="43" fill="hold">
+                      <p:stCondLst>
+                        <p:cond delay="indefinite"/>
+                      </p:stCondLst>
+                      <p:childTnLst>
+                        <p:par>
+                          <p:cTn id="44" fill="hold">
+                            <p:stCondLst>
+                              <p:cond delay="0"/>
+                            </p:stCondLst>
+                            <p:childTnLst>
+                              <p:par>
+                                <p:cTn id="45" presetID="10" presetClass="entr" presetSubtype="0" fill="hold" grpId="0" nodeType="clickEffect">
+                                  <p:stCondLst>
+                                    <p:cond delay="0"/>
+                                  </p:stCondLst>
+                                  <p:childTnLst>
+                                    <p:set>
+                                      <p:cBhvr>
+                                        <p:cTn id="46" dur="1" fill="hold">
+                                          <p:stCondLst>
+                                            <p:cond delay="0"/>
+                                          </p:stCondLst>
+                                        </p:cTn>
+                                        <p:tgtEl>
+                                          <p:spTgt spid="7"/>
+                                        </p:tgtEl>
+                                        <p:attrNameLst>
+                                          <p:attrName>style.visibility</p:attrName>
+                                        </p:attrNameLst>
+                                      </p:cBhvr>
+                                      <p:to>
+                                        <p:strVal val="visible"/>
+                                      </p:to>
+                                    </p:set>
+                                    <p:animEffect transition="in" filter="fade">
+                                      <p:cBhvr>
+                                        <p:cTn id="47" dur="500"/>
+                                        <p:tgtEl>
+                                          <p:spTgt spid="7"/>
+                                        </p:tgtEl>
+                                      </p:cBhvr>
+                                    </p:animEffect>
+                                  </p:childTnLst>
+                                </p:cTn>
+                              </p:par>
+                            </p:childTnLst>
+                          </p:cTn>
+                        </p:par>
+                      </p:childTnLst>
+                    </p:cTn>
+                  </p:par>
+                  <p:par>
+                    <p:cTn id="48" fill="hold">
+                      <p:stCondLst>
+                        <p:cond delay="indefinite"/>
+                      </p:stCondLst>
+                      <p:childTnLst>
+                        <p:par>
+                          <p:cTn id="49" fill="hold">
+                            <p:stCondLst>
+                              <p:cond delay="0"/>
+                            </p:stCondLst>
+                            <p:childTnLst>
+                              <p:par>
+                                <p:cTn id="50" presetID="10" presetClass="entr" presetSubtype="0" fill="hold" grpId="0" nodeType="clickEffect">
+                                  <p:stCondLst>
+                                    <p:cond delay="0"/>
+                                  </p:stCondLst>
+                                  <p:childTnLst>
+                                    <p:set>
+                                      <p:cBhvr>
+                                        <p:cTn id="51" dur="1" fill="hold">
+                                          <p:stCondLst>
+                                            <p:cond delay="0"/>
+                                          </p:stCondLst>
+                                        </p:cTn>
+                                        <p:tgtEl>
+                                          <p:spTgt spid="13"/>
+                                        </p:tgtEl>
+                                        <p:attrNameLst>
+                                          <p:attrName>style.visibility</p:attrName>
+                                        </p:attrNameLst>
+                                      </p:cBhvr>
+                                      <p:to>
+                                        <p:strVal val="visible"/>
+                                      </p:to>
+                                    </p:set>
+                                    <p:animEffect transition="in" filter="fade">
+                                      <p:cBhvr>
+                                        <p:cTn id="52" dur="500"/>
+                                        <p:tgtEl>
+                                          <p:spTgt spid="13"/>
+                                        </p:tgtEl>
+                                      </p:cBhvr>
+                                    </p:animEffect>
+                                  </p:childTnLst>
+                                </p:cTn>
+                              </p:par>
+                            </p:childTnLst>
+                          </p:cTn>
+                        </p:par>
+                      </p:childTnLst>
+                    </p:cTn>
+                  </p:par>
+                  <p:par>
+                    <p:cTn id="53" fill="hold">
+                      <p:stCondLst>
+                        <p:cond delay="indefinite"/>
+                      </p:stCondLst>
+                      <p:childTnLst>
+                        <p:par>
+                          <p:cTn id="54" fill="hold">
+                            <p:stCondLst>
+                              <p:cond delay="0"/>
+                            </p:stCondLst>
+                            <p:childTnLst>
+                              <p:par>
+                                <p:cTn id="55" presetID="10" presetClass="entr" presetSubtype="0" fill="hold" grpId="0" nodeType="clickEffect">
+                                  <p:stCondLst>
+                                    <p:cond delay="0"/>
+                                  </p:stCondLst>
+                                  <p:childTnLst>
+                                    <p:set>
+                                      <p:cBhvr>
+                                        <p:cTn id="56" dur="1" fill="hold">
+                                          <p:stCondLst>
+                                            <p:cond delay="0"/>
+                                          </p:stCondLst>
+                                        </p:cTn>
+                                        <p:tgtEl>
+                                          <p:spTgt spid="16"/>
+                                        </p:tgtEl>
+                                        <p:attrNameLst>
+                                          <p:attrName>style.visibility</p:attrName>
+                                        </p:attrNameLst>
+                                      </p:cBhvr>
+                                      <p:to>
+                                        <p:strVal val="visible"/>
+                                      </p:to>
+                                    </p:set>
+                                    <p:animEffect transition="in" filter="fade">
+                                      <p:cBhvr>
+                                        <p:cTn id="57" dur="500"/>
+                                        <p:tgtEl>
+                                          <p:spTgt spid="16"/>
+                                        </p:tgtEl>
+                                      </p:cBhvr>
+                                    </p:animEffect>
+                                  </p:childTnLst>
+                                </p:cTn>
+                              </p:par>
+                            </p:childTnLst>
+                          </p:cTn>
+                        </p:par>
+                      </p:childTnLst>
+                    </p:cTn>
+                  </p:par>
+                  <p:par>
+                    <p:cTn id="58" fill="hold">
+                      <p:stCondLst>
+                        <p:cond delay="indefinite"/>
+                      </p:stCondLst>
+                      <p:childTnLst>
+                        <p:par>
+                          <p:cTn id="59" fill="hold">
+                            <p:stCondLst>
+                              <p:cond delay="0"/>
+                            </p:stCondLst>
+                            <p:childTnLst>
+                              <p:par>
+                                <p:cTn id="60" presetID="10" presetClass="entr" presetSubtype="0" fill="hold" nodeType="clickEffect">
+                                  <p:stCondLst>
+                                    <p:cond delay="0"/>
+                                  </p:stCondLst>
+                                  <p:childTnLst>
+                                    <p:set>
+                                      <p:cBhvr>
+                                        <p:cTn id="61" dur="1" fill="hold">
+                                          <p:stCondLst>
+                                            <p:cond delay="0"/>
+                                          </p:stCondLst>
+                                        </p:cTn>
+                                        <p:tgtEl>
+                                          <p:spTgt spid="19"/>
+                                        </p:tgtEl>
+                                        <p:attrNameLst>
+                                          <p:attrName>style.visibility</p:attrName>
+                                        </p:attrNameLst>
+                                      </p:cBhvr>
+                                      <p:to>
+                                        <p:strVal val="visible"/>
+                                      </p:to>
+                                    </p:set>
+                                    <p:animEffect transition="in" filter="fade">
+                                      <p:cBhvr>
+                                        <p:cTn id="62" dur="500"/>
+                                        <p:tgtEl>
+                                          <p:spTgt spid="19"/>
+                                        </p:tgtEl>
+                                      </p:cBhvr>
+                                    </p:animEffect>
+                                  </p:childTnLst>
+                                </p:cTn>
+                              </p:par>
+                              <p:par>
+                                <p:cTn id="63" presetID="10" presetClass="entr" presetSubtype="0" fill="hold" nodeType="withEffect">
+                                  <p:stCondLst>
+                                    <p:cond delay="0"/>
+                                  </p:stCondLst>
+                                  <p:childTnLst>
+                                    <p:set>
+                                      <p:cBhvr>
+                                        <p:cTn id="64" dur="1" fill="hold">
+                                          <p:stCondLst>
+                                            <p:cond delay="0"/>
+                                          </p:stCondLst>
+                                        </p:cTn>
+                                        <p:tgtEl>
+                                          <p:spTgt spid="17"/>
+                                        </p:tgtEl>
+                                        <p:attrNameLst>
+                                          <p:attrName>style.visibility</p:attrName>
+                                        </p:attrNameLst>
+                                      </p:cBhvr>
+                                      <p:to>
+                                        <p:strVal val="visible"/>
+                                      </p:to>
+                                    </p:set>
+                                    <p:animEffect transition="in" filter="fade">
+                                      <p:cBhvr>
+                                        <p:cTn id="65" dur="500"/>
+                                        <p:tgtEl>
+                                          <p:spTgt spid="17"/>
+                                        </p:tgtEl>
+                                      </p:cBhvr>
+                                    </p:animEffect>
+                                  </p:childTnLst>
+                                </p:cTn>
+                              </p:par>
+                            </p:childTnLst>
+                          </p:cTn>
+                        </p:par>
+                      </p:childTnLst>
+                    </p:cTn>
+                  </p:par>
+                  <p:par>
+                    <p:cTn id="66" fill="hold">
+                      <p:stCondLst>
+                        <p:cond delay="indefinite"/>
+                      </p:stCondLst>
+                      <p:childTnLst>
+                        <p:par>
+                          <p:cTn id="67" fill="hold">
+                            <p:stCondLst>
+                              <p:cond delay="0"/>
+                            </p:stCondLst>
+                            <p:childTnLst>
+                              <p:par>
+                                <p:cTn id="68" presetID="10" presetClass="entr" presetSubtype="0" fill="hold" grpId="0" nodeType="clickEffect">
+                                  <p:stCondLst>
+                                    <p:cond delay="0"/>
+                                  </p:stCondLst>
+                                  <p:childTnLst>
+                                    <p:set>
+                                      <p:cBhvr>
+                                        <p:cTn id="69" dur="1" fill="hold">
+                                          <p:stCondLst>
+                                            <p:cond delay="0"/>
+                                          </p:stCondLst>
+                                        </p:cTn>
+                                        <p:tgtEl>
+                                          <p:spTgt spid="20"/>
+                                        </p:tgtEl>
+                                        <p:attrNameLst>
+                                          <p:attrName>style.visibility</p:attrName>
+                                        </p:attrNameLst>
+                                      </p:cBhvr>
+                                      <p:to>
+                                        <p:strVal val="visible"/>
+                                      </p:to>
+                                    </p:set>
+                                    <p:animEffect transition="in" filter="fade">
+                                      <p:cBhvr>
+                                        <p:cTn id="70" dur="500"/>
+                                        <p:tgtEl>
+                                          <p:spTgt spid="20"/>
+                                        </p:tgtEl>
+                                      </p:cBhvr>
+                                    </p:animEffect>
+                                  </p:childTnLst>
+                                </p:cTn>
+                              </p:par>
+                            </p:childTnLst>
+                          </p:cTn>
+                        </p:par>
+                      </p:childTnLst>
+                    </p:cTn>
+                  </p:par>
+                  <p:par>
+                    <p:cTn id="71" fill="hold">
+                      <p:stCondLst>
+                        <p:cond delay="indefinite"/>
+                      </p:stCondLst>
+                      <p:childTnLst>
+                        <p:par>
+                          <p:cTn id="72" fill="hold">
+                            <p:stCondLst>
+                              <p:cond delay="0"/>
+                            </p:stCondLst>
+                            <p:childTnLst>
+                              <p:par>
+                                <p:cTn id="73" presetID="10" presetClass="entr" presetSubtype="0" fill="hold" grpId="0" nodeType="clickEffect">
+                                  <p:stCondLst>
+                                    <p:cond delay="0"/>
+                                  </p:stCondLst>
+                                  <p:childTnLst>
+                                    <p:set>
+                                      <p:cBhvr>
+                                        <p:cTn id="74" dur="1" fill="hold">
+                                          <p:stCondLst>
+                                            <p:cond delay="0"/>
+                                          </p:stCondLst>
+                                        </p:cTn>
+                                        <p:tgtEl>
+                                          <p:spTgt spid="18"/>
+                                        </p:tgtEl>
+                                        <p:attrNameLst>
+                                          <p:attrName>style.visibility</p:attrName>
+                                        </p:attrNameLst>
+                                      </p:cBhvr>
+                                      <p:to>
+                                        <p:strVal val="visible"/>
+                                      </p:to>
+                                    </p:set>
+                                    <p:animEffect transition="in" filter="fade">
+                                      <p:cBhvr>
+                                        <p:cTn id="75" dur="500"/>
+                                        <p:tgtEl>
+                                          <p:spTgt spid="18"/>
+                                        </p:tgtEl>
+                                      </p:cBhvr>
+                                    </p:animEffect>
+                                  </p:childTnLst>
+                                </p:cTn>
+                              </p:par>
+                            </p:childTnLst>
+                          </p:cTn>
+                        </p:par>
+                      </p:childTnLst>
+                    </p:cTn>
+                  </p:par>
+                </p:childTnLst>
+              </p:cTn>
+              <p:prevCondLst>
+                <p:cond evt="onPrev" delay="0">
+                  <p:tgtEl>
+                    <p:sldTgt/>
+                  </p:tgtEl>
+                </p:cond>
+              </p:prevCondLst>
+              <p:nextCondLst>
+                <p:cond evt="onNext" delay="0">
+                  <p:tgtEl>
+                    <p:sldTgt/>
+                  </p:tgtEl>
+                </p:cond>
+              </p:nextCondLst>
+            </p:seq>
+          </p:childTnLst>
+        </p:cTn>
       </p:par>
     </p:tnLst>
+    <p:bldLst>
+      <p:bldP spid="4" grpId="0"/>
+      <p:bldP spid="7" grpId="0"/>
+      <p:bldP spid="5" grpId="0" animBg="1"/>
+      <p:bldP spid="6" grpId="0"/>
+      <p:bldP spid="10" grpId="0"/>
+      <p:bldP spid="11" grpId="0"/>
+      <p:bldP spid="12" grpId="0"/>
+      <p:bldP spid="13" grpId="0" animBg="1"/>
+      <p:bldP spid="16" grpId="0"/>
+      <p:bldP spid="20" grpId="0"/>
+      <p:bldP spid="18" grpId="0"/>
+    </p:bldLst>
   </p:timing>
 </p:sld>
 </file>
@@ -8189,8 +11535,8 @@
         </p:nvSpPr>
         <p:spPr>
           <a:xfrm>
-            <a:off x="838" y="2786629"/>
-            <a:ext cx="1515158" cy="646331"/>
+            <a:off x="838" y="2222662"/>
+            <a:ext cx="1721946" cy="1200329"/>
           </a:xfrm>
           <a:prstGeom prst="rect">
             <a:avLst/>
@@ -8203,13 +11549,39 @@
           <a:lstStyle/>
           <a:p>
             <a:r>
-              <a:rPr lang="en-US" sz="3600" dirty="0">
+              <a:rPr lang="en-US" sz="3600" dirty="0" smtClean="0">
                 <a:solidFill>
                   <a:schemeClr val="bg1"/>
                 </a:solidFill>
               </a:rPr>
               <a:t>Euclid</a:t>
             </a:r>
+          </a:p>
+          <a:p>
+            <a:r>
+              <a:rPr lang="en-US" sz="3600" dirty="0" smtClean="0">
+                <a:solidFill>
+                  <a:schemeClr val="bg1"/>
+                </a:solidFill>
+              </a:rPr>
+              <a:t>(</a:t>
+            </a:r>
+            <a:r>
+              <a:rPr lang="en-US" sz="2400" dirty="0" smtClean="0">
+                <a:solidFill>
+                  <a:schemeClr val="bg1"/>
+                </a:solidFill>
+              </a:rPr>
+              <a:t>300 BCE</a:t>
+            </a:r>
+            <a:r>
+              <a:rPr lang="en-US" sz="3600" dirty="0" smtClean="0">
+                <a:solidFill>
+                  <a:schemeClr val="bg1"/>
+                </a:solidFill>
+              </a:rPr>
+              <a:t>)</a:t>
+            </a:r>
             <a:endParaRPr lang="en-US" sz="3600" dirty="0"/>
           </a:p>
         </p:txBody>
@@ -8222,8 +11594,8 @@
         </p:nvSpPr>
         <p:spPr>
           <a:xfrm>
-            <a:off x="8450269" y="6211669"/>
-            <a:ext cx="3741730" cy="646331"/>
+            <a:off x="6121107" y="6297394"/>
+            <a:ext cx="6070893" cy="646331"/>
           </a:xfrm>
           <a:prstGeom prst="rect">
             <a:avLst/>
@@ -8241,7 +11613,15 @@
                   <a:schemeClr val="bg1"/>
                 </a:solidFill>
               </a:rPr>
-              <a:t>Ibn Al-Haytham</a:t>
+              <a:t>Ibn </a:t>
+            </a:r>
+            <a:r>
+              <a:rPr lang="en-US" sz="3600" dirty="0" smtClean="0">
+                <a:solidFill>
+                  <a:schemeClr val="bg1"/>
+                </a:solidFill>
+              </a:rPr>
+              <a:t>Al-Haytham (1000 CE)</a:t>
             </a:r>
             <a:endParaRPr lang="en-US" sz="3600" dirty="0"/>
           </a:p>
@@ -8328,9 +11708,460 @@
   <p:timing>
     <p:tnLst>
       <p:par>
-        <p:cTn id="1" dur="indefinite" restart="never" nodeType="tmRoot"/>
+        <p:cTn id="1" dur="indefinite" restart="never" nodeType="tmRoot">
+          <p:childTnLst>
+            <p:seq concurrent="1" nextAc="seek">
+              <p:cTn id="2" dur="indefinite" nodeType="mainSeq">
+                <p:childTnLst>
+                  <p:par>
+                    <p:cTn id="3" fill="hold">
+                      <p:stCondLst>
+                        <p:cond delay="indefinite"/>
+                      </p:stCondLst>
+                      <p:childTnLst>
+                        <p:par>
+                          <p:cTn id="4" fill="hold">
+                            <p:stCondLst>
+                              <p:cond delay="0"/>
+                            </p:stCondLst>
+                            <p:childTnLst>
+                              <p:par>
+                                <p:cTn id="5" presetID="10" presetClass="entr" presetSubtype="0" fill="hold" nodeType="clickEffect">
+                                  <p:stCondLst>
+                                    <p:cond delay="0"/>
+                                  </p:stCondLst>
+                                  <p:childTnLst>
+                                    <p:set>
+                                      <p:cBhvr>
+                                        <p:cTn id="6" dur="1" fill="hold">
+                                          <p:stCondLst>
+                                            <p:cond delay="0"/>
+                                          </p:stCondLst>
+                                        </p:cTn>
+                                        <p:tgtEl>
+                                          <p:spTgt spid="4098"/>
+                                        </p:tgtEl>
+                                        <p:attrNameLst>
+                                          <p:attrName>style.visibility</p:attrName>
+                                        </p:attrNameLst>
+                                      </p:cBhvr>
+                                      <p:to>
+                                        <p:strVal val="visible"/>
+                                      </p:to>
+                                    </p:set>
+                                    <p:animEffect transition="in" filter="fade">
+                                      <p:cBhvr>
+                                        <p:cTn id="7" dur="500"/>
+                                        <p:tgtEl>
+                                          <p:spTgt spid="4098"/>
+                                        </p:tgtEl>
+                                      </p:cBhvr>
+                                    </p:animEffect>
+                                  </p:childTnLst>
+                                </p:cTn>
+                              </p:par>
+                            </p:childTnLst>
+                          </p:cTn>
+                        </p:par>
+                      </p:childTnLst>
+                    </p:cTn>
+                  </p:par>
+                  <p:par>
+                    <p:cTn id="8" fill="hold">
+                      <p:stCondLst>
+                        <p:cond delay="indefinite"/>
+                      </p:stCondLst>
+                      <p:childTnLst>
+                        <p:par>
+                          <p:cTn id="9" fill="hold">
+                            <p:stCondLst>
+                              <p:cond delay="0"/>
+                            </p:stCondLst>
+                            <p:childTnLst>
+                              <p:par>
+                                <p:cTn id="10" presetID="10" presetClass="entr" presetSubtype="0" fill="hold" grpId="0" nodeType="clickEffect">
+                                  <p:stCondLst>
+                                    <p:cond delay="0"/>
+                                  </p:stCondLst>
+                                  <p:childTnLst>
+                                    <p:set>
+                                      <p:cBhvr>
+                                        <p:cTn id="11" dur="1" fill="hold">
+                                          <p:stCondLst>
+                                            <p:cond delay="0"/>
+                                          </p:stCondLst>
+                                        </p:cTn>
+                                        <p:tgtEl>
+                                          <p:spTgt spid="12"/>
+                                        </p:tgtEl>
+                                        <p:attrNameLst>
+                                          <p:attrName>style.visibility</p:attrName>
+                                        </p:attrNameLst>
+                                      </p:cBhvr>
+                                      <p:to>
+                                        <p:strVal val="visible"/>
+                                      </p:to>
+                                    </p:set>
+                                    <p:animEffect transition="in" filter="fade">
+                                      <p:cBhvr>
+                                        <p:cTn id="12" dur="500"/>
+                                        <p:tgtEl>
+                                          <p:spTgt spid="12"/>
+                                        </p:tgtEl>
+                                      </p:cBhvr>
+                                    </p:animEffect>
+                                  </p:childTnLst>
+                                </p:cTn>
+                              </p:par>
+                            </p:childTnLst>
+                          </p:cTn>
+                        </p:par>
+                      </p:childTnLst>
+                    </p:cTn>
+                  </p:par>
+                  <p:par>
+                    <p:cTn id="13" fill="hold">
+                      <p:stCondLst>
+                        <p:cond delay="indefinite"/>
+                      </p:stCondLst>
+                      <p:childTnLst>
+                        <p:par>
+                          <p:cTn id="14" fill="hold">
+                            <p:stCondLst>
+                              <p:cond delay="0"/>
+                            </p:stCondLst>
+                            <p:childTnLst>
+                              <p:par>
+                                <p:cTn id="15" presetID="10" presetClass="entr" presetSubtype="0" fill="hold" nodeType="clickEffect">
+                                  <p:stCondLst>
+                                    <p:cond delay="0"/>
+                                  </p:stCondLst>
+                                  <p:childTnLst>
+                                    <p:set>
+                                      <p:cBhvr>
+                                        <p:cTn id="16" dur="1" fill="hold">
+                                          <p:stCondLst>
+                                            <p:cond delay="0"/>
+                                          </p:stCondLst>
+                                        </p:cTn>
+                                        <p:tgtEl>
+                                          <p:spTgt spid="4102"/>
+                                        </p:tgtEl>
+                                        <p:attrNameLst>
+                                          <p:attrName>style.visibility</p:attrName>
+                                        </p:attrNameLst>
+                                      </p:cBhvr>
+                                      <p:to>
+                                        <p:strVal val="visible"/>
+                                      </p:to>
+                                    </p:set>
+                                    <p:animEffect transition="in" filter="fade">
+                                      <p:cBhvr>
+                                        <p:cTn id="17" dur="500"/>
+                                        <p:tgtEl>
+                                          <p:spTgt spid="4102"/>
+                                        </p:tgtEl>
+                                      </p:cBhvr>
+                                    </p:animEffect>
+                                  </p:childTnLst>
+                                </p:cTn>
+                              </p:par>
+                            </p:childTnLst>
+                          </p:cTn>
+                        </p:par>
+                      </p:childTnLst>
+                    </p:cTn>
+                  </p:par>
+                  <p:par>
+                    <p:cTn id="18" fill="hold">
+                      <p:stCondLst>
+                        <p:cond delay="indefinite"/>
+                      </p:stCondLst>
+                      <p:childTnLst>
+                        <p:par>
+                          <p:cTn id="19" fill="hold">
+                            <p:stCondLst>
+                              <p:cond delay="0"/>
+                            </p:stCondLst>
+                            <p:childTnLst>
+                              <p:par>
+                                <p:cTn id="20" presetID="10" presetClass="entr" presetSubtype="0" fill="hold" nodeType="clickEffect">
+                                  <p:stCondLst>
+                                    <p:cond delay="0"/>
+                                  </p:stCondLst>
+                                  <p:childTnLst>
+                                    <p:set>
+                                      <p:cBhvr>
+                                        <p:cTn id="21" dur="1" fill="hold">
+                                          <p:stCondLst>
+                                            <p:cond delay="0"/>
+                                          </p:stCondLst>
+                                        </p:cTn>
+                                        <p:tgtEl>
+                                          <p:spTgt spid="4100"/>
+                                        </p:tgtEl>
+                                        <p:attrNameLst>
+                                          <p:attrName>style.visibility</p:attrName>
+                                        </p:attrNameLst>
+                                      </p:cBhvr>
+                                      <p:to>
+                                        <p:strVal val="visible"/>
+                                      </p:to>
+                                    </p:set>
+                                    <p:animEffect transition="in" filter="fade">
+                                      <p:cBhvr>
+                                        <p:cTn id="22" dur="500"/>
+                                        <p:tgtEl>
+                                          <p:spTgt spid="4100"/>
+                                        </p:tgtEl>
+                                      </p:cBhvr>
+                                    </p:animEffect>
+                                  </p:childTnLst>
+                                </p:cTn>
+                              </p:par>
+                            </p:childTnLst>
+                          </p:cTn>
+                        </p:par>
+                      </p:childTnLst>
+                    </p:cTn>
+                  </p:par>
+                  <p:par>
+                    <p:cTn id="23" fill="hold">
+                      <p:stCondLst>
+                        <p:cond delay="indefinite"/>
+                      </p:stCondLst>
+                      <p:childTnLst>
+                        <p:par>
+                          <p:cTn id="24" fill="hold">
+                            <p:stCondLst>
+                              <p:cond delay="0"/>
+                            </p:stCondLst>
+                            <p:childTnLst>
+                              <p:par>
+                                <p:cTn id="25" presetID="10" presetClass="entr" presetSubtype="0" fill="hold" nodeType="clickEffect">
+                                  <p:stCondLst>
+                                    <p:cond delay="0"/>
+                                  </p:stCondLst>
+                                  <p:childTnLst>
+                                    <p:set>
+                                      <p:cBhvr>
+                                        <p:cTn id="26" dur="1" fill="hold">
+                                          <p:stCondLst>
+                                            <p:cond delay="0"/>
+                                          </p:stCondLst>
+                                        </p:cTn>
+                                        <p:tgtEl>
+                                          <p:spTgt spid="4104"/>
+                                        </p:tgtEl>
+                                        <p:attrNameLst>
+                                          <p:attrName>style.visibility</p:attrName>
+                                        </p:attrNameLst>
+                                      </p:cBhvr>
+                                      <p:to>
+                                        <p:strVal val="visible"/>
+                                      </p:to>
+                                    </p:set>
+                                    <p:animEffect transition="in" filter="fade">
+                                      <p:cBhvr>
+                                        <p:cTn id="27" dur="500"/>
+                                        <p:tgtEl>
+                                          <p:spTgt spid="4104"/>
+                                        </p:tgtEl>
+                                      </p:cBhvr>
+                                    </p:animEffect>
+                                  </p:childTnLst>
+                                </p:cTn>
+                              </p:par>
+                            </p:childTnLst>
+                          </p:cTn>
+                        </p:par>
+                      </p:childTnLst>
+                    </p:cTn>
+                  </p:par>
+                  <p:par>
+                    <p:cTn id="28" fill="hold">
+                      <p:stCondLst>
+                        <p:cond delay="indefinite"/>
+                      </p:stCondLst>
+                      <p:childTnLst>
+                        <p:par>
+                          <p:cTn id="29" fill="hold">
+                            <p:stCondLst>
+                              <p:cond delay="0"/>
+                            </p:stCondLst>
+                            <p:childTnLst>
+                              <p:par>
+                                <p:cTn id="30" presetID="10" presetClass="entr" presetSubtype="0" fill="hold" grpId="0" nodeType="clickEffect">
+                                  <p:stCondLst>
+                                    <p:cond delay="0"/>
+                                  </p:stCondLst>
+                                  <p:childTnLst>
+                                    <p:set>
+                                      <p:cBhvr>
+                                        <p:cTn id="31" dur="1" fill="hold">
+                                          <p:stCondLst>
+                                            <p:cond delay="0"/>
+                                          </p:stCondLst>
+                                        </p:cTn>
+                                        <p:tgtEl>
+                                          <p:spTgt spid="13"/>
+                                        </p:tgtEl>
+                                        <p:attrNameLst>
+                                          <p:attrName>style.visibility</p:attrName>
+                                        </p:attrNameLst>
+                                      </p:cBhvr>
+                                      <p:to>
+                                        <p:strVal val="visible"/>
+                                      </p:to>
+                                    </p:set>
+                                    <p:animEffect transition="in" filter="fade">
+                                      <p:cBhvr>
+                                        <p:cTn id="32" dur="500"/>
+                                        <p:tgtEl>
+                                          <p:spTgt spid="13"/>
+                                        </p:tgtEl>
+                                      </p:cBhvr>
+                                    </p:animEffect>
+                                  </p:childTnLst>
+                                </p:cTn>
+                              </p:par>
+                            </p:childTnLst>
+                          </p:cTn>
+                        </p:par>
+                      </p:childTnLst>
+                    </p:cTn>
+                  </p:par>
+                  <p:par>
+                    <p:cTn id="33" fill="hold">
+                      <p:stCondLst>
+                        <p:cond delay="indefinite"/>
+                      </p:stCondLst>
+                      <p:childTnLst>
+                        <p:par>
+                          <p:cTn id="34" fill="hold">
+                            <p:stCondLst>
+                              <p:cond delay="0"/>
+                            </p:stCondLst>
+                            <p:childTnLst>
+                              <p:par>
+                                <p:cTn id="35" presetID="10" presetClass="entr" presetSubtype="0" fill="hold" nodeType="clickEffect">
+                                  <p:stCondLst>
+                                    <p:cond delay="0"/>
+                                  </p:stCondLst>
+                                  <p:childTnLst>
+                                    <p:set>
+                                      <p:cBhvr>
+                                        <p:cTn id="36" dur="1" fill="hold">
+                                          <p:stCondLst>
+                                            <p:cond delay="0"/>
+                                          </p:stCondLst>
+                                        </p:cTn>
+                                        <p:tgtEl>
+                                          <p:spTgt spid="8"/>
+                                        </p:tgtEl>
+                                        <p:attrNameLst>
+                                          <p:attrName>style.visibility</p:attrName>
+                                        </p:attrNameLst>
+                                      </p:cBhvr>
+                                      <p:to>
+                                        <p:strVal val="visible"/>
+                                      </p:to>
+                                    </p:set>
+                                    <p:animEffect transition="in" filter="fade">
+                                      <p:cBhvr>
+                                        <p:cTn id="37" dur="500"/>
+                                        <p:tgtEl>
+                                          <p:spTgt spid="8"/>
+                                        </p:tgtEl>
+                                      </p:cBhvr>
+                                    </p:animEffect>
+                                  </p:childTnLst>
+                                </p:cTn>
+                              </p:par>
+                            </p:childTnLst>
+                          </p:cTn>
+                        </p:par>
+                      </p:childTnLst>
+                    </p:cTn>
+                  </p:par>
+                  <p:par>
+                    <p:cTn id="38" fill="hold">
+                      <p:stCondLst>
+                        <p:cond delay="indefinite"/>
+                      </p:stCondLst>
+                      <p:childTnLst>
+                        <p:par>
+                          <p:cTn id="39" fill="hold">
+                            <p:stCondLst>
+                              <p:cond delay="0"/>
+                            </p:stCondLst>
+                            <p:childTnLst>
+                              <p:par>
+                                <p:cTn id="40" presetID="10" presetClass="entr" presetSubtype="0" fill="hold" nodeType="clickEffect">
+                                  <p:stCondLst>
+                                    <p:cond delay="0"/>
+                                  </p:stCondLst>
+                                  <p:childTnLst>
+                                    <p:set>
+                                      <p:cBhvr>
+                                        <p:cTn id="41" dur="1" fill="hold">
+                                          <p:stCondLst>
+                                            <p:cond delay="0"/>
+                                          </p:stCondLst>
+                                        </p:cTn>
+                                        <p:tgtEl>
+                                          <p:spTgt spid="4106"/>
+                                        </p:tgtEl>
+                                        <p:attrNameLst>
+                                          <p:attrName>style.visibility</p:attrName>
+                                        </p:attrNameLst>
+                                      </p:cBhvr>
+                                      <p:to>
+                                        <p:strVal val="visible"/>
+                                      </p:to>
+                                    </p:set>
+                                    <p:animEffect transition="in" filter="fade">
+                                      <p:cBhvr>
+                                        <p:cTn id="42" dur="500"/>
+                                        <p:tgtEl>
+                                          <p:spTgt spid="4106"/>
+                                        </p:tgtEl>
+                                      </p:cBhvr>
+                                    </p:animEffect>
+                                  </p:childTnLst>
+                                </p:cTn>
+                              </p:par>
+                            </p:childTnLst>
+                          </p:cTn>
+                        </p:par>
+                      </p:childTnLst>
+                    </p:cTn>
+                  </p:par>
+                </p:childTnLst>
+              </p:cTn>
+              <p:prevCondLst>
+                <p:cond evt="onPrev" delay="0">
+                  <p:tgtEl>
+                    <p:sldTgt/>
+                  </p:tgtEl>
+                </p:cond>
+              </p:prevCondLst>
+              <p:nextCondLst>
+                <p:cond evt="onNext" delay="0">
+                  <p:tgtEl>
+                    <p:sldTgt/>
+                  </p:tgtEl>
+                </p:cond>
+              </p:nextCondLst>
+            </p:seq>
+          </p:childTnLst>
+        </p:cTn>
       </p:par>
     </p:tnLst>
+    <p:bldLst>
+      <p:bldP spid="12" grpId="0"/>
+      <p:bldP spid="13" grpId="0"/>
+    </p:bldLst>
   </p:timing>
 </p:sld>
 </file>
@@ -8383,15 +12214,7 @@
                   <a:schemeClr val="bg2"/>
                 </a:solidFill>
               </a:rPr>
-              <a:t>Pre Scientific revolution </a:t>
-            </a:r>
-            <a:r>
-              <a:rPr lang="en-US" dirty="0" smtClean="0">
-                <a:solidFill>
-                  <a:schemeClr val="bg2"/>
-                </a:solidFill>
-              </a:rPr>
-              <a:t>– 1800 </a:t>
+              <a:t>Pre Scientific revolution – 1800 </a:t>
             </a:r>
             <a:endParaRPr lang="en-US" dirty="0">
               <a:solidFill>
@@ -8412,7 +12235,7 @@
           </p:nvPr>
         </p:nvPicPr>
         <p:blipFill>
-          <a:blip r:embed="rId2">
+          <a:blip r:embed="rId3">
             <a:extLst>
               <a:ext uri="{28A0092B-C50C-407E-A947-70E740481C1C}">
                 <a14:useLocalDpi xmlns:a14="http://schemas.microsoft.com/office/drawing/2010/main" val="0"/>
@@ -8453,7 +12276,7 @@
           <p:nvPr/>
         </p:nvPicPr>
         <p:blipFill>
-          <a:blip r:embed="rId3" cstate="print">
+          <a:blip r:embed="rId4" cstate="print">
             <a:extLst>
               <a:ext uri="{28A0092B-C50C-407E-A947-70E740481C1C}">
                 <a14:useLocalDpi xmlns:a14="http://schemas.microsoft.com/office/drawing/2010/main" val="0"/>
@@ -8494,7 +12317,7 @@
           <p:nvPr/>
         </p:nvPicPr>
         <p:blipFill>
-          <a:blip r:embed="rId4" cstate="print">
+          <a:blip r:embed="rId5" cstate="print">
             <a:extLst>
               <a:ext uri="{28A0092B-C50C-407E-A947-70E740481C1C}">
                 <a14:useLocalDpi xmlns:a14="http://schemas.microsoft.com/office/drawing/2010/main" val="0"/>
@@ -8644,7 +12467,7 @@
           <p:nvPr/>
         </p:nvPicPr>
         <p:blipFill>
-          <a:blip r:embed="rId5" cstate="print">
+          <a:blip r:embed="rId6" cstate="print">
             <a:extLst>
               <a:ext uri="{28A0092B-C50C-407E-A947-70E740481C1C}">
                 <a14:useLocalDpi xmlns:a14="http://schemas.microsoft.com/office/drawing/2010/main" val="0"/>
@@ -8685,7 +12508,7 @@
           <p:nvPr/>
         </p:nvPicPr>
         <p:blipFill>
-          <a:blip r:embed="rId6"/>
+          <a:blip r:embed="rId7"/>
           <a:stretch>
             <a:fillRect/>
           </a:stretch>
@@ -8709,7 +12532,7 @@
           <p:nvPr/>
         </p:nvPicPr>
         <p:blipFill>
-          <a:blip r:embed="rId7">
+          <a:blip r:embed="rId8">
             <a:extLst>
               <a:ext uri="{28A0092B-C50C-407E-A947-70E740481C1C}">
                 <a14:useLocalDpi xmlns:a14="http://schemas.microsoft.com/office/drawing/2010/main" val="0"/>
@@ -8741,6 +12564,84 @@
           </a:extLst>
         </p:spPr>
       </p:pic>
+      <p:sp>
+        <p:nvSpPr>
+          <p:cNvPr id="8" name="Rectangle 7"/>
+          <p:cNvSpPr/>
+          <p:nvPr/>
+        </p:nvSpPr>
+        <p:spPr>
+          <a:xfrm>
+            <a:off x="3288052" y="5862382"/>
+            <a:ext cx="2846048" cy="954107"/>
+          </a:xfrm>
+          <a:prstGeom prst="rect">
+            <a:avLst/>
+          </a:prstGeom>
+        </p:spPr>
+        <p:txBody>
+          <a:bodyPr wrap="square">
+            <a:spAutoFit/>
+          </a:bodyPr>
+          <a:lstStyle/>
+          <a:p>
+            <a:r>
+              <a:rPr lang="en-US" sz="2800" dirty="0">
+                <a:solidFill>
+                  <a:schemeClr val="bg2"/>
+                </a:solidFill>
+              </a:rPr>
+              <a:t>René Descartes (1596–1650</a:t>
+            </a:r>
+            <a:r>
+              <a:rPr lang="en-US" sz="2800" dirty="0" smtClean="0">
+                <a:solidFill>
+                  <a:schemeClr val="bg2"/>
+                </a:solidFill>
+              </a:rPr>
+              <a:t>)</a:t>
+            </a:r>
+            <a:endParaRPr lang="en-US" sz="2800" dirty="0">
+              <a:solidFill>
+                <a:schemeClr val="bg2"/>
+              </a:solidFill>
+            </a:endParaRPr>
+          </a:p>
+        </p:txBody>
+      </p:sp>
+      <p:sp>
+        <p:nvSpPr>
+          <p:cNvPr id="11" name="Rectangle 10"/>
+          <p:cNvSpPr/>
+          <p:nvPr/>
+        </p:nvSpPr>
+        <p:spPr>
+          <a:xfrm>
+            <a:off x="9752716" y="1636958"/>
+            <a:ext cx="2409486" cy="954107"/>
+          </a:xfrm>
+          <a:prstGeom prst="rect">
+            <a:avLst/>
+          </a:prstGeom>
+        </p:spPr>
+        <p:txBody>
+          <a:bodyPr wrap="square">
+            <a:spAutoFit/>
+          </a:bodyPr>
+          <a:lstStyle/>
+          <a:p>
+            <a:pPr algn="r"/>
+            <a:r>
+              <a:rPr lang="en-US" sz="2800" dirty="0">
+                <a:solidFill>
+                  <a:schemeClr val="bg2"/>
+                </a:solidFill>
+              </a:rPr>
+              <a:t>John Locke (1632–1704)</a:t>
+            </a:r>
+          </a:p>
+        </p:txBody>
+      </p:sp>
     </p:spTree>
     <p:extLst>
       <p:ext uri="{BB962C8B-B14F-4D97-AF65-F5344CB8AC3E}">
@@ -8754,9 +12655,622 @@
   <p:timing>
     <p:tnLst>
       <p:par>
-        <p:cTn id="1" dur="indefinite" restart="never" nodeType="tmRoot"/>
+        <p:cTn id="1" dur="indefinite" restart="never" nodeType="tmRoot">
+          <p:childTnLst>
+            <p:seq concurrent="1" nextAc="seek">
+              <p:cTn id="2" dur="indefinite" nodeType="mainSeq">
+                <p:childTnLst>
+                  <p:par>
+                    <p:cTn id="3" fill="hold">
+                      <p:stCondLst>
+                        <p:cond delay="indefinite"/>
+                      </p:stCondLst>
+                      <p:childTnLst>
+                        <p:par>
+                          <p:cTn id="4" fill="hold">
+                            <p:stCondLst>
+                              <p:cond delay="0"/>
+                            </p:stCondLst>
+                            <p:childTnLst>
+                              <p:par>
+                                <p:cTn id="5" presetID="10" presetClass="entr" presetSubtype="0" fill="hold" nodeType="clickEffect">
+                                  <p:stCondLst>
+                                    <p:cond delay="0"/>
+                                  </p:stCondLst>
+                                  <p:childTnLst>
+                                    <p:set>
+                                      <p:cBhvr>
+                                        <p:cTn id="6" dur="1" fill="hold">
+                                          <p:stCondLst>
+                                            <p:cond delay="0"/>
+                                          </p:stCondLst>
+                                        </p:cTn>
+                                        <p:tgtEl>
+                                          <p:spTgt spid="5122"/>
+                                        </p:tgtEl>
+                                        <p:attrNameLst>
+                                          <p:attrName>style.visibility</p:attrName>
+                                        </p:attrNameLst>
+                                      </p:cBhvr>
+                                      <p:to>
+                                        <p:strVal val="visible"/>
+                                      </p:to>
+                                    </p:set>
+                                    <p:animEffect transition="in" filter="fade">
+                                      <p:cBhvr>
+                                        <p:cTn id="7" dur="500"/>
+                                        <p:tgtEl>
+                                          <p:spTgt spid="5122"/>
+                                        </p:tgtEl>
+                                      </p:cBhvr>
+                                    </p:animEffect>
+                                  </p:childTnLst>
+                                </p:cTn>
+                              </p:par>
+                            </p:childTnLst>
+                          </p:cTn>
+                        </p:par>
+                      </p:childTnLst>
+                    </p:cTn>
+                  </p:par>
+                  <p:par>
+                    <p:cTn id="8" fill="hold">
+                      <p:stCondLst>
+                        <p:cond delay="indefinite"/>
+                      </p:stCondLst>
+                      <p:childTnLst>
+                        <p:par>
+                          <p:cTn id="9" fill="hold">
+                            <p:stCondLst>
+                              <p:cond delay="0"/>
+                            </p:stCondLst>
+                            <p:childTnLst>
+                              <p:par>
+                                <p:cTn id="10" presetID="10" presetClass="entr" presetSubtype="0" fill="hold" grpId="0" nodeType="clickEffect">
+                                  <p:stCondLst>
+                                    <p:cond delay="0"/>
+                                  </p:stCondLst>
+                                  <p:childTnLst>
+                                    <p:set>
+                                      <p:cBhvr>
+                                        <p:cTn id="11" dur="1" fill="hold">
+                                          <p:stCondLst>
+                                            <p:cond delay="0"/>
+                                          </p:stCondLst>
+                                        </p:cTn>
+                                        <p:tgtEl>
+                                          <p:spTgt spid="8"/>
+                                        </p:tgtEl>
+                                        <p:attrNameLst>
+                                          <p:attrName>style.visibility</p:attrName>
+                                        </p:attrNameLst>
+                                      </p:cBhvr>
+                                      <p:to>
+                                        <p:strVal val="visible"/>
+                                      </p:to>
+                                    </p:set>
+                                    <p:animEffect transition="in" filter="fade">
+                                      <p:cBhvr>
+                                        <p:cTn id="12" dur="500"/>
+                                        <p:tgtEl>
+                                          <p:spTgt spid="8"/>
+                                        </p:tgtEl>
+                                      </p:cBhvr>
+                                    </p:animEffect>
+                                  </p:childTnLst>
+                                </p:cTn>
+                              </p:par>
+                            </p:childTnLst>
+                          </p:cTn>
+                        </p:par>
+                      </p:childTnLst>
+                    </p:cTn>
+                  </p:par>
+                  <p:par>
+                    <p:cTn id="13" fill="hold">
+                      <p:stCondLst>
+                        <p:cond delay="indefinite"/>
+                      </p:stCondLst>
+                      <p:childTnLst>
+                        <p:par>
+                          <p:cTn id="14" fill="hold">
+                            <p:stCondLst>
+                              <p:cond delay="0"/>
+                            </p:stCondLst>
+                            <p:childTnLst>
+                              <p:par>
+                                <p:cTn id="15" presetID="10" presetClass="entr" presetSubtype="0" fill="hold" nodeType="clickEffect">
+                                  <p:stCondLst>
+                                    <p:cond delay="0"/>
+                                  </p:stCondLst>
+                                  <p:childTnLst>
+                                    <p:set>
+                                      <p:cBhvr>
+                                        <p:cTn id="16" dur="1" fill="hold">
+                                          <p:stCondLst>
+                                            <p:cond delay="0"/>
+                                          </p:stCondLst>
+                                        </p:cTn>
+                                        <p:tgtEl>
+                                          <p:spTgt spid="7"/>
+                                        </p:tgtEl>
+                                        <p:attrNameLst>
+                                          <p:attrName>style.visibility</p:attrName>
+                                        </p:attrNameLst>
+                                      </p:cBhvr>
+                                      <p:to>
+                                        <p:strVal val="visible"/>
+                                      </p:to>
+                                    </p:set>
+                                    <p:animEffect transition="in" filter="fade">
+                                      <p:cBhvr>
+                                        <p:cTn id="17" dur="500"/>
+                                        <p:tgtEl>
+                                          <p:spTgt spid="7"/>
+                                        </p:tgtEl>
+                                      </p:cBhvr>
+                                    </p:animEffect>
+                                  </p:childTnLst>
+                                </p:cTn>
+                              </p:par>
+                            </p:childTnLst>
+                          </p:cTn>
+                        </p:par>
+                      </p:childTnLst>
+                    </p:cTn>
+                  </p:par>
+                  <p:par>
+                    <p:cTn id="18" fill="hold">
+                      <p:stCondLst>
+                        <p:cond delay="indefinite"/>
+                      </p:stCondLst>
+                      <p:childTnLst>
+                        <p:par>
+                          <p:cTn id="19" fill="hold">
+                            <p:stCondLst>
+                              <p:cond delay="0"/>
+                            </p:stCondLst>
+                            <p:childTnLst>
+                              <p:par>
+                                <p:cTn id="20" presetID="10" presetClass="entr" presetSubtype="0" fill="hold" nodeType="clickEffect">
+                                  <p:stCondLst>
+                                    <p:cond delay="0"/>
+                                  </p:stCondLst>
+                                  <p:childTnLst>
+                                    <p:set>
+                                      <p:cBhvr>
+                                        <p:cTn id="21" dur="1" fill="hold">
+                                          <p:stCondLst>
+                                            <p:cond delay="0"/>
+                                          </p:stCondLst>
+                                        </p:cTn>
+                                        <p:tgtEl>
+                                          <p:spTgt spid="6"/>
+                                        </p:tgtEl>
+                                        <p:attrNameLst>
+                                          <p:attrName>style.visibility</p:attrName>
+                                        </p:attrNameLst>
+                                      </p:cBhvr>
+                                      <p:to>
+                                        <p:strVal val="visible"/>
+                                      </p:to>
+                                    </p:set>
+                                    <p:animEffect transition="in" filter="fade">
+                                      <p:cBhvr>
+                                        <p:cTn id="22" dur="500"/>
+                                        <p:tgtEl>
+                                          <p:spTgt spid="6"/>
+                                        </p:tgtEl>
+                                      </p:cBhvr>
+                                    </p:animEffect>
+                                  </p:childTnLst>
+                                </p:cTn>
+                              </p:par>
+                            </p:childTnLst>
+                          </p:cTn>
+                        </p:par>
+                      </p:childTnLst>
+                    </p:cTn>
+                  </p:par>
+                  <p:par>
+                    <p:cTn id="23" fill="hold">
+                      <p:stCondLst>
+                        <p:cond delay="indefinite"/>
+                      </p:stCondLst>
+                      <p:childTnLst>
+                        <p:par>
+                          <p:cTn id="24" fill="hold">
+                            <p:stCondLst>
+                              <p:cond delay="0"/>
+                            </p:stCondLst>
+                            <p:childTnLst>
+                              <p:par>
+                                <p:cTn id="25" presetID="10" presetClass="entr" presetSubtype="0" fill="hold" grpId="0" nodeType="clickEffect">
+                                  <p:stCondLst>
+                                    <p:cond delay="0"/>
+                                  </p:stCondLst>
+                                  <p:childTnLst>
+                                    <p:set>
+                                      <p:cBhvr>
+                                        <p:cTn id="26" dur="1" fill="hold">
+                                          <p:stCondLst>
+                                            <p:cond delay="0"/>
+                                          </p:stCondLst>
+                                        </p:cTn>
+                                        <p:tgtEl>
+                                          <p:spTgt spid="4"/>
+                                        </p:tgtEl>
+                                        <p:attrNameLst>
+                                          <p:attrName>style.visibility</p:attrName>
+                                        </p:attrNameLst>
+                                      </p:cBhvr>
+                                      <p:to>
+                                        <p:strVal val="visible"/>
+                                      </p:to>
+                                    </p:set>
+                                    <p:animEffect transition="in" filter="fade">
+                                      <p:cBhvr>
+                                        <p:cTn id="27" dur="500"/>
+                                        <p:tgtEl>
+                                          <p:spTgt spid="4"/>
+                                        </p:tgtEl>
+                                      </p:cBhvr>
+                                    </p:animEffect>
+                                  </p:childTnLst>
+                                </p:cTn>
+                              </p:par>
+                            </p:childTnLst>
+                          </p:cTn>
+                        </p:par>
+                      </p:childTnLst>
+                    </p:cTn>
+                  </p:par>
+                  <p:par>
+                    <p:cTn id="28" fill="hold">
+                      <p:stCondLst>
+                        <p:cond delay="indefinite"/>
+                      </p:stCondLst>
+                      <p:childTnLst>
+                        <p:par>
+                          <p:cTn id="29" fill="hold">
+                            <p:stCondLst>
+                              <p:cond delay="0"/>
+                            </p:stCondLst>
+                            <p:childTnLst>
+                              <p:par>
+                                <p:cTn id="30" presetID="10" presetClass="entr" presetSubtype="0" fill="hold" grpId="0" nodeType="clickEffect">
+                                  <p:stCondLst>
+                                    <p:cond delay="0"/>
+                                  </p:stCondLst>
+                                  <p:childTnLst>
+                                    <p:set>
+                                      <p:cBhvr>
+                                        <p:cTn id="31" dur="1" fill="hold">
+                                          <p:stCondLst>
+                                            <p:cond delay="0"/>
+                                          </p:stCondLst>
+                                        </p:cTn>
+                                        <p:tgtEl>
+                                          <p:spTgt spid="9"/>
+                                        </p:tgtEl>
+                                        <p:attrNameLst>
+                                          <p:attrName>style.visibility</p:attrName>
+                                        </p:attrNameLst>
+                                      </p:cBhvr>
+                                      <p:to>
+                                        <p:strVal val="visible"/>
+                                      </p:to>
+                                    </p:set>
+                                    <p:animEffect transition="in" filter="fade">
+                                      <p:cBhvr>
+                                        <p:cTn id="32" dur="500"/>
+                                        <p:tgtEl>
+                                          <p:spTgt spid="9"/>
+                                        </p:tgtEl>
+                                      </p:cBhvr>
+                                    </p:animEffect>
+                                  </p:childTnLst>
+                                </p:cTn>
+                              </p:par>
+                            </p:childTnLst>
+                          </p:cTn>
+                        </p:par>
+                      </p:childTnLst>
+                    </p:cTn>
+                  </p:par>
+                  <p:par>
+                    <p:cTn id="33" fill="hold">
+                      <p:stCondLst>
+                        <p:cond delay="indefinite"/>
+                      </p:stCondLst>
+                      <p:childTnLst>
+                        <p:par>
+                          <p:cTn id="34" fill="hold">
+                            <p:stCondLst>
+                              <p:cond delay="0"/>
+                            </p:stCondLst>
+                            <p:childTnLst>
+                              <p:par>
+                                <p:cTn id="35" presetID="10" presetClass="entr" presetSubtype="0" fill="hold" grpId="0" nodeType="clickEffect">
+                                  <p:stCondLst>
+                                    <p:cond delay="0"/>
+                                  </p:stCondLst>
+                                  <p:childTnLst>
+                                    <p:set>
+                                      <p:cBhvr>
+                                        <p:cTn id="36" dur="1" fill="hold">
+                                          <p:stCondLst>
+                                            <p:cond delay="0"/>
+                                          </p:stCondLst>
+                                        </p:cTn>
+                                        <p:tgtEl>
+                                          <p:spTgt spid="10"/>
+                                        </p:tgtEl>
+                                        <p:attrNameLst>
+                                          <p:attrName>style.visibility</p:attrName>
+                                        </p:attrNameLst>
+                                      </p:cBhvr>
+                                      <p:to>
+                                        <p:strVal val="visible"/>
+                                      </p:to>
+                                    </p:set>
+                                    <p:animEffect transition="in" filter="fade">
+                                      <p:cBhvr>
+                                        <p:cTn id="37" dur="500"/>
+                                        <p:tgtEl>
+                                          <p:spTgt spid="10"/>
+                                        </p:tgtEl>
+                                      </p:cBhvr>
+                                    </p:animEffect>
+                                  </p:childTnLst>
+                                </p:cTn>
+                              </p:par>
+                            </p:childTnLst>
+                          </p:cTn>
+                        </p:par>
+                      </p:childTnLst>
+                    </p:cTn>
+                  </p:par>
+                  <p:par>
+                    <p:cTn id="38" fill="hold">
+                      <p:stCondLst>
+                        <p:cond delay="indefinite"/>
+                      </p:stCondLst>
+                      <p:childTnLst>
+                        <p:par>
+                          <p:cTn id="39" fill="hold">
+                            <p:stCondLst>
+                              <p:cond delay="0"/>
+                            </p:stCondLst>
+                            <p:childTnLst>
+                              <p:par>
+                                <p:cTn id="40" presetID="10" presetClass="entr" presetSubtype="0" fill="hold" nodeType="clickEffect">
+                                  <p:stCondLst>
+                                    <p:cond delay="0"/>
+                                  </p:stCondLst>
+                                  <p:childTnLst>
+                                    <p:set>
+                                      <p:cBhvr>
+                                        <p:cTn id="41" dur="1" fill="hold">
+                                          <p:stCondLst>
+                                            <p:cond delay="0"/>
+                                          </p:stCondLst>
+                                        </p:cTn>
+                                        <p:tgtEl>
+                                          <p:spTgt spid="5126"/>
+                                        </p:tgtEl>
+                                        <p:attrNameLst>
+                                          <p:attrName>style.visibility</p:attrName>
+                                        </p:attrNameLst>
+                                      </p:cBhvr>
+                                      <p:to>
+                                        <p:strVal val="visible"/>
+                                      </p:to>
+                                    </p:set>
+                                    <p:animEffect transition="in" filter="fade">
+                                      <p:cBhvr>
+                                        <p:cTn id="42" dur="500"/>
+                                        <p:tgtEl>
+                                          <p:spTgt spid="5126"/>
+                                        </p:tgtEl>
+                                      </p:cBhvr>
+                                    </p:animEffect>
+                                  </p:childTnLst>
+                                </p:cTn>
+                              </p:par>
+                            </p:childTnLst>
+                          </p:cTn>
+                        </p:par>
+                      </p:childTnLst>
+                    </p:cTn>
+                  </p:par>
+                  <p:par>
+                    <p:cTn id="43" fill="hold">
+                      <p:stCondLst>
+                        <p:cond delay="indefinite"/>
+                      </p:stCondLst>
+                      <p:childTnLst>
+                        <p:par>
+                          <p:cTn id="44" fill="hold">
+                            <p:stCondLst>
+                              <p:cond delay="0"/>
+                            </p:stCondLst>
+                            <p:childTnLst>
+                              <p:par>
+                                <p:cTn id="45" presetID="10" presetClass="entr" presetSubtype="0" fill="hold" nodeType="clickEffect">
+                                  <p:stCondLst>
+                                    <p:cond delay="0"/>
+                                  </p:stCondLst>
+                                  <p:childTnLst>
+                                    <p:set>
+                                      <p:cBhvr>
+                                        <p:cTn id="46" dur="1" fill="hold">
+                                          <p:stCondLst>
+                                            <p:cond delay="0"/>
+                                          </p:stCondLst>
+                                        </p:cTn>
+                                        <p:tgtEl>
+                                          <p:spTgt spid="5124"/>
+                                        </p:tgtEl>
+                                        <p:attrNameLst>
+                                          <p:attrName>style.visibility</p:attrName>
+                                        </p:attrNameLst>
+                                      </p:cBhvr>
+                                      <p:to>
+                                        <p:strVal val="visible"/>
+                                      </p:to>
+                                    </p:set>
+                                    <p:animEffect transition="in" filter="fade">
+                                      <p:cBhvr>
+                                        <p:cTn id="47" dur="500"/>
+                                        <p:tgtEl>
+                                          <p:spTgt spid="5124"/>
+                                        </p:tgtEl>
+                                      </p:cBhvr>
+                                    </p:animEffect>
+                                  </p:childTnLst>
+                                </p:cTn>
+                              </p:par>
+                            </p:childTnLst>
+                          </p:cTn>
+                        </p:par>
+                      </p:childTnLst>
+                    </p:cTn>
+                  </p:par>
+                  <p:par>
+                    <p:cTn id="48" fill="hold">
+                      <p:stCondLst>
+                        <p:cond delay="indefinite"/>
+                      </p:stCondLst>
+                      <p:childTnLst>
+                        <p:par>
+                          <p:cTn id="49" fill="hold">
+                            <p:stCondLst>
+                              <p:cond delay="0"/>
+                            </p:stCondLst>
+                            <p:childTnLst>
+                              <p:par>
+                                <p:cTn id="50" presetID="10" presetClass="entr" presetSubtype="0" fill="hold" grpId="0" nodeType="clickEffect">
+                                  <p:stCondLst>
+                                    <p:cond delay="0"/>
+                                  </p:stCondLst>
+                                  <p:childTnLst>
+                                    <p:set>
+                                      <p:cBhvr>
+                                        <p:cTn id="51" dur="1" fill="hold">
+                                          <p:stCondLst>
+                                            <p:cond delay="0"/>
+                                          </p:stCondLst>
+                                        </p:cTn>
+                                        <p:tgtEl>
+                                          <p:spTgt spid="11"/>
+                                        </p:tgtEl>
+                                        <p:attrNameLst>
+                                          <p:attrName>style.visibility</p:attrName>
+                                        </p:attrNameLst>
+                                      </p:cBhvr>
+                                      <p:to>
+                                        <p:strVal val="visible"/>
+                                      </p:to>
+                                    </p:set>
+                                    <p:animEffect transition="in" filter="fade">
+                                      <p:cBhvr>
+                                        <p:cTn id="52" dur="500"/>
+                                        <p:tgtEl>
+                                          <p:spTgt spid="11"/>
+                                        </p:tgtEl>
+                                      </p:cBhvr>
+                                    </p:animEffect>
+                                  </p:childTnLst>
+                                </p:cTn>
+                              </p:par>
+                            </p:childTnLst>
+                          </p:cTn>
+                        </p:par>
+                      </p:childTnLst>
+                    </p:cTn>
+                  </p:par>
+                  <p:par>
+                    <p:cTn id="53" fill="hold">
+                      <p:stCondLst>
+                        <p:cond delay="indefinite"/>
+                      </p:stCondLst>
+                      <p:childTnLst>
+                        <p:par>
+                          <p:cTn id="54" fill="hold">
+                            <p:stCondLst>
+                              <p:cond delay="0"/>
+                            </p:stCondLst>
+                            <p:childTnLst>
+                              <p:par>
+                                <p:cTn id="55" presetID="10" presetClass="entr" presetSubtype="0" fill="hold" nodeType="clickEffect">
+                                  <p:stCondLst>
+                                    <p:cond delay="0"/>
+                                  </p:stCondLst>
+                                  <p:childTnLst>
+                                    <p:set>
+                                      <p:cBhvr>
+                                        <p:cTn id="56" dur="1" fill="hold">
+                                          <p:stCondLst>
+                                            <p:cond delay="0"/>
+                                          </p:stCondLst>
+                                        </p:cTn>
+                                        <p:tgtEl>
+                                          <p:spTgt spid="5"/>
+                                        </p:tgtEl>
+                                        <p:attrNameLst>
+                                          <p:attrName>style.visibility</p:attrName>
+                                        </p:attrNameLst>
+                                      </p:cBhvr>
+                                      <p:to>
+                                        <p:strVal val="visible"/>
+                                      </p:to>
+                                    </p:set>
+                                    <p:animEffect transition="in" filter="fade">
+                                      <p:cBhvr>
+                                        <p:cTn id="57" dur="500"/>
+                                        <p:tgtEl>
+                                          <p:spTgt spid="5"/>
+                                        </p:tgtEl>
+                                      </p:cBhvr>
+                                    </p:animEffect>
+                                  </p:childTnLst>
+                                </p:cTn>
+                              </p:par>
+                            </p:childTnLst>
+                          </p:cTn>
+                        </p:par>
+                      </p:childTnLst>
+                    </p:cTn>
+                  </p:par>
+                </p:childTnLst>
+              </p:cTn>
+              <p:prevCondLst>
+                <p:cond evt="onPrev" delay="0">
+                  <p:tgtEl>
+                    <p:sldTgt/>
+                  </p:tgtEl>
+                </p:cond>
+              </p:prevCondLst>
+              <p:nextCondLst>
+                <p:cond evt="onNext" delay="0">
+                  <p:tgtEl>
+                    <p:sldTgt/>
+                  </p:tgtEl>
+                </p:cond>
+              </p:nextCondLst>
+            </p:seq>
+          </p:childTnLst>
+        </p:cTn>
       </p:par>
     </p:tnLst>
+    <p:bldLst>
+      <p:bldP spid="4" grpId="0" animBg="1"/>
+      <p:bldP spid="9" grpId="0"/>
+      <p:bldP spid="10" grpId="0"/>
+      <p:bldP spid="8" grpId="0"/>
+      <p:bldP spid="11" grpId="0"/>
+    </p:bldLst>
   </p:timing>
 </p:sld>
 </file>
@@ -8809,15 +13323,7 @@
                   <a:schemeClr val="bg2"/>
                 </a:solidFill>
               </a:rPr>
-              <a:t>Pre Scientific revolution </a:t>
-            </a:r>
-            <a:r>
-              <a:rPr lang="en-US" dirty="0" smtClean="0">
-                <a:solidFill>
-                  <a:schemeClr val="bg2"/>
-                </a:solidFill>
-              </a:rPr>
-              <a:t>– 1800 </a:t>
+              <a:t>Pre Scientific revolution – 1800 </a:t>
             </a:r>
             <a:endParaRPr lang="en-US" dirty="0">
               <a:solidFill>
@@ -8827,198 +13333,120 @@
           </a:p>
         </p:txBody>
       </p:sp>
-      <p:pic>
-        <p:nvPicPr>
-          <p:cNvPr id="6146" name="Picture 2" descr="William Molyneux - Wikipedia"/>
-          <p:cNvPicPr>
-            <a:picLocks noChangeAspect="1" noChangeArrowheads="1"/>
-          </p:cNvPicPr>
+      <p:sp>
+        <p:nvSpPr>
+          <p:cNvPr id="3" name="TextBox 2"/>
+          <p:cNvSpPr txBox="1"/>
           <p:nvPr/>
-        </p:nvPicPr>
-        <p:blipFill>
-          <a:blip r:embed="rId2">
-            <a:extLst>
-              <a:ext uri="{28A0092B-C50C-407E-A947-70E740481C1C}">
-                <a14:useLocalDpi xmlns:a14="http://schemas.microsoft.com/office/drawing/2010/main" val="0"/>
-              </a:ext>
-            </a:extLst>
-          </a:blip>
-          <a:srcRect/>
-          <a:stretch>
-            <a:fillRect/>
-          </a:stretch>
-        </p:blipFill>
-        <p:spPr bwMode="auto">
+        </p:nvSpPr>
+        <p:spPr>
           <a:xfrm>
-            <a:off x="-98425" y="2396948"/>
-            <a:ext cx="3841750" cy="4567415"/>
+            <a:off x="1024128" y="2084832"/>
+            <a:ext cx="11030961" cy="4247317"/>
           </a:xfrm>
           <a:prstGeom prst="rect">
             <a:avLst/>
           </a:prstGeom>
-          <a:noFill/>
-          <a:extLst>
-            <a:ext uri="{909E8E84-426E-40DD-AFC4-6F175D3DCCD1}">
-              <a14:hiddenFill xmlns:a14="http://schemas.microsoft.com/office/drawing/2010/main">
+          <a:solidFill>
+            <a:schemeClr val="tx2">
+              <a:lumMod val="75000"/>
+            </a:schemeClr>
+          </a:solidFill>
+        </p:spPr>
+        <p:txBody>
+          <a:bodyPr wrap="square" rtlCol="0" anchor="ctr">
+            <a:spAutoFit/>
+          </a:bodyPr>
+          <a:lstStyle/>
+          <a:p>
+            <a:pPr marL="685800" indent="-685800">
+              <a:buFontTx/>
+              <a:buChar char="-"/>
+            </a:pPr>
+            <a:r>
+              <a:rPr lang="en-US" sz="5400" dirty="0" smtClean="0">
                 <a:solidFill>
-                  <a:srgbClr val="FFFFFF"/>
+                  <a:schemeClr val="bg2"/>
                 </a:solidFill>
-              </a14:hiddenFill>
-            </a:ext>
-          </a:extLst>
-        </p:spPr>
-      </p:pic>
-      <p:pic>
-        <p:nvPicPr>
-          <p:cNvPr id="6150" name="Picture 6" descr="Cubes - Intermediate Geometry"/>
-          <p:cNvPicPr>
-            <a:picLocks noChangeAspect="1" noChangeArrowheads="1"/>
-          </p:cNvPicPr>
-          <p:nvPr/>
-        </p:nvPicPr>
-        <p:blipFill>
-          <a:blip r:embed="rId3" cstate="print">
-            <a:extLst>
-              <a:ext uri="{28A0092B-C50C-407E-A947-70E740481C1C}">
-                <a14:useLocalDpi xmlns:a14="http://schemas.microsoft.com/office/drawing/2010/main" val="0"/>
-              </a:ext>
-            </a:extLst>
-          </a:blip>
-          <a:srcRect/>
-          <a:stretch>
-            <a:fillRect/>
-          </a:stretch>
-        </p:blipFill>
-        <p:spPr bwMode="auto">
-          <a:xfrm>
-            <a:off x="3743324" y="2396948"/>
-            <a:ext cx="2473325" cy="2389630"/>
-          </a:xfrm>
-          <a:prstGeom prst="rect">
-            <a:avLst/>
-          </a:prstGeom>
-          <a:noFill/>
-          <a:extLst>
-            <a:ext uri="{909E8E84-426E-40DD-AFC4-6F175D3DCCD1}">
-              <a14:hiddenFill xmlns:a14="http://schemas.microsoft.com/office/drawing/2010/main">
+              </a:rPr>
+              <a:t>PEOPLE STARTED TO THINK</a:t>
+            </a:r>
+          </a:p>
+          <a:p>
+            <a:pPr marL="1143000" lvl="1" indent="-685800">
+              <a:buFontTx/>
+              <a:buChar char="-"/>
+            </a:pPr>
+            <a:r>
+              <a:rPr lang="en-US" sz="5400" dirty="0" smtClean="0">
                 <a:solidFill>
-                  <a:srgbClr val="FFFFFF"/>
+                  <a:schemeClr val="bg2"/>
                 </a:solidFill>
-              </a14:hiddenFill>
-            </a:ext>
-          </a:extLst>
-        </p:spPr>
-      </p:pic>
-      <p:pic>
-        <p:nvPicPr>
-          <p:cNvPr id="5" name="Picture 4"/>
-          <p:cNvPicPr>
-            <a:picLocks noChangeAspect="1"/>
-          </p:cNvPicPr>
-          <p:nvPr/>
-        </p:nvPicPr>
-        <p:blipFill>
-          <a:blip r:embed="rId4"/>
-          <a:stretch>
-            <a:fillRect/>
-          </a:stretch>
-        </p:blipFill>
-        <p:spPr>
-          <a:xfrm>
-            <a:off x="3743325" y="4680655"/>
-            <a:ext cx="2473325" cy="2234671"/>
-          </a:xfrm>
-          <a:prstGeom prst="rect">
-            <a:avLst/>
-          </a:prstGeom>
-        </p:spPr>
-      </p:pic>
-      <p:pic>
-        <p:nvPicPr>
-          <p:cNvPr id="6154" name="Picture 10" descr="A Treatise of Human Nature: Hume, David: Amazon.com: Books"/>
-          <p:cNvPicPr>
-            <a:picLocks noChangeAspect="1" noChangeArrowheads="1"/>
-          </p:cNvPicPr>
-          <p:nvPr/>
-        </p:nvPicPr>
-        <p:blipFill>
-          <a:blip r:embed="rId5">
-            <a:extLst>
-              <a:ext uri="{28A0092B-C50C-407E-A947-70E740481C1C}">
-                <a14:useLocalDpi xmlns:a14="http://schemas.microsoft.com/office/drawing/2010/main" val="0"/>
-              </a:ext>
-            </a:extLst>
-          </a:blip>
-          <a:srcRect/>
-          <a:stretch>
-            <a:fillRect/>
-          </a:stretch>
-        </p:blipFill>
-        <p:spPr bwMode="auto">
-          <a:xfrm>
-            <a:off x="5045263" y="2422297"/>
-            <a:ext cx="3387536" cy="4516715"/>
-          </a:xfrm>
-          <a:prstGeom prst="rect">
-            <a:avLst/>
-          </a:prstGeom>
-          <a:noFill/>
-          <a:extLst>
-            <a:ext uri="{909E8E84-426E-40DD-AFC4-6F175D3DCCD1}">
-              <a14:hiddenFill xmlns:a14="http://schemas.microsoft.com/office/drawing/2010/main">
+              </a:rPr>
+              <a:t>WHAT ARE SENSES</a:t>
+            </a:r>
+          </a:p>
+          <a:p>
+            <a:pPr marL="1143000" lvl="1" indent="-685800">
+              <a:buFontTx/>
+              <a:buChar char="-"/>
+            </a:pPr>
+            <a:r>
+              <a:rPr lang="en-US" sz="5400" dirty="0" smtClean="0">
                 <a:solidFill>
-                  <a:srgbClr val="FFFFFF"/>
+                  <a:schemeClr val="bg2"/>
                 </a:solidFill>
-              </a14:hiddenFill>
-            </a:ext>
-          </a:extLst>
-        </p:spPr>
-      </p:pic>
-      <p:pic>
-        <p:nvPicPr>
-          <p:cNvPr id="6152" name="Picture 8" descr="David Hume - Wikipedia"/>
-          <p:cNvPicPr>
-            <a:picLocks noChangeAspect="1" noChangeArrowheads="1"/>
-          </p:cNvPicPr>
-          <p:nvPr/>
-        </p:nvPicPr>
-        <p:blipFill>
-          <a:blip r:embed="rId6">
-            <a:extLst>
-              <a:ext uri="{28A0092B-C50C-407E-A947-70E740481C1C}">
-                <a14:useLocalDpi xmlns:a14="http://schemas.microsoft.com/office/drawing/2010/main" val="0"/>
-              </a:ext>
-            </a:extLst>
-          </a:blip>
-          <a:srcRect/>
-          <a:stretch>
-            <a:fillRect/>
-          </a:stretch>
-        </p:blipFill>
-        <p:spPr bwMode="auto">
-          <a:xfrm>
-            <a:off x="8432800" y="2192514"/>
-            <a:ext cx="3891416" cy="4771849"/>
-          </a:xfrm>
-          <a:prstGeom prst="rect">
-            <a:avLst/>
-          </a:prstGeom>
-          <a:noFill/>
-          <a:extLst>
-            <a:ext uri="{909E8E84-426E-40DD-AFC4-6F175D3DCCD1}">
-              <a14:hiddenFill xmlns:a14="http://schemas.microsoft.com/office/drawing/2010/main">
+              </a:rPr>
+              <a:t>WERE THE GREEKS RIGHT?</a:t>
+            </a:r>
+          </a:p>
+          <a:p>
+            <a:pPr marL="1143000" lvl="1" indent="-685800">
+              <a:buFontTx/>
+              <a:buChar char="-"/>
+            </a:pPr>
+            <a:r>
+              <a:rPr lang="en-US" sz="5400" dirty="0" smtClean="0">
                 <a:solidFill>
-                  <a:srgbClr val="FFFFFF"/>
+                  <a:schemeClr val="bg2"/>
                 </a:solidFill>
-              </a14:hiddenFill>
-            </a:ext>
-          </a:extLst>
-        </p:spPr>
-      </p:pic>
+              </a:rPr>
+              <a:t>WHAT IS KNOWLEDGE?</a:t>
+            </a:r>
+          </a:p>
+          <a:p>
+            <a:pPr marL="1143000" lvl="1" indent="-685800">
+              <a:buFontTx/>
+              <a:buChar char="-"/>
+            </a:pPr>
+            <a:r>
+              <a:rPr lang="en-US" sz="5400" dirty="0" smtClean="0">
+                <a:solidFill>
+                  <a:schemeClr val="bg2"/>
+                </a:solidFill>
+              </a:rPr>
+              <a:t>WHAT </a:t>
+            </a:r>
+            <a:r>
+              <a:rPr lang="en-US" sz="5400" b="1" i="1" u="sng" dirty="0" smtClean="0">
+                <a:solidFill>
+                  <a:schemeClr val="bg2"/>
+                </a:solidFill>
+              </a:rPr>
+              <a:t>IS</a:t>
+            </a:r>
+            <a:endParaRPr lang="en-US" sz="5400" b="1" i="1" u="sng" dirty="0">
+              <a:solidFill>
+                <a:schemeClr val="bg2"/>
+              </a:solidFill>
+            </a:endParaRPr>
+          </a:p>
+        </p:txBody>
+      </p:sp>
     </p:spTree>
     <p:extLst>
       <p:ext uri="{BB962C8B-B14F-4D97-AF65-F5344CB8AC3E}">
-        <p14:creationId xmlns:p14="http://schemas.microsoft.com/office/powerpoint/2010/main" val="83559973"/>
+        <p14:creationId xmlns:p14="http://schemas.microsoft.com/office/powerpoint/2010/main" val="2024885857"/>
       </p:ext>
     </p:extLst>
   </p:cSld>
@@ -9028,9 +13456,340 @@
   <p:timing>
     <p:tnLst>
       <p:par>
-        <p:cTn id="1" dur="indefinite" restart="never" nodeType="tmRoot"/>
+        <p:cTn id="1" dur="indefinite" restart="never" nodeType="tmRoot">
+          <p:childTnLst>
+            <p:seq concurrent="1" nextAc="seek">
+              <p:cTn id="2" dur="indefinite" nodeType="mainSeq">
+                <p:childTnLst>
+                  <p:par>
+                    <p:cTn id="3" fill="hold">
+                      <p:stCondLst>
+                        <p:cond delay="indefinite"/>
+                      </p:stCondLst>
+                      <p:childTnLst>
+                        <p:par>
+                          <p:cTn id="4" fill="hold">
+                            <p:stCondLst>
+                              <p:cond delay="0"/>
+                            </p:stCondLst>
+                            <p:childTnLst>
+                              <p:par>
+                                <p:cTn id="5" presetID="10" presetClass="entr" presetSubtype="0" fill="hold" grpId="0" nodeType="clickEffect">
+                                  <p:stCondLst>
+                                    <p:cond delay="0"/>
+                                  </p:stCondLst>
+                                  <p:childTnLst>
+                                    <p:set>
+                                      <p:cBhvr>
+                                        <p:cTn id="6" dur="1" fill="hold">
+                                          <p:stCondLst>
+                                            <p:cond delay="0"/>
+                                          </p:stCondLst>
+                                        </p:cTn>
+                                        <p:tgtEl>
+                                          <p:spTgt spid="3">
+                                            <p:txEl>
+                                              <p:pRg st="0" end="0"/>
+                                            </p:txEl>
+                                          </p:spTgt>
+                                        </p:tgtEl>
+                                        <p:attrNameLst>
+                                          <p:attrName>style.visibility</p:attrName>
+                                        </p:attrNameLst>
+                                      </p:cBhvr>
+                                      <p:to>
+                                        <p:strVal val="visible"/>
+                                      </p:to>
+                                    </p:set>
+                                    <p:animEffect transition="in" filter="fade">
+                                      <p:cBhvr>
+                                        <p:cTn id="7" dur="500"/>
+                                        <p:tgtEl>
+                                          <p:spTgt spid="3">
+                                            <p:txEl>
+                                              <p:pRg st="0" end="0"/>
+                                            </p:txEl>
+                                          </p:spTgt>
+                                        </p:tgtEl>
+                                      </p:cBhvr>
+                                    </p:animEffect>
+                                  </p:childTnLst>
+                                </p:cTn>
+                              </p:par>
+                            </p:childTnLst>
+                          </p:cTn>
+                        </p:par>
+                      </p:childTnLst>
+                    </p:cTn>
+                  </p:par>
+                  <p:par>
+                    <p:cTn id="8" fill="hold">
+                      <p:stCondLst>
+                        <p:cond delay="indefinite"/>
+                      </p:stCondLst>
+                      <p:childTnLst>
+                        <p:par>
+                          <p:cTn id="9" fill="hold">
+                            <p:stCondLst>
+                              <p:cond delay="0"/>
+                            </p:stCondLst>
+                            <p:childTnLst>
+                              <p:par>
+                                <p:cTn id="10" presetID="10" presetClass="entr" presetSubtype="0" fill="hold" grpId="0" nodeType="clickEffect">
+                                  <p:stCondLst>
+                                    <p:cond delay="0"/>
+                                  </p:stCondLst>
+                                  <p:childTnLst>
+                                    <p:set>
+                                      <p:cBhvr>
+                                        <p:cTn id="11" dur="1" fill="hold">
+                                          <p:stCondLst>
+                                            <p:cond delay="0"/>
+                                          </p:stCondLst>
+                                        </p:cTn>
+                                        <p:tgtEl>
+                                          <p:spTgt spid="3">
+                                            <p:txEl>
+                                              <p:pRg st="1" end="1"/>
+                                            </p:txEl>
+                                          </p:spTgt>
+                                        </p:tgtEl>
+                                        <p:attrNameLst>
+                                          <p:attrName>style.visibility</p:attrName>
+                                        </p:attrNameLst>
+                                      </p:cBhvr>
+                                      <p:to>
+                                        <p:strVal val="visible"/>
+                                      </p:to>
+                                    </p:set>
+                                    <p:animEffect transition="in" filter="fade">
+                                      <p:cBhvr>
+                                        <p:cTn id="12" dur="500"/>
+                                        <p:tgtEl>
+                                          <p:spTgt spid="3">
+                                            <p:txEl>
+                                              <p:pRg st="1" end="1"/>
+                                            </p:txEl>
+                                          </p:spTgt>
+                                        </p:tgtEl>
+                                      </p:cBhvr>
+                                    </p:animEffect>
+                                  </p:childTnLst>
+                                </p:cTn>
+                              </p:par>
+                            </p:childTnLst>
+                          </p:cTn>
+                        </p:par>
+                      </p:childTnLst>
+                    </p:cTn>
+                  </p:par>
+                  <p:par>
+                    <p:cTn id="13" fill="hold">
+                      <p:stCondLst>
+                        <p:cond delay="indefinite"/>
+                      </p:stCondLst>
+                      <p:childTnLst>
+                        <p:par>
+                          <p:cTn id="14" fill="hold">
+                            <p:stCondLst>
+                              <p:cond delay="0"/>
+                            </p:stCondLst>
+                            <p:childTnLst>
+                              <p:par>
+                                <p:cTn id="15" presetID="10" presetClass="entr" presetSubtype="0" fill="hold" grpId="0" nodeType="clickEffect">
+                                  <p:stCondLst>
+                                    <p:cond delay="0"/>
+                                  </p:stCondLst>
+                                  <p:childTnLst>
+                                    <p:set>
+                                      <p:cBhvr>
+                                        <p:cTn id="16" dur="1" fill="hold">
+                                          <p:stCondLst>
+                                            <p:cond delay="0"/>
+                                          </p:stCondLst>
+                                        </p:cTn>
+                                        <p:tgtEl>
+                                          <p:spTgt spid="3">
+                                            <p:txEl>
+                                              <p:pRg st="2" end="2"/>
+                                            </p:txEl>
+                                          </p:spTgt>
+                                        </p:tgtEl>
+                                        <p:attrNameLst>
+                                          <p:attrName>style.visibility</p:attrName>
+                                        </p:attrNameLst>
+                                      </p:cBhvr>
+                                      <p:to>
+                                        <p:strVal val="visible"/>
+                                      </p:to>
+                                    </p:set>
+                                    <p:animEffect transition="in" filter="fade">
+                                      <p:cBhvr>
+                                        <p:cTn id="17" dur="500"/>
+                                        <p:tgtEl>
+                                          <p:spTgt spid="3">
+                                            <p:txEl>
+                                              <p:pRg st="2" end="2"/>
+                                            </p:txEl>
+                                          </p:spTgt>
+                                        </p:tgtEl>
+                                      </p:cBhvr>
+                                    </p:animEffect>
+                                  </p:childTnLst>
+                                </p:cTn>
+                              </p:par>
+                            </p:childTnLst>
+                          </p:cTn>
+                        </p:par>
+                      </p:childTnLst>
+                    </p:cTn>
+                  </p:par>
+                  <p:par>
+                    <p:cTn id="18" fill="hold">
+                      <p:stCondLst>
+                        <p:cond delay="indefinite"/>
+                      </p:stCondLst>
+                      <p:childTnLst>
+                        <p:par>
+                          <p:cTn id="19" fill="hold">
+                            <p:stCondLst>
+                              <p:cond delay="0"/>
+                            </p:stCondLst>
+                            <p:childTnLst>
+                              <p:par>
+                                <p:cTn id="20" presetID="10" presetClass="entr" presetSubtype="0" fill="hold" grpId="0" nodeType="clickEffect">
+                                  <p:stCondLst>
+                                    <p:cond delay="0"/>
+                                  </p:stCondLst>
+                                  <p:childTnLst>
+                                    <p:set>
+                                      <p:cBhvr>
+                                        <p:cTn id="21" dur="1" fill="hold">
+                                          <p:stCondLst>
+                                            <p:cond delay="0"/>
+                                          </p:stCondLst>
+                                        </p:cTn>
+                                        <p:tgtEl>
+                                          <p:spTgt spid="3">
+                                            <p:txEl>
+                                              <p:pRg st="3" end="3"/>
+                                            </p:txEl>
+                                          </p:spTgt>
+                                        </p:tgtEl>
+                                        <p:attrNameLst>
+                                          <p:attrName>style.visibility</p:attrName>
+                                        </p:attrNameLst>
+                                      </p:cBhvr>
+                                      <p:to>
+                                        <p:strVal val="visible"/>
+                                      </p:to>
+                                    </p:set>
+                                    <p:animEffect transition="in" filter="fade">
+                                      <p:cBhvr>
+                                        <p:cTn id="22" dur="500"/>
+                                        <p:tgtEl>
+                                          <p:spTgt spid="3">
+                                            <p:txEl>
+                                              <p:pRg st="3" end="3"/>
+                                            </p:txEl>
+                                          </p:spTgt>
+                                        </p:tgtEl>
+                                      </p:cBhvr>
+                                    </p:animEffect>
+                                  </p:childTnLst>
+                                </p:cTn>
+                              </p:par>
+                            </p:childTnLst>
+                          </p:cTn>
+                        </p:par>
+                      </p:childTnLst>
+                    </p:cTn>
+                  </p:par>
+                  <p:par>
+                    <p:cTn id="23" fill="hold">
+                      <p:stCondLst>
+                        <p:cond delay="indefinite"/>
+                      </p:stCondLst>
+                      <p:childTnLst>
+                        <p:par>
+                          <p:cTn id="24" fill="hold">
+                            <p:stCondLst>
+                              <p:cond delay="0"/>
+                            </p:stCondLst>
+                            <p:childTnLst>
+                              <p:par>
+                                <p:cTn id="25" presetID="10" presetClass="entr" presetSubtype="0" fill="hold" grpId="0" nodeType="clickEffect">
+                                  <p:stCondLst>
+                                    <p:cond delay="0"/>
+                                  </p:stCondLst>
+                                  <p:childTnLst>
+                                    <p:set>
+                                      <p:cBhvr>
+                                        <p:cTn id="26" dur="1" fill="hold">
+                                          <p:stCondLst>
+                                            <p:cond delay="0"/>
+                                          </p:stCondLst>
+                                        </p:cTn>
+                                        <p:tgtEl>
+                                          <p:spTgt spid="3">
+                                            <p:txEl>
+                                              <p:pRg st="4" end="4"/>
+                                            </p:txEl>
+                                          </p:spTgt>
+                                        </p:tgtEl>
+                                        <p:attrNameLst>
+                                          <p:attrName>style.visibility</p:attrName>
+                                        </p:attrNameLst>
+                                      </p:cBhvr>
+                                      <p:to>
+                                        <p:strVal val="visible"/>
+                                      </p:to>
+                                    </p:set>
+                                    <p:animEffect transition="in" filter="fade">
+                                      <p:cBhvr>
+                                        <p:cTn id="27" dur="500"/>
+                                        <p:tgtEl>
+                                          <p:spTgt spid="3">
+                                            <p:txEl>
+                                              <p:pRg st="4" end="4"/>
+                                            </p:txEl>
+                                          </p:spTgt>
+                                        </p:tgtEl>
+                                      </p:cBhvr>
+                                    </p:animEffect>
+                                  </p:childTnLst>
+                                </p:cTn>
+                              </p:par>
+                            </p:childTnLst>
+                          </p:cTn>
+                        </p:par>
+                      </p:childTnLst>
+                    </p:cTn>
+                  </p:par>
+                </p:childTnLst>
+              </p:cTn>
+              <p:prevCondLst>
+                <p:cond evt="onPrev" delay="0">
+                  <p:tgtEl>
+                    <p:sldTgt/>
+                  </p:tgtEl>
+                </p:cond>
+              </p:prevCondLst>
+              <p:nextCondLst>
+                <p:cond evt="onNext" delay="0">
+                  <p:tgtEl>
+                    <p:sldTgt/>
+                  </p:tgtEl>
+                </p:cond>
+              </p:nextCondLst>
+            </p:seq>
+          </p:childTnLst>
+        </p:cTn>
       </p:par>
     </p:tnLst>
+    <p:bldLst>
+      <p:bldP spid="3" grpId="0" uiExpand="1" build="p"/>
+    </p:bldLst>
   </p:timing>
 </p:sld>
 </file>

--- a/animalsClass/Deep History Of the field of Perception.pptx
+++ b/animalsClass/Deep History Of the field of Perception.pptx
@@ -5,7 +5,7 @@
     <p:sldMasterId id="2147483762" r:id="rId1"/>
   </p:sldMasterIdLst>
   <p:notesMasterIdLst>
-    <p:notesMasterId r:id="rId21"/>
+    <p:notesMasterId r:id="rId19"/>
   </p:notesMasterIdLst>
   <p:sldIdLst>
     <p:sldId id="256" r:id="rId2"/>
@@ -17,16 +17,14 @@
     <p:sldId id="261" r:id="rId8"/>
     <p:sldId id="260" r:id="rId9"/>
     <p:sldId id="276" r:id="rId10"/>
-    <p:sldId id="270" r:id="rId11"/>
-    <p:sldId id="277" r:id="rId12"/>
-    <p:sldId id="272" r:id="rId13"/>
-    <p:sldId id="264" r:id="rId14"/>
-    <p:sldId id="273" r:id="rId15"/>
-    <p:sldId id="265" r:id="rId16"/>
-    <p:sldId id="274" r:id="rId17"/>
-    <p:sldId id="266" r:id="rId18"/>
-    <p:sldId id="275" r:id="rId19"/>
-    <p:sldId id="267" r:id="rId20"/>
+    <p:sldId id="277" r:id="rId11"/>
+    <p:sldId id="264" r:id="rId12"/>
+    <p:sldId id="273" r:id="rId13"/>
+    <p:sldId id="265" r:id="rId14"/>
+    <p:sldId id="274" r:id="rId15"/>
+    <p:sldId id="266" r:id="rId16"/>
+    <p:sldId id="275" r:id="rId17"/>
+    <p:sldId id="267" r:id="rId18"/>
   </p:sldIdLst>
   <p:sldSz cx="12192000" cy="6858000"/>
   <p:notesSz cx="6858000" cy="9144000"/>
@@ -533,11 +531,7 @@
             </a:r>
             <a:r>
               <a:rPr lang="en-US" baseline="0" dirty="0" smtClean="0"/>
-              <a:t> who you are and what you </a:t>
-            </a:r>
-            <a:r>
-              <a:rPr lang="en-US" baseline="0" dirty="0" smtClean="0"/>
-              <a:t>do</a:t>
+              <a:t> who you are and what you do</a:t>
             </a:r>
           </a:p>
           <a:p>
@@ -561,15 +555,7 @@
             </a:pPr>
             <a:r>
               <a:rPr lang="en-US" baseline="0" dirty="0" smtClean="0"/>
-              <a:t>This </a:t>
-            </a:r>
-            <a:r>
-              <a:rPr lang="en-US" baseline="0" dirty="0" smtClean="0"/>
-              <a:t>means I study a lot of, how do people understand and process what they </a:t>
-            </a:r>
-            <a:r>
-              <a:rPr lang="en-US" baseline="0" dirty="0" smtClean="0"/>
-              <a:t>touch, and ONLY what they touch, not what they SEE and TOUCH. That isn’t me </a:t>
+              <a:t>This means I study a lot of, how do people understand and process what they touch, and ONLY what they touch, not what they SEE and TOUCH. That isn’t me </a:t>
             </a:r>
           </a:p>
           <a:p>
@@ -586,31 +572,7 @@
             </a:pPr>
             <a:r>
               <a:rPr lang="en-US" baseline="0" dirty="0" smtClean="0"/>
-              <a:t>I </a:t>
-            </a:r>
-            <a:r>
-              <a:rPr lang="en-US" baseline="0" dirty="0" smtClean="0"/>
-              <a:t>plan to study haptic perception </a:t>
-            </a:r>
-            <a:r>
-              <a:rPr lang="en-US" baseline="0" dirty="0" smtClean="0"/>
-              <a:t>mainly in the hands, but I want to be able to study it across </a:t>
-            </a:r>
-            <a:r>
-              <a:rPr lang="en-US" baseline="0" dirty="0" smtClean="0"/>
-              <a:t>the body </a:t>
-            </a:r>
-            <a:r>
-              <a:rPr lang="en-US" baseline="0" dirty="0" smtClean="0"/>
-              <a:t>and across space and MAYBE lower </a:t>
-            </a:r>
-            <a:r>
-              <a:rPr lang="en-US" baseline="0" dirty="0" smtClean="0"/>
-              <a:t>appendages (maybe</a:t>
-            </a:r>
-            <a:r>
-              <a:rPr lang="en-US" baseline="0" dirty="0" smtClean="0"/>
-              <a:t>). -&gt; ill get back to this </a:t>
+              <a:t>I plan to study haptic perception mainly in the hands, but I want to be able to study it across the body and across space and MAYBE lower appendages (maybe). -&gt; ill get back to this </a:t>
             </a:r>
           </a:p>
           <a:p>
@@ -627,11 +589,7 @@
             </a:pPr>
             <a:r>
               <a:rPr lang="en-US" baseline="0" dirty="0" smtClean="0"/>
-              <a:t>The purpose of this work, for those who are curious is to develop better VR and AR experiences and make these systems for the future more refined and better suited for human use and exploration</a:t>
-            </a:r>
-            <a:r>
-              <a:rPr lang="en-US" baseline="0" dirty="0" smtClean="0"/>
-              <a:t>.</a:t>
+              <a:t>The purpose of this work, for those who are curious is to develop better VR and AR experiences and make these systems for the future more refined and better suited for human use and exploration.</a:t>
             </a:r>
             <a:br>
               <a:rPr lang="en-US" baseline="0" dirty="0" smtClean="0"/>
@@ -686,6 +644,90 @@
     <p:extLst>
       <p:ext uri="{BB962C8B-B14F-4D97-AF65-F5344CB8AC3E}">
         <p14:creationId xmlns:p14="http://schemas.microsoft.com/office/powerpoint/2010/main" val="2620022585"/>
+      </p:ext>
+    </p:extLst>
+  </p:cSld>
+  <p:clrMapOvr>
+    <a:masterClrMapping/>
+  </p:clrMapOvr>
+</p:notes>
+</file>
+
+<file path=ppt/notesSlides/notesSlide10.xml><?xml version="1.0" encoding="utf-8"?>
+<p:notes xmlns:a="http://schemas.openxmlformats.org/drawingml/2006/main" xmlns:r="http://schemas.openxmlformats.org/officeDocument/2006/relationships" xmlns:p="http://schemas.openxmlformats.org/presentationml/2006/main">
+  <p:cSld>
+    <p:spTree>
+      <p:nvGrpSpPr>
+        <p:cNvPr id="1" name=""/>
+        <p:cNvGrpSpPr/>
+        <p:nvPr/>
+      </p:nvGrpSpPr>
+      <p:grpSpPr>
+        <a:xfrm>
+          <a:off x="0" y="0"/>
+          <a:ext cx="0" cy="0"/>
+          <a:chOff x="0" y="0"/>
+          <a:chExt cx="0" cy="0"/>
+        </a:xfrm>
+      </p:grpSpPr>
+      <p:sp>
+        <p:nvSpPr>
+          <p:cNvPr id="2" name="Slide Image Placeholder 1"/>
+          <p:cNvSpPr>
+            <a:spLocks noGrp="1" noRot="1" noChangeAspect="1"/>
+          </p:cNvSpPr>
+          <p:nvPr>
+            <p:ph type="sldImg"/>
+          </p:nvPr>
+        </p:nvSpPr>
+        <p:spPr/>
+      </p:sp>
+      <p:sp>
+        <p:nvSpPr>
+          <p:cNvPr id="3" name="Notes Placeholder 2"/>
+          <p:cNvSpPr>
+            <a:spLocks noGrp="1"/>
+          </p:cNvSpPr>
+          <p:nvPr>
+            <p:ph type="body" idx="1"/>
+          </p:nvPr>
+        </p:nvSpPr>
+        <p:spPr/>
+        <p:txBody>
+          <a:bodyPr/>
+          <a:lstStyle/>
+          <a:p>
+            <a:endParaRPr lang="en-US" dirty="0"/>
+          </a:p>
+        </p:txBody>
+      </p:sp>
+      <p:sp>
+        <p:nvSpPr>
+          <p:cNvPr id="4" name="Slide Number Placeholder 3"/>
+          <p:cNvSpPr>
+            <a:spLocks noGrp="1"/>
+          </p:cNvSpPr>
+          <p:nvPr>
+            <p:ph type="sldNum" sz="quarter" idx="10"/>
+          </p:nvPr>
+        </p:nvSpPr>
+        <p:spPr/>
+        <p:txBody>
+          <a:bodyPr/>
+          <a:lstStyle/>
+          <a:p>
+            <a:fld id="{DCA2563F-DB87-4291-BC4C-84A32321EAED}" type="slidenum">
+              <a:rPr lang="en-US" smtClean="0"/>
+              <a:t>17</a:t>
+            </a:fld>
+            <a:endParaRPr lang="en-US"/>
+          </a:p>
+        </p:txBody>
+      </p:sp>
+    </p:spTree>
+    <p:extLst>
+      <p:ext uri="{BB962C8B-B14F-4D97-AF65-F5344CB8AC3E}">
+        <p14:creationId xmlns:p14="http://schemas.microsoft.com/office/powerpoint/2010/main" val="1086968277"/>
       </p:ext>
     </p:extLst>
   </p:cSld>
@@ -961,7 +1003,6 @@
               <a:rPr lang="en-US" baseline="0" dirty="0" smtClean="0"/>
               <a:t>, he came almost 1000 years later but was the first studier of optics, geometrically and also of human vision and biology, showing here the optic chasm </a:t>
             </a:r>
-            <a:endParaRPr lang="en-US" baseline="0" dirty="0" smtClean="0"/>
           </a:p>
           <a:p>
             <a:pPr marL="171450" indent="-171450">
@@ -1367,6 +1408,18 @@
               <a:rPr lang="en-US" dirty="0" err="1" smtClean="0"/>
               <a:t>Wudnt</a:t>
             </a:r>
+            <a:r>
+              <a:rPr lang="en-US" dirty="0" smtClean="0"/>
+              <a:t> and find</a:t>
+            </a:r>
+            <a:r>
+              <a:rPr lang="en-US" baseline="0" dirty="0" smtClean="0"/>
+              <a:t> his </a:t>
+            </a:r>
+            <a:r>
+              <a:rPr lang="en-US" baseline="0" dirty="0" err="1" smtClean="0"/>
+              <a:t>disiplies</a:t>
+            </a:r>
             <a:endParaRPr lang="en-US" dirty="0"/>
           </a:p>
         </p:txBody>
@@ -1388,7 +1441,7 @@
           <a:p>
             <a:fld id="{DCA2563F-DB87-4291-BC4C-84A32321EAED}" type="slidenum">
               <a:rPr lang="en-US" smtClean="0"/>
-              <a:t>13</a:t>
+              <a:t>11</a:t>
             </a:fld>
             <a:endParaRPr lang="en-US"/>
           </a:p>
@@ -1453,47 +1506,11 @@
           <a:p>
             <a:r>
               <a:rPr lang="en-US" dirty="0" smtClean="0"/>
-              <a:t>- The older </a:t>
-            </a:r>
-            <a:r>
-              <a:rPr lang="en-US" dirty="0" err="1" smtClean="0"/>
-              <a:t>guyt</a:t>
-            </a:r>
-            <a:r>
-              <a:rPr lang="en-US" dirty="0" smtClean="0"/>
-              <a:t>, </a:t>
-            </a:r>
-            <a:r>
-              <a:rPr lang="en-US" dirty="0" err="1" smtClean="0"/>
-              <a:t>david</a:t>
+              <a:t>Just talk about the explosion in</a:t>
             </a:r>
             <a:r>
               <a:rPr lang="en-US" baseline="0" dirty="0" smtClean="0"/>
-              <a:t> </a:t>
-            </a:r>
-            <a:r>
-              <a:rPr lang="en-US" baseline="0" dirty="0" err="1" smtClean="0"/>
-              <a:t>hubel</a:t>
-            </a:r>
-            <a:r>
-              <a:rPr lang="en-US" baseline="0" dirty="0" smtClean="0"/>
-              <a:t>, </a:t>
-            </a:r>
-            <a:r>
-              <a:rPr lang="en-US" baseline="0" dirty="0" err="1" smtClean="0"/>
-              <a:t>acc</a:t>
-            </a:r>
-            <a:r>
-              <a:rPr lang="en-US" baseline="0" dirty="0" smtClean="0"/>
-              <a:t> made the tungsten </a:t>
-            </a:r>
-            <a:r>
-              <a:rPr lang="en-US" baseline="0" dirty="0" err="1" smtClean="0"/>
-              <a:t>electonde</a:t>
-            </a:r>
-            <a:r>
-              <a:rPr lang="en-US" baseline="0" dirty="0" smtClean="0"/>
-              <a:t> </a:t>
+              <a:t> psychological theories</a:t>
             </a:r>
             <a:endParaRPr lang="en-US" dirty="0"/>
           </a:p>
@@ -1516,7 +1533,168 @@
           <a:p>
             <a:fld id="{DCA2563F-DB87-4291-BC4C-84A32321EAED}" type="slidenum">
               <a:rPr lang="en-US" smtClean="0"/>
-              <a:t>15</a:t>
+              <a:t>12</a:t>
+            </a:fld>
+            <a:endParaRPr lang="en-US"/>
+          </a:p>
+        </p:txBody>
+      </p:sp>
+    </p:spTree>
+    <p:extLst>
+      <p:ext uri="{BB962C8B-B14F-4D97-AF65-F5344CB8AC3E}">
+        <p14:creationId xmlns:p14="http://schemas.microsoft.com/office/powerpoint/2010/main" val="227746523"/>
+      </p:ext>
+    </p:extLst>
+  </p:cSld>
+  <p:clrMapOvr>
+    <a:masterClrMapping/>
+  </p:clrMapOvr>
+</p:notes>
+</file>
+
+<file path=ppt/notesSlides/notesSlide8.xml><?xml version="1.0" encoding="utf-8"?>
+<p:notes xmlns:a="http://schemas.openxmlformats.org/drawingml/2006/main" xmlns:r="http://schemas.openxmlformats.org/officeDocument/2006/relationships" xmlns:p="http://schemas.openxmlformats.org/presentationml/2006/main">
+  <p:cSld>
+    <p:spTree>
+      <p:nvGrpSpPr>
+        <p:cNvPr id="1" name=""/>
+        <p:cNvGrpSpPr/>
+        <p:nvPr/>
+      </p:nvGrpSpPr>
+      <p:grpSpPr>
+        <a:xfrm>
+          <a:off x="0" y="0"/>
+          <a:ext cx="0" cy="0"/>
+          <a:chOff x="0" y="0"/>
+          <a:chExt cx="0" cy="0"/>
+        </a:xfrm>
+      </p:grpSpPr>
+      <p:sp>
+        <p:nvSpPr>
+          <p:cNvPr id="2" name="Slide Image Placeholder 1"/>
+          <p:cNvSpPr>
+            <a:spLocks noGrp="1" noRot="1" noChangeAspect="1"/>
+          </p:cNvSpPr>
+          <p:nvPr>
+            <p:ph type="sldImg"/>
+          </p:nvPr>
+        </p:nvSpPr>
+        <p:spPr/>
+      </p:sp>
+      <p:sp>
+        <p:nvSpPr>
+          <p:cNvPr id="3" name="Notes Placeholder 2"/>
+          <p:cNvSpPr>
+            <a:spLocks noGrp="1"/>
+          </p:cNvSpPr>
+          <p:nvPr>
+            <p:ph type="body" idx="1"/>
+          </p:nvPr>
+        </p:nvSpPr>
+        <p:spPr/>
+        <p:txBody>
+          <a:bodyPr/>
+          <a:lstStyle/>
+          <a:p>
+            <a:pPr marL="171450" indent="-171450">
+              <a:buFontTx/>
+              <a:buChar char="-"/>
+            </a:pPr>
+            <a:r>
+              <a:rPr lang="en-US" dirty="0" smtClean="0"/>
+              <a:t>The </a:t>
+            </a:r>
+            <a:r>
+              <a:rPr lang="en-US" dirty="0" smtClean="0"/>
+              <a:t>older </a:t>
+            </a:r>
+            <a:r>
+              <a:rPr lang="en-US" dirty="0" err="1" smtClean="0"/>
+              <a:t>guyt</a:t>
+            </a:r>
+            <a:r>
+              <a:rPr lang="en-US" dirty="0" smtClean="0"/>
+              <a:t>, </a:t>
+            </a:r>
+            <a:r>
+              <a:rPr lang="en-US" dirty="0" err="1" smtClean="0"/>
+              <a:t>david</a:t>
+            </a:r>
+            <a:r>
+              <a:rPr lang="en-US" baseline="0" dirty="0" smtClean="0"/>
+              <a:t> </a:t>
+            </a:r>
+            <a:r>
+              <a:rPr lang="en-US" baseline="0" dirty="0" err="1" smtClean="0"/>
+              <a:t>hubel</a:t>
+            </a:r>
+            <a:r>
+              <a:rPr lang="en-US" baseline="0" dirty="0" smtClean="0"/>
+              <a:t>, </a:t>
+            </a:r>
+            <a:r>
+              <a:rPr lang="en-US" baseline="0" dirty="0" err="1" smtClean="0"/>
+              <a:t>acc</a:t>
+            </a:r>
+            <a:r>
+              <a:rPr lang="en-US" baseline="0" dirty="0" smtClean="0"/>
+              <a:t> made the tungsten </a:t>
+            </a:r>
+            <a:r>
+              <a:rPr lang="en-US" baseline="0" dirty="0" err="1" smtClean="0"/>
+              <a:t>electonde</a:t>
+            </a:r>
+            <a:r>
+              <a:rPr lang="en-US" baseline="0" dirty="0" smtClean="0"/>
+              <a:t> </a:t>
+            </a:r>
+            <a:endParaRPr lang="en-US" baseline="0" dirty="0" smtClean="0"/>
+          </a:p>
+          <a:p>
+            <a:pPr marL="171450" indent="-171450">
+              <a:buFontTx/>
+              <a:buChar char="-"/>
+            </a:pPr>
+            <a:endParaRPr lang="en-US" baseline="0" dirty="0" smtClean="0"/>
+          </a:p>
+          <a:p>
+            <a:pPr marL="171450" indent="-171450">
+              <a:buFontTx/>
+              <a:buChar char="-"/>
+            </a:pPr>
+            <a:endParaRPr lang="en-US" baseline="0" dirty="0" smtClean="0"/>
+          </a:p>
+          <a:p>
+            <a:pPr marL="171450" indent="-171450">
+              <a:buFontTx/>
+              <a:buChar char="-"/>
+            </a:pPr>
+            <a:r>
+              <a:rPr lang="en-US" baseline="0" dirty="0" smtClean="0"/>
+              <a:t>Then talk about in the 1900s - 1950s we get more biological </a:t>
+            </a:r>
+            <a:endParaRPr lang="en-US" dirty="0"/>
+          </a:p>
+        </p:txBody>
+      </p:sp>
+      <p:sp>
+        <p:nvSpPr>
+          <p:cNvPr id="4" name="Slide Number Placeholder 3"/>
+          <p:cNvSpPr>
+            <a:spLocks noGrp="1"/>
+          </p:cNvSpPr>
+          <p:nvPr>
+            <p:ph type="sldNum" sz="quarter" idx="10"/>
+          </p:nvPr>
+        </p:nvSpPr>
+        <p:spPr/>
+        <p:txBody>
+          <a:bodyPr/>
+          <a:lstStyle/>
+          <a:p>
+            <a:fld id="{DCA2563F-DB87-4291-BC4C-84A32321EAED}" type="slidenum">
+              <a:rPr lang="en-US" smtClean="0"/>
+              <a:t>13</a:t>
             </a:fld>
             <a:endParaRPr lang="en-US"/>
           </a:p>
@@ -1526,6 +1704,98 @@
     <p:extLst>
       <p:ext uri="{BB962C8B-B14F-4D97-AF65-F5344CB8AC3E}">
         <p14:creationId xmlns:p14="http://schemas.microsoft.com/office/powerpoint/2010/main" val="2102318599"/>
+      </p:ext>
+    </p:extLst>
+  </p:cSld>
+  <p:clrMapOvr>
+    <a:masterClrMapping/>
+  </p:clrMapOvr>
+</p:notes>
+</file>
+
+<file path=ppt/notesSlides/notesSlide9.xml><?xml version="1.0" encoding="utf-8"?>
+<p:notes xmlns:a="http://schemas.openxmlformats.org/drawingml/2006/main" xmlns:r="http://schemas.openxmlformats.org/officeDocument/2006/relationships" xmlns:p="http://schemas.openxmlformats.org/presentationml/2006/main">
+  <p:cSld>
+    <p:spTree>
+      <p:nvGrpSpPr>
+        <p:cNvPr id="1" name=""/>
+        <p:cNvGrpSpPr/>
+        <p:nvPr/>
+      </p:nvGrpSpPr>
+      <p:grpSpPr>
+        <a:xfrm>
+          <a:off x="0" y="0"/>
+          <a:ext cx="0" cy="0"/>
+          <a:chOff x="0" y="0"/>
+          <a:chExt cx="0" cy="0"/>
+        </a:xfrm>
+      </p:grpSpPr>
+      <p:sp>
+        <p:nvSpPr>
+          <p:cNvPr id="2" name="Slide Image Placeholder 1"/>
+          <p:cNvSpPr>
+            <a:spLocks noGrp="1" noRot="1" noChangeAspect="1"/>
+          </p:cNvSpPr>
+          <p:nvPr>
+            <p:ph type="sldImg"/>
+          </p:nvPr>
+        </p:nvSpPr>
+        <p:spPr/>
+      </p:sp>
+      <p:sp>
+        <p:nvSpPr>
+          <p:cNvPr id="3" name="Notes Placeholder 2"/>
+          <p:cNvSpPr>
+            <a:spLocks noGrp="1"/>
+          </p:cNvSpPr>
+          <p:nvPr>
+            <p:ph type="body" idx="1"/>
+          </p:nvPr>
+        </p:nvSpPr>
+        <p:spPr/>
+        <p:txBody>
+          <a:bodyPr/>
+          <a:lstStyle/>
+          <a:p>
+            <a:r>
+              <a:rPr lang="en-US" dirty="0" smtClean="0"/>
+              <a:t>2 big</a:t>
+            </a:r>
+            <a:r>
+              <a:rPr lang="en-US" baseline="0" dirty="0" smtClean="0"/>
+              <a:t> variants of this come out</a:t>
+            </a:r>
+            <a:endParaRPr lang="en-US" dirty="0"/>
+          </a:p>
+        </p:txBody>
+      </p:sp>
+      <p:sp>
+        <p:nvSpPr>
+          <p:cNvPr id="4" name="Slide Number Placeholder 3"/>
+          <p:cNvSpPr>
+            <a:spLocks noGrp="1"/>
+          </p:cNvSpPr>
+          <p:nvPr>
+            <p:ph type="sldNum" sz="quarter" idx="10"/>
+          </p:nvPr>
+        </p:nvSpPr>
+        <p:spPr/>
+        <p:txBody>
+          <a:bodyPr/>
+          <a:lstStyle/>
+          <a:p>
+            <a:fld id="{DCA2563F-DB87-4291-BC4C-84A32321EAED}" type="slidenum">
+              <a:rPr lang="en-US" smtClean="0"/>
+              <a:t>15</a:t>
+            </a:fld>
+            <a:endParaRPr lang="en-US"/>
+          </a:p>
+        </p:txBody>
+      </p:sp>
+    </p:spTree>
+    <p:extLst>
+      <p:ext uri="{BB962C8B-B14F-4D97-AF65-F5344CB8AC3E}">
+        <p14:creationId xmlns:p14="http://schemas.microsoft.com/office/powerpoint/2010/main" val="561632453"/>
       </p:ext>
     </p:extLst>
   </p:cSld>
@@ -4929,8 +5199,8 @@
     <p:bg>
       <p:bgPr>
         <a:solidFill>
-          <a:schemeClr val="tx2">
-            <a:lumMod val="75000"/>
+          <a:schemeClr val="bg2">
+            <a:lumMod val="25000"/>
           </a:schemeClr>
         </a:solidFill>
         <a:effectLst/>
@@ -4960,7 +5230,12 @@
             <p:ph type="title"/>
           </p:nvPr>
         </p:nvSpPr>
-        <p:spPr/>
+        <p:spPr>
+          <a:xfrm>
+            <a:off x="900302" y="585216"/>
+            <a:ext cx="12351241" cy="1499616"/>
+          </a:xfrm>
+        </p:spPr>
         <p:txBody>
           <a:bodyPr/>
           <a:lstStyle/>
@@ -4971,9 +5246,17 @@
                   <a:schemeClr val="bg2"/>
                 </a:solidFill>
               </a:rPr>
-              <a:t>Pre Scientific revolution – 1800 </a:t>
-            </a:r>
-            <a:endParaRPr lang="en-US" dirty="0">
+              <a:t>1800s Onwards – </a:t>
+            </a:r>
+            <a:r>
+              <a:rPr lang="en-US" sz="4400" dirty="0" smtClean="0">
+                <a:solidFill>
+                  <a:schemeClr val="bg2"/>
+                </a:solidFill>
+              </a:rPr>
+              <a:t>PSYHOPHYSICS! WHAT IS PERCEPTION? </a:t>
+            </a:r>
+            <a:endParaRPr lang="en-US" sz="4400" dirty="0">
               <a:solidFill>
                 <a:schemeClr val="bg2"/>
               </a:solidFill>
@@ -4983,7 +5266,7 @@
       </p:sp>
       <p:pic>
         <p:nvPicPr>
-          <p:cNvPr id="6146" name="Picture 2" descr="William Molyneux - Wikipedia"/>
+          <p:cNvPr id="7170" name="Picture 2" descr="Ernst Heinrich Weber - Wikipedia"/>
           <p:cNvPicPr>
             <a:picLocks noChangeAspect="1" noChangeArrowheads="1"/>
           </p:cNvPicPr>
@@ -5004,8 +5287,8 @@
         </p:blipFill>
         <p:spPr bwMode="auto">
           <a:xfrm>
-            <a:off x="-98425" y="2396948"/>
-            <a:ext cx="3841750" cy="4567415"/>
+            <a:off x="905760" y="2147776"/>
+            <a:ext cx="3132840" cy="4100068"/>
           </a:xfrm>
           <a:prstGeom prst="rect">
             <a:avLst/>
@@ -5024,14 +5307,14 @@
       </p:pic>
       <p:pic>
         <p:nvPicPr>
-          <p:cNvPr id="6150" name="Picture 6" descr="Cubes - Intermediate Geometry"/>
+          <p:cNvPr id="7176" name="Picture 8" descr="File:CrumeyFig3.pdf"/>
           <p:cNvPicPr>
             <a:picLocks noChangeAspect="1" noChangeArrowheads="1"/>
           </p:cNvPicPr>
           <p:nvPr/>
         </p:nvPicPr>
         <p:blipFill>
-          <a:blip r:embed="rId3" cstate="print">
+          <a:blip r:embed="rId3">
             <a:extLst>
               <a:ext uri="{28A0092B-C50C-407E-A947-70E740481C1C}">
                 <a14:useLocalDpi xmlns:a14="http://schemas.microsoft.com/office/drawing/2010/main" val="0"/>
@@ -5045,8 +5328,81 @@
         </p:blipFill>
         <p:spPr bwMode="auto">
           <a:xfrm>
-            <a:off x="3743324" y="2396948"/>
-            <a:ext cx="2473325" cy="2389630"/>
+            <a:off x="0" y="4099426"/>
+            <a:ext cx="3416154" cy="2696018"/>
+          </a:xfrm>
+          <a:prstGeom prst="rect">
+            <a:avLst/>
+          </a:prstGeom>
+          <a:noFill/>
+          <a:extLst>
+            <a:ext uri="{909E8E84-426E-40DD-AFC4-6F175D3DCCD1}">
+              <a14:hiddenFill xmlns:a14="http://schemas.microsoft.com/office/drawing/2010/main">
+                <a:solidFill>
+                  <a:srgbClr val="FFFFFF"/>
+                </a:solidFill>
+              </a14:hiddenFill>
+            </a:ext>
+          </a:extLst>
+        </p:spPr>
+      </p:pic>
+      <p:sp>
+        <p:nvSpPr>
+          <p:cNvPr id="3" name="Rectangle 2"/>
+          <p:cNvSpPr/>
+          <p:nvPr/>
+        </p:nvSpPr>
+        <p:spPr>
+          <a:xfrm>
+            <a:off x="132155" y="1681686"/>
+            <a:ext cx="4030270" cy="369332"/>
+          </a:xfrm>
+          <a:prstGeom prst="rect">
+            <a:avLst/>
+          </a:prstGeom>
+        </p:spPr>
+        <p:txBody>
+          <a:bodyPr wrap="none">
+            <a:spAutoFit/>
+          </a:bodyPr>
+          <a:lstStyle/>
+          <a:p>
+            <a:r>
+              <a:rPr lang="en-US" dirty="0">
+                <a:solidFill>
+                  <a:schemeClr val="bg2"/>
+                </a:solidFill>
+              </a:rPr>
+              <a:t>Ernst Heinrich Weber (1795–1878)</a:t>
+            </a:r>
+          </a:p>
+        </p:txBody>
+      </p:sp>
+      <p:pic>
+        <p:nvPicPr>
+          <p:cNvPr id="9" name="Picture 10" descr="Gustav Fechner - Founder of psychophysics – Genvive"/>
+          <p:cNvPicPr>
+            <a:picLocks noChangeAspect="1" noChangeArrowheads="1"/>
+          </p:cNvPicPr>
+          <p:nvPr/>
+        </p:nvPicPr>
+        <p:blipFill>
+          <a:blip r:embed="rId4">
+            <a:extLst>
+              <a:ext uri="{28A0092B-C50C-407E-A947-70E740481C1C}">
+                <a14:useLocalDpi xmlns:a14="http://schemas.microsoft.com/office/drawing/2010/main" val="0"/>
+              </a:ext>
+            </a:extLst>
+          </a:blip>
+          <a:srcRect/>
+          <a:stretch>
+            <a:fillRect/>
+          </a:stretch>
+        </p:blipFill>
+        <p:spPr bwMode="auto">
+          <a:xfrm>
+            <a:off x="8737133" y="3239902"/>
+            <a:ext cx="3155457" cy="3944322"/>
           </a:xfrm>
           <a:prstGeom prst="rect">
             <a:avLst/>
@@ -5065,31 +5421,7 @@
       </p:pic>
       <p:pic>
         <p:nvPicPr>
-          <p:cNvPr id="5" name="Picture 4"/>
-          <p:cNvPicPr>
-            <a:picLocks noChangeAspect="1"/>
-          </p:cNvPicPr>
-          <p:nvPr/>
-        </p:nvPicPr>
-        <p:blipFill>
-          <a:blip r:embed="rId4"/>
-          <a:stretch>
-            <a:fillRect/>
-          </a:stretch>
-        </p:blipFill>
-        <p:spPr>
-          <a:xfrm>
-            <a:off x="3743325" y="4680655"/>
-            <a:ext cx="2473325" cy="2234671"/>
-          </a:xfrm>
-          <a:prstGeom prst="rect">
-            <a:avLst/>
-          </a:prstGeom>
-        </p:spPr>
-      </p:pic>
-      <p:pic>
-        <p:nvPicPr>
-          <p:cNvPr id="6154" name="Picture 10" descr="A Treatise of Human Nature: Hume, David: Amazon.com: Books"/>
+          <p:cNvPr id="10" name="Picture 2" descr="Psychophysics | in Chapter 04: Senses"/>
           <p:cNvPicPr>
             <a:picLocks noChangeAspect="1" noChangeArrowheads="1"/>
           </p:cNvPicPr>
@@ -5110,8 +5442,8 @@
         </p:blipFill>
         <p:spPr bwMode="auto">
           <a:xfrm>
-            <a:off x="5045263" y="2422297"/>
-            <a:ext cx="3387536" cy="4516715"/>
+            <a:off x="3830306" y="1565461"/>
+            <a:ext cx="3510801" cy="3625008"/>
           </a:xfrm>
           <a:prstGeom prst="rect">
             <a:avLst/>
@@ -5130,116 +5462,38 @@
       </p:pic>
       <p:pic>
         <p:nvPicPr>
-          <p:cNvPr id="6152" name="Picture 8" descr="David Hume - Wikipedia"/>
+          <p:cNvPr id="11" name="Picture 10"/>
           <p:cNvPicPr>
-            <a:picLocks noChangeAspect="1" noChangeArrowheads="1"/>
+            <a:picLocks noChangeAspect="1"/>
           </p:cNvPicPr>
           <p:nvPr/>
         </p:nvPicPr>
         <p:blipFill>
-          <a:blip r:embed="rId6">
-            <a:extLst>
-              <a:ext uri="{28A0092B-C50C-407E-A947-70E740481C1C}">
-                <a14:useLocalDpi xmlns:a14="http://schemas.microsoft.com/office/drawing/2010/main" val="0"/>
-              </a:ext>
-            </a:extLst>
-          </a:blip>
-          <a:srcRect/>
+          <a:blip r:embed="rId6"/>
           <a:stretch>
             <a:fillRect/>
           </a:stretch>
         </p:blipFill>
-        <p:spPr bwMode="auto">
-          <a:xfrm>
-            <a:off x="8432799" y="2192514"/>
-            <a:ext cx="3891416" cy="4771849"/>
-          </a:xfrm>
-          <a:prstGeom prst="rect">
-            <a:avLst/>
-          </a:prstGeom>
-          <a:noFill/>
-          <a:extLst>
-            <a:ext uri="{909E8E84-426E-40DD-AFC4-6F175D3DCCD1}">
-              <a14:hiddenFill xmlns:a14="http://schemas.microsoft.com/office/drawing/2010/main">
-                <a:solidFill>
-                  <a:srgbClr val="FFFFFF"/>
-                </a:solidFill>
-              </a14:hiddenFill>
-            </a:ext>
-          </a:extLst>
-        </p:spPr>
-      </p:pic>
-      <p:sp>
-        <p:nvSpPr>
-          <p:cNvPr id="3" name="Rectangle 2"/>
-          <p:cNvSpPr/>
-          <p:nvPr/>
-        </p:nvSpPr>
         <p:spPr>
           <a:xfrm>
-            <a:off x="9610" y="1978579"/>
-            <a:ext cx="3733714" cy="369332"/>
+            <a:off x="4038600" y="3239902"/>
+            <a:ext cx="5007427" cy="3901135"/>
           </a:xfrm>
           <a:prstGeom prst="rect">
             <a:avLst/>
           </a:prstGeom>
         </p:spPr>
-        <p:txBody>
-          <a:bodyPr wrap="none">
-            <a:spAutoFit/>
-          </a:bodyPr>
-          <a:lstStyle/>
-          <a:p>
-            <a:r>
-              <a:rPr lang="en-US" b="1" dirty="0">
-                <a:solidFill>
-                  <a:schemeClr val="bg2"/>
-                </a:solidFill>
-              </a:rPr>
-              <a:t>William </a:t>
-            </a:r>
-            <a:r>
-              <a:rPr lang="en-US" b="1" dirty="0" err="1">
-                <a:solidFill>
-                  <a:schemeClr val="bg2"/>
-                </a:solidFill>
-              </a:rPr>
-              <a:t>Molyneux</a:t>
-            </a:r>
-            <a:r>
-              <a:rPr lang="en-US" b="1" dirty="0">
-                <a:solidFill>
-                  <a:schemeClr val="bg2"/>
-                </a:solidFill>
-              </a:rPr>
-              <a:t> (1656–1698</a:t>
-            </a:r>
-            <a:r>
-              <a:rPr lang="en-US" b="1" dirty="0" smtClean="0">
-                <a:solidFill>
-                  <a:schemeClr val="bg2"/>
-                </a:solidFill>
-              </a:rPr>
-              <a:t>)</a:t>
-            </a:r>
-            <a:endParaRPr lang="en-US" dirty="0">
-              <a:solidFill>
-                <a:schemeClr val="bg2"/>
-              </a:solidFill>
-            </a:endParaRPr>
-          </a:p>
-        </p:txBody>
-      </p:sp>
-      <p:sp>
-        <p:nvSpPr>
-          <p:cNvPr id="4" name="Rectangle 3"/>
+      </p:pic>
+      <p:sp>
+        <p:nvSpPr>
+          <p:cNvPr id="12" name="Rectangle 11"/>
           <p:cNvSpPr/>
           <p:nvPr/>
         </p:nvSpPr>
         <p:spPr>
           <a:xfrm>
-            <a:off x="9061015" y="1871558"/>
-            <a:ext cx="3130985" cy="369332"/>
+            <a:off x="8231311" y="2477701"/>
+            <a:ext cx="3405099" cy="369332"/>
           </a:xfrm>
           <a:prstGeom prst="rect">
             <a:avLst/>
@@ -5252,33 +5506,20 @@
           <a:lstStyle/>
           <a:p>
             <a:r>
-              <a:rPr lang="en-US" b="1" dirty="0">
+              <a:rPr lang="en-US" dirty="0">
                 <a:solidFill>
                   <a:schemeClr val="bg2"/>
                 </a:solidFill>
               </a:rPr>
-              <a:t>David Hume (1711–1776</a:t>
-            </a:r>
-            <a:r>
-              <a:rPr lang="en-US" b="1" dirty="0" smtClean="0">
-                <a:solidFill>
-                  <a:schemeClr val="bg2"/>
-                </a:solidFill>
-              </a:rPr>
-              <a:t>)</a:t>
-            </a:r>
-            <a:endParaRPr lang="en-US" dirty="0">
-              <a:solidFill>
-                <a:schemeClr val="bg2"/>
-              </a:solidFill>
-            </a:endParaRPr>
+              <a:t>Gustav Fechner (1801–1887)</a:t>
+            </a:r>
           </a:p>
         </p:txBody>
       </p:sp>
     </p:spTree>
     <p:extLst>
       <p:ext uri="{BB962C8B-B14F-4D97-AF65-F5344CB8AC3E}">
-        <p14:creationId xmlns:p14="http://schemas.microsoft.com/office/powerpoint/2010/main" val="83559973"/>
+        <p14:creationId xmlns:p14="http://schemas.microsoft.com/office/powerpoint/2010/main" val="1602044161"/>
       </p:ext>
     </p:extLst>
   </p:cSld>
@@ -5319,7 +5560,7 @@
                                           </p:stCondLst>
                                         </p:cTn>
                                         <p:tgtEl>
-                                          <p:spTgt spid="6146"/>
+                                          <p:spTgt spid="7170"/>
                                         </p:tgtEl>
                                         <p:attrNameLst>
                                           <p:attrName>style.visibility</p:attrName>
@@ -5333,7 +5574,7 @@
                                       <p:cBhvr>
                                         <p:cTn id="7" dur="500"/>
                                         <p:tgtEl>
-                                          <p:spTgt spid="6146"/>
+                                          <p:spTgt spid="7170"/>
                                         </p:tgtEl>
                                       </p:cBhvr>
                                     </p:animEffect>
@@ -5425,7 +5666,7 @@
                                           </p:stCondLst>
                                         </p:cTn>
                                         <p:tgtEl>
-                                          <p:spTgt spid="6150"/>
+                                          <p:spTgt spid="7176"/>
                                         </p:tgtEl>
                                         <p:attrNameLst>
                                           <p:attrName>style.visibility</p:attrName>
@@ -5439,7 +5680,7 @@
                                       <p:cBhvr>
                                         <p:cTn id="17" dur="500"/>
                                         <p:tgtEl>
-                                          <p:spTgt spid="6150"/>
+                                          <p:spTgt spid="7176"/>
                                         </p:tgtEl>
                                       </p:cBhvr>
                                     </p:animEffect>
@@ -5478,7 +5719,7 @@
                                           </p:stCondLst>
                                         </p:cTn>
                                         <p:tgtEl>
-                                          <p:spTgt spid="5"/>
+                                          <p:spTgt spid="9"/>
                                         </p:tgtEl>
                                         <p:attrNameLst>
                                           <p:attrName>style.visibility</p:attrName>
@@ -5492,7 +5733,7 @@
                                       <p:cBhvr>
                                         <p:cTn id="22" dur="500"/>
                                         <p:tgtEl>
-                                          <p:spTgt spid="5"/>
+                                          <p:spTgt spid="9"/>
                                         </p:tgtEl>
                                       </p:cBhvr>
                                     </p:animEffect>
@@ -5518,7 +5759,7 @@
                             </p:stCondLst>
                             <p:childTnLst>
                               <p:par>
-                                <p:cTn id="25" presetID="10" presetClass="entr" presetSubtype="0" fill="hold" nodeType="clickEffect">
+                                <p:cTn id="25" presetID="10" presetClass="entr" presetSubtype="0" fill="hold" grpId="0" nodeType="clickEffect">
                                   <p:stCondLst>
                                     <p:cond delay="0"/>
                                   </p:stCondLst>
@@ -5531,7 +5772,7 @@
                                           </p:stCondLst>
                                         </p:cTn>
                                         <p:tgtEl>
-                                          <p:spTgt spid="6152"/>
+                                          <p:spTgt spid="12"/>
                                         </p:tgtEl>
                                         <p:attrNameLst>
                                           <p:attrName>style.visibility</p:attrName>
@@ -5545,7 +5786,7 @@
                                       <p:cBhvr>
                                         <p:cTn id="27" dur="500"/>
                                         <p:tgtEl>
-                                          <p:spTgt spid="6152"/>
+                                          <p:spTgt spid="12"/>
                                         </p:tgtEl>
                                       </p:cBhvr>
                                     </p:animEffect>
@@ -5571,7 +5812,7 @@
                             </p:stCondLst>
                             <p:childTnLst>
                               <p:par>
-                                <p:cTn id="30" presetID="10" presetClass="entr" presetSubtype="0" fill="hold" grpId="0" nodeType="clickEffect">
+                                <p:cTn id="30" presetID="10" presetClass="entr" presetSubtype="0" fill="hold" nodeType="clickEffect">
                                   <p:stCondLst>
                                     <p:cond delay="0"/>
                                   </p:stCondLst>
@@ -5584,7 +5825,7 @@
                                           </p:stCondLst>
                                         </p:cTn>
                                         <p:tgtEl>
-                                          <p:spTgt spid="4"/>
+                                          <p:spTgt spid="10"/>
                                         </p:tgtEl>
                                         <p:attrNameLst>
                                           <p:attrName>style.visibility</p:attrName>
@@ -5598,7 +5839,7 @@
                                       <p:cBhvr>
                                         <p:cTn id="32" dur="500"/>
                                         <p:tgtEl>
-                                          <p:spTgt spid="4"/>
+                                          <p:spTgt spid="10"/>
                                         </p:tgtEl>
                                       </p:cBhvr>
                                     </p:animEffect>
@@ -5637,7 +5878,7 @@
                                           </p:stCondLst>
                                         </p:cTn>
                                         <p:tgtEl>
-                                          <p:spTgt spid="6154"/>
+                                          <p:spTgt spid="11"/>
                                         </p:tgtEl>
                                         <p:attrNameLst>
                                           <p:attrName>style.visibility</p:attrName>
@@ -5651,7 +5892,7 @@
                                       <p:cBhvr>
                                         <p:cTn id="37" dur="500"/>
                                         <p:tgtEl>
-                                          <p:spTgt spid="6154"/>
+                                          <p:spTgt spid="11"/>
                                         </p:tgtEl>
                                       </p:cBhvr>
                                     </p:animEffect>
@@ -5687,1117 +5928,13 @@
     </p:tnLst>
     <p:bldLst>
       <p:bldP spid="3" grpId="0"/>
-      <p:bldP spid="4" grpId="0"/>
+      <p:bldP spid="12" grpId="0"/>
     </p:bldLst>
   </p:timing>
 </p:sld>
 </file>
 
 <file path=ppt/slides/slide11.xml><?xml version="1.0" encoding="utf-8"?>
-<p:sld xmlns:a="http://schemas.openxmlformats.org/drawingml/2006/main" xmlns:r="http://schemas.openxmlformats.org/officeDocument/2006/relationships" xmlns:p="http://schemas.openxmlformats.org/presentationml/2006/main">
-  <p:cSld>
-    <p:bg>
-      <p:bgPr>
-        <a:solidFill>
-          <a:schemeClr val="bg2">
-            <a:lumMod val="25000"/>
-          </a:schemeClr>
-        </a:solidFill>
-        <a:effectLst/>
-      </p:bgPr>
-    </p:bg>
-    <p:spTree>
-      <p:nvGrpSpPr>
-        <p:cNvPr id="1" name=""/>
-        <p:cNvGrpSpPr/>
-        <p:nvPr/>
-      </p:nvGrpSpPr>
-      <p:grpSpPr>
-        <a:xfrm>
-          <a:off x="0" y="0"/>
-          <a:ext cx="0" cy="0"/>
-          <a:chOff x="0" y="0"/>
-          <a:chExt cx="0" cy="0"/>
-        </a:xfrm>
-      </p:grpSpPr>
-      <p:sp>
-        <p:nvSpPr>
-          <p:cNvPr id="2" name="Title 1"/>
-          <p:cNvSpPr>
-            <a:spLocks noGrp="1"/>
-          </p:cNvSpPr>
-          <p:nvPr>
-            <p:ph type="title"/>
-          </p:nvPr>
-        </p:nvSpPr>
-        <p:spPr/>
-        <p:txBody>
-          <a:bodyPr/>
-          <a:lstStyle/>
-          <a:p>
-            <a:r>
-              <a:rPr lang="en-US" dirty="0" smtClean="0">
-                <a:solidFill>
-                  <a:schemeClr val="bg2"/>
-                </a:solidFill>
-              </a:rPr>
-              <a:t>Pre Scientific revolution – </a:t>
-            </a:r>
-            <a:r>
-              <a:rPr lang="en-US" dirty="0" smtClean="0">
-                <a:solidFill>
-                  <a:schemeClr val="bg2"/>
-                </a:solidFill>
-              </a:rPr>
-              <a:t>1800s </a:t>
-            </a:r>
-            <a:endParaRPr lang="en-US" dirty="0">
-              <a:solidFill>
-                <a:schemeClr val="bg2"/>
-              </a:solidFill>
-            </a:endParaRPr>
-          </a:p>
-        </p:txBody>
-      </p:sp>
-      <p:pic>
-        <p:nvPicPr>
-          <p:cNvPr id="7170" name="Picture 2" descr="Ernst Heinrich Weber - Wikipedia"/>
-          <p:cNvPicPr>
-            <a:picLocks noChangeAspect="1" noChangeArrowheads="1"/>
-          </p:cNvPicPr>
-          <p:nvPr/>
-        </p:nvPicPr>
-        <p:blipFill>
-          <a:blip r:embed="rId2">
-            <a:extLst>
-              <a:ext uri="{28A0092B-C50C-407E-A947-70E740481C1C}">
-                <a14:useLocalDpi xmlns:a14="http://schemas.microsoft.com/office/drawing/2010/main" val="0"/>
-              </a:ext>
-            </a:extLst>
-          </a:blip>
-          <a:srcRect/>
-          <a:stretch>
-            <a:fillRect/>
-          </a:stretch>
-        </p:blipFill>
-        <p:spPr bwMode="auto">
-          <a:xfrm>
-            <a:off x="9059160" y="2757932"/>
-            <a:ext cx="3132840" cy="4100068"/>
-          </a:xfrm>
-          <a:prstGeom prst="rect">
-            <a:avLst/>
-          </a:prstGeom>
-          <a:noFill/>
-          <a:extLst>
-            <a:ext uri="{909E8E84-426E-40DD-AFC4-6F175D3DCCD1}">
-              <a14:hiddenFill xmlns:a14="http://schemas.microsoft.com/office/drawing/2010/main">
-                <a:solidFill>
-                  <a:srgbClr val="FFFFFF"/>
-                </a:solidFill>
-              </a14:hiddenFill>
-            </a:ext>
-          </a:extLst>
-        </p:spPr>
-      </p:pic>
-      <p:pic>
-        <p:nvPicPr>
-          <p:cNvPr id="7176" name="Picture 8" descr="File:CrumeyFig3.pdf"/>
-          <p:cNvPicPr>
-            <a:picLocks noChangeAspect="1" noChangeArrowheads="1"/>
-          </p:cNvPicPr>
-          <p:nvPr/>
-        </p:nvPicPr>
-        <p:blipFill>
-          <a:blip r:embed="rId3">
-            <a:extLst>
-              <a:ext uri="{28A0092B-C50C-407E-A947-70E740481C1C}">
-                <a14:useLocalDpi xmlns:a14="http://schemas.microsoft.com/office/drawing/2010/main" val="0"/>
-              </a:ext>
-            </a:extLst>
-          </a:blip>
-          <a:srcRect/>
-          <a:stretch>
-            <a:fillRect/>
-          </a:stretch>
-        </p:blipFill>
-        <p:spPr bwMode="auto">
-          <a:xfrm>
-            <a:off x="5643008" y="2700490"/>
-            <a:ext cx="3416154" cy="2696018"/>
-          </a:xfrm>
-          <a:prstGeom prst="rect">
-            <a:avLst/>
-          </a:prstGeom>
-          <a:noFill/>
-          <a:extLst>
-            <a:ext uri="{909E8E84-426E-40DD-AFC4-6F175D3DCCD1}">
-              <a14:hiddenFill xmlns:a14="http://schemas.microsoft.com/office/drawing/2010/main">
-                <a:solidFill>
-                  <a:srgbClr val="FFFFFF"/>
-                </a:solidFill>
-              </a14:hiddenFill>
-            </a:ext>
-          </a:extLst>
-        </p:spPr>
-      </p:pic>
-      <p:sp>
-        <p:nvSpPr>
-          <p:cNvPr id="6" name="Rectangle 5"/>
-          <p:cNvSpPr/>
-          <p:nvPr/>
-        </p:nvSpPr>
-        <p:spPr>
-          <a:xfrm>
-            <a:off x="0" y="2476508"/>
-            <a:ext cx="3377848" cy="369332"/>
-          </a:xfrm>
-          <a:prstGeom prst="rect">
-            <a:avLst/>
-          </a:prstGeom>
-        </p:spPr>
-        <p:txBody>
-          <a:bodyPr wrap="none">
-            <a:spAutoFit/>
-          </a:bodyPr>
-          <a:lstStyle/>
-          <a:p>
-            <a:r>
-              <a:rPr lang="en-US" dirty="0">
-                <a:solidFill>
-                  <a:schemeClr val="bg2"/>
-                </a:solidFill>
-              </a:rPr>
-              <a:t>Immanuel Kant (1724–1804)</a:t>
-            </a:r>
-          </a:p>
-        </p:txBody>
-      </p:sp>
-      <p:sp>
-        <p:nvSpPr>
-          <p:cNvPr id="3" name="Rectangle 2"/>
-          <p:cNvSpPr/>
-          <p:nvPr/>
-        </p:nvSpPr>
-        <p:spPr>
-          <a:xfrm>
-            <a:off x="8161730" y="2291842"/>
-            <a:ext cx="4030270" cy="369332"/>
-          </a:xfrm>
-          <a:prstGeom prst="rect">
-            <a:avLst/>
-          </a:prstGeom>
-        </p:spPr>
-        <p:txBody>
-          <a:bodyPr wrap="none">
-            <a:spAutoFit/>
-          </a:bodyPr>
-          <a:lstStyle/>
-          <a:p>
-            <a:r>
-              <a:rPr lang="en-US" dirty="0">
-                <a:solidFill>
-                  <a:schemeClr val="bg2"/>
-                </a:solidFill>
-              </a:rPr>
-              <a:t>Ernst Heinrich Weber (1795–1878)</a:t>
-            </a:r>
-          </a:p>
-        </p:txBody>
-      </p:sp>
-      <p:pic>
-        <p:nvPicPr>
-          <p:cNvPr id="2050" name="Picture 2" descr="Immanuel Kant - Wikipedia"/>
-          <p:cNvPicPr>
-            <a:picLocks noChangeAspect="1" noChangeArrowheads="1"/>
-          </p:cNvPicPr>
-          <p:nvPr/>
-        </p:nvPicPr>
-        <p:blipFill>
-          <a:blip r:embed="rId4" cstate="print">
-            <a:extLst>
-              <a:ext uri="{28A0092B-C50C-407E-A947-70E740481C1C}">
-                <a14:useLocalDpi xmlns:a14="http://schemas.microsoft.com/office/drawing/2010/main" val="0"/>
-              </a:ext>
-            </a:extLst>
-          </a:blip>
-          <a:srcRect/>
-          <a:stretch>
-            <a:fillRect/>
-          </a:stretch>
-        </p:blipFill>
-        <p:spPr bwMode="auto">
-          <a:xfrm>
-            <a:off x="0" y="3149679"/>
-            <a:ext cx="2841625" cy="3708321"/>
-          </a:xfrm>
-          <a:prstGeom prst="rect">
-            <a:avLst/>
-          </a:prstGeom>
-          <a:noFill/>
-          <a:extLst>
-            <a:ext uri="{909E8E84-426E-40DD-AFC4-6F175D3DCCD1}">
-              <a14:hiddenFill xmlns:a14="http://schemas.microsoft.com/office/drawing/2010/main">
-                <a:solidFill>
-                  <a:srgbClr val="FFFFFF"/>
-                </a:solidFill>
-              </a14:hiddenFill>
-            </a:ext>
-          </a:extLst>
-        </p:spPr>
-      </p:pic>
-      <p:pic>
-        <p:nvPicPr>
-          <p:cNvPr id="4" name="Picture 3"/>
-          <p:cNvPicPr>
-            <a:picLocks noChangeAspect="1"/>
-          </p:cNvPicPr>
-          <p:nvPr/>
-        </p:nvPicPr>
-        <p:blipFill>
-          <a:blip r:embed="rId5"/>
-          <a:stretch>
-            <a:fillRect/>
-          </a:stretch>
-        </p:blipFill>
-        <p:spPr>
-          <a:xfrm>
-            <a:off x="2801383" y="5334000"/>
-            <a:ext cx="6257778" cy="1577816"/>
-          </a:xfrm>
-          <a:prstGeom prst="rect">
-            <a:avLst/>
-          </a:prstGeom>
-        </p:spPr>
-      </p:pic>
-    </p:spTree>
-    <p:extLst>
-      <p:ext uri="{BB962C8B-B14F-4D97-AF65-F5344CB8AC3E}">
-        <p14:creationId xmlns:p14="http://schemas.microsoft.com/office/powerpoint/2010/main" val="1602044161"/>
-      </p:ext>
-    </p:extLst>
-  </p:cSld>
-  <p:clrMapOvr>
-    <a:masterClrMapping/>
-  </p:clrMapOvr>
-  <p:timing>
-    <p:tnLst>
-      <p:par>
-        <p:cTn id="1" dur="indefinite" restart="never" nodeType="tmRoot">
-          <p:childTnLst>
-            <p:seq concurrent="1" nextAc="seek">
-              <p:cTn id="2" dur="indefinite" nodeType="mainSeq">
-                <p:childTnLst>
-                  <p:par>
-                    <p:cTn id="3" fill="hold">
-                      <p:stCondLst>
-                        <p:cond delay="indefinite"/>
-                      </p:stCondLst>
-                      <p:childTnLst>
-                        <p:par>
-                          <p:cTn id="4" fill="hold">
-                            <p:stCondLst>
-                              <p:cond delay="0"/>
-                            </p:stCondLst>
-                            <p:childTnLst>
-                              <p:par>
-                                <p:cTn id="5" presetID="10" presetClass="entr" presetSubtype="0" fill="hold" nodeType="clickEffect">
-                                  <p:stCondLst>
-                                    <p:cond delay="0"/>
-                                  </p:stCondLst>
-                                  <p:childTnLst>
-                                    <p:set>
-                                      <p:cBhvr>
-                                        <p:cTn id="6" dur="1" fill="hold">
-                                          <p:stCondLst>
-                                            <p:cond delay="0"/>
-                                          </p:stCondLst>
-                                        </p:cTn>
-                                        <p:tgtEl>
-                                          <p:spTgt spid="2050"/>
-                                        </p:tgtEl>
-                                        <p:attrNameLst>
-                                          <p:attrName>style.visibility</p:attrName>
-                                        </p:attrNameLst>
-                                      </p:cBhvr>
-                                      <p:to>
-                                        <p:strVal val="visible"/>
-                                      </p:to>
-                                    </p:set>
-                                    <p:animEffect transition="in" filter="fade">
-                                      <p:cBhvr>
-                                        <p:cTn id="7" dur="500"/>
-                                        <p:tgtEl>
-                                          <p:spTgt spid="2050"/>
-                                        </p:tgtEl>
-                                      </p:cBhvr>
-                                    </p:animEffect>
-                                  </p:childTnLst>
-                                </p:cTn>
-                              </p:par>
-                            </p:childTnLst>
-                          </p:cTn>
-                        </p:par>
-                      </p:childTnLst>
-                    </p:cTn>
-                  </p:par>
-                  <p:par>
-                    <p:cTn id="8" fill="hold">
-                      <p:stCondLst>
-                        <p:cond delay="indefinite"/>
-                      </p:stCondLst>
-                      <p:childTnLst>
-                        <p:par>
-                          <p:cTn id="9" fill="hold">
-                            <p:stCondLst>
-                              <p:cond delay="0"/>
-                            </p:stCondLst>
-                            <p:childTnLst>
-                              <p:par>
-                                <p:cTn id="10" presetID="10" presetClass="entr" presetSubtype="0" fill="hold" grpId="0" nodeType="clickEffect">
-                                  <p:stCondLst>
-                                    <p:cond delay="0"/>
-                                  </p:stCondLst>
-                                  <p:childTnLst>
-                                    <p:set>
-                                      <p:cBhvr>
-                                        <p:cTn id="11" dur="1" fill="hold">
-                                          <p:stCondLst>
-                                            <p:cond delay="0"/>
-                                          </p:stCondLst>
-                                        </p:cTn>
-                                        <p:tgtEl>
-                                          <p:spTgt spid="6"/>
-                                        </p:tgtEl>
-                                        <p:attrNameLst>
-                                          <p:attrName>style.visibility</p:attrName>
-                                        </p:attrNameLst>
-                                      </p:cBhvr>
-                                      <p:to>
-                                        <p:strVal val="visible"/>
-                                      </p:to>
-                                    </p:set>
-                                    <p:animEffect transition="in" filter="fade">
-                                      <p:cBhvr>
-                                        <p:cTn id="12" dur="500"/>
-                                        <p:tgtEl>
-                                          <p:spTgt spid="6"/>
-                                        </p:tgtEl>
-                                      </p:cBhvr>
-                                    </p:animEffect>
-                                  </p:childTnLst>
-                                </p:cTn>
-                              </p:par>
-                            </p:childTnLst>
-                          </p:cTn>
-                        </p:par>
-                      </p:childTnLst>
-                    </p:cTn>
-                  </p:par>
-                  <p:par>
-                    <p:cTn id="13" fill="hold">
-                      <p:stCondLst>
-                        <p:cond delay="indefinite"/>
-                      </p:stCondLst>
-                      <p:childTnLst>
-                        <p:par>
-                          <p:cTn id="14" fill="hold">
-                            <p:stCondLst>
-                              <p:cond delay="0"/>
-                            </p:stCondLst>
-                            <p:childTnLst>
-                              <p:par>
-                                <p:cTn id="15" presetID="10" presetClass="entr" presetSubtype="0" fill="hold" nodeType="clickEffect">
-                                  <p:stCondLst>
-                                    <p:cond delay="0"/>
-                                  </p:stCondLst>
-                                  <p:childTnLst>
-                                    <p:set>
-                                      <p:cBhvr>
-                                        <p:cTn id="16" dur="1" fill="hold">
-                                          <p:stCondLst>
-                                            <p:cond delay="0"/>
-                                          </p:stCondLst>
-                                        </p:cTn>
-                                        <p:tgtEl>
-                                          <p:spTgt spid="4"/>
-                                        </p:tgtEl>
-                                        <p:attrNameLst>
-                                          <p:attrName>style.visibility</p:attrName>
-                                        </p:attrNameLst>
-                                      </p:cBhvr>
-                                      <p:to>
-                                        <p:strVal val="visible"/>
-                                      </p:to>
-                                    </p:set>
-                                    <p:animEffect transition="in" filter="fade">
-                                      <p:cBhvr>
-                                        <p:cTn id="17" dur="500"/>
-                                        <p:tgtEl>
-                                          <p:spTgt spid="4"/>
-                                        </p:tgtEl>
-                                      </p:cBhvr>
-                                    </p:animEffect>
-                                  </p:childTnLst>
-                                </p:cTn>
-                              </p:par>
-                            </p:childTnLst>
-                          </p:cTn>
-                        </p:par>
-                      </p:childTnLst>
-                    </p:cTn>
-                  </p:par>
-                  <p:par>
-                    <p:cTn id="18" fill="hold">
-                      <p:stCondLst>
-                        <p:cond delay="indefinite"/>
-                      </p:stCondLst>
-                      <p:childTnLst>
-                        <p:par>
-                          <p:cTn id="19" fill="hold">
-                            <p:stCondLst>
-                              <p:cond delay="0"/>
-                            </p:stCondLst>
-                            <p:childTnLst>
-                              <p:par>
-                                <p:cTn id="20" presetID="10" presetClass="entr" presetSubtype="0" fill="hold" nodeType="clickEffect">
-                                  <p:stCondLst>
-                                    <p:cond delay="0"/>
-                                  </p:stCondLst>
-                                  <p:childTnLst>
-                                    <p:set>
-                                      <p:cBhvr>
-                                        <p:cTn id="21" dur="1" fill="hold">
-                                          <p:stCondLst>
-                                            <p:cond delay="0"/>
-                                          </p:stCondLst>
-                                        </p:cTn>
-                                        <p:tgtEl>
-                                          <p:spTgt spid="7170"/>
-                                        </p:tgtEl>
-                                        <p:attrNameLst>
-                                          <p:attrName>style.visibility</p:attrName>
-                                        </p:attrNameLst>
-                                      </p:cBhvr>
-                                      <p:to>
-                                        <p:strVal val="visible"/>
-                                      </p:to>
-                                    </p:set>
-                                    <p:animEffect transition="in" filter="fade">
-                                      <p:cBhvr>
-                                        <p:cTn id="22" dur="500"/>
-                                        <p:tgtEl>
-                                          <p:spTgt spid="7170"/>
-                                        </p:tgtEl>
-                                      </p:cBhvr>
-                                    </p:animEffect>
-                                  </p:childTnLst>
-                                </p:cTn>
-                              </p:par>
-                            </p:childTnLst>
-                          </p:cTn>
-                        </p:par>
-                      </p:childTnLst>
-                    </p:cTn>
-                  </p:par>
-                  <p:par>
-                    <p:cTn id="23" fill="hold">
-                      <p:stCondLst>
-                        <p:cond delay="indefinite"/>
-                      </p:stCondLst>
-                      <p:childTnLst>
-                        <p:par>
-                          <p:cTn id="24" fill="hold">
-                            <p:stCondLst>
-                              <p:cond delay="0"/>
-                            </p:stCondLst>
-                            <p:childTnLst>
-                              <p:par>
-                                <p:cTn id="25" presetID="10" presetClass="entr" presetSubtype="0" fill="hold" grpId="0" nodeType="clickEffect">
-                                  <p:stCondLst>
-                                    <p:cond delay="0"/>
-                                  </p:stCondLst>
-                                  <p:childTnLst>
-                                    <p:set>
-                                      <p:cBhvr>
-                                        <p:cTn id="26" dur="1" fill="hold">
-                                          <p:stCondLst>
-                                            <p:cond delay="0"/>
-                                          </p:stCondLst>
-                                        </p:cTn>
-                                        <p:tgtEl>
-                                          <p:spTgt spid="3"/>
-                                        </p:tgtEl>
-                                        <p:attrNameLst>
-                                          <p:attrName>style.visibility</p:attrName>
-                                        </p:attrNameLst>
-                                      </p:cBhvr>
-                                      <p:to>
-                                        <p:strVal val="visible"/>
-                                      </p:to>
-                                    </p:set>
-                                    <p:animEffect transition="in" filter="fade">
-                                      <p:cBhvr>
-                                        <p:cTn id="27" dur="500"/>
-                                        <p:tgtEl>
-                                          <p:spTgt spid="3"/>
-                                        </p:tgtEl>
-                                      </p:cBhvr>
-                                    </p:animEffect>
-                                  </p:childTnLst>
-                                </p:cTn>
-                              </p:par>
-                            </p:childTnLst>
-                          </p:cTn>
-                        </p:par>
-                      </p:childTnLst>
-                    </p:cTn>
-                  </p:par>
-                  <p:par>
-                    <p:cTn id="28" fill="hold">
-                      <p:stCondLst>
-                        <p:cond delay="indefinite"/>
-                      </p:stCondLst>
-                      <p:childTnLst>
-                        <p:par>
-                          <p:cTn id="29" fill="hold">
-                            <p:stCondLst>
-                              <p:cond delay="0"/>
-                            </p:stCondLst>
-                            <p:childTnLst>
-                              <p:par>
-                                <p:cTn id="30" presetID="10" presetClass="entr" presetSubtype="0" fill="hold" nodeType="clickEffect">
-                                  <p:stCondLst>
-                                    <p:cond delay="0"/>
-                                  </p:stCondLst>
-                                  <p:childTnLst>
-                                    <p:set>
-                                      <p:cBhvr>
-                                        <p:cTn id="31" dur="1" fill="hold">
-                                          <p:stCondLst>
-                                            <p:cond delay="0"/>
-                                          </p:stCondLst>
-                                        </p:cTn>
-                                        <p:tgtEl>
-                                          <p:spTgt spid="7176"/>
-                                        </p:tgtEl>
-                                        <p:attrNameLst>
-                                          <p:attrName>style.visibility</p:attrName>
-                                        </p:attrNameLst>
-                                      </p:cBhvr>
-                                      <p:to>
-                                        <p:strVal val="visible"/>
-                                      </p:to>
-                                    </p:set>
-                                    <p:animEffect transition="in" filter="fade">
-                                      <p:cBhvr>
-                                        <p:cTn id="32" dur="500"/>
-                                        <p:tgtEl>
-                                          <p:spTgt spid="7176"/>
-                                        </p:tgtEl>
-                                      </p:cBhvr>
-                                    </p:animEffect>
-                                  </p:childTnLst>
-                                </p:cTn>
-                              </p:par>
-                            </p:childTnLst>
-                          </p:cTn>
-                        </p:par>
-                      </p:childTnLst>
-                    </p:cTn>
-                  </p:par>
-                </p:childTnLst>
-              </p:cTn>
-              <p:prevCondLst>
-                <p:cond evt="onPrev" delay="0">
-                  <p:tgtEl>
-                    <p:sldTgt/>
-                  </p:tgtEl>
-                </p:cond>
-              </p:prevCondLst>
-              <p:nextCondLst>
-                <p:cond evt="onNext" delay="0">
-                  <p:tgtEl>
-                    <p:sldTgt/>
-                  </p:tgtEl>
-                </p:cond>
-              </p:nextCondLst>
-            </p:seq>
-          </p:childTnLst>
-        </p:cTn>
-      </p:par>
-    </p:tnLst>
-    <p:bldLst>
-      <p:bldP spid="6" grpId="0"/>
-      <p:bldP spid="3" grpId="0"/>
-    </p:bldLst>
-  </p:timing>
-</p:sld>
-</file>
-
-<file path=ppt/slides/slide12.xml><?xml version="1.0" encoding="utf-8"?>
-<p:sld xmlns:a="http://schemas.openxmlformats.org/drawingml/2006/main" xmlns:r="http://schemas.openxmlformats.org/officeDocument/2006/relationships" xmlns:p="http://schemas.openxmlformats.org/presentationml/2006/main">
-  <p:cSld>
-    <p:bg>
-      <p:bgPr>
-        <a:solidFill>
-          <a:schemeClr val="bg2">
-            <a:lumMod val="25000"/>
-          </a:schemeClr>
-        </a:solidFill>
-        <a:effectLst/>
-      </p:bgPr>
-    </p:bg>
-    <p:spTree>
-      <p:nvGrpSpPr>
-        <p:cNvPr id="1" name=""/>
-        <p:cNvGrpSpPr/>
-        <p:nvPr/>
-      </p:nvGrpSpPr>
-      <p:grpSpPr>
-        <a:xfrm>
-          <a:off x="0" y="0"/>
-          <a:ext cx="0" cy="0"/>
-          <a:chOff x="0" y="0"/>
-          <a:chExt cx="0" cy="0"/>
-        </a:xfrm>
-      </p:grpSpPr>
-      <p:sp>
-        <p:nvSpPr>
-          <p:cNvPr id="2" name="Title 1"/>
-          <p:cNvSpPr>
-            <a:spLocks noGrp="1"/>
-          </p:cNvSpPr>
-          <p:nvPr>
-            <p:ph type="title"/>
-          </p:nvPr>
-        </p:nvSpPr>
-        <p:spPr/>
-        <p:txBody>
-          <a:bodyPr/>
-          <a:lstStyle/>
-          <a:p>
-            <a:r>
-              <a:rPr lang="en-US" dirty="0" smtClean="0">
-                <a:solidFill>
-                  <a:schemeClr val="bg2"/>
-                </a:solidFill>
-              </a:rPr>
-              <a:t>Pre Scientific revolution – </a:t>
-            </a:r>
-            <a:r>
-              <a:rPr lang="en-US" dirty="0" smtClean="0">
-                <a:solidFill>
-                  <a:schemeClr val="bg2"/>
-                </a:solidFill>
-              </a:rPr>
-              <a:t>1800s</a:t>
-            </a:r>
-            <a:endParaRPr lang="en-US" dirty="0">
-              <a:solidFill>
-                <a:schemeClr val="bg2"/>
-              </a:solidFill>
-            </a:endParaRPr>
-          </a:p>
-        </p:txBody>
-      </p:sp>
-      <p:pic>
-        <p:nvPicPr>
-          <p:cNvPr id="7178" name="Picture 10" descr="Gustav Fechner - Founder of psychophysics – Genvive"/>
-          <p:cNvPicPr>
-            <a:picLocks noChangeAspect="1" noChangeArrowheads="1"/>
-          </p:cNvPicPr>
-          <p:nvPr/>
-        </p:nvPicPr>
-        <p:blipFill>
-          <a:blip r:embed="rId2">
-            <a:extLst>
-              <a:ext uri="{28A0092B-C50C-407E-A947-70E740481C1C}">
-                <a14:useLocalDpi xmlns:a14="http://schemas.microsoft.com/office/drawing/2010/main" val="0"/>
-              </a:ext>
-            </a:extLst>
-          </a:blip>
-          <a:srcRect/>
-          <a:stretch>
-            <a:fillRect/>
-          </a:stretch>
-        </p:blipFill>
-        <p:spPr bwMode="auto">
-          <a:xfrm>
-            <a:off x="8847858" y="2418408"/>
-            <a:ext cx="3155457" cy="3944322"/>
-          </a:xfrm>
-          <a:prstGeom prst="rect">
-            <a:avLst/>
-          </a:prstGeom>
-          <a:noFill/>
-          <a:extLst>
-            <a:ext uri="{909E8E84-426E-40DD-AFC4-6F175D3DCCD1}">
-              <a14:hiddenFill xmlns:a14="http://schemas.microsoft.com/office/drawing/2010/main">
-                <a:solidFill>
-                  <a:srgbClr val="FFFFFF"/>
-                </a:solidFill>
-              </a14:hiddenFill>
-            </a:ext>
-          </a:extLst>
-        </p:spPr>
-      </p:pic>
-      <p:pic>
-        <p:nvPicPr>
-          <p:cNvPr id="8194" name="Picture 2" descr="Psychophysics | in Chapter 04: Senses"/>
-          <p:cNvPicPr>
-            <a:picLocks noChangeAspect="1" noChangeArrowheads="1"/>
-          </p:cNvPicPr>
-          <p:nvPr/>
-        </p:nvPicPr>
-        <p:blipFill>
-          <a:blip r:embed="rId3">
-            <a:extLst>
-              <a:ext uri="{28A0092B-C50C-407E-A947-70E740481C1C}">
-                <a14:useLocalDpi xmlns:a14="http://schemas.microsoft.com/office/drawing/2010/main" val="0"/>
-              </a:ext>
-            </a:extLst>
-          </a:blip>
-          <a:srcRect/>
-          <a:stretch>
-            <a:fillRect/>
-          </a:stretch>
-        </p:blipFill>
-        <p:spPr bwMode="auto">
-          <a:xfrm>
-            <a:off x="141452" y="2537387"/>
-            <a:ext cx="3510801" cy="3625008"/>
-          </a:xfrm>
-          <a:prstGeom prst="rect">
-            <a:avLst/>
-          </a:prstGeom>
-          <a:noFill/>
-          <a:extLst>
-            <a:ext uri="{909E8E84-426E-40DD-AFC4-6F175D3DCCD1}">
-              <a14:hiddenFill xmlns:a14="http://schemas.microsoft.com/office/drawing/2010/main">
-                <a:solidFill>
-                  <a:srgbClr val="FFFFFF"/>
-                </a:solidFill>
-              </a14:hiddenFill>
-            </a:ext>
-          </a:extLst>
-        </p:spPr>
-      </p:pic>
-      <p:pic>
-        <p:nvPicPr>
-          <p:cNvPr id="3" name="Picture 2"/>
-          <p:cNvPicPr>
-            <a:picLocks noChangeAspect="1"/>
-          </p:cNvPicPr>
-          <p:nvPr/>
-        </p:nvPicPr>
-        <p:blipFill>
-          <a:blip r:embed="rId4"/>
-          <a:stretch>
-            <a:fillRect/>
-          </a:stretch>
-        </p:blipFill>
-        <p:spPr>
-          <a:xfrm>
-            <a:off x="3746342" y="2440001"/>
-            <a:ext cx="5007427" cy="3901135"/>
-          </a:xfrm>
-          <a:prstGeom prst="rect">
-            <a:avLst/>
-          </a:prstGeom>
-        </p:spPr>
-      </p:pic>
-      <p:sp>
-        <p:nvSpPr>
-          <p:cNvPr id="4" name="Rectangle 3"/>
-          <p:cNvSpPr/>
-          <p:nvPr/>
-        </p:nvSpPr>
-        <p:spPr>
-          <a:xfrm>
-            <a:off x="8723036" y="2049076"/>
-            <a:ext cx="3405099" cy="369332"/>
-          </a:xfrm>
-          <a:prstGeom prst="rect">
-            <a:avLst/>
-          </a:prstGeom>
-        </p:spPr>
-        <p:txBody>
-          <a:bodyPr wrap="none">
-            <a:spAutoFit/>
-          </a:bodyPr>
-          <a:lstStyle/>
-          <a:p>
-            <a:r>
-              <a:rPr lang="en-US" dirty="0">
-                <a:solidFill>
-                  <a:schemeClr val="bg2"/>
-                </a:solidFill>
-              </a:rPr>
-              <a:t>Gustav Fechner (1801–1887)</a:t>
-            </a:r>
-          </a:p>
-        </p:txBody>
-      </p:sp>
-    </p:spTree>
-    <p:extLst>
-      <p:ext uri="{BB962C8B-B14F-4D97-AF65-F5344CB8AC3E}">
-        <p14:creationId xmlns:p14="http://schemas.microsoft.com/office/powerpoint/2010/main" val="2251601830"/>
-      </p:ext>
-    </p:extLst>
-  </p:cSld>
-  <p:clrMapOvr>
-    <a:masterClrMapping/>
-  </p:clrMapOvr>
-  <p:timing>
-    <p:tnLst>
-      <p:par>
-        <p:cTn id="1" dur="indefinite" restart="never" nodeType="tmRoot">
-          <p:childTnLst>
-            <p:seq concurrent="1" nextAc="seek">
-              <p:cTn id="2" dur="indefinite" nodeType="mainSeq">
-                <p:childTnLst>
-                  <p:par>
-                    <p:cTn id="3" fill="hold">
-                      <p:stCondLst>
-                        <p:cond delay="indefinite"/>
-                      </p:stCondLst>
-                      <p:childTnLst>
-                        <p:par>
-                          <p:cTn id="4" fill="hold">
-                            <p:stCondLst>
-                              <p:cond delay="0"/>
-                            </p:stCondLst>
-                            <p:childTnLst>
-                              <p:par>
-                                <p:cTn id="5" presetID="10" presetClass="entr" presetSubtype="0" fill="hold" nodeType="clickEffect">
-                                  <p:stCondLst>
-                                    <p:cond delay="0"/>
-                                  </p:stCondLst>
-                                  <p:childTnLst>
-                                    <p:set>
-                                      <p:cBhvr>
-                                        <p:cTn id="6" dur="1" fill="hold">
-                                          <p:stCondLst>
-                                            <p:cond delay="0"/>
-                                          </p:stCondLst>
-                                        </p:cTn>
-                                        <p:tgtEl>
-                                          <p:spTgt spid="7178"/>
-                                        </p:tgtEl>
-                                        <p:attrNameLst>
-                                          <p:attrName>style.visibility</p:attrName>
-                                        </p:attrNameLst>
-                                      </p:cBhvr>
-                                      <p:to>
-                                        <p:strVal val="visible"/>
-                                      </p:to>
-                                    </p:set>
-                                    <p:animEffect transition="in" filter="fade">
-                                      <p:cBhvr>
-                                        <p:cTn id="7" dur="500"/>
-                                        <p:tgtEl>
-                                          <p:spTgt spid="7178"/>
-                                        </p:tgtEl>
-                                      </p:cBhvr>
-                                    </p:animEffect>
-                                  </p:childTnLst>
-                                </p:cTn>
-                              </p:par>
-                            </p:childTnLst>
-                          </p:cTn>
-                        </p:par>
-                      </p:childTnLst>
-                    </p:cTn>
-                  </p:par>
-                  <p:par>
-                    <p:cTn id="8" fill="hold">
-                      <p:stCondLst>
-                        <p:cond delay="indefinite"/>
-                      </p:stCondLst>
-                      <p:childTnLst>
-                        <p:par>
-                          <p:cTn id="9" fill="hold">
-                            <p:stCondLst>
-                              <p:cond delay="0"/>
-                            </p:stCondLst>
-                            <p:childTnLst>
-                              <p:par>
-                                <p:cTn id="10" presetID="10" presetClass="entr" presetSubtype="0" fill="hold" grpId="0" nodeType="clickEffect">
-                                  <p:stCondLst>
-                                    <p:cond delay="0"/>
-                                  </p:stCondLst>
-                                  <p:childTnLst>
-                                    <p:set>
-                                      <p:cBhvr>
-                                        <p:cTn id="11" dur="1" fill="hold">
-                                          <p:stCondLst>
-                                            <p:cond delay="0"/>
-                                          </p:stCondLst>
-                                        </p:cTn>
-                                        <p:tgtEl>
-                                          <p:spTgt spid="4"/>
-                                        </p:tgtEl>
-                                        <p:attrNameLst>
-                                          <p:attrName>style.visibility</p:attrName>
-                                        </p:attrNameLst>
-                                      </p:cBhvr>
-                                      <p:to>
-                                        <p:strVal val="visible"/>
-                                      </p:to>
-                                    </p:set>
-                                    <p:animEffect transition="in" filter="fade">
-                                      <p:cBhvr>
-                                        <p:cTn id="12" dur="500"/>
-                                        <p:tgtEl>
-                                          <p:spTgt spid="4"/>
-                                        </p:tgtEl>
-                                      </p:cBhvr>
-                                    </p:animEffect>
-                                  </p:childTnLst>
-                                </p:cTn>
-                              </p:par>
-                            </p:childTnLst>
-                          </p:cTn>
-                        </p:par>
-                      </p:childTnLst>
-                    </p:cTn>
-                  </p:par>
-                  <p:par>
-                    <p:cTn id="13" fill="hold">
-                      <p:stCondLst>
-                        <p:cond delay="indefinite"/>
-                      </p:stCondLst>
-                      <p:childTnLst>
-                        <p:par>
-                          <p:cTn id="14" fill="hold">
-                            <p:stCondLst>
-                              <p:cond delay="0"/>
-                            </p:stCondLst>
-                            <p:childTnLst>
-                              <p:par>
-                                <p:cTn id="15" presetID="10" presetClass="entr" presetSubtype="0" fill="hold" nodeType="clickEffect">
-                                  <p:stCondLst>
-                                    <p:cond delay="0"/>
-                                  </p:stCondLst>
-                                  <p:childTnLst>
-                                    <p:set>
-                                      <p:cBhvr>
-                                        <p:cTn id="16" dur="1" fill="hold">
-                                          <p:stCondLst>
-                                            <p:cond delay="0"/>
-                                          </p:stCondLst>
-                                        </p:cTn>
-                                        <p:tgtEl>
-                                          <p:spTgt spid="8194"/>
-                                        </p:tgtEl>
-                                        <p:attrNameLst>
-                                          <p:attrName>style.visibility</p:attrName>
-                                        </p:attrNameLst>
-                                      </p:cBhvr>
-                                      <p:to>
-                                        <p:strVal val="visible"/>
-                                      </p:to>
-                                    </p:set>
-                                    <p:animEffect transition="in" filter="fade">
-                                      <p:cBhvr>
-                                        <p:cTn id="17" dur="500"/>
-                                        <p:tgtEl>
-                                          <p:spTgt spid="8194"/>
-                                        </p:tgtEl>
-                                      </p:cBhvr>
-                                    </p:animEffect>
-                                  </p:childTnLst>
-                                </p:cTn>
-                              </p:par>
-                            </p:childTnLst>
-                          </p:cTn>
-                        </p:par>
-                      </p:childTnLst>
-                    </p:cTn>
-                  </p:par>
-                  <p:par>
-                    <p:cTn id="18" fill="hold">
-                      <p:stCondLst>
-                        <p:cond delay="indefinite"/>
-                      </p:stCondLst>
-                      <p:childTnLst>
-                        <p:par>
-                          <p:cTn id="19" fill="hold">
-                            <p:stCondLst>
-                              <p:cond delay="0"/>
-                            </p:stCondLst>
-                            <p:childTnLst>
-                              <p:par>
-                                <p:cTn id="20" presetID="10" presetClass="entr" presetSubtype="0" fill="hold" nodeType="clickEffect">
-                                  <p:stCondLst>
-                                    <p:cond delay="0"/>
-                                  </p:stCondLst>
-                                  <p:childTnLst>
-                                    <p:set>
-                                      <p:cBhvr>
-                                        <p:cTn id="21" dur="1" fill="hold">
-                                          <p:stCondLst>
-                                            <p:cond delay="0"/>
-                                          </p:stCondLst>
-                                        </p:cTn>
-                                        <p:tgtEl>
-                                          <p:spTgt spid="3"/>
-                                        </p:tgtEl>
-                                        <p:attrNameLst>
-                                          <p:attrName>style.visibility</p:attrName>
-                                        </p:attrNameLst>
-                                      </p:cBhvr>
-                                      <p:to>
-                                        <p:strVal val="visible"/>
-                                      </p:to>
-                                    </p:set>
-                                    <p:animEffect transition="in" filter="fade">
-                                      <p:cBhvr>
-                                        <p:cTn id="22" dur="500"/>
-                                        <p:tgtEl>
-                                          <p:spTgt spid="3"/>
-                                        </p:tgtEl>
-                                      </p:cBhvr>
-                                    </p:animEffect>
-                                  </p:childTnLst>
-                                </p:cTn>
-                              </p:par>
-                            </p:childTnLst>
-                          </p:cTn>
-                        </p:par>
-                      </p:childTnLst>
-                    </p:cTn>
-                  </p:par>
-                </p:childTnLst>
-              </p:cTn>
-              <p:prevCondLst>
-                <p:cond evt="onPrev" delay="0">
-                  <p:tgtEl>
-                    <p:sldTgt/>
-                  </p:tgtEl>
-                </p:cond>
-              </p:prevCondLst>
-              <p:nextCondLst>
-                <p:cond evt="onNext" delay="0">
-                  <p:tgtEl>
-                    <p:sldTgt/>
-                  </p:tgtEl>
-                </p:cond>
-              </p:nextCondLst>
-            </p:seq>
-          </p:childTnLst>
-        </p:cTn>
-      </p:par>
-    </p:tnLst>
-    <p:bldLst>
-      <p:bldP spid="4" grpId="0"/>
-    </p:bldLst>
-  </p:timing>
-</p:sld>
-</file>
-
-<file path=ppt/slides/slide13.xml><?xml version="1.0" encoding="utf-8"?>
 <p:sld xmlns:a="http://schemas.openxmlformats.org/drawingml/2006/main" xmlns:r="http://schemas.openxmlformats.org/officeDocument/2006/relationships" xmlns:p="http://schemas.openxmlformats.org/presentationml/2006/main">
   <p:cSld>
     <p:bg>
@@ -6845,7 +5982,15 @@
                   <a:schemeClr val="bg2"/>
                 </a:solidFill>
               </a:rPr>
-              <a:t>1800s onwards</a:t>
+              <a:t>1850s </a:t>
+            </a:r>
+            <a:r>
+              <a:rPr lang="en-US" dirty="0" smtClean="0">
+                <a:solidFill>
+                  <a:schemeClr val="bg2"/>
+                </a:solidFill>
+              </a:rPr>
+              <a:t>onwards</a:t>
             </a:r>
             <a:endParaRPr lang="en-US" dirty="0">
               <a:solidFill>
@@ -6957,7 +6102,7 @@
 </p:sld>
 </file>
 
-<file path=ppt/slides/slide14.xml><?xml version="1.0" encoding="utf-8"?>
+<file path=ppt/slides/slide12.xml><?xml version="1.0" encoding="utf-8"?>
 <p:sld xmlns:a="http://schemas.openxmlformats.org/drawingml/2006/main" xmlns:r="http://schemas.openxmlformats.org/officeDocument/2006/relationships" xmlns:p="http://schemas.openxmlformats.org/presentationml/2006/main">
   <p:cSld>
     <p:bg>
@@ -7005,7 +6150,15 @@
                   <a:schemeClr val="bg2"/>
                 </a:solidFill>
               </a:rPr>
-              <a:t>1800s onwards</a:t>
+              <a:t>1800s </a:t>
+            </a:r>
+            <a:r>
+              <a:rPr lang="en-US" dirty="0" smtClean="0">
+                <a:solidFill>
+                  <a:schemeClr val="bg2"/>
+                </a:solidFill>
+              </a:rPr>
+              <a:t>onwards – PSYCHOLOGY!</a:t>
             </a:r>
             <a:endParaRPr lang="en-US" dirty="0">
               <a:solidFill>
@@ -7024,7 +6177,7 @@
           <p:nvPr/>
         </p:nvPicPr>
         <p:blipFill>
-          <a:blip r:embed="rId2">
+          <a:blip r:embed="rId3">
             <a:extLst>
               <a:ext uri="{28A0092B-C50C-407E-A947-70E740481C1C}">
                 <a14:useLocalDpi xmlns:a14="http://schemas.microsoft.com/office/drawing/2010/main" val="0"/>
@@ -7038,8 +6191,8 @@
         </p:blipFill>
         <p:spPr bwMode="auto">
           <a:xfrm>
-            <a:off x="0" y="2377712"/>
-            <a:ext cx="3497943" cy="4480288"/>
+            <a:off x="1" y="3417612"/>
+            <a:ext cx="2686050" cy="3440387"/>
           </a:xfrm>
           <a:prstGeom prst="rect">
             <a:avLst/>
@@ -7065,7 +6218,7 @@
           <p:nvPr/>
         </p:nvPicPr>
         <p:blipFill>
-          <a:blip r:embed="rId3" cstate="print">
+          <a:blip r:embed="rId4" cstate="print">
             <a:extLst>
               <a:ext uri="{28A0092B-C50C-407E-A947-70E740481C1C}">
                 <a14:useLocalDpi xmlns:a14="http://schemas.microsoft.com/office/drawing/2010/main" val="0"/>
@@ -7079,8 +6232,8 @@
         </p:blipFill>
         <p:spPr bwMode="auto">
           <a:xfrm>
-            <a:off x="3497943" y="1638250"/>
-            <a:ext cx="3188607" cy="5219749"/>
+            <a:off x="2686051" y="3409950"/>
+            <a:ext cx="2106322" cy="3448049"/>
           </a:xfrm>
           <a:prstGeom prst="rect">
             <a:avLst/>
@@ -7106,7 +6259,7 @@
           <p:nvPr/>
         </p:nvPicPr>
         <p:blipFill>
-          <a:blip r:embed="rId4">
+          <a:blip r:embed="rId5">
             <a:extLst>
               <a:ext uri="{28A0092B-C50C-407E-A947-70E740481C1C}">
                 <a14:useLocalDpi xmlns:a14="http://schemas.microsoft.com/office/drawing/2010/main" val="0"/>
@@ -7120,8 +6273,8 @@
         </p:blipFill>
         <p:spPr bwMode="auto">
           <a:xfrm>
-            <a:off x="8229599" y="3984891"/>
-            <a:ext cx="4295775" cy="3291638"/>
+            <a:off x="6649962" y="4189825"/>
+            <a:ext cx="3482119" cy="2668174"/>
           </a:xfrm>
           <a:prstGeom prst="rect">
             <a:avLst/>
@@ -7147,7 +6300,7 @@
           <p:nvPr/>
         </p:nvPicPr>
         <p:blipFill>
-          <a:blip r:embed="rId5">
+          <a:blip r:embed="rId6">
             <a:extLst>
               <a:ext uri="{28A0092B-C50C-407E-A947-70E740481C1C}">
                 <a14:useLocalDpi xmlns:a14="http://schemas.microsoft.com/office/drawing/2010/main" val="0"/>
@@ -7161,8 +6314,90 @@
         </p:blipFill>
         <p:spPr bwMode="auto">
           <a:xfrm>
-            <a:off x="6686550" y="2261061"/>
-            <a:ext cx="3200400" cy="4596940"/>
+            <a:off x="4792373" y="4189825"/>
+            <a:ext cx="1857589" cy="2668175"/>
+          </a:xfrm>
+          <a:prstGeom prst="rect">
+            <a:avLst/>
+          </a:prstGeom>
+          <a:noFill/>
+          <a:extLst>
+            <a:ext uri="{909E8E84-426E-40DD-AFC4-6F175D3DCCD1}">
+              <a14:hiddenFill xmlns:a14="http://schemas.microsoft.com/office/drawing/2010/main">
+                <a:solidFill>
+                  <a:srgbClr val="FFFFFF"/>
+                </a:solidFill>
+              </a14:hiddenFill>
+            </a:ext>
+          </a:extLst>
+        </p:spPr>
+      </p:pic>
+      <p:pic>
+        <p:nvPicPr>
+          <p:cNvPr id="1026" name="Picture 2" descr="Max Wertheimer: Gestalt Theory Founder — Gestalt Therapy Blog"/>
+          <p:cNvPicPr>
+            <a:picLocks noChangeAspect="1" noChangeArrowheads="1"/>
+          </p:cNvPicPr>
+          <p:nvPr/>
+        </p:nvPicPr>
+        <p:blipFill>
+          <a:blip r:embed="rId7">
+            <a:extLst>
+              <a:ext uri="{28A0092B-C50C-407E-A947-70E740481C1C}">
+                <a14:useLocalDpi xmlns:a14="http://schemas.microsoft.com/office/drawing/2010/main" val="0"/>
+              </a:ext>
+            </a:extLst>
+          </a:blip>
+          <a:srcRect/>
+          <a:stretch>
+            <a:fillRect/>
+          </a:stretch>
+        </p:blipFill>
+        <p:spPr bwMode="auto">
+          <a:xfrm>
+            <a:off x="4792373" y="1834780"/>
+            <a:ext cx="4199227" cy="2432053"/>
+          </a:xfrm>
+          <a:prstGeom prst="rect">
+            <a:avLst/>
+          </a:prstGeom>
+          <a:noFill/>
+          <a:extLst>
+            <a:ext uri="{909E8E84-426E-40DD-AFC4-6F175D3DCCD1}">
+              <a14:hiddenFill xmlns:a14="http://schemas.microsoft.com/office/drawing/2010/main">
+                <a:solidFill>
+                  <a:srgbClr val="FFFFFF"/>
+                </a:solidFill>
+              </a14:hiddenFill>
+            </a:ext>
+          </a:extLst>
+        </p:spPr>
+      </p:pic>
+      <p:pic>
+        <p:nvPicPr>
+          <p:cNvPr id="1030" name="Picture 6" descr="How Optical Illusions Work | CooperVision"/>
+          <p:cNvPicPr>
+            <a:picLocks noChangeAspect="1" noChangeArrowheads="1"/>
+          </p:cNvPicPr>
+          <p:nvPr/>
+        </p:nvPicPr>
+        <p:blipFill>
+          <a:blip r:embed="rId8">
+            <a:extLst>
+              <a:ext uri="{28A0092B-C50C-407E-A947-70E740481C1C}">
+                <a14:useLocalDpi xmlns:a14="http://schemas.microsoft.com/office/drawing/2010/main" val="0"/>
+              </a:ext>
+            </a:extLst>
+          </a:blip>
+          <a:srcRect/>
+          <a:stretch>
+            <a:fillRect/>
+          </a:stretch>
+        </p:blipFill>
+        <p:spPr bwMode="auto">
+          <a:xfrm>
+            <a:off x="8991601" y="1066431"/>
+            <a:ext cx="3200400" cy="3200401"/>
           </a:xfrm>
           <a:prstGeom prst="rect">
             <a:avLst/>
@@ -7199,7 +6434,7 @@
 </p:sld>
 </file>
 
-<file path=ppt/slides/slide15.xml><?xml version="1.0" encoding="utf-8"?>
+<file path=ppt/slides/slide13.xml><?xml version="1.0" encoding="utf-8"?>
 <p:sld xmlns:a="http://schemas.openxmlformats.org/drawingml/2006/main" xmlns:r="http://schemas.openxmlformats.org/officeDocument/2006/relationships" xmlns:p="http://schemas.openxmlformats.org/presentationml/2006/main">
   <p:cSld>
     <p:bg>
@@ -7472,7 +6707,7 @@
 </p:sld>
 </file>
 
-<file path=ppt/slides/slide16.xml><?xml version="1.0" encoding="utf-8"?>
+<file path=ppt/slides/slide14.xml><?xml version="1.0" encoding="utf-8"?>
 <p:sld xmlns:a="http://schemas.openxmlformats.org/drawingml/2006/main" xmlns:r="http://schemas.openxmlformats.org/officeDocument/2006/relationships" xmlns:p="http://schemas.openxmlformats.org/presentationml/2006/main">
   <p:cSld>
     <p:bg>
@@ -7641,7 +6876,7 @@
 </p:sld>
 </file>
 
-<file path=ppt/slides/slide17.xml><?xml version="1.0" encoding="utf-8"?>
+<file path=ppt/slides/slide15.xml><?xml version="1.0" encoding="utf-8"?>
 <p:sld xmlns:a="http://schemas.openxmlformats.org/drawingml/2006/main" xmlns:r="http://schemas.openxmlformats.org/officeDocument/2006/relationships" xmlns:p="http://schemas.openxmlformats.org/presentationml/2006/main">
   <p:cSld>
     <p:bg>
@@ -8149,7 +7384,7 @@
 </p:sld>
 </file>
 
-<file path=ppt/slides/slide18.xml><?xml version="1.0" encoding="utf-8"?>
+<file path=ppt/slides/slide16.xml><?xml version="1.0" encoding="utf-8"?>
 <p:sld xmlns:a="http://schemas.openxmlformats.org/drawingml/2006/main" xmlns:r="http://schemas.openxmlformats.org/officeDocument/2006/relationships" xmlns:p="http://schemas.openxmlformats.org/presentationml/2006/main">
   <p:cSld>
     <p:bg>
@@ -8438,7 +7673,7 @@
 </p:sld>
 </file>
 
-<file path=ppt/slides/slide19.xml><?xml version="1.0" encoding="utf-8"?>
+<file path=ppt/slides/slide17.xml><?xml version="1.0" encoding="utf-8"?>
 <p:sld xmlns:a="http://schemas.openxmlformats.org/drawingml/2006/main" xmlns:r="http://schemas.openxmlformats.org/officeDocument/2006/relationships" xmlns:p="http://schemas.openxmlformats.org/presentationml/2006/main">
   <p:cSld>
     <p:spTree>
@@ -8804,18 +8039,25 @@
             <p:ph type="title"/>
           </p:nvPr>
         </p:nvSpPr>
-        <p:spPr/>
-        <p:txBody>
-          <a:bodyPr/>
+        <p:spPr>
+          <a:xfrm>
+            <a:off x="1024128" y="391886"/>
+            <a:ext cx="9720072" cy="2084832"/>
+          </a:xfrm>
+        </p:spPr>
+        <p:txBody>
+          <a:bodyPr>
+            <a:normAutofit/>
+          </a:bodyPr>
           <a:lstStyle/>
           <a:p>
             <a:r>
-              <a:rPr lang="en-US" b="1" dirty="0" smtClean="0">
+              <a:rPr lang="en-US" sz="5400" b="1" dirty="0">
                 <a:solidFill>
                   <a:srgbClr val="7030A0"/>
                 </a:solidFill>
               </a:rPr>
-              <a:t>Warning</a:t>
+              <a:t>Background Color indicates progression through time </a:t>
             </a:r>
             <a:endParaRPr lang="en-US" b="1" dirty="0">
               <a:solidFill>
@@ -8827,91 +8069,13 @@
       </p:sp>
       <p:sp>
         <p:nvSpPr>
-          <p:cNvPr id="3" name="Content Placeholder 2"/>
-          <p:cNvSpPr>
-            <a:spLocks noGrp="1"/>
-          </p:cNvSpPr>
-          <p:nvPr>
-            <p:ph idx="1"/>
-          </p:nvPr>
-        </p:nvSpPr>
-        <p:spPr>
-          <a:xfrm>
-            <a:off x="1024128" y="1593666"/>
-            <a:ext cx="9720073" cy="4023360"/>
-          </a:xfrm>
-          <a:solidFill>
-            <a:srgbClr val="FFC000"/>
-          </a:solidFill>
-        </p:spPr>
-        <p:txBody>
-          <a:bodyPr>
-            <a:normAutofit/>
-          </a:bodyPr>
-          <a:lstStyle/>
-          <a:p>
-            <a:r>
-              <a:rPr lang="en-US" sz="3200" b="1" dirty="0" smtClean="0">
-                <a:solidFill>
-                  <a:srgbClr val="7030A0"/>
-                </a:solidFill>
-              </a:rPr>
-              <a:t>- Background Color indicates progression through time </a:t>
-            </a:r>
-            <a:endParaRPr lang="en-US" sz="3200" b="1" dirty="0">
-              <a:solidFill>
-                <a:srgbClr val="7030A0"/>
-              </a:solidFill>
-            </a:endParaRPr>
-          </a:p>
-          <a:p>
-            <a:r>
-              <a:rPr lang="en-US" sz="2000" b="1" dirty="0" smtClean="0">
-                <a:solidFill>
-                  <a:srgbClr val="7030A0"/>
-                </a:solidFill>
-              </a:rPr>
-              <a:t>- black = past</a:t>
-            </a:r>
-          </a:p>
-          <a:p>
-            <a:r>
-              <a:rPr lang="en-US" sz="2000" b="1" dirty="0" smtClean="0">
-                <a:solidFill>
-                  <a:srgbClr val="7030A0"/>
-                </a:solidFill>
-              </a:rPr>
-              <a:t>- shades of blue = recent history</a:t>
-            </a:r>
-          </a:p>
-          <a:p>
-            <a:r>
-              <a:rPr lang="en-US" sz="2000" b="1" dirty="0" smtClean="0">
-                <a:solidFill>
-                  <a:srgbClr val="7030A0"/>
-                </a:solidFill>
-              </a:rPr>
-              <a:t>- white = now</a:t>
-            </a:r>
-          </a:p>
-          <a:p>
-            <a:endParaRPr lang="en-US" sz="2000" b="1" dirty="0">
-              <a:solidFill>
-                <a:srgbClr val="7030A0"/>
-              </a:solidFill>
-            </a:endParaRPr>
-          </a:p>
-        </p:txBody>
-      </p:sp>
-      <p:sp>
-        <p:nvSpPr>
           <p:cNvPr id="4" name="Rectangle 3"/>
           <p:cNvSpPr/>
           <p:nvPr/>
         </p:nvSpPr>
         <p:spPr>
           <a:xfrm>
-            <a:off x="1024128" y="4153992"/>
+            <a:off x="1103957" y="2913021"/>
             <a:ext cx="3038421" cy="2704011"/>
           </a:xfrm>
           <a:prstGeom prst="rect">
@@ -8963,7 +8127,7 @@
         </p:nvSpPr>
         <p:spPr>
           <a:xfrm>
-            <a:off x="4364953" y="4153989"/>
+            <a:off x="4444782" y="2913018"/>
             <a:ext cx="3038421" cy="2704011"/>
           </a:xfrm>
           <a:prstGeom prst="rect">
@@ -9015,7 +8179,7 @@
         </p:nvSpPr>
         <p:spPr>
           <a:xfrm>
-            <a:off x="7705779" y="4153989"/>
+            <a:off x="7785608" y="2913018"/>
             <a:ext cx="3038421" cy="2704011"/>
           </a:xfrm>
           <a:prstGeom prst="rect">
@@ -10406,7 +9570,6 @@
               <a:rPr lang="en-US" b="1" dirty="0"/>
               <a:t>Distinction Between Sensation and Perception</a:t>
             </a:r>
-            <a:endParaRPr lang="en-US" b="1" dirty="0"/>
           </a:p>
         </p:txBody>
       </p:sp>
@@ -11010,7 +10173,7 @@
                             </p:stCondLst>
                             <p:childTnLst>
                               <p:par>
-                                <p:cTn id="55" presetID="10" presetClass="entr" presetSubtype="0" fill="hold" grpId="0" nodeType="clickEffect">
+                                <p:cTn id="55" presetID="10" presetClass="entr" presetSubtype="0" fill="hold" nodeType="clickEffect">
                                   <p:stCondLst>
                                     <p:cond delay="0"/>
                                   </p:stCondLst>
@@ -11023,7 +10186,7 @@
                                           </p:stCondLst>
                                         </p:cTn>
                                         <p:tgtEl>
-                                          <p:spTgt spid="16"/>
+                                          <p:spTgt spid="9"/>
                                         </p:tgtEl>
                                         <p:attrNameLst>
                                           <p:attrName>style.visibility</p:attrName>
@@ -11037,7 +10200,7 @@
                                       <p:cBhvr>
                                         <p:cTn id="57" dur="500"/>
                                         <p:tgtEl>
-                                          <p:spTgt spid="16"/>
+                                          <p:spTgt spid="9"/>
                                         </p:tgtEl>
                                       </p:cBhvr>
                                     </p:animEffect>
@@ -11063,7 +10226,7 @@
                             </p:stCondLst>
                             <p:childTnLst>
                               <p:par>
-                                <p:cTn id="60" presetID="10" presetClass="entr" presetSubtype="0" fill="hold" nodeType="clickEffect">
+                                <p:cTn id="60" presetID="10" presetClass="entr" presetSubtype="0" fill="hold" grpId="0" nodeType="clickEffect">
                                   <p:stCondLst>
                                     <p:cond delay="0"/>
                                   </p:stCondLst>
@@ -11071,6 +10234,59 @@
                                     <p:set>
                                       <p:cBhvr>
                                         <p:cTn id="61" dur="1" fill="hold">
+                                          <p:stCondLst>
+                                            <p:cond delay="0"/>
+                                          </p:stCondLst>
+                                        </p:cTn>
+                                        <p:tgtEl>
+                                          <p:spTgt spid="16"/>
+                                        </p:tgtEl>
+                                        <p:attrNameLst>
+                                          <p:attrName>style.visibility</p:attrName>
+                                        </p:attrNameLst>
+                                      </p:cBhvr>
+                                      <p:to>
+                                        <p:strVal val="visible"/>
+                                      </p:to>
+                                    </p:set>
+                                    <p:animEffect transition="in" filter="fade">
+                                      <p:cBhvr>
+                                        <p:cTn id="62" dur="500"/>
+                                        <p:tgtEl>
+                                          <p:spTgt spid="16"/>
+                                        </p:tgtEl>
+                                      </p:cBhvr>
+                                    </p:animEffect>
+                                  </p:childTnLst>
+                                </p:cTn>
+                              </p:par>
+                            </p:childTnLst>
+                          </p:cTn>
+                        </p:par>
+                      </p:childTnLst>
+                    </p:cTn>
+                  </p:par>
+                  <p:par>
+                    <p:cTn id="63" fill="hold">
+                      <p:stCondLst>
+                        <p:cond delay="indefinite"/>
+                      </p:stCondLst>
+                      <p:childTnLst>
+                        <p:par>
+                          <p:cTn id="64" fill="hold">
+                            <p:stCondLst>
+                              <p:cond delay="0"/>
+                            </p:stCondLst>
+                            <p:childTnLst>
+                              <p:par>
+                                <p:cTn id="65" presetID="10" presetClass="entr" presetSubtype="0" fill="hold" nodeType="clickEffect">
+                                  <p:stCondLst>
+                                    <p:cond delay="0"/>
+                                  </p:stCondLst>
+                                  <p:childTnLst>
+                                    <p:set>
+                                      <p:cBhvr>
+                                        <p:cTn id="66" dur="1" fill="hold">
                                           <p:stCondLst>
                                             <p:cond delay="0"/>
                                           </p:stCondLst>
@@ -11088,7 +10304,7 @@
                                     </p:set>
                                     <p:animEffect transition="in" filter="fade">
                                       <p:cBhvr>
-                                        <p:cTn id="62" dur="500"/>
+                                        <p:cTn id="67" dur="500"/>
                                         <p:tgtEl>
                                           <p:spTgt spid="19"/>
                                         </p:tgtEl>
@@ -11098,14 +10314,14 @@
                                 </p:cTn>
                               </p:par>
                               <p:par>
-                                <p:cTn id="63" presetID="10" presetClass="entr" presetSubtype="0" fill="hold" nodeType="withEffect">
+                                <p:cTn id="68" presetID="10" presetClass="entr" presetSubtype="0" fill="hold" nodeType="withEffect">
                                   <p:stCondLst>
                                     <p:cond delay="0"/>
                                   </p:stCondLst>
                                   <p:childTnLst>
                                     <p:set>
                                       <p:cBhvr>
-                                        <p:cTn id="64" dur="1" fill="hold">
+                                        <p:cTn id="69" dur="1" fill="hold">
                                           <p:stCondLst>
                                             <p:cond delay="0"/>
                                           </p:stCondLst>
@@ -11123,62 +10339,9 @@
                                     </p:set>
                                     <p:animEffect transition="in" filter="fade">
                                       <p:cBhvr>
-                                        <p:cTn id="65" dur="500"/>
+                                        <p:cTn id="70" dur="500"/>
                                         <p:tgtEl>
                                           <p:spTgt spid="17"/>
-                                        </p:tgtEl>
-                                      </p:cBhvr>
-                                    </p:animEffect>
-                                  </p:childTnLst>
-                                </p:cTn>
-                              </p:par>
-                            </p:childTnLst>
-                          </p:cTn>
-                        </p:par>
-                      </p:childTnLst>
-                    </p:cTn>
-                  </p:par>
-                  <p:par>
-                    <p:cTn id="66" fill="hold">
-                      <p:stCondLst>
-                        <p:cond delay="indefinite"/>
-                      </p:stCondLst>
-                      <p:childTnLst>
-                        <p:par>
-                          <p:cTn id="67" fill="hold">
-                            <p:stCondLst>
-                              <p:cond delay="0"/>
-                            </p:stCondLst>
-                            <p:childTnLst>
-                              <p:par>
-                                <p:cTn id="68" presetID="10" presetClass="entr" presetSubtype="0" fill="hold" grpId="0" nodeType="clickEffect">
-                                  <p:stCondLst>
-                                    <p:cond delay="0"/>
-                                  </p:stCondLst>
-                                  <p:childTnLst>
-                                    <p:set>
-                                      <p:cBhvr>
-                                        <p:cTn id="69" dur="1" fill="hold">
-                                          <p:stCondLst>
-                                            <p:cond delay="0"/>
-                                          </p:stCondLst>
-                                        </p:cTn>
-                                        <p:tgtEl>
-                                          <p:spTgt spid="20"/>
-                                        </p:tgtEl>
-                                        <p:attrNameLst>
-                                          <p:attrName>style.visibility</p:attrName>
-                                        </p:attrNameLst>
-                                      </p:cBhvr>
-                                      <p:to>
-                                        <p:strVal val="visible"/>
-                                      </p:to>
-                                    </p:set>
-                                    <p:animEffect transition="in" filter="fade">
-                                      <p:cBhvr>
-                                        <p:cTn id="70" dur="500"/>
-                                        <p:tgtEl>
-                                          <p:spTgt spid="20"/>
                                         </p:tgtEl>
                                       </p:cBhvr>
                                     </p:animEffect>
@@ -11217,6 +10380,59 @@
                                           </p:stCondLst>
                                         </p:cTn>
                                         <p:tgtEl>
+                                          <p:spTgt spid="20"/>
+                                        </p:tgtEl>
+                                        <p:attrNameLst>
+                                          <p:attrName>style.visibility</p:attrName>
+                                        </p:attrNameLst>
+                                      </p:cBhvr>
+                                      <p:to>
+                                        <p:strVal val="visible"/>
+                                      </p:to>
+                                    </p:set>
+                                    <p:animEffect transition="in" filter="fade">
+                                      <p:cBhvr>
+                                        <p:cTn id="75" dur="500"/>
+                                        <p:tgtEl>
+                                          <p:spTgt spid="20"/>
+                                        </p:tgtEl>
+                                      </p:cBhvr>
+                                    </p:animEffect>
+                                  </p:childTnLst>
+                                </p:cTn>
+                              </p:par>
+                            </p:childTnLst>
+                          </p:cTn>
+                        </p:par>
+                      </p:childTnLst>
+                    </p:cTn>
+                  </p:par>
+                  <p:par>
+                    <p:cTn id="76" fill="hold">
+                      <p:stCondLst>
+                        <p:cond delay="indefinite"/>
+                      </p:stCondLst>
+                      <p:childTnLst>
+                        <p:par>
+                          <p:cTn id="77" fill="hold">
+                            <p:stCondLst>
+                              <p:cond delay="0"/>
+                            </p:stCondLst>
+                            <p:childTnLst>
+                              <p:par>
+                                <p:cTn id="78" presetID="10" presetClass="entr" presetSubtype="0" fill="hold" grpId="0" nodeType="clickEffect">
+                                  <p:stCondLst>
+                                    <p:cond delay="0"/>
+                                  </p:stCondLst>
+                                  <p:childTnLst>
+                                    <p:set>
+                                      <p:cBhvr>
+                                        <p:cTn id="79" dur="1" fill="hold">
+                                          <p:stCondLst>
+                                            <p:cond delay="0"/>
+                                          </p:stCondLst>
+                                        </p:cTn>
+                                        <p:tgtEl>
                                           <p:spTgt spid="18"/>
                                         </p:tgtEl>
                                         <p:attrNameLst>
@@ -11229,7 +10445,7 @@
                                     </p:set>
                                     <p:animEffect transition="in" filter="fade">
                                       <p:cBhvr>
-                                        <p:cTn id="75" dur="500"/>
+                                        <p:cTn id="80" dur="500"/>
                                         <p:tgtEl>
                                           <p:spTgt spid="18"/>
                                         </p:tgtEl>
@@ -11613,15 +10829,7 @@
                   <a:schemeClr val="bg1"/>
                 </a:solidFill>
               </a:rPr>
-              <a:t>Ibn </a:t>
-            </a:r>
-            <a:r>
-              <a:rPr lang="en-US" sz="3600" dirty="0" smtClean="0">
-                <a:solidFill>
-                  <a:schemeClr val="bg1"/>
-                </a:solidFill>
-              </a:rPr>
-              <a:t>Al-Haytham (1000 CE)</a:t>
+              <a:t>Ibn Al-Haytham (1000 CE)</a:t>
             </a:r>
             <a:endParaRPr lang="en-US" sz="3600" dirty="0"/>
           </a:p>
@@ -12269,7 +11477,7 @@
       </p:pic>
       <p:pic>
         <p:nvPicPr>
-          <p:cNvPr id="6" name="Picture 4" descr="undefined"/>
+          <p:cNvPr id="7" name="Picture 2" descr="undefined"/>
           <p:cNvPicPr>
             <a:picLocks noChangeAspect="1" noChangeArrowheads="1"/>
           </p:cNvPicPr>
@@ -12290,48 +11498,7 @@
         </p:blipFill>
         <p:spPr bwMode="auto">
           <a:xfrm>
-            <a:off x="645746" y="2084832"/>
-            <a:ext cx="756763" cy="1012466"/>
-          </a:xfrm>
-          <a:prstGeom prst="rect">
-            <a:avLst/>
-          </a:prstGeom>
-          <a:noFill/>
-          <a:extLst>
-            <a:ext uri="{909E8E84-426E-40DD-AFC4-6F175D3DCCD1}">
-              <a14:hiddenFill xmlns:a14="http://schemas.microsoft.com/office/drawing/2010/main">
-                <a:solidFill>
-                  <a:srgbClr val="FFFFFF"/>
-                </a:solidFill>
-              </a14:hiddenFill>
-            </a:ext>
-          </a:extLst>
-        </p:spPr>
-      </p:pic>
-      <p:pic>
-        <p:nvPicPr>
-          <p:cNvPr id="7" name="Picture 2" descr="undefined"/>
-          <p:cNvPicPr>
-            <a:picLocks noChangeAspect="1" noChangeArrowheads="1"/>
-          </p:cNvPicPr>
-          <p:nvPr/>
-        </p:nvPicPr>
-        <p:blipFill>
-          <a:blip r:embed="rId5" cstate="print">
-            <a:extLst>
-              <a:ext uri="{28A0092B-C50C-407E-A947-70E740481C1C}">
-                <a14:useLocalDpi xmlns:a14="http://schemas.microsoft.com/office/drawing/2010/main" val="0"/>
-              </a:ext>
-            </a:extLst>
-          </a:blip>
-          <a:srcRect/>
-          <a:stretch>
-            <a:fillRect/>
-          </a:stretch>
-        </p:blipFill>
-        <p:spPr bwMode="auto">
-          <a:xfrm>
-            <a:off x="88901" y="2835275"/>
+            <a:off x="2188741" y="5834940"/>
             <a:ext cx="762000" cy="1142999"/>
           </a:xfrm>
           <a:prstGeom prst="rect">
@@ -12357,8 +11524,8 @@
         </p:nvSpPr>
         <p:spPr>
           <a:xfrm>
-            <a:off x="2216003" y="1581149"/>
-            <a:ext cx="4999973" cy="3403600"/>
+            <a:off x="1758700" y="2295547"/>
+            <a:ext cx="2532393" cy="1723860"/>
           </a:xfrm>
           <a:prstGeom prst="cloud">
             <a:avLst/>
@@ -12400,7 +11567,7 @@
         </p:nvSpPr>
         <p:spPr>
           <a:xfrm rot="21225809">
-            <a:off x="2966297" y="2275387"/>
+            <a:off x="2122996" y="2576800"/>
             <a:ext cx="1522500" cy="369332"/>
           </a:xfrm>
           <a:prstGeom prst="rect">
@@ -12430,7 +11597,7 @@
         </p:nvSpPr>
         <p:spPr>
           <a:xfrm rot="21225809">
-            <a:off x="2733282" y="2796904"/>
+            <a:off x="2615389" y="2878087"/>
             <a:ext cx="1522500" cy="923330"/>
           </a:xfrm>
           <a:prstGeom prst="rect">
@@ -12460,14 +11627,116 @@
       </p:sp>
       <p:pic>
         <p:nvPicPr>
-          <p:cNvPr id="5126" name="Picture 6" descr="Mind–body dualism - Wikipedia"/>
+          <p:cNvPr id="5" name="Picture 4"/>
+          <p:cNvPicPr>
+            <a:picLocks noChangeAspect="1"/>
+          </p:cNvPicPr>
+          <p:nvPr/>
+        </p:nvPicPr>
+        <p:blipFill>
+          <a:blip r:embed="rId5"/>
+          <a:stretch>
+            <a:fillRect/>
+          </a:stretch>
+        </p:blipFill>
+        <p:spPr>
+          <a:xfrm>
+            <a:off x="5817664" y="5196571"/>
+            <a:ext cx="1833252" cy="1781368"/>
+          </a:xfrm>
+          <a:prstGeom prst="rect">
+            <a:avLst/>
+          </a:prstGeom>
+        </p:spPr>
+      </p:pic>
+      <p:sp>
+        <p:nvSpPr>
+          <p:cNvPr id="8" name="Rectangle 7"/>
+          <p:cNvSpPr/>
+          <p:nvPr/>
+        </p:nvSpPr>
+        <p:spPr>
+          <a:xfrm>
+            <a:off x="-26860" y="1807359"/>
+            <a:ext cx="2846048" cy="954107"/>
+          </a:xfrm>
+          <a:prstGeom prst="rect">
+            <a:avLst/>
+          </a:prstGeom>
+        </p:spPr>
+        <p:txBody>
+          <a:bodyPr wrap="square">
+            <a:spAutoFit/>
+          </a:bodyPr>
+          <a:lstStyle/>
+          <a:p>
+            <a:r>
+              <a:rPr lang="en-US" sz="2800" dirty="0">
+                <a:solidFill>
+                  <a:schemeClr val="bg2"/>
+                </a:solidFill>
+              </a:rPr>
+              <a:t>René Descartes (1596–1650</a:t>
+            </a:r>
+            <a:r>
+              <a:rPr lang="en-US" sz="2800" dirty="0" smtClean="0">
+                <a:solidFill>
+                  <a:schemeClr val="bg2"/>
+                </a:solidFill>
+              </a:rPr>
+              <a:t>)</a:t>
+            </a:r>
+            <a:endParaRPr lang="en-US" sz="2800" dirty="0">
+              <a:solidFill>
+                <a:schemeClr val="bg2"/>
+              </a:solidFill>
+            </a:endParaRPr>
+          </a:p>
+        </p:txBody>
+      </p:sp>
+      <p:sp>
+        <p:nvSpPr>
+          <p:cNvPr id="11" name="Rectangle 10"/>
+          <p:cNvSpPr/>
+          <p:nvPr/>
+        </p:nvSpPr>
+        <p:spPr>
+          <a:xfrm>
+            <a:off x="7861109" y="2391777"/>
+            <a:ext cx="2409486" cy="954107"/>
+          </a:xfrm>
+          <a:prstGeom prst="rect">
+            <a:avLst/>
+          </a:prstGeom>
+        </p:spPr>
+        <p:txBody>
+          <a:bodyPr wrap="square">
+            <a:spAutoFit/>
+          </a:bodyPr>
+          <a:lstStyle/>
+          <a:p>
+            <a:pPr algn="r"/>
+            <a:r>
+              <a:rPr lang="en-US" sz="2800" dirty="0">
+                <a:solidFill>
+                  <a:schemeClr val="bg2"/>
+                </a:solidFill>
+              </a:rPr>
+              <a:t>John Locke (1632–1704)</a:t>
+            </a:r>
+          </a:p>
+        </p:txBody>
+      </p:sp>
+      <p:pic>
+        <p:nvPicPr>
+          <p:cNvPr id="14" name="Picture 2" descr="William Molyneux - Wikipedia"/>
           <p:cNvPicPr>
             <a:picLocks noChangeAspect="1" noChangeArrowheads="1"/>
           </p:cNvPicPr>
           <p:nvPr/>
         </p:nvPicPr>
         <p:blipFill>
-          <a:blip r:embed="rId6" cstate="print">
+          <a:blip r:embed="rId6">
             <a:extLst>
               <a:ext uri="{28A0092B-C50C-407E-A947-70E740481C1C}">
                 <a14:useLocalDpi xmlns:a14="http://schemas.microsoft.com/office/drawing/2010/main" val="0"/>
@@ -12481,8 +11750,8 @@
         </p:blipFill>
         <p:spPr bwMode="auto">
           <a:xfrm>
-            <a:off x="4504353" y="2024506"/>
-            <a:ext cx="1916710" cy="2367701"/>
+            <a:off x="3214880" y="3707252"/>
+            <a:ext cx="2677603" cy="3183373"/>
           </a:xfrm>
           <a:prstGeom prst="rect">
             <a:avLst/>
@@ -12501,7 +11770,7 @@
       </p:pic>
       <p:pic>
         <p:nvPicPr>
-          <p:cNvPr id="5" name="Picture 4"/>
+          <p:cNvPr id="16" name="Picture 15"/>
           <p:cNvPicPr>
             <a:picLocks noChangeAspect="1"/>
           </p:cNvPicPr>
@@ -12515,24 +11784,94 @@
         </p:blipFill>
         <p:spPr>
           <a:xfrm>
-            <a:off x="6622574" y="4392207"/>
-            <a:ext cx="2537612" cy="2465793"/>
+            <a:off x="5883102" y="3663060"/>
+            <a:ext cx="1830262" cy="1653658"/>
           </a:xfrm>
           <a:prstGeom prst="rect">
             <a:avLst/>
           </a:prstGeom>
         </p:spPr>
       </p:pic>
+      <p:sp>
+        <p:nvSpPr>
+          <p:cNvPr id="17" name="Rectangle 16"/>
+          <p:cNvSpPr/>
+          <p:nvPr/>
+        </p:nvSpPr>
+        <p:spPr>
+          <a:xfrm>
+            <a:off x="3925191" y="2587407"/>
+            <a:ext cx="2270926" cy="1138773"/>
+          </a:xfrm>
+          <a:prstGeom prst="rect">
+            <a:avLst/>
+          </a:prstGeom>
+        </p:spPr>
+        <p:txBody>
+          <a:bodyPr wrap="square">
+            <a:spAutoFit/>
+          </a:bodyPr>
+          <a:lstStyle/>
+          <a:p>
+            <a:pPr algn="ctr"/>
+            <a:r>
+              <a:rPr lang="en-US" sz="2400" b="1" dirty="0">
+                <a:solidFill>
+                  <a:schemeClr val="bg2"/>
+                </a:solidFill>
+              </a:rPr>
+              <a:t>William </a:t>
+            </a:r>
+            <a:r>
+              <a:rPr lang="en-US" sz="2400" b="1" dirty="0" err="1">
+                <a:solidFill>
+                  <a:schemeClr val="bg2"/>
+                </a:solidFill>
+              </a:rPr>
+              <a:t>Molyneux</a:t>
+            </a:r>
+            <a:r>
+              <a:rPr lang="en-US" sz="2400" b="1" dirty="0">
+                <a:solidFill>
+                  <a:schemeClr val="bg2"/>
+                </a:solidFill>
+              </a:rPr>
+              <a:t> </a:t>
+            </a:r>
+            <a:r>
+              <a:rPr lang="en-US" sz="2000" b="1" dirty="0">
+                <a:solidFill>
+                  <a:schemeClr val="bg2"/>
+                </a:solidFill>
+              </a:rPr>
+              <a:t>(1656–1698</a:t>
+            </a:r>
+            <a:r>
+              <a:rPr lang="en-US" sz="2000" b="1" dirty="0" smtClean="0">
+                <a:solidFill>
+                  <a:schemeClr val="bg2"/>
+                </a:solidFill>
+              </a:rPr>
+              <a:t>)</a:t>
+            </a:r>
+            <a:endParaRPr lang="en-US" sz="2000" dirty="0">
+              <a:solidFill>
+                <a:schemeClr val="bg2"/>
+              </a:solidFill>
+            </a:endParaRPr>
+          </a:p>
+        </p:txBody>
+      </p:sp>
       <p:pic>
         <p:nvPicPr>
-          <p:cNvPr id="5124" name="Picture 4" descr="John Locke - Wikipedia"/>
+          <p:cNvPr id="15" name="Picture 6" descr="Cubes - Intermediate Geometry"/>
           <p:cNvPicPr>
             <a:picLocks noChangeAspect="1" noChangeArrowheads="1"/>
           </p:cNvPicPr>
           <p:nvPr/>
         </p:nvPicPr>
         <p:blipFill>
-          <a:blip r:embed="rId8">
+          <a:blip r:embed="rId8" cstate="print">
             <a:extLst>
               <a:ext uri="{28A0092B-C50C-407E-A947-70E740481C1C}">
                 <a14:useLocalDpi xmlns:a14="http://schemas.microsoft.com/office/drawing/2010/main" val="0"/>
@@ -12546,8 +11885,8 @@
         </p:blipFill>
         <p:spPr bwMode="auto">
           <a:xfrm>
-            <a:off x="9132686" y="2552700"/>
-            <a:ext cx="3059314" cy="4292600"/>
+            <a:off x="5883102" y="2155121"/>
+            <a:ext cx="1708758" cy="1650936"/>
           </a:xfrm>
           <a:prstGeom prst="rect">
             <a:avLst/>
@@ -12564,16 +11903,98 @@
           </a:extLst>
         </p:spPr>
       </p:pic>
-      <p:sp>
-        <p:nvSpPr>
-          <p:cNvPr id="8" name="Rectangle 7"/>
+      <p:pic>
+        <p:nvPicPr>
+          <p:cNvPr id="6" name="Picture 4" descr="undefined"/>
+          <p:cNvPicPr>
+            <a:picLocks noChangeAspect="1" noChangeArrowheads="1"/>
+          </p:cNvPicPr>
+          <p:nvPr/>
+        </p:nvPicPr>
+        <p:blipFill>
+          <a:blip r:embed="rId9" cstate="print">
+            <a:extLst>
+              <a:ext uri="{28A0092B-C50C-407E-A947-70E740481C1C}">
+                <a14:useLocalDpi xmlns:a14="http://schemas.microsoft.com/office/drawing/2010/main" val="0"/>
+              </a:ext>
+            </a:extLst>
+          </a:blip>
+          <a:srcRect/>
+          <a:stretch>
+            <a:fillRect/>
+          </a:stretch>
+        </p:blipFill>
+        <p:spPr bwMode="auto">
+          <a:xfrm>
+            <a:off x="2833997" y="5266182"/>
+            <a:ext cx="756763" cy="1012466"/>
+          </a:xfrm>
+          <a:prstGeom prst="rect">
+            <a:avLst/>
+          </a:prstGeom>
+          <a:noFill/>
+          <a:extLst>
+            <a:ext uri="{909E8E84-426E-40DD-AFC4-6F175D3DCCD1}">
+              <a14:hiddenFill xmlns:a14="http://schemas.microsoft.com/office/drawing/2010/main">
+                <a:solidFill>
+                  <a:srgbClr val="FFFFFF"/>
+                </a:solidFill>
+              </a14:hiddenFill>
+            </a:ext>
+          </a:extLst>
+        </p:spPr>
+      </p:pic>
+      <p:pic>
+        <p:nvPicPr>
+          <p:cNvPr id="5124" name="Picture 4" descr="John Locke - Wikipedia"/>
+          <p:cNvPicPr>
+            <a:picLocks noChangeAspect="1" noChangeArrowheads="1"/>
+          </p:cNvPicPr>
+          <p:nvPr/>
+        </p:nvPicPr>
+        <p:blipFill>
+          <a:blip r:embed="rId10" cstate="print">
+            <a:extLst>
+              <a:ext uri="{28A0092B-C50C-407E-A947-70E740481C1C}">
+                <a14:useLocalDpi xmlns:a14="http://schemas.microsoft.com/office/drawing/2010/main" val="0"/>
+              </a:ext>
+            </a:extLst>
+          </a:blip>
+          <a:srcRect/>
+          <a:stretch>
+            <a:fillRect/>
+          </a:stretch>
+        </p:blipFill>
+        <p:spPr bwMode="auto">
+          <a:xfrm>
+            <a:off x="7566163" y="3314700"/>
+            <a:ext cx="2610772" cy="3663239"/>
+          </a:xfrm>
+          <a:prstGeom prst="rect">
+            <a:avLst/>
+          </a:prstGeom>
+          <a:noFill/>
+          <a:extLst>
+            <a:ext uri="{909E8E84-426E-40DD-AFC4-6F175D3DCCD1}">
+              <a14:hiddenFill xmlns:a14="http://schemas.microsoft.com/office/drawing/2010/main">
+                <a:solidFill>
+                  <a:srgbClr val="FFFFFF"/>
+                </a:solidFill>
+              </a14:hiddenFill>
+            </a:ext>
+          </a:extLst>
+        </p:spPr>
+      </p:pic>
+      <p:sp>
+        <p:nvSpPr>
+          <p:cNvPr id="18" name="Rectangle 17"/>
           <p:cNvSpPr/>
           <p:nvPr/>
         </p:nvSpPr>
         <p:spPr>
           <a:xfrm>
-            <a:off x="3288052" y="5862382"/>
-            <a:ext cx="2846048" cy="954107"/>
+            <a:off x="10326193" y="2761466"/>
+            <a:ext cx="1865807" cy="1138773"/>
           </a:xfrm>
           <a:prstGeom prst="rect">
             <a:avLst/>
@@ -12585,63 +12006,110 @@
           </a:bodyPr>
           <a:lstStyle/>
           <a:p>
-            <a:r>
-              <a:rPr lang="en-US" sz="2800" dirty="0">
+            <a:pPr algn="r"/>
+            <a:r>
+              <a:rPr lang="en-US" sz="2400" dirty="0">
                 <a:solidFill>
                   <a:schemeClr val="bg2"/>
                 </a:solidFill>
               </a:rPr>
-              <a:t>René Descartes (1596–1650</a:t>
-            </a:r>
-            <a:r>
-              <a:rPr lang="en-US" sz="2800" dirty="0" smtClean="0">
+              <a:t>Immanuel </a:t>
+            </a:r>
+            <a:r>
+              <a:rPr lang="en-US" sz="2400" dirty="0" smtClean="0">
                 <a:solidFill>
                   <a:schemeClr val="bg2"/>
                 </a:solidFill>
               </a:rPr>
-              <a:t>)</a:t>
-            </a:r>
-            <a:endParaRPr lang="en-US" sz="2800" dirty="0">
-              <a:solidFill>
-                <a:schemeClr val="bg2"/>
-              </a:solidFill>
-            </a:endParaRPr>
-          </a:p>
-        </p:txBody>
-      </p:sp>
-      <p:sp>
-        <p:nvSpPr>
-          <p:cNvPr id="11" name="Rectangle 10"/>
-          <p:cNvSpPr/>
+              <a:t>Kant</a:t>
+            </a:r>
+          </a:p>
+          <a:p>
+            <a:pPr algn="r"/>
+            <a:r>
+              <a:rPr lang="en-US" sz="2000" dirty="0" smtClean="0">
+                <a:solidFill>
+                  <a:schemeClr val="bg2"/>
+                </a:solidFill>
+              </a:rPr>
+              <a:t>(</a:t>
+            </a:r>
+            <a:r>
+              <a:rPr lang="en-US" sz="2000" dirty="0">
+                <a:solidFill>
+                  <a:schemeClr val="bg2"/>
+                </a:solidFill>
+              </a:rPr>
+              <a:t>1724–1804)</a:t>
+            </a:r>
+          </a:p>
+        </p:txBody>
+      </p:sp>
+      <p:pic>
+        <p:nvPicPr>
+          <p:cNvPr id="19" name="Picture 2" descr="Immanuel Kant - Wikipedia"/>
+          <p:cNvPicPr>
+            <a:picLocks noChangeAspect="1" noChangeArrowheads="1"/>
+          </p:cNvPicPr>
           <p:nvPr/>
-        </p:nvSpPr>
+        </p:nvPicPr>
+        <p:blipFill>
+          <a:blip r:embed="rId11" cstate="print">
+            <a:extLst>
+              <a:ext uri="{28A0092B-C50C-407E-A947-70E740481C1C}">
+                <a14:useLocalDpi xmlns:a14="http://schemas.microsoft.com/office/drawing/2010/main" val="0"/>
+              </a:ext>
+            </a:extLst>
+          </a:blip>
+          <a:srcRect/>
+          <a:stretch>
+            <a:fillRect/>
+          </a:stretch>
+        </p:blipFill>
+        <p:spPr bwMode="auto">
+          <a:xfrm>
+            <a:off x="9877820" y="3881382"/>
+            <a:ext cx="2391142" cy="3120440"/>
+          </a:xfrm>
+          <a:prstGeom prst="rect">
+            <a:avLst/>
+          </a:prstGeom>
+          <a:noFill/>
+          <a:extLst>
+            <a:ext uri="{909E8E84-426E-40DD-AFC4-6F175D3DCCD1}">
+              <a14:hiddenFill xmlns:a14="http://schemas.microsoft.com/office/drawing/2010/main">
+                <a:solidFill>
+                  <a:srgbClr val="FFFFFF"/>
+                </a:solidFill>
+              </a14:hiddenFill>
+            </a:ext>
+          </a:extLst>
+        </p:spPr>
+      </p:pic>
+      <p:pic>
+        <p:nvPicPr>
+          <p:cNvPr id="20" name="Picture 19"/>
+          <p:cNvPicPr>
+            <a:picLocks noChangeAspect="1"/>
+          </p:cNvPicPr>
+          <p:nvPr/>
+        </p:nvPicPr>
+        <p:blipFill>
+          <a:blip r:embed="rId12"/>
+          <a:stretch>
+            <a:fillRect/>
+          </a:stretch>
+        </p:blipFill>
         <p:spPr>
           <a:xfrm>
-            <a:off x="9752716" y="1636958"/>
-            <a:ext cx="2409486" cy="954107"/>
+            <a:off x="6187307" y="-53409"/>
+            <a:ext cx="6004693" cy="1514004"/>
           </a:xfrm>
           <a:prstGeom prst="rect">
             <a:avLst/>
           </a:prstGeom>
         </p:spPr>
-        <p:txBody>
-          <a:bodyPr wrap="square">
-            <a:spAutoFit/>
-          </a:bodyPr>
-          <a:lstStyle/>
-          <a:p>
-            <a:pPr algn="r"/>
-            <a:r>
-              <a:rPr lang="en-US" sz="2800" dirty="0">
-                <a:solidFill>
-                  <a:schemeClr val="bg2"/>
-                </a:solidFill>
-              </a:rPr>
-              <a:t>John Locke (1632–1704)</a:t>
-            </a:r>
-          </a:p>
-        </p:txBody>
-      </p:sp>
+      </p:pic>
     </p:spTree>
     <p:extLst>
       <p:ext uri="{BB962C8B-B14F-4D97-AF65-F5344CB8AC3E}">
@@ -13057,7 +12525,7 @@
                                           </p:stCondLst>
                                         </p:cTn>
                                         <p:tgtEl>
-                                          <p:spTgt spid="5126"/>
+                                          <p:spTgt spid="14"/>
                                         </p:tgtEl>
                                         <p:attrNameLst>
                                           <p:attrName>style.visibility</p:attrName>
@@ -13071,7 +12539,7 @@
                                       <p:cBhvr>
                                         <p:cTn id="42" dur="500"/>
                                         <p:tgtEl>
-                                          <p:spTgt spid="5126"/>
+                                          <p:spTgt spid="14"/>
                                         </p:tgtEl>
                                       </p:cBhvr>
                                     </p:animEffect>
@@ -13097,7 +12565,7 @@
                             </p:stCondLst>
                             <p:childTnLst>
                               <p:par>
-                                <p:cTn id="45" presetID="10" presetClass="entr" presetSubtype="0" fill="hold" nodeType="clickEffect">
+                                <p:cTn id="45" presetID="10" presetClass="entr" presetSubtype="0" fill="hold" grpId="0" nodeType="clickEffect">
                                   <p:stCondLst>
                                     <p:cond delay="0"/>
                                   </p:stCondLst>
@@ -13110,7 +12578,7 @@
                                           </p:stCondLst>
                                         </p:cTn>
                                         <p:tgtEl>
-                                          <p:spTgt spid="5124"/>
+                                          <p:spTgt spid="17"/>
                                         </p:tgtEl>
                                         <p:attrNameLst>
                                           <p:attrName>style.visibility</p:attrName>
@@ -13124,7 +12592,7 @@
                                       <p:cBhvr>
                                         <p:cTn id="47" dur="500"/>
                                         <p:tgtEl>
-                                          <p:spTgt spid="5124"/>
+                                          <p:spTgt spid="17"/>
                                         </p:tgtEl>
                                       </p:cBhvr>
                                     </p:animEffect>
@@ -13150,7 +12618,7 @@
                             </p:stCondLst>
                             <p:childTnLst>
                               <p:par>
-                                <p:cTn id="50" presetID="10" presetClass="entr" presetSubtype="0" fill="hold" grpId="0" nodeType="clickEffect">
+                                <p:cTn id="50" presetID="10" presetClass="entr" presetSubtype="0" fill="hold" nodeType="clickEffect">
                                   <p:stCondLst>
                                     <p:cond delay="0"/>
                                   </p:stCondLst>
@@ -13163,7 +12631,7 @@
                                           </p:stCondLst>
                                         </p:cTn>
                                         <p:tgtEl>
-                                          <p:spTgt spid="11"/>
+                                          <p:spTgt spid="15"/>
                                         </p:tgtEl>
                                         <p:attrNameLst>
                                           <p:attrName>style.visibility</p:attrName>
@@ -13177,7 +12645,7 @@
                                       <p:cBhvr>
                                         <p:cTn id="52" dur="500"/>
                                         <p:tgtEl>
-                                          <p:spTgt spid="11"/>
+                                          <p:spTgt spid="15"/>
                                         </p:tgtEl>
                                       </p:cBhvr>
                                     </p:animEffect>
@@ -13216,7 +12684,7 @@
                                           </p:stCondLst>
                                         </p:cTn>
                                         <p:tgtEl>
-                                          <p:spTgt spid="5"/>
+                                          <p:spTgt spid="16"/>
                                         </p:tgtEl>
                                         <p:attrNameLst>
                                           <p:attrName>style.visibility</p:attrName>
@@ -13230,7 +12698,325 @@
                                       <p:cBhvr>
                                         <p:cTn id="57" dur="500"/>
                                         <p:tgtEl>
+                                          <p:spTgt spid="16"/>
+                                        </p:tgtEl>
+                                      </p:cBhvr>
+                                    </p:animEffect>
+                                  </p:childTnLst>
+                                </p:cTn>
+                              </p:par>
+                            </p:childTnLst>
+                          </p:cTn>
+                        </p:par>
+                      </p:childTnLst>
+                    </p:cTn>
+                  </p:par>
+                  <p:par>
+                    <p:cTn id="58" fill="hold">
+                      <p:stCondLst>
+                        <p:cond delay="indefinite"/>
+                      </p:stCondLst>
+                      <p:childTnLst>
+                        <p:par>
+                          <p:cTn id="59" fill="hold">
+                            <p:stCondLst>
+                              <p:cond delay="0"/>
+                            </p:stCondLst>
+                            <p:childTnLst>
+                              <p:par>
+                                <p:cTn id="60" presetID="10" presetClass="entr" presetSubtype="0" fill="hold" nodeType="clickEffect">
+                                  <p:stCondLst>
+                                    <p:cond delay="0"/>
+                                  </p:stCondLst>
+                                  <p:childTnLst>
+                                    <p:set>
+                                      <p:cBhvr>
+                                        <p:cTn id="61" dur="1" fill="hold">
+                                          <p:stCondLst>
+                                            <p:cond delay="0"/>
+                                          </p:stCondLst>
+                                        </p:cTn>
+                                        <p:tgtEl>
+                                          <p:spTgt spid="5124"/>
+                                        </p:tgtEl>
+                                        <p:attrNameLst>
+                                          <p:attrName>style.visibility</p:attrName>
+                                        </p:attrNameLst>
+                                      </p:cBhvr>
+                                      <p:to>
+                                        <p:strVal val="visible"/>
+                                      </p:to>
+                                    </p:set>
+                                    <p:animEffect transition="in" filter="fade">
+                                      <p:cBhvr>
+                                        <p:cTn id="62" dur="500"/>
+                                        <p:tgtEl>
+                                          <p:spTgt spid="5124"/>
+                                        </p:tgtEl>
+                                      </p:cBhvr>
+                                    </p:animEffect>
+                                  </p:childTnLst>
+                                </p:cTn>
+                              </p:par>
+                            </p:childTnLst>
+                          </p:cTn>
+                        </p:par>
+                      </p:childTnLst>
+                    </p:cTn>
+                  </p:par>
+                  <p:par>
+                    <p:cTn id="63" fill="hold">
+                      <p:stCondLst>
+                        <p:cond delay="indefinite"/>
+                      </p:stCondLst>
+                      <p:childTnLst>
+                        <p:par>
+                          <p:cTn id="64" fill="hold">
+                            <p:stCondLst>
+                              <p:cond delay="0"/>
+                            </p:stCondLst>
+                            <p:childTnLst>
+                              <p:par>
+                                <p:cTn id="65" presetID="10" presetClass="entr" presetSubtype="0" fill="hold" grpId="0" nodeType="clickEffect">
+                                  <p:stCondLst>
+                                    <p:cond delay="0"/>
+                                  </p:stCondLst>
+                                  <p:childTnLst>
+                                    <p:set>
+                                      <p:cBhvr>
+                                        <p:cTn id="66" dur="1" fill="hold">
+                                          <p:stCondLst>
+                                            <p:cond delay="0"/>
+                                          </p:stCondLst>
+                                        </p:cTn>
+                                        <p:tgtEl>
+                                          <p:spTgt spid="11"/>
+                                        </p:tgtEl>
+                                        <p:attrNameLst>
+                                          <p:attrName>style.visibility</p:attrName>
+                                        </p:attrNameLst>
+                                      </p:cBhvr>
+                                      <p:to>
+                                        <p:strVal val="visible"/>
+                                      </p:to>
+                                    </p:set>
+                                    <p:animEffect transition="in" filter="fade">
+                                      <p:cBhvr>
+                                        <p:cTn id="67" dur="500"/>
+                                        <p:tgtEl>
+                                          <p:spTgt spid="11"/>
+                                        </p:tgtEl>
+                                      </p:cBhvr>
+                                    </p:animEffect>
+                                  </p:childTnLst>
+                                </p:cTn>
+                              </p:par>
+                            </p:childTnLst>
+                          </p:cTn>
+                        </p:par>
+                      </p:childTnLst>
+                    </p:cTn>
+                  </p:par>
+                  <p:par>
+                    <p:cTn id="68" fill="hold">
+                      <p:stCondLst>
+                        <p:cond delay="indefinite"/>
+                      </p:stCondLst>
+                      <p:childTnLst>
+                        <p:par>
+                          <p:cTn id="69" fill="hold">
+                            <p:stCondLst>
+                              <p:cond delay="0"/>
+                            </p:stCondLst>
+                            <p:childTnLst>
+                              <p:par>
+                                <p:cTn id="70" presetID="10" presetClass="entr" presetSubtype="0" fill="hold" nodeType="clickEffect">
+                                  <p:stCondLst>
+                                    <p:cond delay="0"/>
+                                  </p:stCondLst>
+                                  <p:childTnLst>
+                                    <p:set>
+                                      <p:cBhvr>
+                                        <p:cTn id="71" dur="1" fill="hold">
+                                          <p:stCondLst>
+                                            <p:cond delay="0"/>
+                                          </p:stCondLst>
+                                        </p:cTn>
+                                        <p:tgtEl>
                                           <p:spTgt spid="5"/>
+                                        </p:tgtEl>
+                                        <p:attrNameLst>
+                                          <p:attrName>style.visibility</p:attrName>
+                                        </p:attrNameLst>
+                                      </p:cBhvr>
+                                      <p:to>
+                                        <p:strVal val="visible"/>
+                                      </p:to>
+                                    </p:set>
+                                    <p:animEffect transition="in" filter="fade">
+                                      <p:cBhvr>
+                                        <p:cTn id="72" dur="500"/>
+                                        <p:tgtEl>
+                                          <p:spTgt spid="5"/>
+                                        </p:tgtEl>
+                                      </p:cBhvr>
+                                    </p:animEffect>
+                                  </p:childTnLst>
+                                </p:cTn>
+                              </p:par>
+                            </p:childTnLst>
+                          </p:cTn>
+                        </p:par>
+                      </p:childTnLst>
+                    </p:cTn>
+                  </p:par>
+                  <p:par>
+                    <p:cTn id="73" fill="hold">
+                      <p:stCondLst>
+                        <p:cond delay="indefinite"/>
+                      </p:stCondLst>
+                      <p:childTnLst>
+                        <p:par>
+                          <p:cTn id="74" fill="hold">
+                            <p:stCondLst>
+                              <p:cond delay="0"/>
+                            </p:stCondLst>
+                            <p:childTnLst>
+                              <p:par>
+                                <p:cTn id="75" presetID="10" presetClass="entr" presetSubtype="0" fill="hold" nodeType="clickEffect">
+                                  <p:stCondLst>
+                                    <p:cond delay="0"/>
+                                  </p:stCondLst>
+                                  <p:childTnLst>
+                                    <p:set>
+                                      <p:cBhvr>
+                                        <p:cTn id="76" dur="1" fill="hold">
+                                          <p:stCondLst>
+                                            <p:cond delay="0"/>
+                                          </p:stCondLst>
+                                        </p:cTn>
+                                        <p:tgtEl>
+                                          <p:spTgt spid="19"/>
+                                        </p:tgtEl>
+                                        <p:attrNameLst>
+                                          <p:attrName>style.visibility</p:attrName>
+                                        </p:attrNameLst>
+                                      </p:cBhvr>
+                                      <p:to>
+                                        <p:strVal val="visible"/>
+                                      </p:to>
+                                    </p:set>
+                                    <p:animEffect transition="in" filter="fade">
+                                      <p:cBhvr>
+                                        <p:cTn id="77" dur="500"/>
+                                        <p:tgtEl>
+                                          <p:spTgt spid="19"/>
+                                        </p:tgtEl>
+                                      </p:cBhvr>
+                                    </p:animEffect>
+                                  </p:childTnLst>
+                                </p:cTn>
+                              </p:par>
+                            </p:childTnLst>
+                          </p:cTn>
+                        </p:par>
+                      </p:childTnLst>
+                    </p:cTn>
+                  </p:par>
+                  <p:par>
+                    <p:cTn id="78" fill="hold">
+                      <p:stCondLst>
+                        <p:cond delay="indefinite"/>
+                      </p:stCondLst>
+                      <p:childTnLst>
+                        <p:par>
+                          <p:cTn id="79" fill="hold">
+                            <p:stCondLst>
+                              <p:cond delay="0"/>
+                            </p:stCondLst>
+                            <p:childTnLst>
+                              <p:par>
+                                <p:cTn id="80" presetID="10" presetClass="entr" presetSubtype="0" fill="hold" grpId="0" nodeType="clickEffect">
+                                  <p:stCondLst>
+                                    <p:cond delay="0"/>
+                                  </p:stCondLst>
+                                  <p:childTnLst>
+                                    <p:set>
+                                      <p:cBhvr>
+                                        <p:cTn id="81" dur="1" fill="hold">
+                                          <p:stCondLst>
+                                            <p:cond delay="0"/>
+                                          </p:stCondLst>
+                                        </p:cTn>
+                                        <p:tgtEl>
+                                          <p:spTgt spid="18"/>
+                                        </p:tgtEl>
+                                        <p:attrNameLst>
+                                          <p:attrName>style.visibility</p:attrName>
+                                        </p:attrNameLst>
+                                      </p:cBhvr>
+                                      <p:to>
+                                        <p:strVal val="visible"/>
+                                      </p:to>
+                                    </p:set>
+                                    <p:animEffect transition="in" filter="fade">
+                                      <p:cBhvr>
+                                        <p:cTn id="82" dur="500"/>
+                                        <p:tgtEl>
+                                          <p:spTgt spid="18"/>
+                                        </p:tgtEl>
+                                      </p:cBhvr>
+                                    </p:animEffect>
+                                  </p:childTnLst>
+                                </p:cTn>
+                              </p:par>
+                            </p:childTnLst>
+                          </p:cTn>
+                        </p:par>
+                      </p:childTnLst>
+                    </p:cTn>
+                  </p:par>
+                  <p:par>
+                    <p:cTn id="83" fill="hold">
+                      <p:stCondLst>
+                        <p:cond delay="indefinite"/>
+                      </p:stCondLst>
+                      <p:childTnLst>
+                        <p:par>
+                          <p:cTn id="84" fill="hold">
+                            <p:stCondLst>
+                              <p:cond delay="0"/>
+                            </p:stCondLst>
+                            <p:childTnLst>
+                              <p:par>
+                                <p:cTn id="85" presetID="10" presetClass="entr" presetSubtype="0" fill="hold" nodeType="clickEffect">
+                                  <p:stCondLst>
+                                    <p:cond delay="0"/>
+                                  </p:stCondLst>
+                                  <p:childTnLst>
+                                    <p:set>
+                                      <p:cBhvr>
+                                        <p:cTn id="86" dur="1" fill="hold">
+                                          <p:stCondLst>
+                                            <p:cond delay="0"/>
+                                          </p:stCondLst>
+                                        </p:cTn>
+                                        <p:tgtEl>
+                                          <p:spTgt spid="20"/>
+                                        </p:tgtEl>
+                                        <p:attrNameLst>
+                                          <p:attrName>style.visibility</p:attrName>
+                                        </p:attrNameLst>
+                                      </p:cBhvr>
+                                      <p:to>
+                                        <p:strVal val="visible"/>
+                                      </p:to>
+                                    </p:set>
+                                    <p:animEffect transition="in" filter="fade">
+                                      <p:cBhvr>
+                                        <p:cTn id="87" dur="500"/>
+                                        <p:tgtEl>
+                                          <p:spTgt spid="20"/>
                                         </p:tgtEl>
                                       </p:cBhvr>
                                     </p:animEffect>
@@ -13270,6 +13056,8 @@
       <p:bldP spid="10" grpId="0"/>
       <p:bldP spid="8" grpId="0"/>
       <p:bldP spid="11" grpId="0"/>
+      <p:bldP spid="17" grpId="0"/>
+      <p:bldP spid="18" grpId="0"/>
     </p:bldLst>
   </p:timing>
 </p:sld>
@@ -13433,7 +13221,7 @@
                   <a:schemeClr val="bg2"/>
                 </a:solidFill>
               </a:rPr>
-              <a:t>IS</a:t>
+              <a:t>IS …</a:t>
             </a:r>
             <a:endParaRPr lang="en-US" sz="5400" b="1" i="1" u="sng" dirty="0">
               <a:solidFill>
